--- a/Localization of Transmitter using TDOA analysis.pptx
+++ b/Localization of Transmitter using TDOA analysis.pptx
@@ -2,10 +2,13 @@
 <file path=ppt/presentation.xml><?xml version="1.0" encoding="utf-8"?>
 <p:presentation xmlns:a="http://schemas.openxmlformats.org/drawingml/2006/main" xmlns:r="http://schemas.openxmlformats.org/officeDocument/2006/relationships" xmlns:p="http://schemas.openxmlformats.org/presentationml/2006/main" saveSubsetFonts="1">
   <p:sldMasterIdLst>
-    <p:sldMasterId id="2147483648" r:id="rId1"/>
+    <p:sldMasterId id="2147483660" r:id="rId1"/>
   </p:sldMasterIdLst>
   <p:sldIdLst>
     <p:sldId id="256" r:id="rId2"/>
+    <p:sldId id="258" r:id="rId3"/>
+    <p:sldId id="259" r:id="rId4"/>
+    <p:sldId id="260" r:id="rId5"/>
   </p:sldIdLst>
   <p:sldSz cx="12192000" cy="6858000"/>
   <p:notesSz cx="6858000" cy="9144000"/>
@@ -13,7 +16,7 @@
     <a:defPPr>
       <a:defRPr lang="en-US"/>
     </a:defPPr>
-    <a:lvl1pPr marL="0" algn="l" defTabSz="914400" rtl="0" eaLnBrk="1" latinLnBrk="0" hangingPunct="1">
+    <a:lvl1pPr marL="0" algn="l" defTabSz="457200" rtl="0" eaLnBrk="1" latinLnBrk="0" hangingPunct="1">
       <a:defRPr sz="1800" kern="1200">
         <a:solidFill>
           <a:schemeClr val="tx1"/>
@@ -23,7 +26,7 @@
         <a:cs typeface="+mn-cs"/>
       </a:defRPr>
     </a:lvl1pPr>
-    <a:lvl2pPr marL="457200" algn="l" defTabSz="914400" rtl="0" eaLnBrk="1" latinLnBrk="0" hangingPunct="1">
+    <a:lvl2pPr marL="457200" algn="l" defTabSz="457200" rtl="0" eaLnBrk="1" latinLnBrk="0" hangingPunct="1">
       <a:defRPr sz="1800" kern="1200">
         <a:solidFill>
           <a:schemeClr val="tx1"/>
@@ -33,7 +36,7 @@
         <a:cs typeface="+mn-cs"/>
       </a:defRPr>
     </a:lvl2pPr>
-    <a:lvl3pPr marL="914400" algn="l" defTabSz="914400" rtl="0" eaLnBrk="1" latinLnBrk="0" hangingPunct="1">
+    <a:lvl3pPr marL="914400" algn="l" defTabSz="457200" rtl="0" eaLnBrk="1" latinLnBrk="0" hangingPunct="1">
       <a:defRPr sz="1800" kern="1200">
         <a:solidFill>
           <a:schemeClr val="tx1"/>
@@ -43,7 +46,7 @@
         <a:cs typeface="+mn-cs"/>
       </a:defRPr>
     </a:lvl3pPr>
-    <a:lvl4pPr marL="1371600" algn="l" defTabSz="914400" rtl="0" eaLnBrk="1" latinLnBrk="0" hangingPunct="1">
+    <a:lvl4pPr marL="1371600" algn="l" defTabSz="457200" rtl="0" eaLnBrk="1" latinLnBrk="0" hangingPunct="1">
       <a:defRPr sz="1800" kern="1200">
         <a:solidFill>
           <a:schemeClr val="tx1"/>
@@ -53,7 +56,7 @@
         <a:cs typeface="+mn-cs"/>
       </a:defRPr>
     </a:lvl4pPr>
-    <a:lvl5pPr marL="1828800" algn="l" defTabSz="914400" rtl="0" eaLnBrk="1" latinLnBrk="0" hangingPunct="1">
+    <a:lvl5pPr marL="1828800" algn="l" defTabSz="457200" rtl="0" eaLnBrk="1" latinLnBrk="0" hangingPunct="1">
       <a:defRPr sz="1800" kern="1200">
         <a:solidFill>
           <a:schemeClr val="tx1"/>
@@ -63,7 +66,7 @@
         <a:cs typeface="+mn-cs"/>
       </a:defRPr>
     </a:lvl5pPr>
-    <a:lvl6pPr marL="2286000" algn="l" defTabSz="914400" rtl="0" eaLnBrk="1" latinLnBrk="0" hangingPunct="1">
+    <a:lvl6pPr marL="2286000" algn="l" defTabSz="457200" rtl="0" eaLnBrk="1" latinLnBrk="0" hangingPunct="1">
       <a:defRPr sz="1800" kern="1200">
         <a:solidFill>
           <a:schemeClr val="tx1"/>
@@ -73,7 +76,7 @@
         <a:cs typeface="+mn-cs"/>
       </a:defRPr>
     </a:lvl6pPr>
-    <a:lvl7pPr marL="2743200" algn="l" defTabSz="914400" rtl="0" eaLnBrk="1" latinLnBrk="0" hangingPunct="1">
+    <a:lvl7pPr marL="2743200" algn="l" defTabSz="457200" rtl="0" eaLnBrk="1" latinLnBrk="0" hangingPunct="1">
       <a:defRPr sz="1800" kern="1200">
         <a:solidFill>
           <a:schemeClr val="tx1"/>
@@ -83,7 +86,7 @@
         <a:cs typeface="+mn-cs"/>
       </a:defRPr>
     </a:lvl7pPr>
-    <a:lvl8pPr marL="3200400" algn="l" defTabSz="914400" rtl="0" eaLnBrk="1" latinLnBrk="0" hangingPunct="1">
+    <a:lvl8pPr marL="3200400" algn="l" defTabSz="457200" rtl="0" eaLnBrk="1" latinLnBrk="0" hangingPunct="1">
       <a:defRPr sz="1800" kern="1200">
         <a:solidFill>
           <a:schemeClr val="tx1"/>
@@ -93,7 +96,7 @@
         <a:cs typeface="+mn-cs"/>
       </a:defRPr>
     </a:lvl8pPr>
-    <a:lvl9pPr marL="3657600" algn="l" defTabSz="914400" rtl="0" eaLnBrk="1" latinLnBrk="0" hangingPunct="1">
+    <a:lvl9pPr marL="3657600" algn="l" defTabSz="457200" rtl="0" eaLnBrk="1" latinLnBrk="0" hangingPunct="1">
       <a:defRPr sz="1800" kern="1200">
         <a:solidFill>
           <a:schemeClr val="tx1"/>
@@ -104,11 +107,16 @@
       </a:defRPr>
     </a:lvl9pPr>
   </p:defaultTextStyle>
+  <p:extLst>
+    <p:ext uri="{EFAFB233-063F-42B5-8137-9DF3F51BA10A}">
+      <p15:sldGuideLst xmlns:p15="http://schemas.microsoft.com/office/powerpoint/2012/main"/>
+    </p:ext>
+  </p:extLst>
 </p:presentation>
 </file>
 
 <file path=ppt/slideLayouts/slideLayout1.xml><?xml version="1.0" encoding="utf-8"?>
-<p:sldLayout xmlns:a="http://schemas.openxmlformats.org/drawingml/2006/main" xmlns:r="http://schemas.openxmlformats.org/officeDocument/2006/relationships" xmlns:p="http://schemas.openxmlformats.org/presentationml/2006/main" type="title" preserve="1">
+<p:sldLayout xmlns:a="http://schemas.openxmlformats.org/drawingml/2006/main" xmlns:r="http://schemas.openxmlformats.org/officeDocument/2006/relationships" xmlns:p="http://schemas.openxmlformats.org/presentationml/2006/main" showMasterSp="0" type="title" preserve="1">
   <p:cSld name="Title Slide">
     <p:spTree>
       <p:nvGrpSpPr>
@@ -126,13 +134,97 @@
       </p:grpSpPr>
       <p:sp>
         <p:nvSpPr>
-          <p:cNvPr id="2" name="Title 1">
-            <a:extLst>
-              <a:ext uri="{FF2B5EF4-FFF2-40B4-BE49-F238E27FC236}">
-                <a16:creationId xmlns:a16="http://schemas.microsoft.com/office/drawing/2014/main" id="{11E48CB1-DA02-4C06-D139-6815FC47E050}"/>
-              </a:ext>
-            </a:extLst>
-          </p:cNvPr>
+          <p:cNvPr id="7" name="Rectangle 6"/>
+          <p:cNvSpPr/>
+          <p:nvPr/>
+        </p:nvSpPr>
+        <p:spPr>
+          <a:xfrm>
+            <a:off x="3175" y="6400800"/>
+            <a:ext cx="12188825" cy="457200"/>
+          </a:xfrm>
+          <a:prstGeom prst="rect">
+            <a:avLst/>
+          </a:prstGeom>
+          <a:solidFill>
+            <a:schemeClr val="accent2"/>
+          </a:solidFill>
+          <a:ln>
+            <a:noFill/>
+          </a:ln>
+        </p:spPr>
+        <p:style>
+          <a:lnRef idx="2">
+            <a:schemeClr val="accent1">
+              <a:shade val="50000"/>
+            </a:schemeClr>
+          </a:lnRef>
+          <a:fillRef idx="1">
+            <a:schemeClr val="accent1"/>
+          </a:fillRef>
+          <a:effectRef idx="0">
+            <a:schemeClr val="accent1"/>
+          </a:effectRef>
+          <a:fontRef idx="minor">
+            <a:schemeClr val="lt1"/>
+          </a:fontRef>
+        </p:style>
+        <p:txBody>
+          <a:bodyPr/>
+          <a:lstStyle/>
+          <a:p>
+            <a:endParaRPr lang="en-IN"/>
+          </a:p>
+        </p:txBody>
+      </p:sp>
+      <p:sp>
+        <p:nvSpPr>
+          <p:cNvPr id="8" name="Rectangle 7"/>
+          <p:cNvSpPr/>
+          <p:nvPr/>
+        </p:nvSpPr>
+        <p:spPr>
+          <a:xfrm>
+            <a:off x="15" y="6334316"/>
+            <a:ext cx="12188825" cy="64008"/>
+          </a:xfrm>
+          <a:prstGeom prst="rect">
+            <a:avLst/>
+          </a:prstGeom>
+          <a:solidFill>
+            <a:schemeClr val="accent1"/>
+          </a:solidFill>
+          <a:ln>
+            <a:noFill/>
+          </a:ln>
+        </p:spPr>
+        <p:style>
+          <a:lnRef idx="2">
+            <a:schemeClr val="accent1">
+              <a:shade val="50000"/>
+            </a:schemeClr>
+          </a:lnRef>
+          <a:fillRef idx="1">
+            <a:schemeClr val="accent1"/>
+          </a:fillRef>
+          <a:effectRef idx="0">
+            <a:schemeClr val="accent1"/>
+          </a:effectRef>
+          <a:fontRef idx="minor">
+            <a:schemeClr val="lt1"/>
+          </a:fontRef>
+        </p:style>
+        <p:txBody>
+          <a:bodyPr/>
+          <a:lstStyle/>
+          <a:p>
+            <a:endParaRPr lang="en-IN"/>
+          </a:p>
+        </p:txBody>
+      </p:sp>
+      <p:sp>
+        <p:nvSpPr>
+          <p:cNvPr id="2" name="Title 1"/>
           <p:cNvSpPr>
             <a:spLocks noGrp="1"/>
           </p:cNvSpPr>
@@ -142,15 +234,27 @@
         </p:nvSpPr>
         <p:spPr>
           <a:xfrm>
-            <a:off x="1524000" y="1122363"/>
-            <a:ext cx="9144000" cy="2387600"/>
+            <a:off x="1097280" y="758952"/>
+            <a:ext cx="10058400" cy="3566160"/>
           </a:xfrm>
         </p:spPr>
         <p:txBody>
-          <a:bodyPr anchor="b"/>
+          <a:bodyPr anchor="b">
+            <a:normAutofit/>
+          </a:bodyPr>
           <a:lstStyle>
-            <a:lvl1pPr algn="ctr">
-              <a:defRPr sz="6000"/>
+            <a:lvl1pPr algn="l">
+              <a:lnSpc>
+                <a:spcPct val="85000"/>
+              </a:lnSpc>
+              <a:defRPr sz="8000" spc="-50" baseline="0">
+                <a:solidFill>
+                  <a:schemeClr val="tx1">
+                    <a:lumMod val="85000"/>
+                    <a:lumOff val="15000"/>
+                  </a:schemeClr>
+                </a:solidFill>
+              </a:defRPr>
             </a:lvl1pPr>
           </a:lstStyle>
           <a:p>
@@ -158,19 +262,13 @@
               <a:rPr lang="en-US"/>
               <a:t>Click to edit Master title style</a:t>
             </a:r>
-            <a:endParaRPr lang="en-IN"/>
-          </a:p>
-        </p:txBody>
-      </p:sp>
-      <p:sp>
-        <p:nvSpPr>
-          <p:cNvPr id="3" name="Subtitle 2">
-            <a:extLst>
-              <a:ext uri="{FF2B5EF4-FFF2-40B4-BE49-F238E27FC236}">
-                <a16:creationId xmlns:a16="http://schemas.microsoft.com/office/drawing/2014/main" id="{42D58A4B-90DF-8E17-43A0-F77D5DE05149}"/>
-              </a:ext>
-            </a:extLst>
-          </p:cNvPr>
+            <a:endParaRPr lang="en-US" dirty="0"/>
+          </a:p>
+        </p:txBody>
+      </p:sp>
+      <p:sp>
+        <p:nvSpPr>
+          <p:cNvPr id="3" name="Subtitle 2"/>
           <p:cNvSpPr>
             <a:spLocks noGrp="1"/>
           </p:cNvSpPr>
@@ -180,48 +278,55 @@
         </p:nvSpPr>
         <p:spPr>
           <a:xfrm>
-            <a:off x="1524000" y="3602038"/>
-            <a:ext cx="9144000" cy="1655762"/>
+            <a:off x="1100051" y="4455620"/>
+            <a:ext cx="10058400" cy="1143000"/>
           </a:xfrm>
         </p:spPr>
         <p:txBody>
-          <a:bodyPr/>
+          <a:bodyPr lIns="91440" rIns="91440">
+            <a:normAutofit/>
+          </a:bodyPr>
           <a:lstStyle>
-            <a:lvl1pPr marL="0" indent="0" algn="ctr">
+            <a:lvl1pPr marL="0" indent="0" algn="l">
               <a:buNone/>
-              <a:defRPr sz="2400"/>
+              <a:defRPr sz="2400" cap="all" spc="200" baseline="0">
+                <a:solidFill>
+                  <a:schemeClr val="tx2"/>
+                </a:solidFill>
+                <a:latin typeface="+mj-lt"/>
+              </a:defRPr>
             </a:lvl1pPr>
             <a:lvl2pPr marL="457200" indent="0" algn="ctr">
               <a:buNone/>
-              <a:defRPr sz="2000"/>
+              <a:defRPr sz="2400"/>
             </a:lvl2pPr>
             <a:lvl3pPr marL="914400" indent="0" algn="ctr">
               <a:buNone/>
-              <a:defRPr sz="1800"/>
+              <a:defRPr sz="2400"/>
             </a:lvl3pPr>
             <a:lvl4pPr marL="1371600" indent="0" algn="ctr">
               <a:buNone/>
-              <a:defRPr sz="1600"/>
+              <a:defRPr sz="2000"/>
             </a:lvl4pPr>
             <a:lvl5pPr marL="1828800" indent="0" algn="ctr">
               <a:buNone/>
-              <a:defRPr sz="1600"/>
+              <a:defRPr sz="2000"/>
             </a:lvl5pPr>
             <a:lvl6pPr marL="2286000" indent="0" algn="ctr">
               <a:buNone/>
-              <a:defRPr sz="1600"/>
+              <a:defRPr sz="2000"/>
             </a:lvl6pPr>
             <a:lvl7pPr marL="2743200" indent="0" algn="ctr">
               <a:buNone/>
-              <a:defRPr sz="1600"/>
+              <a:defRPr sz="2000"/>
             </a:lvl7pPr>
             <a:lvl8pPr marL="3200400" indent="0" algn="ctr">
               <a:buNone/>
-              <a:defRPr sz="1600"/>
+              <a:defRPr sz="2000"/>
             </a:lvl8pPr>
             <a:lvl9pPr marL="3657600" indent="0" algn="ctr">
               <a:buNone/>
-              <a:defRPr sz="1600"/>
+              <a:defRPr sz="2000"/>
             </a:lvl9pPr>
           </a:lstStyle>
           <a:p>
@@ -229,19 +334,13 @@
               <a:rPr lang="en-US"/>
               <a:t>Click to edit Master subtitle style</a:t>
             </a:r>
-            <a:endParaRPr lang="en-IN"/>
-          </a:p>
-        </p:txBody>
-      </p:sp>
-      <p:sp>
-        <p:nvSpPr>
-          <p:cNvPr id="4" name="Date Placeholder 3">
-            <a:extLst>
-              <a:ext uri="{FF2B5EF4-FFF2-40B4-BE49-F238E27FC236}">
-                <a16:creationId xmlns:a16="http://schemas.microsoft.com/office/drawing/2014/main" id="{F124C54A-C554-AC1C-D82B-73FBEF15A910}"/>
-              </a:ext>
-            </a:extLst>
-          </p:cNvPr>
+            <a:endParaRPr lang="en-US" dirty="0"/>
+          </a:p>
+        </p:txBody>
+      </p:sp>
+      <p:sp>
+        <p:nvSpPr>
+          <p:cNvPr id="4" name="Date Placeholder 3"/>
           <p:cNvSpPr>
             <a:spLocks noGrp="1"/>
           </p:cNvSpPr>
@@ -256,7 +355,7 @@
           <a:p>
             <a:fld id="{122DABFC-221E-4F7C-8511-A9761CDF0E9D}" type="datetimeFigureOut">
               <a:rPr lang="en-IN" smtClean="0"/>
-              <a:t>22-09-2025</a:t>
+              <a:t>23-09-2025</a:t>
             </a:fld>
             <a:endParaRPr lang="en-IN"/>
           </a:p>
@@ -264,13 +363,7 @@
       </p:sp>
       <p:sp>
         <p:nvSpPr>
-          <p:cNvPr id="5" name="Footer Placeholder 4">
-            <a:extLst>
-              <a:ext uri="{FF2B5EF4-FFF2-40B4-BE49-F238E27FC236}">
-                <a16:creationId xmlns:a16="http://schemas.microsoft.com/office/drawing/2014/main" id="{10BC38C1-4B36-1AB7-C63B-D8C48DF8420C}"/>
-              </a:ext>
-            </a:extLst>
-          </p:cNvPr>
+          <p:cNvPr id="5" name="Footer Placeholder 4"/>
           <p:cNvSpPr>
             <a:spLocks noGrp="1"/>
           </p:cNvSpPr>
@@ -289,13 +382,7 @@
       </p:sp>
       <p:sp>
         <p:nvSpPr>
-          <p:cNvPr id="6" name="Slide Number Placeholder 5">
-            <a:extLst>
-              <a:ext uri="{FF2B5EF4-FFF2-40B4-BE49-F238E27FC236}">
-                <a16:creationId xmlns:a16="http://schemas.microsoft.com/office/drawing/2014/main" id="{44574FC8-8D2D-80E5-402F-2DC763969B73}"/>
-              </a:ext>
-            </a:extLst>
-          </p:cNvPr>
+          <p:cNvPr id="6" name="Slide Number Placeholder 5"/>
           <p:cNvSpPr>
             <a:spLocks noGrp="1"/>
           </p:cNvSpPr>
@@ -316,10 +403,48 @@
           </a:p>
         </p:txBody>
       </p:sp>
+      <p:cxnSp>
+        <p:nvCxnSpPr>
+          <p:cNvPr id="9" name="Straight Connector 8"/>
+          <p:cNvCxnSpPr/>
+          <p:nvPr/>
+        </p:nvCxnSpPr>
+        <p:spPr>
+          <a:xfrm>
+            <a:off x="1207658" y="4343400"/>
+            <a:ext cx="9875520" cy="0"/>
+          </a:xfrm>
+          <a:prstGeom prst="line">
+            <a:avLst/>
+          </a:prstGeom>
+          <a:ln w="6350">
+            <a:solidFill>
+              <a:schemeClr val="tx1">
+                <a:lumMod val="50000"/>
+                <a:lumOff val="50000"/>
+              </a:schemeClr>
+            </a:solidFill>
+          </a:ln>
+        </p:spPr>
+        <p:style>
+          <a:lnRef idx="1">
+            <a:schemeClr val="accent1"/>
+          </a:lnRef>
+          <a:fillRef idx="0">
+            <a:schemeClr val="accent1"/>
+          </a:fillRef>
+          <a:effectRef idx="0">
+            <a:schemeClr val="accent1"/>
+          </a:effectRef>
+          <a:fontRef idx="minor">
+            <a:schemeClr val="tx1"/>
+          </a:fontRef>
+        </p:style>
+      </p:cxnSp>
     </p:spTree>
     <p:extLst>
       <p:ext uri="{BB962C8B-B14F-4D97-AF65-F5344CB8AC3E}">
-        <p14:creationId xmlns:p14="http://schemas.microsoft.com/office/powerpoint/2010/main" val="3360330416"/>
+        <p14:creationId xmlns:p14="http://schemas.microsoft.com/office/powerpoint/2010/main" val="1412966603"/>
       </p:ext>
     </p:extLst>
   </p:cSld>
@@ -348,13 +473,7 @@
       </p:grpSpPr>
       <p:sp>
         <p:nvSpPr>
-          <p:cNvPr id="2" name="Title 1">
-            <a:extLst>
-              <a:ext uri="{FF2B5EF4-FFF2-40B4-BE49-F238E27FC236}">
-                <a16:creationId xmlns:a16="http://schemas.microsoft.com/office/drawing/2014/main" id="{2E4C0EE1-E973-542B-254D-C418D64FA7C6}"/>
-              </a:ext>
-            </a:extLst>
-          </p:cNvPr>
+          <p:cNvPr id="2" name="Title 1"/>
           <p:cNvSpPr>
             <a:spLocks noGrp="1"/>
           </p:cNvSpPr>
@@ -371,19 +490,13 @@
               <a:rPr lang="en-US"/>
               <a:t>Click to edit Master title style</a:t>
             </a:r>
-            <a:endParaRPr lang="en-IN"/>
-          </a:p>
-        </p:txBody>
-      </p:sp>
-      <p:sp>
-        <p:nvSpPr>
-          <p:cNvPr id="3" name="Vertical Text Placeholder 2">
-            <a:extLst>
-              <a:ext uri="{FF2B5EF4-FFF2-40B4-BE49-F238E27FC236}">
-                <a16:creationId xmlns:a16="http://schemas.microsoft.com/office/drawing/2014/main" id="{5345223D-A277-753D-EE82-3BDB1A1B4C0B}"/>
-              </a:ext>
-            </a:extLst>
-          </p:cNvPr>
+            <a:endParaRPr lang="en-US" dirty="0"/>
+          </a:p>
+        </p:txBody>
+      </p:sp>
+      <p:sp>
+        <p:nvSpPr>
+          <p:cNvPr id="3" name="Vertical Text Placeholder 2"/>
           <p:cNvSpPr>
             <a:spLocks noGrp="1"/>
           </p:cNvSpPr>
@@ -393,7 +506,7 @@
         </p:nvSpPr>
         <p:spPr/>
         <p:txBody>
-          <a:bodyPr vert="eaVert"/>
+          <a:bodyPr vert="eaVert" lIns="45720" tIns="0" rIns="45720" bIns="0"/>
           <a:lstStyle/>
           <a:p>
             <a:pPr lvl="0"/>
@@ -429,19 +542,13 @@
               <a:rPr lang="en-US"/>
               <a:t>Fifth level</a:t>
             </a:r>
-            <a:endParaRPr lang="en-IN"/>
-          </a:p>
-        </p:txBody>
-      </p:sp>
-      <p:sp>
-        <p:nvSpPr>
-          <p:cNvPr id="4" name="Date Placeholder 3">
-            <a:extLst>
-              <a:ext uri="{FF2B5EF4-FFF2-40B4-BE49-F238E27FC236}">
-                <a16:creationId xmlns:a16="http://schemas.microsoft.com/office/drawing/2014/main" id="{C142B607-52D0-C321-EE6E-33572A75132C}"/>
-              </a:ext>
-            </a:extLst>
-          </p:cNvPr>
+            <a:endParaRPr lang="en-US" dirty="0"/>
+          </a:p>
+        </p:txBody>
+      </p:sp>
+      <p:sp>
+        <p:nvSpPr>
+          <p:cNvPr id="4" name="Date Placeholder 3"/>
           <p:cNvSpPr>
             <a:spLocks noGrp="1"/>
           </p:cNvSpPr>
@@ -456,7 +563,7 @@
           <a:p>
             <a:fld id="{122DABFC-221E-4F7C-8511-A9761CDF0E9D}" type="datetimeFigureOut">
               <a:rPr lang="en-IN" smtClean="0"/>
-              <a:t>22-09-2025</a:t>
+              <a:t>23-09-2025</a:t>
             </a:fld>
             <a:endParaRPr lang="en-IN"/>
           </a:p>
@@ -464,13 +571,7 @@
       </p:sp>
       <p:sp>
         <p:nvSpPr>
-          <p:cNvPr id="5" name="Footer Placeholder 4">
-            <a:extLst>
-              <a:ext uri="{FF2B5EF4-FFF2-40B4-BE49-F238E27FC236}">
-                <a16:creationId xmlns:a16="http://schemas.microsoft.com/office/drawing/2014/main" id="{86835447-9A33-0FA2-CF27-0755C1AF67E7}"/>
-              </a:ext>
-            </a:extLst>
-          </p:cNvPr>
+          <p:cNvPr id="5" name="Footer Placeholder 4"/>
           <p:cNvSpPr>
             <a:spLocks noGrp="1"/>
           </p:cNvSpPr>
@@ -489,13 +590,7 @@
       </p:sp>
       <p:sp>
         <p:nvSpPr>
-          <p:cNvPr id="6" name="Slide Number Placeholder 5">
-            <a:extLst>
-              <a:ext uri="{FF2B5EF4-FFF2-40B4-BE49-F238E27FC236}">
-                <a16:creationId xmlns:a16="http://schemas.microsoft.com/office/drawing/2014/main" id="{99572384-A033-E9A7-2D94-BB023834924F}"/>
-              </a:ext>
-            </a:extLst>
-          </p:cNvPr>
+          <p:cNvPr id="6" name="Slide Number Placeholder 5"/>
           <p:cNvSpPr>
             <a:spLocks noGrp="1"/>
           </p:cNvSpPr>
@@ -519,7 +614,7 @@
     </p:spTree>
     <p:extLst>
       <p:ext uri="{BB962C8B-B14F-4D97-AF65-F5344CB8AC3E}">
-        <p14:creationId xmlns:p14="http://schemas.microsoft.com/office/powerpoint/2010/main" val="3269866829"/>
+        <p14:creationId xmlns:p14="http://schemas.microsoft.com/office/powerpoint/2010/main" val="558377744"/>
       </p:ext>
     </p:extLst>
   </p:cSld>
@@ -530,7 +625,7 @@
 </file>
 
 <file path=ppt/slideLayouts/slideLayout11.xml><?xml version="1.0" encoding="utf-8"?>
-<p:sldLayout xmlns:a="http://schemas.openxmlformats.org/drawingml/2006/main" xmlns:r="http://schemas.openxmlformats.org/officeDocument/2006/relationships" xmlns:p="http://schemas.openxmlformats.org/presentationml/2006/main" type="vertTitleAndTx" preserve="1">
+<p:sldLayout xmlns:a="http://schemas.openxmlformats.org/drawingml/2006/main" xmlns:r="http://schemas.openxmlformats.org/officeDocument/2006/relationships" xmlns:p="http://schemas.openxmlformats.org/presentationml/2006/main" showMasterSp="0" type="vertTitleAndTx" preserve="1">
   <p:cSld name="Vertical Title and Text">
     <p:spTree>
       <p:nvGrpSpPr>
@@ -548,13 +643,83 @@
       </p:grpSpPr>
       <p:sp>
         <p:nvSpPr>
-          <p:cNvPr id="2" name="Vertical Title 1">
-            <a:extLst>
-              <a:ext uri="{FF2B5EF4-FFF2-40B4-BE49-F238E27FC236}">
-                <a16:creationId xmlns:a16="http://schemas.microsoft.com/office/drawing/2014/main" id="{69C42AC5-B935-80E4-21EE-46497762A4F0}"/>
-              </a:ext>
-            </a:extLst>
-          </p:cNvPr>
+          <p:cNvPr id="7" name="Rectangle 6"/>
+          <p:cNvSpPr/>
+          <p:nvPr/>
+        </p:nvSpPr>
+        <p:spPr>
+          <a:xfrm>
+            <a:off x="3175" y="6400800"/>
+            <a:ext cx="12188825" cy="457200"/>
+          </a:xfrm>
+          <a:prstGeom prst="rect">
+            <a:avLst/>
+          </a:prstGeom>
+          <a:solidFill>
+            <a:schemeClr val="accent2"/>
+          </a:solidFill>
+          <a:ln>
+            <a:noFill/>
+          </a:ln>
+        </p:spPr>
+        <p:style>
+          <a:lnRef idx="2">
+            <a:schemeClr val="accent1">
+              <a:shade val="50000"/>
+            </a:schemeClr>
+          </a:lnRef>
+          <a:fillRef idx="1">
+            <a:schemeClr val="accent1"/>
+          </a:fillRef>
+          <a:effectRef idx="0">
+            <a:schemeClr val="accent1"/>
+          </a:effectRef>
+          <a:fontRef idx="minor">
+            <a:schemeClr val="lt1"/>
+          </a:fontRef>
+        </p:style>
+      </p:sp>
+      <p:sp>
+        <p:nvSpPr>
+          <p:cNvPr id="8" name="Rectangle 7"/>
+          <p:cNvSpPr/>
+          <p:nvPr/>
+        </p:nvSpPr>
+        <p:spPr>
+          <a:xfrm>
+            <a:off x="15" y="6334316"/>
+            <a:ext cx="12188825" cy="64008"/>
+          </a:xfrm>
+          <a:prstGeom prst="rect">
+            <a:avLst/>
+          </a:prstGeom>
+          <a:solidFill>
+            <a:schemeClr val="accent1"/>
+          </a:solidFill>
+          <a:ln>
+            <a:noFill/>
+          </a:ln>
+        </p:spPr>
+        <p:style>
+          <a:lnRef idx="2">
+            <a:schemeClr val="accent1">
+              <a:shade val="50000"/>
+            </a:schemeClr>
+          </a:lnRef>
+          <a:fillRef idx="1">
+            <a:schemeClr val="accent1"/>
+          </a:fillRef>
+          <a:effectRef idx="0">
+            <a:schemeClr val="accent1"/>
+          </a:effectRef>
+          <a:fontRef idx="minor">
+            <a:schemeClr val="lt1"/>
+          </a:fontRef>
+        </p:style>
+      </p:sp>
+      <p:sp>
+        <p:nvSpPr>
+          <p:cNvPr id="2" name="Vertical Title 1"/>
           <p:cNvSpPr>
             <a:spLocks noGrp="1"/>
           </p:cNvSpPr>
@@ -564,8 +729,8 @@
         </p:nvSpPr>
         <p:spPr>
           <a:xfrm>
-            <a:off x="8724900" y="365125"/>
-            <a:ext cx="2628900" cy="5811838"/>
+            <a:off x="8724900" y="414778"/>
+            <a:ext cx="2628900" cy="5757421"/>
           </a:xfrm>
         </p:spPr>
         <p:txBody>
@@ -576,19 +741,13 @@
               <a:rPr lang="en-US"/>
               <a:t>Click to edit Master title style</a:t>
             </a:r>
-            <a:endParaRPr lang="en-IN"/>
-          </a:p>
-        </p:txBody>
-      </p:sp>
-      <p:sp>
-        <p:nvSpPr>
-          <p:cNvPr id="3" name="Vertical Text Placeholder 2">
-            <a:extLst>
-              <a:ext uri="{FF2B5EF4-FFF2-40B4-BE49-F238E27FC236}">
-                <a16:creationId xmlns:a16="http://schemas.microsoft.com/office/drawing/2014/main" id="{EC08CFF5-8A30-01DD-DBF9-283D4A005738}"/>
-              </a:ext>
-            </a:extLst>
-          </p:cNvPr>
+            <a:endParaRPr lang="en-US" dirty="0"/>
+          </a:p>
+        </p:txBody>
+      </p:sp>
+      <p:sp>
+        <p:nvSpPr>
+          <p:cNvPr id="3" name="Vertical Text Placeholder 2"/>
           <p:cNvSpPr>
             <a:spLocks noGrp="1"/>
           </p:cNvSpPr>
@@ -598,12 +757,12 @@
         </p:nvSpPr>
         <p:spPr>
           <a:xfrm>
-            <a:off x="838200" y="365125"/>
-            <a:ext cx="7734300" cy="5811838"/>
+            <a:off x="838200" y="414778"/>
+            <a:ext cx="7734300" cy="5757422"/>
           </a:xfrm>
         </p:spPr>
         <p:txBody>
-          <a:bodyPr vert="eaVert"/>
+          <a:bodyPr vert="eaVert" lIns="45720" tIns="0" rIns="45720" bIns="0"/>
           <a:lstStyle/>
           <a:p>
             <a:pPr lvl="0"/>
@@ -639,19 +798,13 @@
               <a:rPr lang="en-US"/>
               <a:t>Fifth level</a:t>
             </a:r>
-            <a:endParaRPr lang="en-IN"/>
-          </a:p>
-        </p:txBody>
-      </p:sp>
-      <p:sp>
-        <p:nvSpPr>
-          <p:cNvPr id="4" name="Date Placeholder 3">
-            <a:extLst>
-              <a:ext uri="{FF2B5EF4-FFF2-40B4-BE49-F238E27FC236}">
-                <a16:creationId xmlns:a16="http://schemas.microsoft.com/office/drawing/2014/main" id="{0FDB87CE-2654-34EC-F129-936E4C7CAE4D}"/>
-              </a:ext>
-            </a:extLst>
-          </p:cNvPr>
+            <a:endParaRPr lang="en-US" dirty="0"/>
+          </a:p>
+        </p:txBody>
+      </p:sp>
+      <p:sp>
+        <p:nvSpPr>
+          <p:cNvPr id="4" name="Date Placeholder 3"/>
           <p:cNvSpPr>
             <a:spLocks noGrp="1"/>
           </p:cNvSpPr>
@@ -666,7 +819,7 @@
           <a:p>
             <a:fld id="{122DABFC-221E-4F7C-8511-A9761CDF0E9D}" type="datetimeFigureOut">
               <a:rPr lang="en-IN" smtClean="0"/>
-              <a:t>22-09-2025</a:t>
+              <a:t>23-09-2025</a:t>
             </a:fld>
             <a:endParaRPr lang="en-IN"/>
           </a:p>
@@ -674,13 +827,7 @@
       </p:sp>
       <p:sp>
         <p:nvSpPr>
-          <p:cNvPr id="5" name="Footer Placeholder 4">
-            <a:extLst>
-              <a:ext uri="{FF2B5EF4-FFF2-40B4-BE49-F238E27FC236}">
-                <a16:creationId xmlns:a16="http://schemas.microsoft.com/office/drawing/2014/main" id="{37444D5C-EDC0-A132-F5F8-851390BC87DC}"/>
-              </a:ext>
-            </a:extLst>
-          </p:cNvPr>
+          <p:cNvPr id="5" name="Footer Placeholder 4"/>
           <p:cNvSpPr>
             <a:spLocks noGrp="1"/>
           </p:cNvSpPr>
@@ -699,13 +846,7 @@
       </p:sp>
       <p:sp>
         <p:nvSpPr>
-          <p:cNvPr id="6" name="Slide Number Placeholder 5">
-            <a:extLst>
-              <a:ext uri="{FF2B5EF4-FFF2-40B4-BE49-F238E27FC236}">
-                <a16:creationId xmlns:a16="http://schemas.microsoft.com/office/drawing/2014/main" id="{AA0905DD-4BF3-01B5-43CE-4F4E0EABE3B6}"/>
-              </a:ext>
-            </a:extLst>
-          </p:cNvPr>
+          <p:cNvPr id="6" name="Slide Number Placeholder 5"/>
           <p:cNvSpPr>
             <a:spLocks noGrp="1"/>
           </p:cNvSpPr>
@@ -729,7 +870,7 @@
     </p:spTree>
     <p:extLst>
       <p:ext uri="{BB962C8B-B14F-4D97-AF65-F5344CB8AC3E}">
-        <p14:creationId xmlns:p14="http://schemas.microsoft.com/office/powerpoint/2010/main" val="1774100074"/>
+        <p14:creationId xmlns:p14="http://schemas.microsoft.com/office/powerpoint/2010/main" val="2073843490"/>
       </p:ext>
     </p:extLst>
   </p:cSld>
@@ -758,13 +899,7 @@
       </p:grpSpPr>
       <p:sp>
         <p:nvSpPr>
-          <p:cNvPr id="2" name="Title 1">
-            <a:extLst>
-              <a:ext uri="{FF2B5EF4-FFF2-40B4-BE49-F238E27FC236}">
-                <a16:creationId xmlns:a16="http://schemas.microsoft.com/office/drawing/2014/main" id="{4289A295-4EC3-C012-4AB0-8A5F9A0169E4}"/>
-              </a:ext>
-            </a:extLst>
-          </p:cNvPr>
+          <p:cNvPr id="2" name="Title 1"/>
           <p:cNvSpPr>
             <a:spLocks noGrp="1"/>
           </p:cNvSpPr>
@@ -775,25 +910,23 @@
         <p:spPr/>
         <p:txBody>
           <a:bodyPr/>
-          <a:lstStyle/>
+          <a:lstStyle>
+            <a:lvl1pPr marL="0">
+              <a:defRPr/>
+            </a:lvl1pPr>
+          </a:lstStyle>
           <a:p>
             <a:r>
               <a:rPr lang="en-US"/>
               <a:t>Click to edit Master title style</a:t>
             </a:r>
-            <a:endParaRPr lang="en-IN"/>
-          </a:p>
-        </p:txBody>
-      </p:sp>
-      <p:sp>
-        <p:nvSpPr>
-          <p:cNvPr id="3" name="Content Placeholder 2">
-            <a:extLst>
-              <a:ext uri="{FF2B5EF4-FFF2-40B4-BE49-F238E27FC236}">
-                <a16:creationId xmlns:a16="http://schemas.microsoft.com/office/drawing/2014/main" id="{C4D9DF01-F4C1-6985-5DEA-CCD9C050F8D6}"/>
-              </a:ext>
-            </a:extLst>
-          </p:cNvPr>
+            <a:endParaRPr lang="en-US" dirty="0"/>
+          </a:p>
+        </p:txBody>
+      </p:sp>
+      <p:sp>
+        <p:nvSpPr>
+          <p:cNvPr id="3" name="Content Placeholder 2"/>
           <p:cNvSpPr>
             <a:spLocks noGrp="1"/>
           </p:cNvSpPr>
@@ -839,19 +972,13 @@
               <a:rPr lang="en-US"/>
               <a:t>Fifth level</a:t>
             </a:r>
-            <a:endParaRPr lang="en-IN"/>
-          </a:p>
-        </p:txBody>
-      </p:sp>
-      <p:sp>
-        <p:nvSpPr>
-          <p:cNvPr id="4" name="Date Placeholder 3">
-            <a:extLst>
-              <a:ext uri="{FF2B5EF4-FFF2-40B4-BE49-F238E27FC236}">
-                <a16:creationId xmlns:a16="http://schemas.microsoft.com/office/drawing/2014/main" id="{846265D1-8A03-6D72-D9CF-389B9BDA49C1}"/>
-              </a:ext>
-            </a:extLst>
-          </p:cNvPr>
+            <a:endParaRPr lang="en-US" dirty="0"/>
+          </a:p>
+        </p:txBody>
+      </p:sp>
+      <p:sp>
+        <p:nvSpPr>
+          <p:cNvPr id="4" name="Date Placeholder 3"/>
           <p:cNvSpPr>
             <a:spLocks noGrp="1"/>
           </p:cNvSpPr>
@@ -866,7 +993,7 @@
           <a:p>
             <a:fld id="{122DABFC-221E-4F7C-8511-A9761CDF0E9D}" type="datetimeFigureOut">
               <a:rPr lang="en-IN" smtClean="0"/>
-              <a:t>22-09-2025</a:t>
+              <a:t>23-09-2025</a:t>
             </a:fld>
             <a:endParaRPr lang="en-IN"/>
           </a:p>
@@ -874,13 +1001,7 @@
       </p:sp>
       <p:sp>
         <p:nvSpPr>
-          <p:cNvPr id="5" name="Footer Placeholder 4">
-            <a:extLst>
-              <a:ext uri="{FF2B5EF4-FFF2-40B4-BE49-F238E27FC236}">
-                <a16:creationId xmlns:a16="http://schemas.microsoft.com/office/drawing/2014/main" id="{C504A1C1-FBF3-21FD-52C0-C0EE3F35A2A2}"/>
-              </a:ext>
-            </a:extLst>
-          </p:cNvPr>
+          <p:cNvPr id="5" name="Footer Placeholder 4"/>
           <p:cNvSpPr>
             <a:spLocks noGrp="1"/>
           </p:cNvSpPr>
@@ -899,13 +1020,7 @@
       </p:sp>
       <p:sp>
         <p:nvSpPr>
-          <p:cNvPr id="6" name="Slide Number Placeholder 5">
-            <a:extLst>
-              <a:ext uri="{FF2B5EF4-FFF2-40B4-BE49-F238E27FC236}">
-                <a16:creationId xmlns:a16="http://schemas.microsoft.com/office/drawing/2014/main" id="{D6CFCFF9-4BD7-B066-3BCA-5FAA69BFD7E7}"/>
-              </a:ext>
-            </a:extLst>
-          </p:cNvPr>
+          <p:cNvPr id="6" name="Slide Number Placeholder 5"/>
           <p:cNvSpPr>
             <a:spLocks noGrp="1"/>
           </p:cNvSpPr>
@@ -929,7 +1044,7 @@
     </p:spTree>
     <p:extLst>
       <p:ext uri="{BB962C8B-B14F-4D97-AF65-F5344CB8AC3E}">
-        <p14:creationId xmlns:p14="http://schemas.microsoft.com/office/powerpoint/2010/main" val="3044931512"/>
+        <p14:creationId xmlns:p14="http://schemas.microsoft.com/office/powerpoint/2010/main" val="1147570341"/>
       </p:ext>
     </p:extLst>
   </p:cSld>
@@ -940,8 +1055,16 @@
 </file>
 
 <file path=ppt/slideLayouts/slideLayout3.xml><?xml version="1.0" encoding="utf-8"?>
-<p:sldLayout xmlns:a="http://schemas.openxmlformats.org/drawingml/2006/main" xmlns:r="http://schemas.openxmlformats.org/officeDocument/2006/relationships" xmlns:p="http://schemas.openxmlformats.org/presentationml/2006/main" type="secHead" preserve="1">
+<p:sldLayout xmlns:a="http://schemas.openxmlformats.org/drawingml/2006/main" xmlns:r="http://schemas.openxmlformats.org/officeDocument/2006/relationships" xmlns:p="http://schemas.openxmlformats.org/presentationml/2006/main" showMasterSp="0" type="secHead" preserve="1">
   <p:cSld name="Section Header">
+    <p:bg>
+      <p:bgPr>
+        <a:solidFill>
+          <a:schemeClr val="bg1"/>
+        </a:solidFill>
+        <a:effectLst/>
+      </p:bgPr>
+    </p:bg>
     <p:spTree>
       <p:nvGrpSpPr>
         <p:cNvPr id="1" name=""/>
@@ -958,13 +1081,83 @@
       </p:grpSpPr>
       <p:sp>
         <p:nvSpPr>
-          <p:cNvPr id="2" name="Title 1">
-            <a:extLst>
-              <a:ext uri="{FF2B5EF4-FFF2-40B4-BE49-F238E27FC236}">
-                <a16:creationId xmlns:a16="http://schemas.microsoft.com/office/drawing/2014/main" id="{4F7918C0-B041-E8CE-C98D-FD10BB5ED700}"/>
-              </a:ext>
-            </a:extLst>
-          </p:cNvPr>
+          <p:cNvPr id="7" name="Rectangle 6"/>
+          <p:cNvSpPr/>
+          <p:nvPr/>
+        </p:nvSpPr>
+        <p:spPr>
+          <a:xfrm>
+            <a:off x="3175" y="6400800"/>
+            <a:ext cx="12188825" cy="457200"/>
+          </a:xfrm>
+          <a:prstGeom prst="rect">
+            <a:avLst/>
+          </a:prstGeom>
+          <a:solidFill>
+            <a:schemeClr val="accent2"/>
+          </a:solidFill>
+          <a:ln>
+            <a:noFill/>
+          </a:ln>
+        </p:spPr>
+        <p:style>
+          <a:lnRef idx="2">
+            <a:schemeClr val="accent1">
+              <a:shade val="50000"/>
+            </a:schemeClr>
+          </a:lnRef>
+          <a:fillRef idx="1">
+            <a:schemeClr val="accent1"/>
+          </a:fillRef>
+          <a:effectRef idx="0">
+            <a:schemeClr val="accent1"/>
+          </a:effectRef>
+          <a:fontRef idx="minor">
+            <a:schemeClr val="lt1"/>
+          </a:fontRef>
+        </p:style>
+      </p:sp>
+      <p:sp>
+        <p:nvSpPr>
+          <p:cNvPr id="8" name="Rectangle 7"/>
+          <p:cNvSpPr/>
+          <p:nvPr/>
+        </p:nvSpPr>
+        <p:spPr>
+          <a:xfrm>
+            <a:off x="15" y="6334316"/>
+            <a:ext cx="12188825" cy="64008"/>
+          </a:xfrm>
+          <a:prstGeom prst="rect">
+            <a:avLst/>
+          </a:prstGeom>
+          <a:solidFill>
+            <a:schemeClr val="accent1"/>
+          </a:solidFill>
+          <a:ln>
+            <a:noFill/>
+          </a:ln>
+        </p:spPr>
+        <p:style>
+          <a:lnRef idx="2">
+            <a:schemeClr val="accent1">
+              <a:shade val="50000"/>
+            </a:schemeClr>
+          </a:lnRef>
+          <a:fillRef idx="1">
+            <a:schemeClr val="accent1"/>
+          </a:fillRef>
+          <a:effectRef idx="0">
+            <a:schemeClr val="accent1"/>
+          </a:effectRef>
+          <a:fontRef idx="minor">
+            <a:schemeClr val="lt1"/>
+          </a:fontRef>
+        </p:style>
+      </p:sp>
+      <p:sp>
+        <p:nvSpPr>
+          <p:cNvPr id="2" name="Title 1"/>
           <p:cNvSpPr>
             <a:spLocks noGrp="1"/>
           </p:cNvSpPr>
@@ -974,15 +1167,27 @@
         </p:nvSpPr>
         <p:spPr>
           <a:xfrm>
-            <a:off x="831850" y="1709738"/>
-            <a:ext cx="10515600" cy="2852737"/>
+            <a:off x="1097280" y="758952"/>
+            <a:ext cx="10058400" cy="3566160"/>
           </a:xfrm>
         </p:spPr>
         <p:txBody>
-          <a:bodyPr anchor="b"/>
+          <a:bodyPr anchor="b" anchorCtr="0">
+            <a:normAutofit/>
+          </a:bodyPr>
           <a:lstStyle>
             <a:lvl1pPr>
-              <a:defRPr sz="6000"/>
+              <a:lnSpc>
+                <a:spcPct val="85000"/>
+              </a:lnSpc>
+              <a:defRPr sz="8000" b="0">
+                <a:solidFill>
+                  <a:schemeClr val="tx1">
+                    <a:lumMod val="85000"/>
+                    <a:lumOff val="15000"/>
+                  </a:schemeClr>
+                </a:solidFill>
+              </a:defRPr>
             </a:lvl1pPr>
           </a:lstStyle>
           <a:p>
@@ -990,19 +1195,13 @@
               <a:rPr lang="en-US"/>
               <a:t>Click to edit Master title style</a:t>
             </a:r>
-            <a:endParaRPr lang="en-IN"/>
-          </a:p>
-        </p:txBody>
-      </p:sp>
-      <p:sp>
-        <p:nvSpPr>
-          <p:cNvPr id="3" name="Text Placeholder 2">
-            <a:extLst>
-              <a:ext uri="{FF2B5EF4-FFF2-40B4-BE49-F238E27FC236}">
-                <a16:creationId xmlns:a16="http://schemas.microsoft.com/office/drawing/2014/main" id="{B56E04B5-B968-D9C4-0533-DB98B71FC425}"/>
-              </a:ext>
-            </a:extLst>
-          </p:cNvPr>
+            <a:endParaRPr lang="en-US" dirty="0"/>
+          </a:p>
+        </p:txBody>
+      </p:sp>
+      <p:sp>
+        <p:nvSpPr>
+          <p:cNvPr id="3" name="Text Placeholder 2"/>
           <p:cNvSpPr>
             <a:spLocks noGrp="1"/>
           </p:cNvSpPr>
@@ -1012,99 +1211,100 @@
         </p:nvSpPr>
         <p:spPr>
           <a:xfrm>
-            <a:off x="831850" y="4589463"/>
-            <a:ext cx="10515600" cy="1500187"/>
+            <a:off x="1097280" y="4453128"/>
+            <a:ext cx="10058400" cy="1143000"/>
           </a:xfrm>
         </p:spPr>
         <p:txBody>
-          <a:bodyPr/>
+          <a:bodyPr lIns="91440" rIns="91440" anchor="t" anchorCtr="0">
+            <a:normAutofit/>
+          </a:bodyPr>
           <a:lstStyle>
             <a:lvl1pPr marL="0" indent="0">
               <a:buNone/>
-              <a:defRPr sz="2400">
+              <a:defRPr sz="2400" cap="all" spc="200" baseline="0">
                 <a:solidFill>
-                  <a:schemeClr val="tx1">
-                    <a:tint val="82000"/>
-                  </a:schemeClr>
+                  <a:schemeClr val="tx2"/>
                 </a:solidFill>
+                <a:latin typeface="+mj-lt"/>
               </a:defRPr>
             </a:lvl1pPr>
             <a:lvl2pPr marL="457200" indent="0">
               <a:buNone/>
-              <a:defRPr sz="2000">
+              <a:defRPr sz="1800">
                 <a:solidFill>
                   <a:schemeClr val="tx1">
-                    <a:tint val="82000"/>
+                    <a:tint val="75000"/>
                   </a:schemeClr>
                 </a:solidFill>
               </a:defRPr>
             </a:lvl2pPr>
             <a:lvl3pPr marL="914400" indent="0">
               <a:buNone/>
-              <a:defRPr sz="1800">
+              <a:defRPr sz="1600">
                 <a:solidFill>
                   <a:schemeClr val="tx1">
-                    <a:tint val="82000"/>
+                    <a:tint val="75000"/>
                   </a:schemeClr>
                 </a:solidFill>
               </a:defRPr>
             </a:lvl3pPr>
             <a:lvl4pPr marL="1371600" indent="0">
               <a:buNone/>
-              <a:defRPr sz="1600">
+              <a:defRPr sz="1400">
                 <a:solidFill>
                   <a:schemeClr val="tx1">
-                    <a:tint val="82000"/>
+                    <a:tint val="75000"/>
                   </a:schemeClr>
                 </a:solidFill>
               </a:defRPr>
             </a:lvl4pPr>
             <a:lvl5pPr marL="1828800" indent="0">
               <a:buNone/>
-              <a:defRPr sz="1600">
+              <a:defRPr sz="1400">
                 <a:solidFill>
                   <a:schemeClr val="tx1">
-                    <a:tint val="82000"/>
+                    <a:tint val="75000"/>
                   </a:schemeClr>
                 </a:solidFill>
               </a:defRPr>
             </a:lvl5pPr>
             <a:lvl6pPr marL="2286000" indent="0">
               <a:buNone/>
-              <a:defRPr sz="1600">
+              <a:defRPr sz="1400">
                 <a:solidFill>
                   <a:schemeClr val="tx1">
-                    <a:tint val="82000"/>
+                    <a:tint val="75000"/>
                   </a:schemeClr>
                 </a:solidFill>
               </a:defRPr>
             </a:lvl6pPr>
             <a:lvl7pPr marL="2743200" indent="0">
               <a:buNone/>
-              <a:defRPr sz="1600">
+              <a:defRPr sz="1400">
                 <a:solidFill>
                   <a:schemeClr val="tx1">
-                    <a:tint val="82000"/>
+                    <a:tint val="75000"/>
                   </a:schemeClr>
                 </a:solidFill>
               </a:defRPr>
             </a:lvl7pPr>
             <a:lvl8pPr marL="3200400" indent="0">
               <a:buNone/>
-              <a:defRPr sz="1600">
+              <a:defRPr sz="1400">
                 <a:solidFill>
                   <a:schemeClr val="tx1">
-                    <a:tint val="82000"/>
+                    <a:tint val="75000"/>
                   </a:schemeClr>
                 </a:solidFill>
               </a:defRPr>
             </a:lvl8pPr>
             <a:lvl9pPr marL="3657600" indent="0">
               <a:buNone/>
-              <a:defRPr sz="1600">
+              <a:defRPr sz="1400">
                 <a:solidFill>
                   <a:schemeClr val="tx1">
-                    <a:tint val="82000"/>
+                    <a:tint val="75000"/>
                   </a:schemeClr>
                 </a:solidFill>
               </a:defRPr>
@@ -1121,13 +1321,7 @@
       </p:sp>
       <p:sp>
         <p:nvSpPr>
-          <p:cNvPr id="4" name="Date Placeholder 3">
-            <a:extLst>
-              <a:ext uri="{FF2B5EF4-FFF2-40B4-BE49-F238E27FC236}">
-                <a16:creationId xmlns:a16="http://schemas.microsoft.com/office/drawing/2014/main" id="{3241C713-D546-A940-05BB-CFA88F3C27CA}"/>
-              </a:ext>
-            </a:extLst>
-          </p:cNvPr>
+          <p:cNvPr id="4" name="Date Placeholder 3"/>
           <p:cNvSpPr>
             <a:spLocks noGrp="1"/>
           </p:cNvSpPr>
@@ -1142,7 +1336,7 @@
           <a:p>
             <a:fld id="{122DABFC-221E-4F7C-8511-A9761CDF0E9D}" type="datetimeFigureOut">
               <a:rPr lang="en-IN" smtClean="0"/>
-              <a:t>22-09-2025</a:t>
+              <a:t>23-09-2025</a:t>
             </a:fld>
             <a:endParaRPr lang="en-IN"/>
           </a:p>
@@ -1150,13 +1344,7 @@
       </p:sp>
       <p:sp>
         <p:nvSpPr>
-          <p:cNvPr id="5" name="Footer Placeholder 4">
-            <a:extLst>
-              <a:ext uri="{FF2B5EF4-FFF2-40B4-BE49-F238E27FC236}">
-                <a16:creationId xmlns:a16="http://schemas.microsoft.com/office/drawing/2014/main" id="{44941427-37D2-E9FF-8541-EFB2EC51A304}"/>
-              </a:ext>
-            </a:extLst>
-          </p:cNvPr>
+          <p:cNvPr id="5" name="Footer Placeholder 4"/>
           <p:cNvSpPr>
             <a:spLocks noGrp="1"/>
           </p:cNvSpPr>
@@ -1175,13 +1363,7 @@
       </p:sp>
       <p:sp>
         <p:nvSpPr>
-          <p:cNvPr id="6" name="Slide Number Placeholder 5">
-            <a:extLst>
-              <a:ext uri="{FF2B5EF4-FFF2-40B4-BE49-F238E27FC236}">
-                <a16:creationId xmlns:a16="http://schemas.microsoft.com/office/drawing/2014/main" id="{7006069C-D1F7-D09E-71FA-C613E1581251}"/>
-              </a:ext>
-            </a:extLst>
-          </p:cNvPr>
+          <p:cNvPr id="6" name="Slide Number Placeholder 5"/>
           <p:cNvSpPr>
             <a:spLocks noGrp="1"/>
           </p:cNvSpPr>
@@ -1202,10 +1384,48 @@
           </a:p>
         </p:txBody>
       </p:sp>
+      <p:cxnSp>
+        <p:nvCxnSpPr>
+          <p:cNvPr id="9" name="Straight Connector 8"/>
+          <p:cNvCxnSpPr/>
+          <p:nvPr/>
+        </p:nvCxnSpPr>
+        <p:spPr>
+          <a:xfrm>
+            <a:off x="1207658" y="4343400"/>
+            <a:ext cx="9875520" cy="0"/>
+          </a:xfrm>
+          <a:prstGeom prst="line">
+            <a:avLst/>
+          </a:prstGeom>
+          <a:ln w="6350">
+            <a:solidFill>
+              <a:schemeClr val="tx1">
+                <a:lumMod val="50000"/>
+                <a:lumOff val="50000"/>
+              </a:schemeClr>
+            </a:solidFill>
+          </a:ln>
+        </p:spPr>
+        <p:style>
+          <a:lnRef idx="1">
+            <a:schemeClr val="accent1"/>
+          </a:lnRef>
+          <a:fillRef idx="0">
+            <a:schemeClr val="accent1"/>
+          </a:fillRef>
+          <a:effectRef idx="0">
+            <a:schemeClr val="accent1"/>
+          </a:effectRef>
+          <a:fontRef idx="minor">
+            <a:schemeClr val="tx1"/>
+          </a:fontRef>
+        </p:style>
+      </p:cxnSp>
     </p:spTree>
     <p:extLst>
       <p:ext uri="{BB962C8B-B14F-4D97-AF65-F5344CB8AC3E}">
-        <p14:creationId xmlns:p14="http://schemas.microsoft.com/office/powerpoint/2010/main" val="517007122"/>
+        <p14:creationId xmlns:p14="http://schemas.microsoft.com/office/powerpoint/2010/main" val="237161164"/>
       </p:ext>
     </p:extLst>
   </p:cSld>
@@ -1234,13 +1454,7 @@
       </p:grpSpPr>
       <p:sp>
         <p:nvSpPr>
-          <p:cNvPr id="2" name="Title 1">
-            <a:extLst>
-              <a:ext uri="{FF2B5EF4-FFF2-40B4-BE49-F238E27FC236}">
-                <a16:creationId xmlns:a16="http://schemas.microsoft.com/office/drawing/2014/main" id="{3B91F919-851B-DF26-E5E3-64EF83C1813D}"/>
-              </a:ext>
-            </a:extLst>
-          </p:cNvPr>
+          <p:cNvPr id="8" name="Title 7"/>
           <p:cNvSpPr>
             <a:spLocks noGrp="1"/>
           </p:cNvSpPr>
@@ -1248,7 +1462,12 @@
             <p:ph type="title"/>
           </p:nvPr>
         </p:nvSpPr>
-        <p:spPr/>
+        <p:spPr>
+          <a:xfrm>
+            <a:off x="1097280" y="286603"/>
+            <a:ext cx="10058400" cy="1450757"/>
+          </a:xfrm>
+        </p:spPr>
         <p:txBody>
           <a:bodyPr/>
           <a:lstStyle/>
@@ -1257,19 +1476,13 @@
               <a:rPr lang="en-US"/>
               <a:t>Click to edit Master title style</a:t>
             </a:r>
-            <a:endParaRPr lang="en-IN"/>
-          </a:p>
-        </p:txBody>
-      </p:sp>
-      <p:sp>
-        <p:nvSpPr>
-          <p:cNvPr id="3" name="Content Placeholder 2">
-            <a:extLst>
-              <a:ext uri="{FF2B5EF4-FFF2-40B4-BE49-F238E27FC236}">
-                <a16:creationId xmlns:a16="http://schemas.microsoft.com/office/drawing/2014/main" id="{BFBD7335-A21C-58CE-1399-7A313D9FB2F2}"/>
-              </a:ext>
-            </a:extLst>
-          </p:cNvPr>
+            <a:endParaRPr lang="en-US" dirty="0"/>
+          </a:p>
+        </p:txBody>
+      </p:sp>
+      <p:sp>
+        <p:nvSpPr>
+          <p:cNvPr id="3" name="Content Placeholder 2"/>
           <p:cNvSpPr>
             <a:spLocks noGrp="1"/>
           </p:cNvSpPr>
@@ -1279,8 +1492,8 @@
         </p:nvSpPr>
         <p:spPr>
           <a:xfrm>
-            <a:off x="838200" y="1825625"/>
-            <a:ext cx="5181600" cy="4351338"/>
+            <a:off x="1097279" y="1845734"/>
+            <a:ext cx="4937760" cy="4023360"/>
           </a:xfrm>
         </p:spPr>
         <p:txBody>
@@ -1320,19 +1533,13 @@
               <a:rPr lang="en-US"/>
               <a:t>Fifth level</a:t>
             </a:r>
-            <a:endParaRPr lang="en-IN"/>
-          </a:p>
-        </p:txBody>
-      </p:sp>
-      <p:sp>
-        <p:nvSpPr>
-          <p:cNvPr id="4" name="Content Placeholder 3">
-            <a:extLst>
-              <a:ext uri="{FF2B5EF4-FFF2-40B4-BE49-F238E27FC236}">
-                <a16:creationId xmlns:a16="http://schemas.microsoft.com/office/drawing/2014/main" id="{4A95C052-F487-C38A-523F-142C07F2EF35}"/>
-              </a:ext>
-            </a:extLst>
-          </p:cNvPr>
+            <a:endParaRPr lang="en-US" dirty="0"/>
+          </a:p>
+        </p:txBody>
+      </p:sp>
+      <p:sp>
+        <p:nvSpPr>
+          <p:cNvPr id="4" name="Content Placeholder 3"/>
           <p:cNvSpPr>
             <a:spLocks noGrp="1"/>
           </p:cNvSpPr>
@@ -1342,8 +1549,8 @@
         </p:nvSpPr>
         <p:spPr>
           <a:xfrm>
-            <a:off x="6172200" y="1825625"/>
-            <a:ext cx="5181600" cy="4351338"/>
+            <a:off x="6217920" y="1845735"/>
+            <a:ext cx="4937760" cy="4023360"/>
           </a:xfrm>
         </p:spPr>
         <p:txBody>
@@ -1383,19 +1590,13 @@
               <a:rPr lang="en-US"/>
               <a:t>Fifth level</a:t>
             </a:r>
-            <a:endParaRPr lang="en-IN"/>
-          </a:p>
-        </p:txBody>
-      </p:sp>
-      <p:sp>
-        <p:nvSpPr>
-          <p:cNvPr id="5" name="Date Placeholder 4">
-            <a:extLst>
-              <a:ext uri="{FF2B5EF4-FFF2-40B4-BE49-F238E27FC236}">
-                <a16:creationId xmlns:a16="http://schemas.microsoft.com/office/drawing/2014/main" id="{AD908BD7-567A-33DD-E458-ADA27011FF6C}"/>
-              </a:ext>
-            </a:extLst>
-          </p:cNvPr>
+            <a:endParaRPr lang="en-US" dirty="0"/>
+          </a:p>
+        </p:txBody>
+      </p:sp>
+      <p:sp>
+        <p:nvSpPr>
+          <p:cNvPr id="5" name="Date Placeholder 4"/>
           <p:cNvSpPr>
             <a:spLocks noGrp="1"/>
           </p:cNvSpPr>
@@ -1410,7 +1611,7 @@
           <a:p>
             <a:fld id="{122DABFC-221E-4F7C-8511-A9761CDF0E9D}" type="datetimeFigureOut">
               <a:rPr lang="en-IN" smtClean="0"/>
-              <a:t>22-09-2025</a:t>
+              <a:t>23-09-2025</a:t>
             </a:fld>
             <a:endParaRPr lang="en-IN"/>
           </a:p>
@@ -1418,13 +1619,7 @@
       </p:sp>
       <p:sp>
         <p:nvSpPr>
-          <p:cNvPr id="6" name="Footer Placeholder 5">
-            <a:extLst>
-              <a:ext uri="{FF2B5EF4-FFF2-40B4-BE49-F238E27FC236}">
-                <a16:creationId xmlns:a16="http://schemas.microsoft.com/office/drawing/2014/main" id="{5CCEAB7E-5B25-664F-FEA4-9C83A65E4F93}"/>
-              </a:ext>
-            </a:extLst>
-          </p:cNvPr>
+          <p:cNvPr id="6" name="Footer Placeholder 5"/>
           <p:cNvSpPr>
             <a:spLocks noGrp="1"/>
           </p:cNvSpPr>
@@ -1443,13 +1638,7 @@
       </p:sp>
       <p:sp>
         <p:nvSpPr>
-          <p:cNvPr id="7" name="Slide Number Placeholder 6">
-            <a:extLst>
-              <a:ext uri="{FF2B5EF4-FFF2-40B4-BE49-F238E27FC236}">
-                <a16:creationId xmlns:a16="http://schemas.microsoft.com/office/drawing/2014/main" id="{22BAABCA-A051-6149-6CB4-FCAE5E9D2104}"/>
-              </a:ext>
-            </a:extLst>
-          </p:cNvPr>
+          <p:cNvPr id="7" name="Slide Number Placeholder 6"/>
           <p:cNvSpPr>
             <a:spLocks noGrp="1"/>
           </p:cNvSpPr>
@@ -1473,7 +1662,7 @@
     </p:spTree>
     <p:extLst>
       <p:ext uri="{BB962C8B-B14F-4D97-AF65-F5344CB8AC3E}">
-        <p14:creationId xmlns:p14="http://schemas.microsoft.com/office/powerpoint/2010/main" val="397853347"/>
+        <p14:creationId xmlns:p14="http://schemas.microsoft.com/office/powerpoint/2010/main" val="1274224300"/>
       </p:ext>
     </p:extLst>
   </p:cSld>
@@ -1502,13 +1691,7 @@
       </p:grpSpPr>
       <p:sp>
         <p:nvSpPr>
-          <p:cNvPr id="2" name="Title 1">
-            <a:extLst>
-              <a:ext uri="{FF2B5EF4-FFF2-40B4-BE49-F238E27FC236}">
-                <a16:creationId xmlns:a16="http://schemas.microsoft.com/office/drawing/2014/main" id="{2117F46A-6370-16AF-19AB-FB6DBF15E152}"/>
-              </a:ext>
-            </a:extLst>
-          </p:cNvPr>
+          <p:cNvPr id="10" name="Title 9"/>
           <p:cNvSpPr>
             <a:spLocks noGrp="1"/>
           </p:cNvSpPr>
@@ -1518,8 +1701,8 @@
         </p:nvSpPr>
         <p:spPr>
           <a:xfrm>
-            <a:off x="839788" y="365125"/>
-            <a:ext cx="10515600" cy="1325563"/>
+            <a:off x="1097280" y="286603"/>
+            <a:ext cx="10058400" cy="1450757"/>
           </a:xfrm>
         </p:spPr>
         <p:txBody>
@@ -1530,19 +1713,13 @@
               <a:rPr lang="en-US"/>
               <a:t>Click to edit Master title style</a:t>
             </a:r>
-            <a:endParaRPr lang="en-IN"/>
-          </a:p>
-        </p:txBody>
-      </p:sp>
-      <p:sp>
-        <p:nvSpPr>
-          <p:cNvPr id="3" name="Text Placeholder 2">
-            <a:extLst>
-              <a:ext uri="{FF2B5EF4-FFF2-40B4-BE49-F238E27FC236}">
-                <a16:creationId xmlns:a16="http://schemas.microsoft.com/office/drawing/2014/main" id="{BD4B89D1-FF75-2E6B-490B-B4A66E10C04B}"/>
-              </a:ext>
-            </a:extLst>
-          </p:cNvPr>
+            <a:endParaRPr lang="en-US" dirty="0"/>
+          </a:p>
+        </p:txBody>
+      </p:sp>
+      <p:sp>
+        <p:nvSpPr>
+          <p:cNvPr id="3" name="Text Placeholder 2"/>
           <p:cNvSpPr>
             <a:spLocks noGrp="1"/>
           </p:cNvSpPr>
@@ -1552,16 +1729,22 @@
         </p:nvSpPr>
         <p:spPr>
           <a:xfrm>
-            <a:off x="839788" y="1681163"/>
-            <a:ext cx="5157787" cy="823912"/>
+            <a:off x="1097280" y="1846052"/>
+            <a:ext cx="4937760" cy="736282"/>
           </a:xfrm>
         </p:spPr>
         <p:txBody>
-          <a:bodyPr anchor="b"/>
+          <a:bodyPr lIns="91440" rIns="91440" anchor="ctr">
+            <a:normAutofit/>
+          </a:bodyPr>
           <a:lstStyle>
             <a:lvl1pPr marL="0" indent="0">
               <a:buNone/>
-              <a:defRPr sz="2400" b="1"/>
+              <a:defRPr sz="2000" b="0" cap="all" baseline="0">
+                <a:solidFill>
+                  <a:schemeClr val="tx2"/>
+                </a:solidFill>
+              </a:defRPr>
             </a:lvl1pPr>
             <a:lvl2pPr marL="457200" indent="0">
               <a:buNone/>
@@ -1607,13 +1790,7 @@
       </p:sp>
       <p:sp>
         <p:nvSpPr>
-          <p:cNvPr id="4" name="Content Placeholder 3">
-            <a:extLst>
-              <a:ext uri="{FF2B5EF4-FFF2-40B4-BE49-F238E27FC236}">
-                <a16:creationId xmlns:a16="http://schemas.microsoft.com/office/drawing/2014/main" id="{33FEC080-CD2C-0085-0516-BCED2DF7EA1A}"/>
-              </a:ext>
-            </a:extLst>
-          </p:cNvPr>
+          <p:cNvPr id="4" name="Content Placeholder 3"/>
           <p:cNvSpPr>
             <a:spLocks noGrp="1"/>
           </p:cNvSpPr>
@@ -1623,8 +1800,8 @@
         </p:nvSpPr>
         <p:spPr>
           <a:xfrm>
-            <a:off x="839788" y="2505075"/>
-            <a:ext cx="5157787" cy="3684588"/>
+            <a:off x="1097280" y="2582334"/>
+            <a:ext cx="4937760" cy="3378200"/>
           </a:xfrm>
         </p:spPr>
         <p:txBody>
@@ -1664,19 +1841,13 @@
               <a:rPr lang="en-US"/>
               <a:t>Fifth level</a:t>
             </a:r>
-            <a:endParaRPr lang="en-IN"/>
-          </a:p>
-        </p:txBody>
-      </p:sp>
-      <p:sp>
-        <p:nvSpPr>
-          <p:cNvPr id="5" name="Text Placeholder 4">
-            <a:extLst>
-              <a:ext uri="{FF2B5EF4-FFF2-40B4-BE49-F238E27FC236}">
-                <a16:creationId xmlns:a16="http://schemas.microsoft.com/office/drawing/2014/main" id="{74A95A4A-E5A9-A632-A0AC-DEC572F703F7}"/>
-              </a:ext>
-            </a:extLst>
-          </p:cNvPr>
+            <a:endParaRPr lang="en-US" dirty="0"/>
+          </a:p>
+        </p:txBody>
+      </p:sp>
+      <p:sp>
+        <p:nvSpPr>
+          <p:cNvPr id="5" name="Text Placeholder 4"/>
           <p:cNvSpPr>
             <a:spLocks noGrp="1"/>
           </p:cNvSpPr>
@@ -1686,16 +1857,22 @@
         </p:nvSpPr>
         <p:spPr>
           <a:xfrm>
-            <a:off x="6172200" y="1681163"/>
-            <a:ext cx="5183188" cy="823912"/>
+            <a:off x="6217920" y="1846052"/>
+            <a:ext cx="4937760" cy="736282"/>
           </a:xfrm>
         </p:spPr>
         <p:txBody>
-          <a:bodyPr anchor="b"/>
+          <a:bodyPr lIns="91440" rIns="91440" anchor="ctr">
+            <a:normAutofit/>
+          </a:bodyPr>
           <a:lstStyle>
             <a:lvl1pPr marL="0" indent="0">
               <a:buNone/>
-              <a:defRPr sz="2400" b="1"/>
+              <a:defRPr sz="2000" b="0" cap="all" baseline="0">
+                <a:solidFill>
+                  <a:schemeClr val="tx2"/>
+                </a:solidFill>
+              </a:defRPr>
             </a:lvl1pPr>
             <a:lvl2pPr marL="457200" indent="0">
               <a:buNone/>
@@ -1741,13 +1918,7 @@
       </p:sp>
       <p:sp>
         <p:nvSpPr>
-          <p:cNvPr id="6" name="Content Placeholder 5">
-            <a:extLst>
-              <a:ext uri="{FF2B5EF4-FFF2-40B4-BE49-F238E27FC236}">
-                <a16:creationId xmlns:a16="http://schemas.microsoft.com/office/drawing/2014/main" id="{EA181E2F-6124-6B78-E580-E89E3C9BB7B2}"/>
-              </a:ext>
-            </a:extLst>
-          </p:cNvPr>
+          <p:cNvPr id="6" name="Content Placeholder 5"/>
           <p:cNvSpPr>
             <a:spLocks noGrp="1"/>
           </p:cNvSpPr>
@@ -1757,8 +1928,8 @@
         </p:nvSpPr>
         <p:spPr>
           <a:xfrm>
-            <a:off x="6172200" y="2505075"/>
-            <a:ext cx="5183188" cy="3684588"/>
+            <a:off x="6217920" y="2582334"/>
+            <a:ext cx="4937760" cy="3378200"/>
           </a:xfrm>
         </p:spPr>
         <p:txBody>
@@ -1798,19 +1969,13 @@
               <a:rPr lang="en-US"/>
               <a:t>Fifth level</a:t>
             </a:r>
-            <a:endParaRPr lang="en-IN"/>
-          </a:p>
-        </p:txBody>
-      </p:sp>
-      <p:sp>
-        <p:nvSpPr>
-          <p:cNvPr id="7" name="Date Placeholder 6">
-            <a:extLst>
-              <a:ext uri="{FF2B5EF4-FFF2-40B4-BE49-F238E27FC236}">
-                <a16:creationId xmlns:a16="http://schemas.microsoft.com/office/drawing/2014/main" id="{8F406085-5199-8A7B-2AA4-F1566513924E}"/>
-              </a:ext>
-            </a:extLst>
-          </p:cNvPr>
+            <a:endParaRPr lang="en-US" dirty="0"/>
+          </a:p>
+        </p:txBody>
+      </p:sp>
+      <p:sp>
+        <p:nvSpPr>
+          <p:cNvPr id="7" name="Date Placeholder 6"/>
           <p:cNvSpPr>
             <a:spLocks noGrp="1"/>
           </p:cNvSpPr>
@@ -1825,7 +1990,7 @@
           <a:p>
             <a:fld id="{122DABFC-221E-4F7C-8511-A9761CDF0E9D}" type="datetimeFigureOut">
               <a:rPr lang="en-IN" smtClean="0"/>
-              <a:t>22-09-2025</a:t>
+              <a:t>23-09-2025</a:t>
             </a:fld>
             <a:endParaRPr lang="en-IN"/>
           </a:p>
@@ -1833,13 +1998,7 @@
       </p:sp>
       <p:sp>
         <p:nvSpPr>
-          <p:cNvPr id="8" name="Footer Placeholder 7">
-            <a:extLst>
-              <a:ext uri="{FF2B5EF4-FFF2-40B4-BE49-F238E27FC236}">
-                <a16:creationId xmlns:a16="http://schemas.microsoft.com/office/drawing/2014/main" id="{6F9125B9-03FA-6F8A-2252-09B797042FA5}"/>
-              </a:ext>
-            </a:extLst>
-          </p:cNvPr>
+          <p:cNvPr id="8" name="Footer Placeholder 7"/>
           <p:cNvSpPr>
             <a:spLocks noGrp="1"/>
           </p:cNvSpPr>
@@ -1858,13 +2017,7 @@
       </p:sp>
       <p:sp>
         <p:nvSpPr>
-          <p:cNvPr id="9" name="Slide Number Placeholder 8">
-            <a:extLst>
-              <a:ext uri="{FF2B5EF4-FFF2-40B4-BE49-F238E27FC236}">
-                <a16:creationId xmlns:a16="http://schemas.microsoft.com/office/drawing/2014/main" id="{4768900F-A8D3-0A89-567B-9F67B9372065}"/>
-              </a:ext>
-            </a:extLst>
-          </p:cNvPr>
+          <p:cNvPr id="9" name="Slide Number Placeholder 8"/>
           <p:cNvSpPr>
             <a:spLocks noGrp="1"/>
           </p:cNvSpPr>
@@ -1888,7 +2041,7 @@
     </p:spTree>
     <p:extLst>
       <p:ext uri="{BB962C8B-B14F-4D97-AF65-F5344CB8AC3E}">
-        <p14:creationId xmlns:p14="http://schemas.microsoft.com/office/powerpoint/2010/main" val="79220670"/>
+        <p14:creationId xmlns:p14="http://schemas.microsoft.com/office/powerpoint/2010/main" val="1390764115"/>
       </p:ext>
     </p:extLst>
   </p:cSld>
@@ -1917,13 +2070,7 @@
       </p:grpSpPr>
       <p:sp>
         <p:nvSpPr>
-          <p:cNvPr id="2" name="Title 1">
-            <a:extLst>
-              <a:ext uri="{FF2B5EF4-FFF2-40B4-BE49-F238E27FC236}">
-                <a16:creationId xmlns:a16="http://schemas.microsoft.com/office/drawing/2014/main" id="{0400F1D8-6869-881E-D716-760439A622C6}"/>
-              </a:ext>
-            </a:extLst>
-          </p:cNvPr>
+          <p:cNvPr id="2" name="Title 1"/>
           <p:cNvSpPr>
             <a:spLocks noGrp="1"/>
           </p:cNvSpPr>
@@ -1940,19 +2087,13 @@
               <a:rPr lang="en-US"/>
               <a:t>Click to edit Master title style</a:t>
             </a:r>
-            <a:endParaRPr lang="en-IN"/>
-          </a:p>
-        </p:txBody>
-      </p:sp>
-      <p:sp>
-        <p:nvSpPr>
-          <p:cNvPr id="3" name="Date Placeholder 2">
-            <a:extLst>
-              <a:ext uri="{FF2B5EF4-FFF2-40B4-BE49-F238E27FC236}">
-                <a16:creationId xmlns:a16="http://schemas.microsoft.com/office/drawing/2014/main" id="{97F78CEA-58C0-1FBC-3805-9BC8A9BEE0A2}"/>
-              </a:ext>
-            </a:extLst>
-          </p:cNvPr>
+            <a:endParaRPr lang="en-US" dirty="0"/>
+          </a:p>
+        </p:txBody>
+      </p:sp>
+      <p:sp>
+        <p:nvSpPr>
+          <p:cNvPr id="3" name="Date Placeholder 2"/>
           <p:cNvSpPr>
             <a:spLocks noGrp="1"/>
           </p:cNvSpPr>
@@ -1967,7 +2108,7 @@
           <a:p>
             <a:fld id="{122DABFC-221E-4F7C-8511-A9761CDF0E9D}" type="datetimeFigureOut">
               <a:rPr lang="en-IN" smtClean="0"/>
-              <a:t>22-09-2025</a:t>
+              <a:t>23-09-2025</a:t>
             </a:fld>
             <a:endParaRPr lang="en-IN"/>
           </a:p>
@@ -1975,13 +2116,7 @@
       </p:sp>
       <p:sp>
         <p:nvSpPr>
-          <p:cNvPr id="4" name="Footer Placeholder 3">
-            <a:extLst>
-              <a:ext uri="{FF2B5EF4-FFF2-40B4-BE49-F238E27FC236}">
-                <a16:creationId xmlns:a16="http://schemas.microsoft.com/office/drawing/2014/main" id="{EC292AF2-F152-BDAE-6C79-E5BA765B5505}"/>
-              </a:ext>
-            </a:extLst>
-          </p:cNvPr>
+          <p:cNvPr id="4" name="Footer Placeholder 3"/>
           <p:cNvSpPr>
             <a:spLocks noGrp="1"/>
           </p:cNvSpPr>
@@ -2000,13 +2135,7 @@
       </p:sp>
       <p:sp>
         <p:nvSpPr>
-          <p:cNvPr id="5" name="Slide Number Placeholder 4">
-            <a:extLst>
-              <a:ext uri="{FF2B5EF4-FFF2-40B4-BE49-F238E27FC236}">
-                <a16:creationId xmlns:a16="http://schemas.microsoft.com/office/drawing/2014/main" id="{06AA9D35-5AE4-7AC9-2716-8360C684573D}"/>
-              </a:ext>
-            </a:extLst>
-          </p:cNvPr>
+          <p:cNvPr id="5" name="Slide Number Placeholder 4"/>
           <p:cNvSpPr>
             <a:spLocks noGrp="1"/>
           </p:cNvSpPr>
@@ -2030,7 +2159,7 @@
     </p:spTree>
     <p:extLst>
       <p:ext uri="{BB962C8B-B14F-4D97-AF65-F5344CB8AC3E}">
-        <p14:creationId xmlns:p14="http://schemas.microsoft.com/office/powerpoint/2010/main" val="1635356851"/>
+        <p14:creationId xmlns:p14="http://schemas.microsoft.com/office/powerpoint/2010/main" val="1449240861"/>
       </p:ext>
     </p:extLst>
   </p:cSld>
@@ -2041,7 +2170,7 @@
 </file>
 
 <file path=ppt/slideLayouts/slideLayout7.xml><?xml version="1.0" encoding="utf-8"?>
-<p:sldLayout xmlns:a="http://schemas.openxmlformats.org/drawingml/2006/main" xmlns:r="http://schemas.openxmlformats.org/officeDocument/2006/relationships" xmlns:p="http://schemas.openxmlformats.org/presentationml/2006/main" type="blank" preserve="1">
+<p:sldLayout xmlns:a="http://schemas.openxmlformats.org/drawingml/2006/main" xmlns:r="http://schemas.openxmlformats.org/officeDocument/2006/relationships" xmlns:p="http://schemas.openxmlformats.org/presentationml/2006/main" showMasterSp="0" type="blank" preserve="1">
   <p:cSld name="Blank">
     <p:spTree>
       <p:nvGrpSpPr>
@@ -2059,13 +2188,97 @@
       </p:grpSpPr>
       <p:sp>
         <p:nvSpPr>
-          <p:cNvPr id="2" name="Date Placeholder 1">
-            <a:extLst>
-              <a:ext uri="{FF2B5EF4-FFF2-40B4-BE49-F238E27FC236}">
-                <a16:creationId xmlns:a16="http://schemas.microsoft.com/office/drawing/2014/main" id="{251B5490-8AF0-D20D-94E3-C78FA15D082D}"/>
-              </a:ext>
-            </a:extLst>
-          </p:cNvPr>
+          <p:cNvPr id="5" name="Rectangle 4"/>
+          <p:cNvSpPr/>
+          <p:nvPr/>
+        </p:nvSpPr>
+        <p:spPr>
+          <a:xfrm>
+            <a:off x="3175" y="6400800"/>
+            <a:ext cx="12188825" cy="457200"/>
+          </a:xfrm>
+          <a:prstGeom prst="rect">
+            <a:avLst/>
+          </a:prstGeom>
+          <a:solidFill>
+            <a:schemeClr val="accent2"/>
+          </a:solidFill>
+          <a:ln>
+            <a:noFill/>
+          </a:ln>
+        </p:spPr>
+        <p:style>
+          <a:lnRef idx="2">
+            <a:schemeClr val="accent1">
+              <a:shade val="50000"/>
+            </a:schemeClr>
+          </a:lnRef>
+          <a:fillRef idx="1">
+            <a:schemeClr val="accent1"/>
+          </a:fillRef>
+          <a:effectRef idx="0">
+            <a:schemeClr val="accent1"/>
+          </a:effectRef>
+          <a:fontRef idx="minor">
+            <a:schemeClr val="lt1"/>
+          </a:fontRef>
+        </p:style>
+        <p:txBody>
+          <a:bodyPr/>
+          <a:lstStyle/>
+          <a:p>
+            <a:endParaRPr lang="en-IN"/>
+          </a:p>
+        </p:txBody>
+      </p:sp>
+      <p:sp>
+        <p:nvSpPr>
+          <p:cNvPr id="6" name="Rectangle 5"/>
+          <p:cNvSpPr/>
+          <p:nvPr/>
+        </p:nvSpPr>
+        <p:spPr>
+          <a:xfrm>
+            <a:off x="15" y="6334316"/>
+            <a:ext cx="12188825" cy="64008"/>
+          </a:xfrm>
+          <a:prstGeom prst="rect">
+            <a:avLst/>
+          </a:prstGeom>
+          <a:solidFill>
+            <a:schemeClr val="accent1"/>
+          </a:solidFill>
+          <a:ln>
+            <a:noFill/>
+          </a:ln>
+        </p:spPr>
+        <p:style>
+          <a:lnRef idx="2">
+            <a:schemeClr val="accent1">
+              <a:shade val="50000"/>
+            </a:schemeClr>
+          </a:lnRef>
+          <a:fillRef idx="1">
+            <a:schemeClr val="accent1"/>
+          </a:fillRef>
+          <a:effectRef idx="0">
+            <a:schemeClr val="accent1"/>
+          </a:effectRef>
+          <a:fontRef idx="minor">
+            <a:schemeClr val="lt1"/>
+          </a:fontRef>
+        </p:style>
+        <p:txBody>
+          <a:bodyPr/>
+          <a:lstStyle/>
+          <a:p>
+            <a:endParaRPr lang="en-IN"/>
+          </a:p>
+        </p:txBody>
+      </p:sp>
+      <p:sp>
+        <p:nvSpPr>
+          <p:cNvPr id="7" name="Date Placeholder 6"/>
           <p:cNvSpPr>
             <a:spLocks noGrp="1"/>
           </p:cNvSpPr>
@@ -2080,7 +2293,7 @@
           <a:p>
             <a:fld id="{122DABFC-221E-4F7C-8511-A9761CDF0E9D}" type="datetimeFigureOut">
               <a:rPr lang="en-IN" smtClean="0"/>
-              <a:t>22-09-2025</a:t>
+              <a:t>23-09-2025</a:t>
             </a:fld>
             <a:endParaRPr lang="en-IN"/>
           </a:p>
@@ -2088,13 +2301,7 @@
       </p:sp>
       <p:sp>
         <p:nvSpPr>
-          <p:cNvPr id="3" name="Footer Placeholder 2">
-            <a:extLst>
-              <a:ext uri="{FF2B5EF4-FFF2-40B4-BE49-F238E27FC236}">
-                <a16:creationId xmlns:a16="http://schemas.microsoft.com/office/drawing/2014/main" id="{B4146F85-2CDE-64C8-1572-070C01CFC442}"/>
-              </a:ext>
-            </a:extLst>
-          </p:cNvPr>
+          <p:cNvPr id="8" name="Footer Placeholder 7"/>
           <p:cNvSpPr>
             <a:spLocks noGrp="1"/>
           </p:cNvSpPr>
@@ -2105,7 +2312,15 @@
         <p:spPr/>
         <p:txBody>
           <a:bodyPr/>
-          <a:lstStyle/>
+          <a:lstStyle>
+            <a:lvl1pPr>
+              <a:defRPr>
+                <a:solidFill>
+                  <a:srgbClr val="FFFFFF"/>
+                </a:solidFill>
+              </a:defRPr>
+            </a:lvl1pPr>
+          </a:lstStyle>
           <a:p>
             <a:endParaRPr lang="en-IN"/>
           </a:p>
@@ -2113,13 +2328,7 @@
       </p:sp>
       <p:sp>
         <p:nvSpPr>
-          <p:cNvPr id="4" name="Slide Number Placeholder 3">
-            <a:extLst>
-              <a:ext uri="{FF2B5EF4-FFF2-40B4-BE49-F238E27FC236}">
-                <a16:creationId xmlns:a16="http://schemas.microsoft.com/office/drawing/2014/main" id="{8C7A3721-A246-5D51-ECB5-86A0B6B54505}"/>
-              </a:ext>
-            </a:extLst>
-          </p:cNvPr>
+          <p:cNvPr id="9" name="Slide Number Placeholder 8"/>
           <p:cNvSpPr>
             <a:spLocks noGrp="1"/>
           </p:cNvSpPr>
@@ -2143,7 +2352,7 @@
     </p:spTree>
     <p:extLst>
       <p:ext uri="{BB962C8B-B14F-4D97-AF65-F5344CB8AC3E}">
-        <p14:creationId xmlns:p14="http://schemas.microsoft.com/office/powerpoint/2010/main" val="152841197"/>
+        <p14:creationId xmlns:p14="http://schemas.microsoft.com/office/powerpoint/2010/main" val="445474661"/>
       </p:ext>
     </p:extLst>
   </p:cSld>
@@ -2154,7 +2363,7 @@
 </file>
 
 <file path=ppt/slideLayouts/slideLayout8.xml><?xml version="1.0" encoding="utf-8"?>
-<p:sldLayout xmlns:a="http://schemas.openxmlformats.org/drawingml/2006/main" xmlns:r="http://schemas.openxmlformats.org/officeDocument/2006/relationships" xmlns:p="http://schemas.openxmlformats.org/presentationml/2006/main" type="objTx" preserve="1">
+<p:sldLayout xmlns:a="http://schemas.openxmlformats.org/drawingml/2006/main" xmlns:r="http://schemas.openxmlformats.org/officeDocument/2006/relationships" xmlns:p="http://schemas.openxmlformats.org/presentationml/2006/main" showMasterSp="0" type="objTx" preserve="1">
   <p:cSld name="Content with Caption">
     <p:spTree>
       <p:nvGrpSpPr>
@@ -2172,13 +2381,83 @@
       </p:grpSpPr>
       <p:sp>
         <p:nvSpPr>
-          <p:cNvPr id="2" name="Title 1">
-            <a:extLst>
-              <a:ext uri="{FF2B5EF4-FFF2-40B4-BE49-F238E27FC236}">
-                <a16:creationId xmlns:a16="http://schemas.microsoft.com/office/drawing/2014/main" id="{202DCB1B-EF94-4E38-6436-E922FC657812}"/>
-              </a:ext>
-            </a:extLst>
-          </p:cNvPr>
+          <p:cNvPr id="8" name="Rectangle 7"/>
+          <p:cNvSpPr/>
+          <p:nvPr/>
+        </p:nvSpPr>
+        <p:spPr>
+          <a:xfrm>
+            <a:off x="16" y="0"/>
+            <a:ext cx="4050791" cy="6858000"/>
+          </a:xfrm>
+          <a:prstGeom prst="rect">
+            <a:avLst/>
+          </a:prstGeom>
+          <a:solidFill>
+            <a:schemeClr val="accent2"/>
+          </a:solidFill>
+          <a:ln>
+            <a:noFill/>
+          </a:ln>
+        </p:spPr>
+        <p:style>
+          <a:lnRef idx="2">
+            <a:schemeClr val="accent1">
+              <a:shade val="50000"/>
+            </a:schemeClr>
+          </a:lnRef>
+          <a:fillRef idx="1">
+            <a:schemeClr val="accent1"/>
+          </a:fillRef>
+          <a:effectRef idx="0">
+            <a:schemeClr val="accent1"/>
+          </a:effectRef>
+          <a:fontRef idx="minor">
+            <a:schemeClr val="lt1"/>
+          </a:fontRef>
+        </p:style>
+      </p:sp>
+      <p:sp>
+        <p:nvSpPr>
+          <p:cNvPr id="9" name="Rectangle 8"/>
+          <p:cNvSpPr/>
+          <p:nvPr/>
+        </p:nvSpPr>
+        <p:spPr>
+          <a:xfrm>
+            <a:off x="4040071" y="0"/>
+            <a:ext cx="64008" cy="6858000"/>
+          </a:xfrm>
+          <a:prstGeom prst="rect">
+            <a:avLst/>
+          </a:prstGeom>
+          <a:solidFill>
+            <a:schemeClr val="accent1"/>
+          </a:solidFill>
+          <a:ln>
+            <a:noFill/>
+          </a:ln>
+        </p:spPr>
+        <p:style>
+          <a:lnRef idx="2">
+            <a:schemeClr val="accent1">
+              <a:shade val="50000"/>
+            </a:schemeClr>
+          </a:lnRef>
+          <a:fillRef idx="1">
+            <a:schemeClr val="accent1"/>
+          </a:fillRef>
+          <a:effectRef idx="0">
+            <a:schemeClr val="accent1"/>
+          </a:effectRef>
+          <a:fontRef idx="minor">
+            <a:schemeClr val="lt1"/>
+          </a:fontRef>
+        </p:style>
+      </p:sp>
+      <p:sp>
+        <p:nvSpPr>
+          <p:cNvPr id="2" name="Title 1"/>
           <p:cNvSpPr>
             <a:spLocks noGrp="1"/>
           </p:cNvSpPr>
@@ -2188,15 +2467,21 @@
         </p:nvSpPr>
         <p:spPr>
           <a:xfrm>
-            <a:off x="839788" y="457200"/>
-            <a:ext cx="3932237" cy="1600200"/>
+            <a:off x="457200" y="594359"/>
+            <a:ext cx="3200400" cy="2286000"/>
           </a:xfrm>
         </p:spPr>
         <p:txBody>
-          <a:bodyPr anchor="b"/>
+          <a:bodyPr anchor="b">
+            <a:normAutofit/>
+          </a:bodyPr>
           <a:lstStyle>
             <a:lvl1pPr>
-              <a:defRPr sz="3200"/>
+              <a:defRPr sz="3600" b="0">
+                <a:solidFill>
+                  <a:srgbClr val="FFFFFF"/>
+                </a:solidFill>
+              </a:defRPr>
             </a:lvl1pPr>
           </a:lstStyle>
           <a:p>
@@ -2204,19 +2489,13 @@
               <a:rPr lang="en-US"/>
               <a:t>Click to edit Master title style</a:t>
             </a:r>
-            <a:endParaRPr lang="en-IN"/>
-          </a:p>
-        </p:txBody>
-      </p:sp>
-      <p:sp>
-        <p:nvSpPr>
-          <p:cNvPr id="3" name="Content Placeholder 2">
-            <a:extLst>
-              <a:ext uri="{FF2B5EF4-FFF2-40B4-BE49-F238E27FC236}">
-                <a16:creationId xmlns:a16="http://schemas.microsoft.com/office/drawing/2014/main" id="{CAB10ED5-A558-AC6E-62E8-BF08066D55CB}"/>
-              </a:ext>
-            </a:extLst>
-          </p:cNvPr>
+            <a:endParaRPr lang="en-US" dirty="0"/>
+          </a:p>
+        </p:txBody>
+      </p:sp>
+      <p:sp>
+        <p:nvSpPr>
+          <p:cNvPr id="3" name="Content Placeholder 2"/>
           <p:cNvSpPr>
             <a:spLocks noGrp="1"/>
           </p:cNvSpPr>
@@ -2226,41 +2505,13 @@
         </p:nvSpPr>
         <p:spPr>
           <a:xfrm>
-            <a:off x="5183188" y="987425"/>
-            <a:ext cx="6172200" cy="4873625"/>
+            <a:off x="4800600" y="731520"/>
+            <a:ext cx="6492240" cy="5257800"/>
           </a:xfrm>
         </p:spPr>
         <p:txBody>
           <a:bodyPr/>
-          <a:lstStyle>
-            <a:lvl1pPr>
-              <a:defRPr sz="3200"/>
-            </a:lvl1pPr>
-            <a:lvl2pPr>
-              <a:defRPr sz="2800"/>
-            </a:lvl2pPr>
-            <a:lvl3pPr>
-              <a:defRPr sz="2400"/>
-            </a:lvl3pPr>
-            <a:lvl4pPr>
-              <a:defRPr sz="2000"/>
-            </a:lvl4pPr>
-            <a:lvl5pPr>
-              <a:defRPr sz="2000"/>
-            </a:lvl5pPr>
-            <a:lvl6pPr>
-              <a:defRPr sz="2000"/>
-            </a:lvl6pPr>
-            <a:lvl7pPr>
-              <a:defRPr sz="2000"/>
-            </a:lvl7pPr>
-            <a:lvl8pPr>
-              <a:defRPr sz="2000"/>
-            </a:lvl8pPr>
-            <a:lvl9pPr>
-              <a:defRPr sz="2000"/>
-            </a:lvl9pPr>
-          </a:lstStyle>
+          <a:lstStyle/>
           <a:p>
             <a:pPr lvl="0"/>
             <a:r>
@@ -2295,19 +2546,13 @@
               <a:rPr lang="en-US"/>
               <a:t>Fifth level</a:t>
             </a:r>
-            <a:endParaRPr lang="en-IN"/>
-          </a:p>
-        </p:txBody>
-      </p:sp>
-      <p:sp>
-        <p:nvSpPr>
-          <p:cNvPr id="4" name="Text Placeholder 3">
-            <a:extLst>
-              <a:ext uri="{FF2B5EF4-FFF2-40B4-BE49-F238E27FC236}">
-                <a16:creationId xmlns:a16="http://schemas.microsoft.com/office/drawing/2014/main" id="{DEF8195D-762B-7EED-A282-BDE31B4578FC}"/>
-              </a:ext>
-            </a:extLst>
-          </p:cNvPr>
+            <a:endParaRPr lang="en-US" dirty="0"/>
+          </a:p>
+        </p:txBody>
+      </p:sp>
+      <p:sp>
+        <p:nvSpPr>
+          <p:cNvPr id="4" name="Text Placeholder 3"/>
           <p:cNvSpPr>
             <a:spLocks noGrp="1"/>
           </p:cNvSpPr>
@@ -2317,48 +2562,54 @@
         </p:nvSpPr>
         <p:spPr>
           <a:xfrm>
-            <a:off x="839788" y="2057400"/>
-            <a:ext cx="3932237" cy="3811588"/>
+            <a:off x="457200" y="2926080"/>
+            <a:ext cx="3200400" cy="3379124"/>
           </a:xfrm>
         </p:spPr>
         <p:txBody>
-          <a:bodyPr/>
+          <a:bodyPr lIns="91440" rIns="91440">
+            <a:normAutofit/>
+          </a:bodyPr>
           <a:lstStyle>
             <a:lvl1pPr marL="0" indent="0">
               <a:buNone/>
-              <a:defRPr sz="1600"/>
+              <a:defRPr sz="1500">
+                <a:solidFill>
+                  <a:srgbClr val="FFFFFF"/>
+                </a:solidFill>
+              </a:defRPr>
             </a:lvl1pPr>
             <a:lvl2pPr marL="457200" indent="0">
               <a:buNone/>
-              <a:defRPr sz="1400"/>
+              <a:defRPr sz="1200"/>
             </a:lvl2pPr>
             <a:lvl3pPr marL="914400" indent="0">
               <a:buNone/>
-              <a:defRPr sz="1200"/>
+              <a:defRPr sz="1000"/>
             </a:lvl3pPr>
             <a:lvl4pPr marL="1371600" indent="0">
               <a:buNone/>
-              <a:defRPr sz="1000"/>
+              <a:defRPr sz="900"/>
             </a:lvl4pPr>
             <a:lvl5pPr marL="1828800" indent="0">
               <a:buNone/>
-              <a:defRPr sz="1000"/>
+              <a:defRPr sz="900"/>
             </a:lvl5pPr>
             <a:lvl6pPr marL="2286000" indent="0">
               <a:buNone/>
-              <a:defRPr sz="1000"/>
+              <a:defRPr sz="900"/>
             </a:lvl6pPr>
             <a:lvl7pPr marL="2743200" indent="0">
               <a:buNone/>
-              <a:defRPr sz="1000"/>
+              <a:defRPr sz="900"/>
             </a:lvl7pPr>
             <a:lvl8pPr marL="3200400" indent="0">
               <a:buNone/>
-              <a:defRPr sz="1000"/>
+              <a:defRPr sz="900"/>
             </a:lvl8pPr>
             <a:lvl9pPr marL="3657600" indent="0">
               <a:buNone/>
-              <a:defRPr sz="1000"/>
+              <a:defRPr sz="900"/>
             </a:lvl9pPr>
           </a:lstStyle>
           <a:p>
@@ -2372,13 +2623,7 @@
       </p:sp>
       <p:sp>
         <p:nvSpPr>
-          <p:cNvPr id="5" name="Date Placeholder 4">
-            <a:extLst>
-              <a:ext uri="{FF2B5EF4-FFF2-40B4-BE49-F238E27FC236}">
-                <a16:creationId xmlns:a16="http://schemas.microsoft.com/office/drawing/2014/main" id="{250DE424-03A6-FCF4-FD9C-7E1C92BE0D48}"/>
-              </a:ext>
-            </a:extLst>
-          </p:cNvPr>
+          <p:cNvPr id="5" name="Date Placeholder 4"/>
           <p:cNvSpPr>
             <a:spLocks noGrp="1"/>
           </p:cNvSpPr>
@@ -2386,14 +2631,23 @@
             <p:ph type="dt" sz="half" idx="10"/>
           </p:nvPr>
         </p:nvSpPr>
-        <p:spPr/>
+        <p:spPr>
+          <a:xfrm>
+            <a:off x="465512" y="6459785"/>
+            <a:ext cx="2618510" cy="365125"/>
+          </a:xfrm>
+        </p:spPr>
         <p:txBody>
           <a:bodyPr/>
-          <a:lstStyle/>
+          <a:lstStyle>
+            <a:lvl1pPr algn="l">
+              <a:defRPr/>
+            </a:lvl1pPr>
+          </a:lstStyle>
           <a:p>
             <a:fld id="{122DABFC-221E-4F7C-8511-A9761CDF0E9D}" type="datetimeFigureOut">
               <a:rPr lang="en-IN" smtClean="0"/>
-              <a:t>22-09-2025</a:t>
+              <a:t>23-09-2025</a:t>
             </a:fld>
             <a:endParaRPr lang="en-IN"/>
           </a:p>
@@ -2401,13 +2655,7 @@
       </p:sp>
       <p:sp>
         <p:nvSpPr>
-          <p:cNvPr id="6" name="Footer Placeholder 5">
-            <a:extLst>
-              <a:ext uri="{FF2B5EF4-FFF2-40B4-BE49-F238E27FC236}">
-                <a16:creationId xmlns:a16="http://schemas.microsoft.com/office/drawing/2014/main" id="{C65B02D3-762B-732F-CCE9-4A1D8D2ACD4D}"/>
-              </a:ext>
-            </a:extLst>
-          </p:cNvPr>
+          <p:cNvPr id="6" name="Footer Placeholder 5"/>
           <p:cNvSpPr>
             <a:spLocks noGrp="1"/>
           </p:cNvSpPr>
@@ -2415,10 +2663,23 @@
             <p:ph type="ftr" sz="quarter" idx="11"/>
           </p:nvPr>
         </p:nvSpPr>
-        <p:spPr/>
+        <p:spPr>
+          <a:xfrm>
+            <a:off x="4800600" y="6459785"/>
+            <a:ext cx="4648200" cy="365125"/>
+          </a:xfrm>
+        </p:spPr>
         <p:txBody>
           <a:bodyPr/>
-          <a:lstStyle/>
+          <a:lstStyle>
+            <a:lvl1pPr algn="l">
+              <a:defRPr>
+                <a:solidFill>
+                  <a:schemeClr val="tx2"/>
+                </a:solidFill>
+              </a:defRPr>
+            </a:lvl1pPr>
+          </a:lstStyle>
           <a:p>
             <a:endParaRPr lang="en-IN"/>
           </a:p>
@@ -2426,13 +2687,7 @@
       </p:sp>
       <p:sp>
         <p:nvSpPr>
-          <p:cNvPr id="7" name="Slide Number Placeholder 6">
-            <a:extLst>
-              <a:ext uri="{FF2B5EF4-FFF2-40B4-BE49-F238E27FC236}">
-                <a16:creationId xmlns:a16="http://schemas.microsoft.com/office/drawing/2014/main" id="{EE5C8491-2BA1-5223-8FD6-26F7E9DFB516}"/>
-              </a:ext>
-            </a:extLst>
-          </p:cNvPr>
+          <p:cNvPr id="7" name="Slide Number Placeholder 6"/>
           <p:cNvSpPr>
             <a:spLocks noGrp="1"/>
           </p:cNvSpPr>
@@ -2443,7 +2698,15 @@
         <p:spPr/>
         <p:txBody>
           <a:bodyPr/>
-          <a:lstStyle/>
+          <a:lstStyle>
+            <a:lvl1pPr>
+              <a:defRPr>
+                <a:solidFill>
+                  <a:schemeClr val="tx2"/>
+                </a:solidFill>
+              </a:defRPr>
+            </a:lvl1pPr>
+          </a:lstStyle>
           <a:p>
             <a:fld id="{30BFD3F7-160B-4C37-9F93-684E0F45CAF9}" type="slidenum">
               <a:rPr lang="en-IN" smtClean="0"/>
@@ -2456,7 +2719,7 @@
     </p:spTree>
     <p:extLst>
       <p:ext uri="{BB962C8B-B14F-4D97-AF65-F5344CB8AC3E}">
-        <p14:creationId xmlns:p14="http://schemas.microsoft.com/office/powerpoint/2010/main" val="3902114549"/>
+        <p14:creationId xmlns:p14="http://schemas.microsoft.com/office/powerpoint/2010/main" val="1447797199"/>
       </p:ext>
     </p:extLst>
   </p:cSld>
@@ -2467,7 +2730,7 @@
 </file>
 
 <file path=ppt/slideLayouts/slideLayout9.xml><?xml version="1.0" encoding="utf-8"?>
-<p:sldLayout xmlns:a="http://schemas.openxmlformats.org/drawingml/2006/main" xmlns:r="http://schemas.openxmlformats.org/officeDocument/2006/relationships" xmlns:p="http://schemas.openxmlformats.org/presentationml/2006/main" type="picTx" preserve="1">
+<p:sldLayout xmlns:a="http://schemas.openxmlformats.org/drawingml/2006/main" xmlns:r="http://schemas.openxmlformats.org/officeDocument/2006/relationships" xmlns:p="http://schemas.openxmlformats.org/presentationml/2006/main" showMasterSp="0" type="picTx" preserve="1">
   <p:cSld name="Picture with Caption">
     <p:spTree>
       <p:nvGrpSpPr>
@@ -2485,13 +2748,83 @@
       </p:grpSpPr>
       <p:sp>
         <p:nvSpPr>
-          <p:cNvPr id="2" name="Title 1">
-            <a:extLst>
-              <a:ext uri="{FF2B5EF4-FFF2-40B4-BE49-F238E27FC236}">
-                <a16:creationId xmlns:a16="http://schemas.microsoft.com/office/drawing/2014/main" id="{97B92B0C-FB05-8D5A-C85D-FFC71ECD133B}"/>
-              </a:ext>
-            </a:extLst>
-          </p:cNvPr>
+          <p:cNvPr id="8" name="Rectangle 7"/>
+          <p:cNvSpPr/>
+          <p:nvPr/>
+        </p:nvSpPr>
+        <p:spPr>
+          <a:xfrm>
+            <a:off x="0" y="4953000"/>
+            <a:ext cx="12188825" cy="1905000"/>
+          </a:xfrm>
+          <a:prstGeom prst="rect">
+            <a:avLst/>
+          </a:prstGeom>
+          <a:solidFill>
+            <a:schemeClr val="accent2"/>
+          </a:solidFill>
+          <a:ln>
+            <a:noFill/>
+          </a:ln>
+        </p:spPr>
+        <p:style>
+          <a:lnRef idx="2">
+            <a:schemeClr val="accent1">
+              <a:shade val="50000"/>
+            </a:schemeClr>
+          </a:lnRef>
+          <a:fillRef idx="1">
+            <a:schemeClr val="accent1"/>
+          </a:fillRef>
+          <a:effectRef idx="0">
+            <a:schemeClr val="accent1"/>
+          </a:effectRef>
+          <a:fontRef idx="minor">
+            <a:schemeClr val="lt1"/>
+          </a:fontRef>
+        </p:style>
+      </p:sp>
+      <p:sp>
+        <p:nvSpPr>
+          <p:cNvPr id="9" name="Rectangle 8"/>
+          <p:cNvSpPr/>
+          <p:nvPr/>
+        </p:nvSpPr>
+        <p:spPr>
+          <a:xfrm>
+            <a:off x="15" y="4915076"/>
+            <a:ext cx="12188825" cy="64008"/>
+          </a:xfrm>
+          <a:prstGeom prst="rect">
+            <a:avLst/>
+          </a:prstGeom>
+          <a:solidFill>
+            <a:schemeClr val="accent1"/>
+          </a:solidFill>
+          <a:ln>
+            <a:noFill/>
+          </a:ln>
+        </p:spPr>
+        <p:style>
+          <a:lnRef idx="2">
+            <a:schemeClr val="accent1">
+              <a:shade val="50000"/>
+            </a:schemeClr>
+          </a:lnRef>
+          <a:fillRef idx="1">
+            <a:schemeClr val="accent1"/>
+          </a:fillRef>
+          <a:effectRef idx="0">
+            <a:schemeClr val="accent1"/>
+          </a:effectRef>
+          <a:fontRef idx="minor">
+            <a:schemeClr val="lt1"/>
+          </a:fontRef>
+        </p:style>
+      </p:sp>
+      <p:sp>
+        <p:nvSpPr>
+          <p:cNvPr id="2" name="Title 1"/>
           <p:cNvSpPr>
             <a:spLocks noGrp="1"/>
           </p:cNvSpPr>
@@ -2501,15 +2834,21 @@
         </p:nvSpPr>
         <p:spPr>
           <a:xfrm>
-            <a:off x="839788" y="457200"/>
-            <a:ext cx="3932237" cy="1600200"/>
+            <a:off x="1097280" y="5074920"/>
+            <a:ext cx="10113264" cy="822960"/>
           </a:xfrm>
         </p:spPr>
         <p:txBody>
-          <a:bodyPr anchor="b"/>
+          <a:bodyPr lIns="91440" tIns="0" rIns="91440" bIns="0" anchor="b">
+            <a:noAutofit/>
+          </a:bodyPr>
           <a:lstStyle>
             <a:lvl1pPr>
-              <a:defRPr sz="3200"/>
+              <a:defRPr sz="3600" b="0">
+                <a:solidFill>
+                  <a:srgbClr val="FFFFFF"/>
+                </a:solidFill>
+              </a:defRPr>
             </a:lvl1pPr>
           </a:lstStyle>
           <a:p>
@@ -2517,21 +2856,15 @@
               <a:rPr lang="en-US"/>
               <a:t>Click to edit Master title style</a:t>
             </a:r>
-            <a:endParaRPr lang="en-IN"/>
-          </a:p>
-        </p:txBody>
-      </p:sp>
-      <p:sp>
-        <p:nvSpPr>
-          <p:cNvPr id="3" name="Picture Placeholder 2">
-            <a:extLst>
-              <a:ext uri="{FF2B5EF4-FFF2-40B4-BE49-F238E27FC236}">
-                <a16:creationId xmlns:a16="http://schemas.microsoft.com/office/drawing/2014/main" id="{364227D6-6D72-9832-A8AD-F8620F04BC90}"/>
-              </a:ext>
-            </a:extLst>
-          </p:cNvPr>
+            <a:endParaRPr lang="en-US" dirty="0"/>
+          </a:p>
+        </p:txBody>
+      </p:sp>
+      <p:sp>
+        <p:nvSpPr>
+          <p:cNvPr id="3" name="Picture Placeholder 2"/>
           <p:cNvSpPr>
-            <a:spLocks noGrp="1"/>
+            <a:spLocks noGrp="1" noChangeAspect="1"/>
           </p:cNvSpPr>
           <p:nvPr>
             <p:ph type="pic" idx="1"/>
@@ -2539,16 +2872,26 @@
         </p:nvSpPr>
         <p:spPr>
           <a:xfrm>
-            <a:off x="5183188" y="987425"/>
-            <a:ext cx="6172200" cy="4873625"/>
+            <a:off x="15" y="0"/>
+            <a:ext cx="12191985" cy="4915076"/>
           </a:xfrm>
+          <a:blipFill>
+            <a:blip r:embed="rId2"/>
+            <a:stretch>
+              <a:fillRect/>
+            </a:stretch>
+          </a:blipFill>
         </p:spPr>
         <p:txBody>
-          <a:bodyPr/>
+          <a:bodyPr lIns="457200" tIns="457200" anchor="t"/>
           <a:lstStyle>
             <a:lvl1pPr marL="0" indent="0">
               <a:buNone/>
-              <a:defRPr sz="3200"/>
+              <a:defRPr sz="3200">
+                <a:solidFill>
+                  <a:schemeClr val="bg1"/>
+                </a:solidFill>
+              </a:defRPr>
             </a:lvl1pPr>
             <a:lvl2pPr marL="457200" indent="0">
               <a:buNone/>
@@ -2584,19 +2927,17 @@
             </a:lvl9pPr>
           </a:lstStyle>
           <a:p>
-            <a:endParaRPr lang="en-IN"/>
-          </a:p>
-        </p:txBody>
-      </p:sp>
-      <p:sp>
-        <p:nvSpPr>
-          <p:cNvPr id="4" name="Text Placeholder 3">
-            <a:extLst>
-              <a:ext uri="{FF2B5EF4-FFF2-40B4-BE49-F238E27FC236}">
-                <a16:creationId xmlns:a16="http://schemas.microsoft.com/office/drawing/2014/main" id="{295E51D5-6A6B-48E5-EBD8-CF482F404998}"/>
-              </a:ext>
-            </a:extLst>
-          </p:cNvPr>
+            <a:r>
+              <a:rPr lang="en-US"/>
+              <a:t>Click icon to add picture</a:t>
+            </a:r>
+            <a:endParaRPr lang="en-US" dirty="0"/>
+          </a:p>
+        </p:txBody>
+      </p:sp>
+      <p:sp>
+        <p:nvSpPr>
+          <p:cNvPr id="4" name="Text Placeholder 3"/>
           <p:cNvSpPr>
             <a:spLocks noGrp="1"/>
           </p:cNvSpPr>
@@ -2606,48 +2947,60 @@
         </p:nvSpPr>
         <p:spPr>
           <a:xfrm>
-            <a:off x="839788" y="2057400"/>
-            <a:ext cx="3932237" cy="3811588"/>
+            <a:off x="1097280" y="5907023"/>
+            <a:ext cx="10113264" cy="594360"/>
           </a:xfrm>
         </p:spPr>
         <p:txBody>
-          <a:bodyPr/>
+          <a:bodyPr lIns="91440" tIns="0" rIns="91440" bIns="0">
+            <a:normAutofit/>
+          </a:bodyPr>
           <a:lstStyle>
             <a:lvl1pPr marL="0" indent="0">
+              <a:spcBef>
+                <a:spcPts val="0"/>
+              </a:spcBef>
+              <a:spcAft>
+                <a:spcPts val="600"/>
+              </a:spcAft>
               <a:buNone/>
-              <a:defRPr sz="1600"/>
+              <a:defRPr sz="1500">
+                <a:solidFill>
+                  <a:srgbClr val="FFFFFF"/>
+                </a:solidFill>
+              </a:defRPr>
             </a:lvl1pPr>
             <a:lvl2pPr marL="457200" indent="0">
               <a:buNone/>
-              <a:defRPr sz="1400"/>
+              <a:defRPr sz="1200"/>
             </a:lvl2pPr>
             <a:lvl3pPr marL="914400" indent="0">
               <a:buNone/>
-              <a:defRPr sz="1200"/>
+              <a:defRPr sz="1000"/>
             </a:lvl3pPr>
             <a:lvl4pPr marL="1371600" indent="0">
               <a:buNone/>
-              <a:defRPr sz="1000"/>
+              <a:defRPr sz="900"/>
             </a:lvl4pPr>
             <a:lvl5pPr marL="1828800" indent="0">
               <a:buNone/>
-              <a:defRPr sz="1000"/>
+              <a:defRPr sz="900"/>
             </a:lvl5pPr>
             <a:lvl6pPr marL="2286000" indent="0">
               <a:buNone/>
-              <a:defRPr sz="1000"/>
+              <a:defRPr sz="900"/>
             </a:lvl6pPr>
             <a:lvl7pPr marL="2743200" indent="0">
               <a:buNone/>
-              <a:defRPr sz="1000"/>
+              <a:defRPr sz="900"/>
             </a:lvl7pPr>
             <a:lvl8pPr marL="3200400" indent="0">
               <a:buNone/>
-              <a:defRPr sz="1000"/>
+              <a:defRPr sz="900"/>
             </a:lvl8pPr>
             <a:lvl9pPr marL="3657600" indent="0">
               <a:buNone/>
-              <a:defRPr sz="1000"/>
+              <a:defRPr sz="900"/>
             </a:lvl9pPr>
           </a:lstStyle>
           <a:p>
@@ -2661,13 +3014,7 @@
       </p:sp>
       <p:sp>
         <p:nvSpPr>
-          <p:cNvPr id="5" name="Date Placeholder 4">
-            <a:extLst>
-              <a:ext uri="{FF2B5EF4-FFF2-40B4-BE49-F238E27FC236}">
-                <a16:creationId xmlns:a16="http://schemas.microsoft.com/office/drawing/2014/main" id="{3E1F7EF1-3073-AA31-BB2F-1AE1633FBC95}"/>
-              </a:ext>
-            </a:extLst>
-          </p:cNvPr>
+          <p:cNvPr id="5" name="Date Placeholder 4"/>
           <p:cNvSpPr>
             <a:spLocks noGrp="1"/>
           </p:cNvSpPr>
@@ -2682,7 +3029,7 @@
           <a:p>
             <a:fld id="{122DABFC-221E-4F7C-8511-A9761CDF0E9D}" type="datetimeFigureOut">
               <a:rPr lang="en-IN" smtClean="0"/>
-              <a:t>22-09-2025</a:t>
+              <a:t>23-09-2025</a:t>
             </a:fld>
             <a:endParaRPr lang="en-IN"/>
           </a:p>
@@ -2690,13 +3037,7 @@
       </p:sp>
       <p:sp>
         <p:nvSpPr>
-          <p:cNvPr id="6" name="Footer Placeholder 5">
-            <a:extLst>
-              <a:ext uri="{FF2B5EF4-FFF2-40B4-BE49-F238E27FC236}">
-                <a16:creationId xmlns:a16="http://schemas.microsoft.com/office/drawing/2014/main" id="{64B58D81-A8EC-8501-BDC6-2F93CBF4A69E}"/>
-              </a:ext>
-            </a:extLst>
-          </p:cNvPr>
+          <p:cNvPr id="6" name="Footer Placeholder 5"/>
           <p:cNvSpPr>
             <a:spLocks noGrp="1"/>
           </p:cNvSpPr>
@@ -2715,13 +3056,7 @@
       </p:sp>
       <p:sp>
         <p:nvSpPr>
-          <p:cNvPr id="7" name="Slide Number Placeholder 6">
-            <a:extLst>
-              <a:ext uri="{FF2B5EF4-FFF2-40B4-BE49-F238E27FC236}">
-                <a16:creationId xmlns:a16="http://schemas.microsoft.com/office/drawing/2014/main" id="{C0A2FC17-B416-D2E9-4ECE-02AFFF62C6F5}"/>
-              </a:ext>
-            </a:extLst>
-          </p:cNvPr>
+          <p:cNvPr id="7" name="Slide Number Placeholder 6"/>
           <p:cNvSpPr>
             <a:spLocks noGrp="1"/>
           </p:cNvSpPr>
@@ -2745,7 +3080,7 @@
     </p:spTree>
     <p:extLst>
       <p:ext uri="{BB962C8B-B14F-4D97-AF65-F5344CB8AC3E}">
-        <p14:creationId xmlns:p14="http://schemas.microsoft.com/office/powerpoint/2010/main" val="3710153048"/>
+        <p14:creationId xmlns:p14="http://schemas.microsoft.com/office/powerpoint/2010/main" val="2727818405"/>
       </p:ext>
     </p:extLst>
   </p:cSld>
@@ -2779,13 +3114,97 @@
       </p:grpSpPr>
       <p:sp>
         <p:nvSpPr>
-          <p:cNvPr id="2" name="Title Placeholder 1">
-            <a:extLst>
-              <a:ext uri="{FF2B5EF4-FFF2-40B4-BE49-F238E27FC236}">
-                <a16:creationId xmlns:a16="http://schemas.microsoft.com/office/drawing/2014/main" id="{7154FF8D-6C39-1932-36E8-F9B6925F929F}"/>
-              </a:ext>
-            </a:extLst>
-          </p:cNvPr>
+          <p:cNvPr id="7" name="Rectangle 6"/>
+          <p:cNvSpPr/>
+          <p:nvPr/>
+        </p:nvSpPr>
+        <p:spPr>
+          <a:xfrm>
+            <a:off x="1" y="6400800"/>
+            <a:ext cx="12192000" cy="457200"/>
+          </a:xfrm>
+          <a:prstGeom prst="rect">
+            <a:avLst/>
+          </a:prstGeom>
+          <a:solidFill>
+            <a:schemeClr val="accent2"/>
+          </a:solidFill>
+          <a:ln>
+            <a:noFill/>
+          </a:ln>
+        </p:spPr>
+        <p:style>
+          <a:lnRef idx="2">
+            <a:schemeClr val="accent1">
+              <a:shade val="50000"/>
+            </a:schemeClr>
+          </a:lnRef>
+          <a:fillRef idx="1">
+            <a:schemeClr val="accent1"/>
+          </a:fillRef>
+          <a:effectRef idx="0">
+            <a:schemeClr val="accent1"/>
+          </a:effectRef>
+          <a:fontRef idx="minor">
+            <a:schemeClr val="lt1"/>
+          </a:fontRef>
+        </p:style>
+        <p:txBody>
+          <a:bodyPr/>
+          <a:lstStyle/>
+          <a:p>
+            <a:endParaRPr lang="en-IN"/>
+          </a:p>
+        </p:txBody>
+      </p:sp>
+      <p:sp>
+        <p:nvSpPr>
+          <p:cNvPr id="9" name="Rectangle 8"/>
+          <p:cNvSpPr/>
+          <p:nvPr/>
+        </p:nvSpPr>
+        <p:spPr>
+          <a:xfrm>
+            <a:off x="0" y="6334316"/>
+            <a:ext cx="12192001" cy="65998"/>
+          </a:xfrm>
+          <a:prstGeom prst="rect">
+            <a:avLst/>
+          </a:prstGeom>
+          <a:solidFill>
+            <a:schemeClr val="accent1"/>
+          </a:solidFill>
+          <a:ln>
+            <a:noFill/>
+          </a:ln>
+        </p:spPr>
+        <p:style>
+          <a:lnRef idx="2">
+            <a:schemeClr val="accent1">
+              <a:shade val="50000"/>
+            </a:schemeClr>
+          </a:lnRef>
+          <a:fillRef idx="1">
+            <a:schemeClr val="accent1"/>
+          </a:fillRef>
+          <a:effectRef idx="0">
+            <a:schemeClr val="accent1"/>
+          </a:effectRef>
+          <a:fontRef idx="minor">
+            <a:schemeClr val="lt1"/>
+          </a:fontRef>
+        </p:style>
+        <p:txBody>
+          <a:bodyPr/>
+          <a:lstStyle/>
+          <a:p>
+            <a:endParaRPr lang="en-IN"/>
+          </a:p>
+        </p:txBody>
+      </p:sp>
+      <p:sp>
+        <p:nvSpPr>
+          <p:cNvPr id="2" name="Title Placeholder 1"/>
           <p:cNvSpPr>
             <a:spLocks noGrp="1"/>
           </p:cNvSpPr>
@@ -2795,15 +3214,15 @@
         </p:nvSpPr>
         <p:spPr>
           <a:xfrm>
-            <a:off x="838200" y="365125"/>
-            <a:ext cx="10515600" cy="1325563"/>
+            <a:off x="1097280" y="286603"/>
+            <a:ext cx="10058400" cy="1450757"/>
           </a:xfrm>
           <a:prstGeom prst="rect">
             <a:avLst/>
           </a:prstGeom>
         </p:spPr>
         <p:txBody>
-          <a:bodyPr vert="horz" lIns="91440" tIns="45720" rIns="91440" bIns="45720" rtlCol="0" anchor="ctr">
+          <a:bodyPr vert="horz" lIns="91440" tIns="45720" rIns="91440" bIns="45720" rtlCol="0" anchor="b">
             <a:normAutofit/>
           </a:bodyPr>
           <a:lstStyle/>
@@ -2812,19 +3231,13 @@
               <a:rPr lang="en-US"/>
               <a:t>Click to edit Master title style</a:t>
             </a:r>
-            <a:endParaRPr lang="en-IN"/>
-          </a:p>
-        </p:txBody>
-      </p:sp>
-      <p:sp>
-        <p:nvSpPr>
-          <p:cNvPr id="3" name="Text Placeholder 2">
-            <a:extLst>
-              <a:ext uri="{FF2B5EF4-FFF2-40B4-BE49-F238E27FC236}">
-                <a16:creationId xmlns:a16="http://schemas.microsoft.com/office/drawing/2014/main" id="{D1CD420A-934E-0027-0620-DCF2895A4E79}"/>
-              </a:ext>
-            </a:extLst>
-          </p:cNvPr>
+            <a:endParaRPr lang="en-US" dirty="0"/>
+          </a:p>
+        </p:txBody>
+      </p:sp>
+      <p:sp>
+        <p:nvSpPr>
+          <p:cNvPr id="3" name="Text Placeholder 2"/>
           <p:cNvSpPr>
             <a:spLocks noGrp="1"/>
           </p:cNvSpPr>
@@ -2834,15 +3247,15 @@
         </p:nvSpPr>
         <p:spPr>
           <a:xfrm>
-            <a:off x="838200" y="1825625"/>
-            <a:ext cx="10515600" cy="4351338"/>
+            <a:off x="1097280" y="1845734"/>
+            <a:ext cx="10058400" cy="4023360"/>
           </a:xfrm>
           <a:prstGeom prst="rect">
             <a:avLst/>
           </a:prstGeom>
         </p:spPr>
         <p:txBody>
-          <a:bodyPr vert="horz" lIns="91440" tIns="45720" rIns="91440" bIns="45720" rtlCol="0">
+          <a:bodyPr vert="horz" lIns="0" tIns="45720" rIns="0" bIns="45720" rtlCol="0">
             <a:normAutofit/>
           </a:bodyPr>
           <a:lstStyle/>
@@ -2880,19 +3293,13 @@
               <a:rPr lang="en-US"/>
               <a:t>Fifth level</a:t>
             </a:r>
-            <a:endParaRPr lang="en-IN"/>
-          </a:p>
-        </p:txBody>
-      </p:sp>
-      <p:sp>
-        <p:nvSpPr>
-          <p:cNvPr id="4" name="Date Placeholder 3">
-            <a:extLst>
-              <a:ext uri="{FF2B5EF4-FFF2-40B4-BE49-F238E27FC236}">
-                <a16:creationId xmlns:a16="http://schemas.microsoft.com/office/drawing/2014/main" id="{03F698B0-70CA-ECE6-DEF1-DD3BFB7B8350}"/>
-              </a:ext>
-            </a:extLst>
-          </p:cNvPr>
+            <a:endParaRPr lang="en-US" dirty="0"/>
+          </a:p>
+        </p:txBody>
+      </p:sp>
+      <p:sp>
+        <p:nvSpPr>
+          <p:cNvPr id="4" name="Date Placeholder 3"/>
           <p:cNvSpPr>
             <a:spLocks noGrp="1"/>
           </p:cNvSpPr>
@@ -2902,8 +3309,8 @@
         </p:nvSpPr>
         <p:spPr>
           <a:xfrm>
-            <a:off x="838200" y="6356350"/>
-            <a:ext cx="2743200" cy="365125"/>
+            <a:off x="1097280" y="6459785"/>
+            <a:ext cx="2472271" cy="365125"/>
           </a:xfrm>
           <a:prstGeom prst="rect">
             <a:avLst/>
@@ -2913,11 +3320,9 @@
           <a:bodyPr vert="horz" lIns="91440" tIns="45720" rIns="91440" bIns="45720" rtlCol="0" anchor="ctr"/>
           <a:lstStyle>
             <a:lvl1pPr algn="l">
-              <a:defRPr sz="1200">
+              <a:defRPr sz="900">
                 <a:solidFill>
-                  <a:schemeClr val="tx1">
-                    <a:tint val="82000"/>
-                  </a:schemeClr>
+                  <a:srgbClr val="FFFFFF"/>
                 </a:solidFill>
               </a:defRPr>
             </a:lvl1pPr>
@@ -2925,7 +3330,7 @@
           <a:p>
             <a:fld id="{122DABFC-221E-4F7C-8511-A9761CDF0E9D}" type="datetimeFigureOut">
               <a:rPr lang="en-IN" smtClean="0"/>
-              <a:t>22-09-2025</a:t>
+              <a:t>23-09-2025</a:t>
             </a:fld>
             <a:endParaRPr lang="en-IN"/>
           </a:p>
@@ -2933,13 +3338,7 @@
       </p:sp>
       <p:sp>
         <p:nvSpPr>
-          <p:cNvPr id="5" name="Footer Placeholder 4">
-            <a:extLst>
-              <a:ext uri="{FF2B5EF4-FFF2-40B4-BE49-F238E27FC236}">
-                <a16:creationId xmlns:a16="http://schemas.microsoft.com/office/drawing/2014/main" id="{6D7129B4-67DD-7329-6FB8-46D2EA7049C9}"/>
-              </a:ext>
-            </a:extLst>
-          </p:cNvPr>
+          <p:cNvPr id="5" name="Footer Placeholder 4"/>
           <p:cNvSpPr>
             <a:spLocks noGrp="1"/>
           </p:cNvSpPr>
@@ -2949,8 +3348,8 @@
         </p:nvSpPr>
         <p:spPr>
           <a:xfrm>
-            <a:off x="4038600" y="6356350"/>
-            <a:ext cx="4114800" cy="365125"/>
+            <a:off x="3686185" y="6459785"/>
+            <a:ext cx="4822804" cy="365125"/>
           </a:xfrm>
           <a:prstGeom prst="rect">
             <a:avLst/>
@@ -2960,11 +3359,9 @@
           <a:bodyPr vert="horz" lIns="91440" tIns="45720" rIns="91440" bIns="45720" rtlCol="0" anchor="ctr"/>
           <a:lstStyle>
             <a:lvl1pPr algn="ctr">
-              <a:defRPr sz="1200">
+              <a:defRPr sz="900" cap="all" baseline="0">
                 <a:solidFill>
-                  <a:schemeClr val="tx1">
-                    <a:tint val="82000"/>
-                  </a:schemeClr>
+                  <a:srgbClr val="FFFFFF"/>
                 </a:solidFill>
               </a:defRPr>
             </a:lvl1pPr>
@@ -2976,13 +3373,7 @@
       </p:sp>
       <p:sp>
         <p:nvSpPr>
-          <p:cNvPr id="6" name="Slide Number Placeholder 5">
-            <a:extLst>
-              <a:ext uri="{FF2B5EF4-FFF2-40B4-BE49-F238E27FC236}">
-                <a16:creationId xmlns:a16="http://schemas.microsoft.com/office/drawing/2014/main" id="{E263B9A2-9A8E-01CB-190A-779B5BE09F86}"/>
-              </a:ext>
-            </a:extLst>
-          </p:cNvPr>
+          <p:cNvPr id="6" name="Slide Number Placeholder 5"/>
           <p:cNvSpPr>
             <a:spLocks noGrp="1"/>
           </p:cNvSpPr>
@@ -2992,8 +3383,8 @@
         </p:nvSpPr>
         <p:spPr>
           <a:xfrm>
-            <a:off x="8610600" y="6356350"/>
-            <a:ext cx="2743200" cy="365125"/>
+            <a:off x="9900458" y="6459785"/>
+            <a:ext cx="1312025" cy="365125"/>
           </a:xfrm>
           <a:prstGeom prst="rect">
             <a:avLst/>
@@ -3003,11 +3394,9 @@
           <a:bodyPr vert="horz" lIns="91440" tIns="45720" rIns="91440" bIns="45720" rtlCol="0" anchor="ctr"/>
           <a:lstStyle>
             <a:lvl1pPr algn="r">
-              <a:defRPr sz="1200">
+              <a:defRPr sz="1050">
                 <a:solidFill>
-                  <a:schemeClr val="tx1">
-                    <a:tint val="82000"/>
-                  </a:schemeClr>
+                  <a:srgbClr val="FFFFFF"/>
                 </a:solidFill>
               </a:defRPr>
             </a:lvl1pPr>
@@ -3021,40 +3410,81 @@
           </a:p>
         </p:txBody>
       </p:sp>
+      <p:cxnSp>
+        <p:nvCxnSpPr>
+          <p:cNvPr id="10" name="Straight Connector 9"/>
+          <p:cNvCxnSpPr/>
+          <p:nvPr/>
+        </p:nvCxnSpPr>
+        <p:spPr>
+          <a:xfrm>
+            <a:off x="1193532" y="1737845"/>
+            <a:ext cx="9966960" cy="0"/>
+          </a:xfrm>
+          <a:prstGeom prst="line">
+            <a:avLst/>
+          </a:prstGeom>
+          <a:ln w="6350">
+            <a:solidFill>
+              <a:schemeClr val="tx1">
+                <a:lumMod val="50000"/>
+                <a:lumOff val="50000"/>
+              </a:schemeClr>
+            </a:solidFill>
+          </a:ln>
+        </p:spPr>
+        <p:style>
+          <a:lnRef idx="1">
+            <a:schemeClr val="accent1"/>
+          </a:lnRef>
+          <a:fillRef idx="0">
+            <a:schemeClr val="accent1"/>
+          </a:fillRef>
+          <a:effectRef idx="0">
+            <a:schemeClr val="accent1"/>
+          </a:effectRef>
+          <a:fontRef idx="minor">
+            <a:schemeClr val="tx1"/>
+          </a:fontRef>
+        </p:style>
+      </p:cxnSp>
     </p:spTree>
     <p:extLst>
       <p:ext uri="{BB962C8B-B14F-4D97-AF65-F5344CB8AC3E}">
-        <p14:creationId xmlns:p14="http://schemas.microsoft.com/office/powerpoint/2010/main" val="3478299967"/>
+        <p14:creationId xmlns:p14="http://schemas.microsoft.com/office/powerpoint/2010/main" val="4069190302"/>
       </p:ext>
     </p:extLst>
   </p:cSld>
   <p:clrMap bg1="lt1" tx1="dk1" bg2="lt2" tx2="dk2" accent1="accent1" accent2="accent2" accent3="accent3" accent4="accent4" accent5="accent5" accent6="accent6" hlink="hlink" folHlink="folHlink"/>
   <p:sldLayoutIdLst>
-    <p:sldLayoutId id="2147483649" r:id="rId1"/>
-    <p:sldLayoutId id="2147483650" r:id="rId2"/>
-    <p:sldLayoutId id="2147483651" r:id="rId3"/>
-    <p:sldLayoutId id="2147483652" r:id="rId4"/>
-    <p:sldLayoutId id="2147483653" r:id="rId5"/>
-    <p:sldLayoutId id="2147483654" r:id="rId6"/>
-    <p:sldLayoutId id="2147483655" r:id="rId7"/>
-    <p:sldLayoutId id="2147483656" r:id="rId8"/>
-    <p:sldLayoutId id="2147483657" r:id="rId9"/>
-    <p:sldLayoutId id="2147483658" r:id="rId10"/>
-    <p:sldLayoutId id="2147483659" r:id="rId11"/>
+    <p:sldLayoutId id="2147483661" r:id="rId1"/>
+    <p:sldLayoutId id="2147483662" r:id="rId2"/>
+    <p:sldLayoutId id="2147483663" r:id="rId3"/>
+    <p:sldLayoutId id="2147483664" r:id="rId4"/>
+    <p:sldLayoutId id="2147483665" r:id="rId5"/>
+    <p:sldLayoutId id="2147483666" r:id="rId6"/>
+    <p:sldLayoutId id="2147483667" r:id="rId7"/>
+    <p:sldLayoutId id="2147483668" r:id="rId8"/>
+    <p:sldLayoutId id="2147483669" r:id="rId9"/>
+    <p:sldLayoutId id="2147483670" r:id="rId10"/>
+    <p:sldLayoutId id="2147483671" r:id="rId11"/>
   </p:sldLayoutIdLst>
   <p:txStyles>
     <p:titleStyle>
       <a:lvl1pPr algn="l" defTabSz="914400" rtl="0" eaLnBrk="1" latinLnBrk="0" hangingPunct="1">
         <a:lnSpc>
-          <a:spcPct val="90000"/>
+          <a:spcPct val="85000"/>
         </a:lnSpc>
         <a:spcBef>
           <a:spcPct val="0"/>
         </a:spcBef>
         <a:buNone/>
-        <a:defRPr sz="4400" kern="1200">
+        <a:defRPr sz="4800" kern="1200" spc="-50" baseline="0">
           <a:solidFill>
-            <a:schemeClr val="tx1"/>
+            <a:schemeClr val="tx1">
+              <a:lumMod val="75000"/>
+              <a:lumOff val="25000"/>
+            </a:schemeClr>
           </a:solidFill>
           <a:latin typeface="+mj-lt"/>
           <a:ea typeface="+mj-ea"/>
@@ -3063,162 +3493,244 @@
       </a:lvl1pPr>
     </p:titleStyle>
     <p:bodyStyle>
-      <a:lvl1pPr marL="228600" indent="-228600" algn="l" defTabSz="914400" rtl="0" eaLnBrk="1" latinLnBrk="0" hangingPunct="1">
+      <a:lvl1pPr marL="91440" indent="-91440" algn="l" defTabSz="914400" rtl="0" eaLnBrk="1" latinLnBrk="0" hangingPunct="1">
         <a:lnSpc>
           <a:spcPct val="90000"/>
         </a:lnSpc>
         <a:spcBef>
-          <a:spcPts val="1000"/>
+          <a:spcPts val="1200"/>
         </a:spcBef>
-        <a:buFont typeface="Arial" panose="020B0604020202020204" pitchFamily="34" charset="0"/>
-        <a:buChar char="•"/>
-        <a:defRPr sz="2800" kern="1200">
+        <a:spcAft>
+          <a:spcPts val="200"/>
+        </a:spcAft>
+        <a:buClr>
+          <a:schemeClr val="accent1"/>
+        </a:buClr>
+        <a:buSzPct val="100000"/>
+        <a:buFont typeface="Calibri" panose="020F0502020204030204" pitchFamily="34" charset="0"/>
+        <a:buChar char=" "/>
+        <a:defRPr sz="2000" kern="1200">
           <a:solidFill>
-            <a:schemeClr val="tx1"/>
+            <a:schemeClr val="tx1">
+              <a:lumMod val="75000"/>
+              <a:lumOff val="25000"/>
+            </a:schemeClr>
           </a:solidFill>
           <a:latin typeface="+mn-lt"/>
           <a:ea typeface="+mn-ea"/>
           <a:cs typeface="+mn-cs"/>
         </a:defRPr>
       </a:lvl1pPr>
-      <a:lvl2pPr marL="685800" indent="-228600" algn="l" defTabSz="914400" rtl="0" eaLnBrk="1" latinLnBrk="0" hangingPunct="1">
+      <a:lvl2pPr marL="384048" indent="-182880" algn="l" defTabSz="914400" rtl="0" eaLnBrk="1" latinLnBrk="0" hangingPunct="1">
         <a:lnSpc>
           <a:spcPct val="90000"/>
         </a:lnSpc>
         <a:spcBef>
-          <a:spcPts val="500"/>
+          <a:spcPts val="200"/>
         </a:spcBef>
-        <a:buFont typeface="Arial" panose="020B0604020202020204" pitchFamily="34" charset="0"/>
-        <a:buChar char="•"/>
-        <a:defRPr sz="2400" kern="1200">
+        <a:spcAft>
+          <a:spcPts val="400"/>
+        </a:spcAft>
+        <a:buClr>
+          <a:schemeClr val="accent1"/>
+        </a:buClr>
+        <a:buFont typeface="Calibri" pitchFamily="34" charset="0"/>
+        <a:buChar char="◦"/>
+        <a:defRPr sz="1800" kern="1200">
           <a:solidFill>
-            <a:schemeClr val="tx1"/>
+            <a:schemeClr val="tx1">
+              <a:lumMod val="75000"/>
+              <a:lumOff val="25000"/>
+            </a:schemeClr>
           </a:solidFill>
           <a:latin typeface="+mn-lt"/>
           <a:ea typeface="+mn-ea"/>
           <a:cs typeface="+mn-cs"/>
         </a:defRPr>
       </a:lvl2pPr>
-      <a:lvl3pPr marL="1143000" indent="-228600" algn="l" defTabSz="914400" rtl="0" eaLnBrk="1" latinLnBrk="0" hangingPunct="1">
+      <a:lvl3pPr marL="566928" indent="-182880" algn="l" defTabSz="914400" rtl="0" eaLnBrk="1" latinLnBrk="0" hangingPunct="1">
         <a:lnSpc>
           <a:spcPct val="90000"/>
         </a:lnSpc>
         <a:spcBef>
-          <a:spcPts val="500"/>
+          <a:spcPts val="200"/>
         </a:spcBef>
-        <a:buFont typeface="Arial" panose="020B0604020202020204" pitchFamily="34" charset="0"/>
-        <a:buChar char="•"/>
-        <a:defRPr sz="2000" kern="1200">
+        <a:spcAft>
+          <a:spcPts val="400"/>
+        </a:spcAft>
+        <a:buClr>
+          <a:schemeClr val="accent1"/>
+        </a:buClr>
+        <a:buFont typeface="Calibri" pitchFamily="34" charset="0"/>
+        <a:buChar char="◦"/>
+        <a:defRPr sz="1400" kern="1200">
           <a:solidFill>
-            <a:schemeClr val="tx1"/>
+            <a:schemeClr val="tx1">
+              <a:lumMod val="75000"/>
+              <a:lumOff val="25000"/>
+            </a:schemeClr>
           </a:solidFill>
           <a:latin typeface="+mn-lt"/>
           <a:ea typeface="+mn-ea"/>
           <a:cs typeface="+mn-cs"/>
         </a:defRPr>
       </a:lvl3pPr>
-      <a:lvl4pPr marL="1600200" indent="-228600" algn="l" defTabSz="914400" rtl="0" eaLnBrk="1" latinLnBrk="0" hangingPunct="1">
+      <a:lvl4pPr marL="749808" indent="-182880" algn="l" defTabSz="914400" rtl="0" eaLnBrk="1" latinLnBrk="0" hangingPunct="1">
         <a:lnSpc>
           <a:spcPct val="90000"/>
         </a:lnSpc>
         <a:spcBef>
-          <a:spcPts val="500"/>
+          <a:spcPts val="200"/>
         </a:spcBef>
-        <a:buFont typeface="Arial" panose="020B0604020202020204" pitchFamily="34" charset="0"/>
-        <a:buChar char="•"/>
-        <a:defRPr sz="1800" kern="1200">
+        <a:spcAft>
+          <a:spcPts val="400"/>
+        </a:spcAft>
+        <a:buClr>
+          <a:schemeClr val="accent1"/>
+        </a:buClr>
+        <a:buFont typeface="Calibri" pitchFamily="34" charset="0"/>
+        <a:buChar char="◦"/>
+        <a:defRPr sz="1400" kern="1200">
           <a:solidFill>
-            <a:schemeClr val="tx1"/>
+            <a:schemeClr val="tx1">
+              <a:lumMod val="75000"/>
+              <a:lumOff val="25000"/>
+            </a:schemeClr>
           </a:solidFill>
           <a:latin typeface="+mn-lt"/>
           <a:ea typeface="+mn-ea"/>
           <a:cs typeface="+mn-cs"/>
         </a:defRPr>
       </a:lvl4pPr>
-      <a:lvl5pPr marL="2057400" indent="-228600" algn="l" defTabSz="914400" rtl="0" eaLnBrk="1" latinLnBrk="0" hangingPunct="1">
+      <a:lvl5pPr marL="932688" indent="-182880" algn="l" defTabSz="914400" rtl="0" eaLnBrk="1" latinLnBrk="0" hangingPunct="1">
         <a:lnSpc>
           <a:spcPct val="90000"/>
         </a:lnSpc>
         <a:spcBef>
-          <a:spcPts val="500"/>
+          <a:spcPts val="200"/>
         </a:spcBef>
-        <a:buFont typeface="Arial" panose="020B0604020202020204" pitchFamily="34" charset="0"/>
-        <a:buChar char="•"/>
-        <a:defRPr sz="1800" kern="1200">
+        <a:spcAft>
+          <a:spcPts val="400"/>
+        </a:spcAft>
+        <a:buClr>
+          <a:schemeClr val="accent1"/>
+        </a:buClr>
+        <a:buFont typeface="Calibri" pitchFamily="34" charset="0"/>
+        <a:buChar char="◦"/>
+        <a:defRPr sz="1400" kern="1200">
           <a:solidFill>
-            <a:schemeClr val="tx1"/>
+            <a:schemeClr val="tx1">
+              <a:lumMod val="75000"/>
+              <a:lumOff val="25000"/>
+            </a:schemeClr>
           </a:solidFill>
           <a:latin typeface="+mn-lt"/>
           <a:ea typeface="+mn-ea"/>
           <a:cs typeface="+mn-cs"/>
         </a:defRPr>
       </a:lvl5pPr>
-      <a:lvl6pPr marL="2514600" indent="-228600" algn="l" defTabSz="914400" rtl="0" eaLnBrk="1" latinLnBrk="0" hangingPunct="1">
+      <a:lvl6pPr marL="1100000" indent="-228600" algn="l" defTabSz="914400" rtl="0" eaLnBrk="1" latinLnBrk="0" hangingPunct="1">
         <a:lnSpc>
           <a:spcPct val="90000"/>
         </a:lnSpc>
         <a:spcBef>
-          <a:spcPts val="500"/>
+          <a:spcPts val="200"/>
         </a:spcBef>
-        <a:buFont typeface="Arial" panose="020B0604020202020204" pitchFamily="34" charset="0"/>
-        <a:buChar char="•"/>
-        <a:defRPr sz="1800" kern="1200">
+        <a:spcAft>
+          <a:spcPts val="400"/>
+        </a:spcAft>
+        <a:buClr>
+          <a:schemeClr val="accent1"/>
+        </a:buClr>
+        <a:buFont typeface="Calibri" pitchFamily="34" charset="0"/>
+        <a:buChar char="◦"/>
+        <a:defRPr sz="1400" kern="1200">
           <a:solidFill>
-            <a:schemeClr val="tx1"/>
+            <a:schemeClr val="tx1">
+              <a:lumMod val="75000"/>
+              <a:lumOff val="25000"/>
+            </a:schemeClr>
           </a:solidFill>
           <a:latin typeface="+mn-lt"/>
           <a:ea typeface="+mn-ea"/>
           <a:cs typeface="+mn-cs"/>
         </a:defRPr>
       </a:lvl6pPr>
-      <a:lvl7pPr marL="2971800" indent="-228600" algn="l" defTabSz="914400" rtl="0" eaLnBrk="1" latinLnBrk="0" hangingPunct="1">
+      <a:lvl7pPr marL="1300000" indent="-228600" algn="l" defTabSz="914400" rtl="0" eaLnBrk="1" latinLnBrk="0" hangingPunct="1">
         <a:lnSpc>
           <a:spcPct val="90000"/>
         </a:lnSpc>
         <a:spcBef>
-          <a:spcPts val="500"/>
+          <a:spcPts val="200"/>
         </a:spcBef>
-        <a:buFont typeface="Arial" panose="020B0604020202020204" pitchFamily="34" charset="0"/>
-        <a:buChar char="•"/>
-        <a:defRPr sz="1800" kern="1200">
+        <a:spcAft>
+          <a:spcPts val="400"/>
+        </a:spcAft>
+        <a:buClr>
+          <a:schemeClr val="accent1"/>
+        </a:buClr>
+        <a:buFont typeface="Calibri" pitchFamily="34" charset="0"/>
+        <a:buChar char="◦"/>
+        <a:defRPr sz="1400" kern="1200">
           <a:solidFill>
-            <a:schemeClr val="tx1"/>
+            <a:schemeClr val="tx1">
+              <a:lumMod val="75000"/>
+              <a:lumOff val="25000"/>
+            </a:schemeClr>
           </a:solidFill>
           <a:latin typeface="+mn-lt"/>
           <a:ea typeface="+mn-ea"/>
           <a:cs typeface="+mn-cs"/>
         </a:defRPr>
       </a:lvl7pPr>
-      <a:lvl8pPr marL="3429000" indent="-228600" algn="l" defTabSz="914400" rtl="0" eaLnBrk="1" latinLnBrk="0" hangingPunct="1">
+      <a:lvl8pPr marL="1500000" indent="-228600" algn="l" defTabSz="914400" rtl="0" eaLnBrk="1" latinLnBrk="0" hangingPunct="1">
         <a:lnSpc>
           <a:spcPct val="90000"/>
         </a:lnSpc>
         <a:spcBef>
-          <a:spcPts val="500"/>
+          <a:spcPts val="200"/>
         </a:spcBef>
-        <a:buFont typeface="Arial" panose="020B0604020202020204" pitchFamily="34" charset="0"/>
-        <a:buChar char="•"/>
-        <a:defRPr sz="1800" kern="1200">
+        <a:spcAft>
+          <a:spcPts val="400"/>
+        </a:spcAft>
+        <a:buClr>
+          <a:schemeClr val="accent1"/>
+        </a:buClr>
+        <a:buFont typeface="Calibri" pitchFamily="34" charset="0"/>
+        <a:buChar char="◦"/>
+        <a:defRPr sz="1400" kern="1200">
           <a:solidFill>
-            <a:schemeClr val="tx1"/>
+            <a:schemeClr val="tx1">
+              <a:lumMod val="75000"/>
+              <a:lumOff val="25000"/>
+            </a:schemeClr>
           </a:solidFill>
           <a:latin typeface="+mn-lt"/>
           <a:ea typeface="+mn-ea"/>
           <a:cs typeface="+mn-cs"/>
         </a:defRPr>
       </a:lvl8pPr>
-      <a:lvl9pPr marL="3886200" indent="-228600" algn="l" defTabSz="914400" rtl="0" eaLnBrk="1" latinLnBrk="0" hangingPunct="1">
+      <a:lvl9pPr marL="1700000" indent="-228600" algn="l" defTabSz="914400" rtl="0" eaLnBrk="1" latinLnBrk="0" hangingPunct="1">
         <a:lnSpc>
           <a:spcPct val="90000"/>
         </a:lnSpc>
         <a:spcBef>
-          <a:spcPts val="500"/>
+          <a:spcPts val="200"/>
         </a:spcBef>
-        <a:buFont typeface="Arial" panose="020B0604020202020204" pitchFamily="34" charset="0"/>
-        <a:buChar char="•"/>
-        <a:defRPr sz="1800" kern="1200">
+        <a:spcAft>
+          <a:spcPts val="400"/>
+        </a:spcAft>
+        <a:buClr>
+          <a:schemeClr val="accent1"/>
+        </a:buClr>
+        <a:buFont typeface="Calibri" pitchFamily="34" charset="0"/>
+        <a:buChar char="◦"/>
+        <a:defRPr sz="1400" kern="1200">
           <a:solidFill>
-            <a:schemeClr val="tx1"/>
+            <a:schemeClr val="tx1">
+              <a:lumMod val="75000"/>
+              <a:lumOff val="25000"/>
+            </a:schemeClr>
           </a:solidFill>
           <a:latin typeface="+mn-lt"/>
           <a:ea typeface="+mn-ea"/>
@@ -3358,13 +3870,20 @@
             <p:ph type="ctrTitle"/>
           </p:nvPr>
         </p:nvSpPr>
-        <p:spPr/>
-        <p:txBody>
-          <a:bodyPr/>
+        <p:spPr>
+          <a:xfrm>
+            <a:off x="1066800" y="1682825"/>
+            <a:ext cx="10058400" cy="1608346"/>
+          </a:xfrm>
+        </p:spPr>
+        <p:txBody>
+          <a:bodyPr>
+            <a:normAutofit fontScale="90000"/>
+          </a:bodyPr>
           <a:lstStyle/>
           <a:p>
             <a:r>
-              <a:rPr lang="en-IN" dirty="0"/>
+              <a:rPr lang="en-IN" sz="6000" dirty="0"/>
               <a:t>Localization of Transmitter using TDOA analysis</a:t>
             </a:r>
           </a:p>
@@ -3422,7 +3941,7 @@
         </p:nvSpPr>
         <p:spPr>
           <a:xfrm>
-            <a:off x="3587959" y="4251845"/>
+            <a:off x="3587959" y="4470637"/>
             <a:ext cx="5016082" cy="923330"/>
           </a:xfrm>
           <a:prstGeom prst="rect">
@@ -3471,55 +3990,2944 @@
 </p:sld>
 </file>
 
+<file path=ppt/slides/slide2.xml><?xml version="1.0" encoding="utf-8"?>
+<p:sld xmlns:a="http://schemas.openxmlformats.org/drawingml/2006/main" xmlns:r="http://schemas.openxmlformats.org/officeDocument/2006/relationships" xmlns:p="http://schemas.openxmlformats.org/presentationml/2006/main">
+  <p:cSld>
+    <p:spTree>
+      <p:nvGrpSpPr>
+        <p:cNvPr id="1" name=""/>
+        <p:cNvGrpSpPr/>
+        <p:nvPr/>
+      </p:nvGrpSpPr>
+      <p:grpSpPr>
+        <a:xfrm>
+          <a:off x="0" y="0"/>
+          <a:ext cx="0" cy="0"/>
+          <a:chOff x="0" y="0"/>
+          <a:chExt cx="0" cy="0"/>
+        </a:xfrm>
+      </p:grpSpPr>
+      <p:sp>
+        <p:nvSpPr>
+          <p:cNvPr id="3" name="TextBox 2">
+            <a:extLst>
+              <a:ext uri="{FF2B5EF4-FFF2-40B4-BE49-F238E27FC236}">
+                <a16:creationId xmlns:a16="http://schemas.microsoft.com/office/drawing/2014/main" id="{C48E72BA-F1D5-F90C-A43F-61E4111BE38E}"/>
+              </a:ext>
+            </a:extLst>
+          </p:cNvPr>
+          <p:cNvSpPr txBox="1"/>
+          <p:nvPr/>
+        </p:nvSpPr>
+        <p:spPr>
+          <a:xfrm>
+            <a:off x="530277" y="1583768"/>
+            <a:ext cx="10187689" cy="3373359"/>
+          </a:xfrm>
+          <a:prstGeom prst="rect">
+            <a:avLst/>
+          </a:prstGeom>
+          <a:noFill/>
+        </p:spPr>
+        <p:txBody>
+          <a:bodyPr wrap="square">
+            <a:spAutoFit/>
+          </a:bodyPr>
+          <a:lstStyle/>
+          <a:p>
+            <a:pPr marL="285750" indent="-285750">
+              <a:lnSpc>
+                <a:spcPct val="150000"/>
+              </a:lnSpc>
+              <a:buFont typeface="Wingdings" panose="05000000000000000000" pitchFamily="2" charset="2"/>
+              <a:buChar char="q"/>
+            </a:pPr>
+            <a:r>
+              <a:rPr lang="en-IN" b="1" u="sng" dirty="0"/>
+              <a:t>Defence</a:t>
+            </a:r>
+            <a:r>
+              <a:rPr lang="en-IN" dirty="0"/>
+              <a:t> – Tracking Enemy Radars and Drones</a:t>
+            </a:r>
+          </a:p>
+          <a:p>
+            <a:pPr marL="285750" indent="-285750">
+              <a:lnSpc>
+                <a:spcPct val="150000"/>
+              </a:lnSpc>
+              <a:buFont typeface="Wingdings" panose="05000000000000000000" pitchFamily="2" charset="2"/>
+              <a:buChar char="q"/>
+            </a:pPr>
+            <a:endParaRPr lang="en-IN" dirty="0"/>
+          </a:p>
+          <a:p>
+            <a:pPr marL="285750" indent="-285750">
+              <a:lnSpc>
+                <a:spcPct val="150000"/>
+              </a:lnSpc>
+              <a:buFont typeface="Wingdings" panose="05000000000000000000" pitchFamily="2" charset="2"/>
+              <a:buChar char="q"/>
+            </a:pPr>
+            <a:r>
+              <a:rPr lang="en-IN" b="1" u="sng" dirty="0"/>
+              <a:t>UAV Tracking </a:t>
+            </a:r>
+            <a:r>
+              <a:rPr lang="en-IN" dirty="0"/>
+              <a:t>- </a:t>
+            </a:r>
+            <a:r>
+              <a:rPr lang="en-US" dirty="0"/>
+              <a:t>Detects unauthorized or enemy UAVs by pinpointing their source location</a:t>
+            </a:r>
+          </a:p>
+          <a:p>
+            <a:pPr marL="285750" indent="-285750">
+              <a:lnSpc>
+                <a:spcPct val="150000"/>
+              </a:lnSpc>
+              <a:buFont typeface="Wingdings" panose="05000000000000000000" pitchFamily="2" charset="2"/>
+              <a:buChar char="q"/>
+            </a:pPr>
+            <a:endParaRPr lang="en-IN" dirty="0"/>
+          </a:p>
+          <a:p>
+            <a:pPr marL="285750" indent="-285750">
+              <a:lnSpc>
+                <a:spcPct val="150000"/>
+              </a:lnSpc>
+              <a:buFont typeface="Wingdings" panose="05000000000000000000" pitchFamily="2" charset="2"/>
+              <a:buChar char="q"/>
+            </a:pPr>
+            <a:r>
+              <a:rPr lang="en-IN" b="1" u="sng" dirty="0"/>
+              <a:t>Mobile Terminal Positioning </a:t>
+            </a:r>
+            <a:r>
+              <a:rPr lang="en-IN" dirty="0"/>
+              <a:t>- </a:t>
+            </a:r>
+            <a:r>
+              <a:rPr lang="en-US" dirty="0"/>
+              <a:t>Provides accurate position for mobile users even in environments where traditional GPS is unreliable</a:t>
+            </a:r>
+          </a:p>
+          <a:p>
+            <a:pPr marL="285750" indent="-285750">
+              <a:lnSpc>
+                <a:spcPct val="150000"/>
+              </a:lnSpc>
+              <a:buFont typeface="Wingdings" panose="05000000000000000000" pitchFamily="2" charset="2"/>
+              <a:buChar char="q"/>
+            </a:pPr>
+            <a:endParaRPr lang="en-IN" dirty="0"/>
+          </a:p>
+          <a:p>
+            <a:pPr marL="285750" indent="-285750">
+              <a:lnSpc>
+                <a:spcPct val="150000"/>
+              </a:lnSpc>
+              <a:buFont typeface="Wingdings" panose="05000000000000000000" pitchFamily="2" charset="2"/>
+              <a:buChar char="q"/>
+            </a:pPr>
+            <a:r>
+              <a:rPr lang="en-IN" b="1" u="sng" dirty="0"/>
+              <a:t>Medical Tracking </a:t>
+            </a:r>
+            <a:r>
+              <a:rPr lang="en-IN" dirty="0"/>
+              <a:t>- Localizing transmitter-equipped medical devices to track patients and belongings  </a:t>
+            </a:r>
+          </a:p>
+        </p:txBody>
+      </p:sp>
+      <p:sp>
+        <p:nvSpPr>
+          <p:cNvPr id="4" name="Title 1">
+            <a:extLst>
+              <a:ext uri="{FF2B5EF4-FFF2-40B4-BE49-F238E27FC236}">
+                <a16:creationId xmlns:a16="http://schemas.microsoft.com/office/drawing/2014/main" id="{F0912581-3E77-50C9-D8A5-4A3A40B508A2}"/>
+              </a:ext>
+            </a:extLst>
+          </p:cNvPr>
+          <p:cNvSpPr txBox="1">
+            <a:spLocks/>
+          </p:cNvSpPr>
+          <p:nvPr/>
+        </p:nvSpPr>
+        <p:spPr>
+          <a:xfrm>
+            <a:off x="530277" y="637488"/>
+            <a:ext cx="6195935" cy="946280"/>
+          </a:xfrm>
+          <a:prstGeom prst="rect">
+            <a:avLst/>
+          </a:prstGeom>
+        </p:spPr>
+        <p:txBody>
+          <a:bodyPr>
+            <a:normAutofit/>
+          </a:bodyPr>
+          <a:lstStyle>
+            <a:lvl1pPr algn="l" defTabSz="914400" rtl="0" eaLnBrk="1" latinLnBrk="0" hangingPunct="1">
+              <a:lnSpc>
+                <a:spcPct val="85000"/>
+              </a:lnSpc>
+              <a:spcBef>
+                <a:spcPct val="0"/>
+              </a:spcBef>
+              <a:buNone/>
+              <a:defRPr sz="4800" kern="1200" spc="-50" baseline="0">
+                <a:solidFill>
+                  <a:schemeClr val="tx1">
+                    <a:lumMod val="75000"/>
+                    <a:lumOff val="25000"/>
+                  </a:schemeClr>
+                </a:solidFill>
+                <a:latin typeface="+mj-lt"/>
+                <a:ea typeface="+mj-ea"/>
+                <a:cs typeface="+mj-cs"/>
+              </a:defRPr>
+            </a:lvl1pPr>
+          </a:lstStyle>
+          <a:p>
+            <a:r>
+              <a:rPr lang="en-IN" sz="4000" dirty="0"/>
+              <a:t>Why Localize Transmitter ?</a:t>
+            </a:r>
+          </a:p>
+        </p:txBody>
+      </p:sp>
+    </p:spTree>
+    <p:extLst>
+      <p:ext uri="{BB962C8B-B14F-4D97-AF65-F5344CB8AC3E}">
+        <p14:creationId xmlns:p14="http://schemas.microsoft.com/office/powerpoint/2010/main" val="2112351204"/>
+      </p:ext>
+    </p:extLst>
+  </p:cSld>
+  <p:clrMapOvr>
+    <a:masterClrMapping/>
+  </p:clrMapOvr>
+  <p:timing>
+    <p:tnLst>
+      <p:par>
+        <p:cTn id="1" dur="indefinite" restart="never" nodeType="tmRoot">
+          <p:childTnLst>
+            <p:seq concurrent="1" nextAc="seek">
+              <p:cTn id="2" dur="indefinite" nodeType="mainSeq">
+                <p:childTnLst>
+                  <p:par>
+                    <p:cTn id="3" fill="hold">
+                      <p:stCondLst>
+                        <p:cond delay="indefinite"/>
+                      </p:stCondLst>
+                      <p:childTnLst>
+                        <p:par>
+                          <p:cTn id="4" fill="hold">
+                            <p:stCondLst>
+                              <p:cond delay="0"/>
+                            </p:stCondLst>
+                            <p:childTnLst>
+                              <p:par>
+                                <p:cTn id="5" presetID="10" presetClass="entr" presetSubtype="0" fill="hold" nodeType="clickEffect">
+                                  <p:stCondLst>
+                                    <p:cond delay="0"/>
+                                  </p:stCondLst>
+                                  <p:childTnLst>
+                                    <p:set>
+                                      <p:cBhvr>
+                                        <p:cTn id="6" dur="1" fill="hold">
+                                          <p:stCondLst>
+                                            <p:cond delay="0"/>
+                                          </p:stCondLst>
+                                        </p:cTn>
+                                        <p:tgtEl>
+                                          <p:spTgt spid="3">
+                                            <p:txEl>
+                                              <p:pRg st="0" end="0"/>
+                                            </p:txEl>
+                                          </p:spTgt>
+                                        </p:tgtEl>
+                                        <p:attrNameLst>
+                                          <p:attrName>style.visibility</p:attrName>
+                                        </p:attrNameLst>
+                                      </p:cBhvr>
+                                      <p:to>
+                                        <p:strVal val="visible"/>
+                                      </p:to>
+                                    </p:set>
+                                    <p:animEffect transition="in" filter="fade">
+                                      <p:cBhvr>
+                                        <p:cTn id="7" dur="500"/>
+                                        <p:tgtEl>
+                                          <p:spTgt spid="3">
+                                            <p:txEl>
+                                              <p:pRg st="0" end="0"/>
+                                            </p:txEl>
+                                          </p:spTgt>
+                                        </p:tgtEl>
+                                      </p:cBhvr>
+                                    </p:animEffect>
+                                  </p:childTnLst>
+                                </p:cTn>
+                              </p:par>
+                              <p:par>
+                                <p:cTn id="8" presetID="10" presetClass="entr" presetSubtype="0" fill="hold" nodeType="withEffect">
+                                  <p:stCondLst>
+                                    <p:cond delay="0"/>
+                                  </p:stCondLst>
+                                  <p:childTnLst>
+                                    <p:set>
+                                      <p:cBhvr>
+                                        <p:cTn id="9" dur="1" fill="hold">
+                                          <p:stCondLst>
+                                            <p:cond delay="0"/>
+                                          </p:stCondLst>
+                                        </p:cTn>
+                                        <p:tgtEl>
+                                          <p:spTgt spid="3">
+                                            <p:txEl>
+                                              <p:pRg st="2" end="2"/>
+                                            </p:txEl>
+                                          </p:spTgt>
+                                        </p:tgtEl>
+                                        <p:attrNameLst>
+                                          <p:attrName>style.visibility</p:attrName>
+                                        </p:attrNameLst>
+                                      </p:cBhvr>
+                                      <p:to>
+                                        <p:strVal val="visible"/>
+                                      </p:to>
+                                    </p:set>
+                                    <p:animEffect transition="in" filter="fade">
+                                      <p:cBhvr>
+                                        <p:cTn id="10" dur="500"/>
+                                        <p:tgtEl>
+                                          <p:spTgt spid="3">
+                                            <p:txEl>
+                                              <p:pRg st="2" end="2"/>
+                                            </p:txEl>
+                                          </p:spTgt>
+                                        </p:tgtEl>
+                                      </p:cBhvr>
+                                    </p:animEffect>
+                                  </p:childTnLst>
+                                </p:cTn>
+                              </p:par>
+                            </p:childTnLst>
+                          </p:cTn>
+                        </p:par>
+                      </p:childTnLst>
+                    </p:cTn>
+                  </p:par>
+                  <p:par>
+                    <p:cTn id="11" fill="hold">
+                      <p:stCondLst>
+                        <p:cond delay="indefinite"/>
+                      </p:stCondLst>
+                      <p:childTnLst>
+                        <p:par>
+                          <p:cTn id="12" fill="hold">
+                            <p:stCondLst>
+                              <p:cond delay="0"/>
+                            </p:stCondLst>
+                            <p:childTnLst>
+                              <p:par>
+                                <p:cTn id="13" presetID="10" presetClass="entr" presetSubtype="0" fill="hold" nodeType="clickEffect">
+                                  <p:stCondLst>
+                                    <p:cond delay="0"/>
+                                  </p:stCondLst>
+                                  <p:childTnLst>
+                                    <p:set>
+                                      <p:cBhvr>
+                                        <p:cTn id="14" dur="1" fill="hold">
+                                          <p:stCondLst>
+                                            <p:cond delay="0"/>
+                                          </p:stCondLst>
+                                        </p:cTn>
+                                        <p:tgtEl>
+                                          <p:spTgt spid="3">
+                                            <p:txEl>
+                                              <p:pRg st="4" end="4"/>
+                                            </p:txEl>
+                                          </p:spTgt>
+                                        </p:tgtEl>
+                                        <p:attrNameLst>
+                                          <p:attrName>style.visibility</p:attrName>
+                                        </p:attrNameLst>
+                                      </p:cBhvr>
+                                      <p:to>
+                                        <p:strVal val="visible"/>
+                                      </p:to>
+                                    </p:set>
+                                    <p:animEffect transition="in" filter="fade">
+                                      <p:cBhvr>
+                                        <p:cTn id="15" dur="500"/>
+                                        <p:tgtEl>
+                                          <p:spTgt spid="3">
+                                            <p:txEl>
+                                              <p:pRg st="4" end="4"/>
+                                            </p:txEl>
+                                          </p:spTgt>
+                                        </p:tgtEl>
+                                      </p:cBhvr>
+                                    </p:animEffect>
+                                  </p:childTnLst>
+                                </p:cTn>
+                              </p:par>
+                              <p:par>
+                                <p:cTn id="16" presetID="10" presetClass="entr" presetSubtype="0" fill="hold" nodeType="withEffect">
+                                  <p:stCondLst>
+                                    <p:cond delay="0"/>
+                                  </p:stCondLst>
+                                  <p:childTnLst>
+                                    <p:set>
+                                      <p:cBhvr>
+                                        <p:cTn id="17" dur="1" fill="hold">
+                                          <p:stCondLst>
+                                            <p:cond delay="0"/>
+                                          </p:stCondLst>
+                                        </p:cTn>
+                                        <p:tgtEl>
+                                          <p:spTgt spid="3">
+                                            <p:txEl>
+                                              <p:pRg st="6" end="6"/>
+                                            </p:txEl>
+                                          </p:spTgt>
+                                        </p:tgtEl>
+                                        <p:attrNameLst>
+                                          <p:attrName>style.visibility</p:attrName>
+                                        </p:attrNameLst>
+                                      </p:cBhvr>
+                                      <p:to>
+                                        <p:strVal val="visible"/>
+                                      </p:to>
+                                    </p:set>
+                                    <p:animEffect transition="in" filter="fade">
+                                      <p:cBhvr>
+                                        <p:cTn id="18" dur="500"/>
+                                        <p:tgtEl>
+                                          <p:spTgt spid="3">
+                                            <p:txEl>
+                                              <p:pRg st="6" end="6"/>
+                                            </p:txEl>
+                                          </p:spTgt>
+                                        </p:tgtEl>
+                                      </p:cBhvr>
+                                    </p:animEffect>
+                                  </p:childTnLst>
+                                </p:cTn>
+                              </p:par>
+                            </p:childTnLst>
+                          </p:cTn>
+                        </p:par>
+                      </p:childTnLst>
+                    </p:cTn>
+                  </p:par>
+                </p:childTnLst>
+              </p:cTn>
+              <p:prevCondLst>
+                <p:cond evt="onPrev" delay="0">
+                  <p:tgtEl>
+                    <p:sldTgt/>
+                  </p:tgtEl>
+                </p:cond>
+              </p:prevCondLst>
+              <p:nextCondLst>
+                <p:cond evt="onNext" delay="0">
+                  <p:tgtEl>
+                    <p:sldTgt/>
+                  </p:tgtEl>
+                </p:cond>
+              </p:nextCondLst>
+            </p:seq>
+          </p:childTnLst>
+        </p:cTn>
+      </p:par>
+    </p:tnLst>
+  </p:timing>
+</p:sld>
+</file>
+
+<file path=ppt/slides/slide3.xml><?xml version="1.0" encoding="utf-8"?>
+<p:sld xmlns:a="http://schemas.openxmlformats.org/drawingml/2006/main" xmlns:r="http://schemas.openxmlformats.org/officeDocument/2006/relationships" xmlns:p="http://schemas.openxmlformats.org/presentationml/2006/main">
+  <p:cSld>
+    <p:spTree>
+      <p:nvGrpSpPr>
+        <p:cNvPr id="1" name=""/>
+        <p:cNvGrpSpPr/>
+        <p:nvPr/>
+      </p:nvGrpSpPr>
+      <p:grpSpPr>
+        <a:xfrm>
+          <a:off x="0" y="0"/>
+          <a:ext cx="0" cy="0"/>
+          <a:chOff x="0" y="0"/>
+          <a:chExt cx="0" cy="0"/>
+        </a:xfrm>
+      </p:grpSpPr>
+      <p:sp>
+        <p:nvSpPr>
+          <p:cNvPr id="3" name="Title 1">
+            <a:extLst>
+              <a:ext uri="{FF2B5EF4-FFF2-40B4-BE49-F238E27FC236}">
+                <a16:creationId xmlns:a16="http://schemas.microsoft.com/office/drawing/2014/main" id="{15068541-A06D-9B4D-F0EF-E11B32DEA6A2}"/>
+              </a:ext>
+            </a:extLst>
+          </p:cNvPr>
+          <p:cNvSpPr txBox="1">
+            <a:spLocks/>
+          </p:cNvSpPr>
+          <p:nvPr/>
+        </p:nvSpPr>
+        <p:spPr>
+          <a:xfrm>
+            <a:off x="260456" y="142327"/>
+            <a:ext cx="6195935" cy="946280"/>
+          </a:xfrm>
+          <a:prstGeom prst="rect">
+            <a:avLst/>
+          </a:prstGeom>
+        </p:spPr>
+        <p:txBody>
+          <a:bodyPr>
+            <a:normAutofit/>
+          </a:bodyPr>
+          <a:lstStyle>
+            <a:lvl1pPr algn="l" defTabSz="914400" rtl="0" eaLnBrk="1" latinLnBrk="0" hangingPunct="1">
+              <a:lnSpc>
+                <a:spcPct val="85000"/>
+              </a:lnSpc>
+              <a:spcBef>
+                <a:spcPct val="0"/>
+              </a:spcBef>
+              <a:buNone/>
+              <a:defRPr sz="4800" kern="1200" spc="-50" baseline="0">
+                <a:solidFill>
+                  <a:schemeClr val="tx1">
+                    <a:lumMod val="75000"/>
+                    <a:lumOff val="25000"/>
+                  </a:schemeClr>
+                </a:solidFill>
+                <a:latin typeface="+mj-lt"/>
+                <a:ea typeface="+mj-ea"/>
+                <a:cs typeface="+mj-cs"/>
+              </a:defRPr>
+            </a:lvl1pPr>
+          </a:lstStyle>
+          <a:p>
+            <a:r>
+              <a:rPr lang="en-IN" sz="4000" dirty="0"/>
+              <a:t>What is TDOA ? </a:t>
+            </a:r>
+          </a:p>
+        </p:txBody>
+      </p:sp>
+      <p:sp>
+        <p:nvSpPr>
+          <p:cNvPr id="4" name="TextBox 3">
+            <a:extLst>
+              <a:ext uri="{FF2B5EF4-FFF2-40B4-BE49-F238E27FC236}">
+                <a16:creationId xmlns:a16="http://schemas.microsoft.com/office/drawing/2014/main" id="{7FFB0C16-7386-D09F-269D-DEA1E551B435}"/>
+              </a:ext>
+            </a:extLst>
+          </p:cNvPr>
+          <p:cNvSpPr txBox="1"/>
+          <p:nvPr/>
+        </p:nvSpPr>
+        <p:spPr>
+          <a:xfrm>
+            <a:off x="260456" y="688497"/>
+            <a:ext cx="10830394" cy="400110"/>
+          </a:xfrm>
+          <a:prstGeom prst="rect">
+            <a:avLst/>
+          </a:prstGeom>
+          <a:noFill/>
+        </p:spPr>
+        <p:txBody>
+          <a:bodyPr wrap="square" rtlCol="0">
+            <a:spAutoFit/>
+          </a:bodyPr>
+          <a:lstStyle/>
+          <a:p>
+            <a:r>
+              <a:rPr lang="en-IN" sz="2000" dirty="0"/>
+              <a:t>TDOA stands for </a:t>
+            </a:r>
+            <a:r>
+              <a:rPr lang="en-IN" sz="2000" b="1" dirty="0"/>
+              <a:t>Time difference of Arrival. </a:t>
+            </a:r>
+            <a:r>
+              <a:rPr lang="en-IN" sz="2000" dirty="0"/>
+              <a:t>Its one of the methods to pinpoint transmitter location</a:t>
+            </a:r>
+            <a:r>
+              <a:rPr lang="en-IN" sz="2000" b="1" dirty="0"/>
+              <a:t> </a:t>
+            </a:r>
+          </a:p>
+        </p:txBody>
+      </p:sp>
+      <p:sp>
+        <p:nvSpPr>
+          <p:cNvPr id="5" name="TextBox 4">
+            <a:extLst>
+              <a:ext uri="{FF2B5EF4-FFF2-40B4-BE49-F238E27FC236}">
+                <a16:creationId xmlns:a16="http://schemas.microsoft.com/office/drawing/2014/main" id="{04A85487-B232-C299-CE1B-DB264914798F}"/>
+              </a:ext>
+            </a:extLst>
+          </p:cNvPr>
+          <p:cNvSpPr txBox="1"/>
+          <p:nvPr/>
+        </p:nvSpPr>
+        <p:spPr>
+          <a:xfrm>
+            <a:off x="260456" y="1089038"/>
+            <a:ext cx="10830394" cy="369332"/>
+          </a:xfrm>
+          <a:prstGeom prst="rect">
+            <a:avLst/>
+          </a:prstGeom>
+          <a:noFill/>
+        </p:spPr>
+        <p:txBody>
+          <a:bodyPr wrap="square" rtlCol="0">
+            <a:spAutoFit/>
+          </a:bodyPr>
+          <a:lstStyle/>
+          <a:p>
+            <a:r>
+              <a:rPr lang="en-IN" b="1" u="sng" dirty="0"/>
+              <a:t>Hyperbolic </a:t>
+            </a:r>
+            <a:r>
+              <a:rPr lang="en-IN" b="1" u="sng" dirty="0" err="1"/>
+              <a:t>Multilateration</a:t>
+            </a:r>
+            <a:r>
+              <a:rPr lang="en-IN" b="1" u="sng" dirty="0"/>
+              <a:t> </a:t>
+            </a:r>
+            <a:r>
+              <a:rPr lang="en-IN" dirty="0"/>
+              <a:t>: Each pair of Receiver defines a Hyperbola in 2D (hyperboloid in 3D)</a:t>
+            </a:r>
+          </a:p>
+        </p:txBody>
+      </p:sp>
+      <mc:AlternateContent xmlns:mc="http://schemas.openxmlformats.org/markup-compatibility/2006">
+        <mc:Choice xmlns:a14="http://schemas.microsoft.com/office/drawing/2010/main" Requires="a14">
+          <p:sp>
+            <p:nvSpPr>
+              <p:cNvPr id="2" name="TextBox 1">
+                <a:extLst>
+                  <a:ext uri="{FF2B5EF4-FFF2-40B4-BE49-F238E27FC236}">
+                    <a16:creationId xmlns:a16="http://schemas.microsoft.com/office/drawing/2014/main" id="{56593EC7-9C27-3F78-2298-C6B95097EEEA}"/>
+                  </a:ext>
+                </a:extLst>
+              </p:cNvPr>
+              <p:cNvSpPr txBox="1"/>
+              <p:nvPr/>
+            </p:nvSpPr>
+            <p:spPr>
+              <a:xfrm>
+                <a:off x="260456" y="1458370"/>
+                <a:ext cx="11581774" cy="1086901"/>
+              </a:xfrm>
+              <a:prstGeom prst="rect">
+                <a:avLst/>
+              </a:prstGeom>
+              <a:noFill/>
+            </p:spPr>
+            <p:txBody>
+              <a:bodyPr wrap="square" rtlCol="0">
+                <a:spAutoFit/>
+              </a:bodyPr>
+              <a:lstStyle/>
+              <a:p>
+                <a:r>
+                  <a:rPr lang="en-IN" i="1" u="sng" dirty="0"/>
+                  <a:t>For example</a:t>
+                </a:r>
+                <a:br>
+                  <a:rPr lang="en-IN" i="1" u="sng" dirty="0"/>
+                </a:br>
+                <a:r>
+                  <a:rPr lang="en-IN" dirty="0"/>
+                  <a:t>Lets Take 3 Receivers forming a triangle and 1 transmitter in 2D plane. Coordinates of R1,R2,R3 are (0,0) , (a,0), (</a:t>
+                </a:r>
+                <a14:m>
+                  <m:oMath xmlns:m="http://schemas.openxmlformats.org/officeDocument/2006/math">
+                    <m:f>
+                      <m:fPr>
+                        <m:ctrlPr>
+                          <a:rPr lang="en-IN" b="0" i="1" smtClean="0">
+                            <a:latin typeface="Cambria Math" panose="02040503050406030204" pitchFamily="18" charset="0"/>
+                          </a:rPr>
+                        </m:ctrlPr>
+                      </m:fPr>
+                      <m:num>
+                        <m:r>
+                          <a:rPr lang="en-IN" b="0" i="1" smtClean="0">
+                            <a:latin typeface="Cambria Math" panose="02040503050406030204" pitchFamily="18" charset="0"/>
+                          </a:rPr>
+                          <m:t>𝑎</m:t>
+                        </m:r>
+                      </m:num>
+                      <m:den>
+                        <m:r>
+                          <a:rPr lang="en-IN" b="0" i="1" smtClean="0">
+                            <a:latin typeface="Cambria Math" panose="02040503050406030204" pitchFamily="18" charset="0"/>
+                          </a:rPr>
+                          <m:t>2</m:t>
+                        </m:r>
+                      </m:den>
+                    </m:f>
+                    <m:r>
+                      <a:rPr lang="en-IN" b="0" i="1" smtClean="0">
+                        <a:latin typeface="Cambria Math" panose="02040503050406030204" pitchFamily="18" charset="0"/>
+                      </a:rPr>
+                      <m:t>,</m:t>
+                    </m:r>
+                    <m:r>
+                      <a:rPr lang="en-IN" b="0" i="1" smtClean="0">
+                        <a:latin typeface="Cambria Math" panose="02040503050406030204" pitchFamily="18" charset="0"/>
+                      </a:rPr>
+                      <m:t>𝑎</m:t>
+                    </m:r>
+                    <m:r>
+                      <a:rPr lang="en-IN" b="0" i="1" smtClean="0">
+                        <a:latin typeface="Cambria Math" panose="02040503050406030204" pitchFamily="18" charset="0"/>
+                      </a:rPr>
+                      <m:t>.</m:t>
+                    </m:r>
+                    <m:f>
+                      <m:fPr>
+                        <m:ctrlPr>
+                          <a:rPr lang="en-IN" b="0" i="1" smtClean="0">
+                            <a:latin typeface="Cambria Math" panose="02040503050406030204" pitchFamily="18" charset="0"/>
+                          </a:rPr>
+                        </m:ctrlPr>
+                      </m:fPr>
+                      <m:num>
+                        <m:rad>
+                          <m:radPr>
+                            <m:degHide m:val="on"/>
+                            <m:ctrlPr>
+                              <a:rPr lang="en-IN" b="0" i="1" smtClean="0">
+                                <a:latin typeface="Cambria Math" panose="02040503050406030204" pitchFamily="18" charset="0"/>
+                              </a:rPr>
+                            </m:ctrlPr>
+                          </m:radPr>
+                          <m:deg/>
+                          <m:e>
+                            <m:r>
+                              <a:rPr lang="en-IN" b="0" i="1" smtClean="0">
+                                <a:latin typeface="Cambria Math" panose="02040503050406030204" pitchFamily="18" charset="0"/>
+                              </a:rPr>
+                              <m:t>3</m:t>
+                            </m:r>
+                          </m:e>
+                        </m:rad>
+                      </m:num>
+                      <m:den>
+                        <m:r>
+                          <a:rPr lang="en-IN" b="0" i="1" smtClean="0">
+                            <a:latin typeface="Cambria Math" panose="02040503050406030204" pitchFamily="18" charset="0"/>
+                          </a:rPr>
+                          <m:t>2</m:t>
+                        </m:r>
+                      </m:den>
+                    </m:f>
+                    <m:r>
+                      <a:rPr lang="en-IN" b="0" i="1" smtClean="0">
+                        <a:latin typeface="Cambria Math" panose="02040503050406030204" pitchFamily="18" charset="0"/>
+                      </a:rPr>
+                      <m:t>)</m:t>
+                    </m:r>
+                  </m:oMath>
+                </a14:m>
+                <a:endParaRPr lang="en-IN" dirty="0"/>
+              </a:p>
+              <a:p>
+                <a:endParaRPr lang="en-IN" dirty="0"/>
+              </a:p>
+            </p:txBody>
+          </p:sp>
+        </mc:Choice>
+        <mc:Fallback>
+          <p:sp>
+            <p:nvSpPr>
+              <p:cNvPr id="2" name="TextBox 1">
+                <a:extLst>
+                  <a:ext uri="{FF2B5EF4-FFF2-40B4-BE49-F238E27FC236}">
+                    <a16:creationId xmlns:a16="http://schemas.microsoft.com/office/drawing/2014/main" id="{56593EC7-9C27-3F78-2298-C6B95097EEEA}"/>
+                  </a:ext>
+                </a:extLst>
+              </p:cNvPr>
+              <p:cNvSpPr txBox="1">
+                <a:spLocks noRot="1" noChangeAspect="1" noMove="1" noResize="1" noEditPoints="1" noAdjustHandles="1" noChangeArrowheads="1" noChangeShapeType="1" noTextEdit="1"/>
+              </p:cNvSpPr>
+              <p:nvPr/>
+            </p:nvSpPr>
+            <p:spPr>
+              <a:xfrm>
+                <a:off x="260456" y="1458370"/>
+                <a:ext cx="11581774" cy="1086901"/>
+              </a:xfrm>
+              <a:prstGeom prst="rect">
+                <a:avLst/>
+              </a:prstGeom>
+              <a:blipFill>
+                <a:blip r:embed="rId2"/>
+                <a:stretch>
+                  <a:fillRect l="-474" t="-2793"/>
+                </a:stretch>
+              </a:blipFill>
+            </p:spPr>
+            <p:txBody>
+              <a:bodyPr/>
+              <a:lstStyle/>
+              <a:p>
+                <a:r>
+                  <a:rPr lang="en-IN">
+                    <a:noFill/>
+                  </a:rPr>
+                  <a:t> </a:t>
+                </a:r>
+              </a:p>
+            </p:txBody>
+          </p:sp>
+        </mc:Fallback>
+      </mc:AlternateContent>
+      <p:pic>
+        <p:nvPicPr>
+          <p:cNvPr id="12" name="Picture 11" descr="A graph with a triangle&#10;&#10;AI-generated content may be incorrect.">
+            <a:extLst>
+              <a:ext uri="{FF2B5EF4-FFF2-40B4-BE49-F238E27FC236}">
+                <a16:creationId xmlns:a16="http://schemas.microsoft.com/office/drawing/2014/main" id="{B6DE8B73-C49C-6BE8-F153-F6E88200BBAA}"/>
+              </a:ext>
+            </a:extLst>
+          </p:cNvPr>
+          <p:cNvPicPr>
+            <a:picLocks noChangeAspect="1"/>
+          </p:cNvPicPr>
+          <p:nvPr/>
+        </p:nvPicPr>
+        <p:blipFill>
+          <a:blip r:embed="rId3">
+            <a:extLst>
+              <a:ext uri="{28A0092B-C50C-407E-A947-70E740481C1C}">
+                <a14:useLocalDpi xmlns:a14="http://schemas.microsoft.com/office/drawing/2010/main" val="0"/>
+              </a:ext>
+            </a:extLst>
+          </a:blip>
+          <a:srcRect l="20779" r="20451"/>
+          <a:stretch>
+            <a:fillRect/>
+          </a:stretch>
+        </p:blipFill>
+        <p:spPr>
+          <a:xfrm>
+            <a:off x="701416" y="2281823"/>
+            <a:ext cx="4964866" cy="4062246"/>
+          </a:xfrm>
+          <a:prstGeom prst="rect">
+            <a:avLst/>
+          </a:prstGeom>
+        </p:spPr>
+      </p:pic>
+      <mc:AlternateContent xmlns:mc="http://schemas.openxmlformats.org/markup-compatibility/2006">
+        <mc:Choice xmlns:a14="http://schemas.microsoft.com/office/drawing/2010/main" Requires="a14">
+          <p:sp>
+            <p:nvSpPr>
+              <p:cNvPr id="13" name="TextBox 12">
+                <a:extLst>
+                  <a:ext uri="{FF2B5EF4-FFF2-40B4-BE49-F238E27FC236}">
+                    <a16:creationId xmlns:a16="http://schemas.microsoft.com/office/drawing/2014/main" id="{35E5244B-8371-FC29-F990-DB430778CEE8}"/>
+                  </a:ext>
+                </a:extLst>
+              </p:cNvPr>
+              <p:cNvSpPr txBox="1"/>
+              <p:nvPr/>
+            </p:nvSpPr>
+            <p:spPr>
+              <a:xfrm>
+                <a:off x="5908936" y="2545271"/>
+                <a:ext cx="6165640" cy="3719288"/>
+              </a:xfrm>
+              <a:prstGeom prst="rect">
+                <a:avLst/>
+              </a:prstGeom>
+              <a:noFill/>
+            </p:spPr>
+            <p:txBody>
+              <a:bodyPr wrap="square" rtlCol="0">
+                <a:spAutoFit/>
+              </a:bodyPr>
+              <a:lstStyle/>
+              <a:p>
+                <a:endParaRPr lang="en-IN" b="0" dirty="0"/>
+              </a:p>
+              <a:p>
+                <a:endParaRPr lang="en-IN" sz="1600" dirty="0"/>
+              </a:p>
+              <a:p>
+                <a:r>
+                  <a:rPr lang="en-IN" sz="1600" dirty="0"/>
+                  <a:t>Hyperbolas (between receiver pairs):</a:t>
+                </a:r>
+                <a:endParaRPr lang="en-IN" sz="1600" dirty="0">
+                  <a:effectLst/>
+                </a:endParaRPr>
+              </a:p>
+              <a:p>
+                <a14:m>
+                  <m:oMathPara xmlns:m="http://schemas.openxmlformats.org/officeDocument/2006/math">
+                    <m:oMathParaPr>
+                      <m:jc m:val="centerGroup"/>
+                    </m:oMathParaPr>
+                    <m:oMath xmlns:m="http://schemas.openxmlformats.org/officeDocument/2006/math">
+                      <m:rad>
+                        <m:radPr>
+                          <m:degHide m:val="on"/>
+                          <m:ctrlPr>
+                            <a:rPr lang="ar-AE" sz="1600"/>
+                          </m:ctrlPr>
+                        </m:radPr>
+                        <m:deg/>
+                        <m:e>
+                          <m:d>
+                            <m:dPr>
+                              <m:endChr m:val=""/>
+                              <m:ctrlPr>
+                                <a:rPr lang="ar-AE" sz="1600"/>
+                              </m:ctrlPr>
+                            </m:dPr>
+                            <m:e>
+                              <m:r>
+                                <a:rPr lang="ar-AE" sz="1600" i="1"/>
+                                <m:t>𝑥</m:t>
+                              </m:r>
+                              <m:r>
+                                <a:rPr lang="ar-AE" sz="1600"/>
+                                <m:t>−</m:t>
+                              </m:r>
+                              <m:sSub>
+                                <m:sSubPr>
+                                  <m:ctrlPr>
+                                    <a:rPr lang="ar-AE" sz="1600" i="1"/>
+                                  </m:ctrlPr>
+                                </m:sSubPr>
+                                <m:e>
+                                  <m:r>
+                                    <a:rPr lang="ar-AE" sz="1600" i="1"/>
+                                    <m:t>𝑥</m:t>
+                                  </m:r>
+                                </m:e>
+                                <m:sub>
+                                  <m:r>
+                                    <a:rPr lang="ar-AE" sz="1600"/>
+                                    <m:t>1</m:t>
+                                  </m:r>
+                                </m:sub>
+                              </m:sSub>
+                              <m:sSup>
+                                <m:sSupPr>
+                                  <m:ctrlPr>
+                                    <a:rPr lang="ar-AE" sz="1600" i="1"/>
+                                  </m:ctrlPr>
+                                </m:sSupPr>
+                                <m:e>
+                                  <m:d>
+                                    <m:dPr>
+                                      <m:begChr m:val=""/>
+                                      <m:endChr m:val=""/>
+                                      <m:ctrlPr>
+                                        <a:rPr lang="ar-AE" sz="1600" i="1"/>
+                                      </m:ctrlPr>
+                                    </m:dPr>
+                                    <m:e>
+                                      <m:r>
+                                        <a:rPr lang="ar-AE" sz="1600"/>
+                                        <m:t>)</m:t>
+                                      </m:r>
+                                    </m:e>
+                                  </m:d>
+                                </m:e>
+                                <m:sup>
+                                  <m:r>
+                                    <a:rPr lang="ar-AE" sz="1600"/>
+                                    <m:t>2</m:t>
+                                  </m:r>
+                                </m:sup>
+                              </m:sSup>
+                              <m:r>
+                                <a:rPr lang="ar-AE" sz="1600"/>
+                                <m:t>+</m:t>
+                              </m:r>
+                              <m:d>
+                                <m:dPr>
+                                  <m:endChr m:val=""/>
+                                  <m:ctrlPr>
+                                    <a:rPr lang="ar-AE" sz="1600" i="1"/>
+                                  </m:ctrlPr>
+                                </m:dPr>
+                                <m:e>
+                                  <m:r>
+                                    <a:rPr lang="ar-AE" sz="1600" i="1"/>
+                                    <m:t>𝑦</m:t>
+                                  </m:r>
+                                  <m:r>
+                                    <a:rPr lang="ar-AE" sz="1600"/>
+                                    <m:t>−</m:t>
+                                  </m:r>
+                                  <m:sSub>
+                                    <m:sSubPr>
+                                      <m:ctrlPr>
+                                        <a:rPr lang="ar-AE" sz="1600" i="1"/>
+                                      </m:ctrlPr>
+                                    </m:sSubPr>
+                                    <m:e>
+                                      <m:r>
+                                        <a:rPr lang="ar-AE" sz="1600" i="1"/>
+                                        <m:t>𝑦</m:t>
+                                      </m:r>
+                                    </m:e>
+                                    <m:sub>
+                                      <m:r>
+                                        <a:rPr lang="ar-AE" sz="1600"/>
+                                        <m:t>1</m:t>
+                                      </m:r>
+                                    </m:sub>
+                                  </m:sSub>
+                                  <m:sSup>
+                                    <m:sSupPr>
+                                      <m:ctrlPr>
+                                        <a:rPr lang="ar-AE" sz="1600" i="1"/>
+                                      </m:ctrlPr>
+                                    </m:sSupPr>
+                                    <m:e>
+                                      <m:d>
+                                        <m:dPr>
+                                          <m:begChr m:val=""/>
+                                          <m:endChr m:val=""/>
+                                          <m:ctrlPr>
+                                            <a:rPr lang="ar-AE" sz="1600" i="1"/>
+                                          </m:ctrlPr>
+                                        </m:dPr>
+                                        <m:e>
+                                          <m:r>
+                                            <a:rPr lang="ar-AE" sz="1600"/>
+                                            <m:t>)</m:t>
+                                          </m:r>
+                                        </m:e>
+                                      </m:d>
+                                    </m:e>
+                                    <m:sup>
+                                      <m:r>
+                                        <a:rPr lang="ar-AE" sz="1600"/>
+                                        <m:t>2</m:t>
+                                      </m:r>
+                                    </m:sup>
+                                  </m:sSup>
+                                </m:e>
+                              </m:d>
+                            </m:e>
+                          </m:d>
+                        </m:e>
+                      </m:rad>
+                      <m:r>
+                        <a:rPr lang="ar-AE" sz="1600"/>
+                        <m:t>−</m:t>
+                      </m:r>
+                      <m:rad>
+                        <m:radPr>
+                          <m:degHide m:val="on"/>
+                          <m:ctrlPr>
+                            <a:rPr lang="ar-AE" sz="1600" i="1"/>
+                          </m:ctrlPr>
+                        </m:radPr>
+                        <m:deg/>
+                        <m:e>
+                          <m:d>
+                            <m:dPr>
+                              <m:endChr m:val=""/>
+                              <m:ctrlPr>
+                                <a:rPr lang="ar-AE" sz="1600" i="1"/>
+                              </m:ctrlPr>
+                            </m:dPr>
+                            <m:e>
+                              <m:r>
+                                <a:rPr lang="ar-AE" sz="1600" i="1"/>
+                                <m:t>𝑥</m:t>
+                              </m:r>
+                              <m:r>
+                                <a:rPr lang="ar-AE" sz="1600"/>
+                                <m:t>−</m:t>
+                              </m:r>
+                              <m:sSub>
+                                <m:sSubPr>
+                                  <m:ctrlPr>
+                                    <a:rPr lang="ar-AE" sz="1600" i="1"/>
+                                  </m:ctrlPr>
+                                </m:sSubPr>
+                                <m:e>
+                                  <m:r>
+                                    <a:rPr lang="ar-AE" sz="1600" i="1"/>
+                                    <m:t>𝑥</m:t>
+                                  </m:r>
+                                </m:e>
+                                <m:sub>
+                                  <m:r>
+                                    <a:rPr lang="ar-AE" sz="1600"/>
+                                    <m:t>2</m:t>
+                                  </m:r>
+                                </m:sub>
+                              </m:sSub>
+                              <m:sSup>
+                                <m:sSupPr>
+                                  <m:ctrlPr>
+                                    <a:rPr lang="ar-AE" sz="1600" i="1"/>
+                                  </m:ctrlPr>
+                                </m:sSupPr>
+                                <m:e>
+                                  <m:d>
+                                    <m:dPr>
+                                      <m:begChr m:val=""/>
+                                      <m:endChr m:val=""/>
+                                      <m:ctrlPr>
+                                        <a:rPr lang="ar-AE" sz="1600" i="1"/>
+                                      </m:ctrlPr>
+                                    </m:dPr>
+                                    <m:e>
+                                      <m:r>
+                                        <a:rPr lang="ar-AE" sz="1600"/>
+                                        <m:t>)</m:t>
+                                      </m:r>
+                                    </m:e>
+                                  </m:d>
+                                </m:e>
+                                <m:sup>
+                                  <m:r>
+                                    <a:rPr lang="ar-AE" sz="1600"/>
+                                    <m:t>2</m:t>
+                                  </m:r>
+                                </m:sup>
+                              </m:sSup>
+                              <m:r>
+                                <a:rPr lang="ar-AE" sz="1600"/>
+                                <m:t>+</m:t>
+                              </m:r>
+                              <m:d>
+                                <m:dPr>
+                                  <m:endChr m:val=""/>
+                                  <m:ctrlPr>
+                                    <a:rPr lang="ar-AE" sz="1600" i="1"/>
+                                  </m:ctrlPr>
+                                </m:dPr>
+                                <m:e>
+                                  <m:r>
+                                    <a:rPr lang="ar-AE" sz="1600" i="1"/>
+                                    <m:t>𝑦</m:t>
+                                  </m:r>
+                                  <m:r>
+                                    <a:rPr lang="ar-AE" sz="1600"/>
+                                    <m:t>−</m:t>
+                                  </m:r>
+                                  <m:sSub>
+                                    <m:sSubPr>
+                                      <m:ctrlPr>
+                                        <a:rPr lang="ar-AE" sz="1600" i="1"/>
+                                      </m:ctrlPr>
+                                    </m:sSubPr>
+                                    <m:e>
+                                      <m:r>
+                                        <a:rPr lang="ar-AE" sz="1600" i="1"/>
+                                        <m:t>𝑦</m:t>
+                                      </m:r>
+                                    </m:e>
+                                    <m:sub>
+                                      <m:r>
+                                        <a:rPr lang="ar-AE" sz="1600"/>
+                                        <m:t>2</m:t>
+                                      </m:r>
+                                    </m:sub>
+                                  </m:sSub>
+                                  <m:sSup>
+                                    <m:sSupPr>
+                                      <m:ctrlPr>
+                                        <a:rPr lang="ar-AE" sz="1600" i="1"/>
+                                      </m:ctrlPr>
+                                    </m:sSupPr>
+                                    <m:e>
+                                      <m:d>
+                                        <m:dPr>
+                                          <m:begChr m:val=""/>
+                                          <m:endChr m:val=""/>
+                                          <m:ctrlPr>
+                                            <a:rPr lang="ar-AE" sz="1600" i="1"/>
+                                          </m:ctrlPr>
+                                        </m:dPr>
+                                        <m:e>
+                                          <m:r>
+                                            <a:rPr lang="ar-AE" sz="1600"/>
+                                            <m:t>)</m:t>
+                                          </m:r>
+                                        </m:e>
+                                      </m:d>
+                                    </m:e>
+                                    <m:sup>
+                                      <m:r>
+                                        <a:rPr lang="ar-AE" sz="1600"/>
+                                        <m:t>2</m:t>
+                                      </m:r>
+                                    </m:sup>
+                                  </m:sSup>
+                                </m:e>
+                              </m:d>
+                            </m:e>
+                          </m:d>
+                        </m:e>
+                      </m:rad>
+                      <m:r>
+                        <a:rPr lang="ar-AE" sz="1600"/>
+                        <m:t>=</m:t>
+                      </m:r>
+                      <m:sSub>
+                        <m:sSubPr>
+                          <m:ctrlPr>
+                            <a:rPr lang="ar-AE" sz="1600" i="1"/>
+                          </m:ctrlPr>
+                        </m:sSubPr>
+                        <m:e>
+                          <m:r>
+                            <a:rPr lang="ar-AE" sz="1600" i="1"/>
+                            <m:t>𝑑</m:t>
+                          </m:r>
+                        </m:e>
+                        <m:sub>
+                          <m:r>
+                            <a:rPr lang="ar-AE" sz="1600"/>
+                            <m:t>12</m:t>
+                          </m:r>
+                        </m:sub>
+                      </m:sSub>
+                    </m:oMath>
+                  </m:oMathPara>
+                </a14:m>
+                <a:endParaRPr lang="ar-AE" sz="1600" dirty="0"/>
+              </a:p>
+              <a:p>
+                <a14:m>
+                  <m:oMathPara xmlns:m="http://schemas.openxmlformats.org/officeDocument/2006/math">
+                    <m:oMathParaPr>
+                      <m:jc m:val="centerGroup"/>
+                    </m:oMathParaPr>
+                    <m:oMath xmlns:m="http://schemas.openxmlformats.org/officeDocument/2006/math">
+                      <m:rad>
+                        <m:radPr>
+                          <m:degHide m:val="on"/>
+                          <m:ctrlPr>
+                            <a:rPr lang="ar-AE" sz="1600"/>
+                          </m:ctrlPr>
+                        </m:radPr>
+                        <m:deg/>
+                        <m:e>
+                          <m:d>
+                            <m:dPr>
+                              <m:endChr m:val=""/>
+                              <m:ctrlPr>
+                                <a:rPr lang="ar-AE" sz="1600"/>
+                              </m:ctrlPr>
+                            </m:dPr>
+                            <m:e>
+                              <m:r>
+                                <a:rPr lang="ar-AE" sz="1600" i="1"/>
+                                <m:t>𝑥</m:t>
+                              </m:r>
+                              <m:r>
+                                <a:rPr lang="ar-AE" sz="1600"/>
+                                <m:t>−</m:t>
+                              </m:r>
+                              <m:sSub>
+                                <m:sSubPr>
+                                  <m:ctrlPr>
+                                    <a:rPr lang="ar-AE" sz="1600" i="1"/>
+                                  </m:ctrlPr>
+                                </m:sSubPr>
+                                <m:e>
+                                  <m:r>
+                                    <a:rPr lang="ar-AE" sz="1600" i="1"/>
+                                    <m:t>𝑥</m:t>
+                                  </m:r>
+                                </m:e>
+                                <m:sub>
+                                  <m:r>
+                                    <a:rPr lang="ar-AE" sz="1600"/>
+                                    <m:t>2</m:t>
+                                  </m:r>
+                                </m:sub>
+                              </m:sSub>
+                              <m:sSup>
+                                <m:sSupPr>
+                                  <m:ctrlPr>
+                                    <a:rPr lang="ar-AE" sz="1600" i="1"/>
+                                  </m:ctrlPr>
+                                </m:sSupPr>
+                                <m:e>
+                                  <m:d>
+                                    <m:dPr>
+                                      <m:begChr m:val=""/>
+                                      <m:endChr m:val=""/>
+                                      <m:ctrlPr>
+                                        <a:rPr lang="ar-AE" sz="1600" i="1"/>
+                                      </m:ctrlPr>
+                                    </m:dPr>
+                                    <m:e>
+                                      <m:r>
+                                        <a:rPr lang="ar-AE" sz="1600"/>
+                                        <m:t>)</m:t>
+                                      </m:r>
+                                    </m:e>
+                                  </m:d>
+                                </m:e>
+                                <m:sup>
+                                  <m:r>
+                                    <a:rPr lang="ar-AE" sz="1600"/>
+                                    <m:t>2</m:t>
+                                  </m:r>
+                                </m:sup>
+                              </m:sSup>
+                              <m:r>
+                                <a:rPr lang="ar-AE" sz="1600"/>
+                                <m:t>+</m:t>
+                              </m:r>
+                              <m:d>
+                                <m:dPr>
+                                  <m:endChr m:val=""/>
+                                  <m:ctrlPr>
+                                    <a:rPr lang="ar-AE" sz="1600" i="1"/>
+                                  </m:ctrlPr>
+                                </m:dPr>
+                                <m:e>
+                                  <m:r>
+                                    <a:rPr lang="ar-AE" sz="1600" i="1"/>
+                                    <m:t>𝑦</m:t>
+                                  </m:r>
+                                  <m:r>
+                                    <a:rPr lang="ar-AE" sz="1600"/>
+                                    <m:t>−</m:t>
+                                  </m:r>
+                                  <m:sSub>
+                                    <m:sSubPr>
+                                      <m:ctrlPr>
+                                        <a:rPr lang="ar-AE" sz="1600" i="1"/>
+                                      </m:ctrlPr>
+                                    </m:sSubPr>
+                                    <m:e>
+                                      <m:r>
+                                        <a:rPr lang="ar-AE" sz="1600" i="1"/>
+                                        <m:t>𝑦</m:t>
+                                      </m:r>
+                                    </m:e>
+                                    <m:sub>
+                                      <m:r>
+                                        <a:rPr lang="ar-AE" sz="1600"/>
+                                        <m:t>2</m:t>
+                                      </m:r>
+                                    </m:sub>
+                                  </m:sSub>
+                                  <m:sSup>
+                                    <m:sSupPr>
+                                      <m:ctrlPr>
+                                        <a:rPr lang="ar-AE" sz="1600" i="1"/>
+                                      </m:ctrlPr>
+                                    </m:sSupPr>
+                                    <m:e>
+                                      <m:d>
+                                        <m:dPr>
+                                          <m:begChr m:val=""/>
+                                          <m:endChr m:val=""/>
+                                          <m:ctrlPr>
+                                            <a:rPr lang="ar-AE" sz="1600" i="1"/>
+                                          </m:ctrlPr>
+                                        </m:dPr>
+                                        <m:e>
+                                          <m:r>
+                                            <a:rPr lang="ar-AE" sz="1600"/>
+                                            <m:t>)</m:t>
+                                          </m:r>
+                                        </m:e>
+                                      </m:d>
+                                    </m:e>
+                                    <m:sup>
+                                      <m:r>
+                                        <a:rPr lang="ar-AE" sz="1600"/>
+                                        <m:t>2</m:t>
+                                      </m:r>
+                                    </m:sup>
+                                  </m:sSup>
+                                </m:e>
+                              </m:d>
+                            </m:e>
+                          </m:d>
+                        </m:e>
+                      </m:rad>
+                      <m:r>
+                        <a:rPr lang="ar-AE" sz="1600"/>
+                        <m:t>−</m:t>
+                      </m:r>
+                      <m:rad>
+                        <m:radPr>
+                          <m:degHide m:val="on"/>
+                          <m:ctrlPr>
+                            <a:rPr lang="ar-AE" sz="1600" i="1"/>
+                          </m:ctrlPr>
+                        </m:radPr>
+                        <m:deg/>
+                        <m:e>
+                          <m:d>
+                            <m:dPr>
+                              <m:endChr m:val=""/>
+                              <m:ctrlPr>
+                                <a:rPr lang="ar-AE" sz="1600" i="1"/>
+                              </m:ctrlPr>
+                            </m:dPr>
+                            <m:e>
+                              <m:r>
+                                <a:rPr lang="ar-AE" sz="1600" i="1"/>
+                                <m:t>𝑥</m:t>
+                              </m:r>
+                              <m:r>
+                                <a:rPr lang="ar-AE" sz="1600"/>
+                                <m:t>−</m:t>
+                              </m:r>
+                              <m:sSub>
+                                <m:sSubPr>
+                                  <m:ctrlPr>
+                                    <a:rPr lang="ar-AE" sz="1600" i="1"/>
+                                  </m:ctrlPr>
+                                </m:sSubPr>
+                                <m:e>
+                                  <m:r>
+                                    <a:rPr lang="ar-AE" sz="1600" i="1"/>
+                                    <m:t>𝑥</m:t>
+                                  </m:r>
+                                </m:e>
+                                <m:sub>
+                                  <m:r>
+                                    <a:rPr lang="ar-AE" sz="1600"/>
+                                    <m:t>3</m:t>
+                                  </m:r>
+                                </m:sub>
+                              </m:sSub>
+                              <m:sSup>
+                                <m:sSupPr>
+                                  <m:ctrlPr>
+                                    <a:rPr lang="ar-AE" sz="1600" i="1"/>
+                                  </m:ctrlPr>
+                                </m:sSupPr>
+                                <m:e>
+                                  <m:d>
+                                    <m:dPr>
+                                      <m:begChr m:val=""/>
+                                      <m:endChr m:val=""/>
+                                      <m:ctrlPr>
+                                        <a:rPr lang="ar-AE" sz="1600" i="1"/>
+                                      </m:ctrlPr>
+                                    </m:dPr>
+                                    <m:e>
+                                      <m:r>
+                                        <a:rPr lang="ar-AE" sz="1600"/>
+                                        <m:t>)</m:t>
+                                      </m:r>
+                                    </m:e>
+                                  </m:d>
+                                </m:e>
+                                <m:sup>
+                                  <m:r>
+                                    <a:rPr lang="ar-AE" sz="1600"/>
+                                    <m:t>2</m:t>
+                                  </m:r>
+                                </m:sup>
+                              </m:sSup>
+                              <m:r>
+                                <a:rPr lang="ar-AE" sz="1600"/>
+                                <m:t>+</m:t>
+                              </m:r>
+                              <m:d>
+                                <m:dPr>
+                                  <m:endChr m:val=""/>
+                                  <m:ctrlPr>
+                                    <a:rPr lang="ar-AE" sz="1600" i="1"/>
+                                  </m:ctrlPr>
+                                </m:dPr>
+                                <m:e>
+                                  <m:r>
+                                    <a:rPr lang="ar-AE" sz="1600" i="1"/>
+                                    <m:t>𝑦</m:t>
+                                  </m:r>
+                                  <m:r>
+                                    <a:rPr lang="ar-AE" sz="1600"/>
+                                    <m:t>−</m:t>
+                                  </m:r>
+                                  <m:sSub>
+                                    <m:sSubPr>
+                                      <m:ctrlPr>
+                                        <a:rPr lang="ar-AE" sz="1600" i="1"/>
+                                      </m:ctrlPr>
+                                    </m:sSubPr>
+                                    <m:e>
+                                      <m:r>
+                                        <a:rPr lang="ar-AE" sz="1600" i="1"/>
+                                        <m:t>𝑦</m:t>
+                                      </m:r>
+                                    </m:e>
+                                    <m:sub>
+                                      <m:r>
+                                        <a:rPr lang="ar-AE" sz="1600"/>
+                                        <m:t>3</m:t>
+                                      </m:r>
+                                    </m:sub>
+                                  </m:sSub>
+                                  <m:sSup>
+                                    <m:sSupPr>
+                                      <m:ctrlPr>
+                                        <a:rPr lang="ar-AE" sz="1600" i="1"/>
+                                      </m:ctrlPr>
+                                    </m:sSupPr>
+                                    <m:e>
+                                      <m:d>
+                                        <m:dPr>
+                                          <m:begChr m:val=""/>
+                                          <m:endChr m:val=""/>
+                                          <m:ctrlPr>
+                                            <a:rPr lang="ar-AE" sz="1600" i="1"/>
+                                          </m:ctrlPr>
+                                        </m:dPr>
+                                        <m:e>
+                                          <m:r>
+                                            <a:rPr lang="ar-AE" sz="1600"/>
+                                            <m:t>)</m:t>
+                                          </m:r>
+                                        </m:e>
+                                      </m:d>
+                                    </m:e>
+                                    <m:sup>
+                                      <m:r>
+                                        <a:rPr lang="ar-AE" sz="1600"/>
+                                        <m:t>2</m:t>
+                                      </m:r>
+                                    </m:sup>
+                                  </m:sSup>
+                                </m:e>
+                              </m:d>
+                            </m:e>
+                          </m:d>
+                        </m:e>
+                      </m:rad>
+                      <m:r>
+                        <a:rPr lang="ar-AE" sz="1600"/>
+                        <m:t>=</m:t>
+                      </m:r>
+                      <m:sSub>
+                        <m:sSubPr>
+                          <m:ctrlPr>
+                            <a:rPr lang="ar-AE" sz="1600" i="1"/>
+                          </m:ctrlPr>
+                        </m:sSubPr>
+                        <m:e>
+                          <m:r>
+                            <a:rPr lang="ar-AE" sz="1600" i="1"/>
+                            <m:t>𝑑</m:t>
+                          </m:r>
+                        </m:e>
+                        <m:sub>
+                          <m:r>
+                            <a:rPr lang="ar-AE" sz="1600"/>
+                            <m:t>23</m:t>
+                          </m:r>
+                        </m:sub>
+                      </m:sSub>
+                    </m:oMath>
+                  </m:oMathPara>
+                </a14:m>
+                <a:endParaRPr lang="ar-AE" sz="1600" dirty="0"/>
+              </a:p>
+              <a:p>
+                <a14:m>
+                  <m:oMathPara xmlns:m="http://schemas.openxmlformats.org/officeDocument/2006/math">
+                    <m:oMathParaPr>
+                      <m:jc m:val="centerGroup"/>
+                    </m:oMathParaPr>
+                    <m:oMath xmlns:m="http://schemas.openxmlformats.org/officeDocument/2006/math">
+                      <m:rad>
+                        <m:radPr>
+                          <m:degHide m:val="on"/>
+                          <m:ctrlPr>
+                            <a:rPr lang="ar-AE" sz="1600"/>
+                          </m:ctrlPr>
+                        </m:radPr>
+                        <m:deg/>
+                        <m:e>
+                          <m:d>
+                            <m:dPr>
+                              <m:endChr m:val=""/>
+                              <m:ctrlPr>
+                                <a:rPr lang="ar-AE" sz="1600"/>
+                              </m:ctrlPr>
+                            </m:dPr>
+                            <m:e>
+                              <m:r>
+                                <a:rPr lang="ar-AE" sz="1600" i="1"/>
+                                <m:t>𝑥</m:t>
+                              </m:r>
+                              <m:r>
+                                <a:rPr lang="ar-AE" sz="1600"/>
+                                <m:t>−</m:t>
+                              </m:r>
+                              <m:sSub>
+                                <m:sSubPr>
+                                  <m:ctrlPr>
+                                    <a:rPr lang="ar-AE" sz="1600" i="1"/>
+                                  </m:ctrlPr>
+                                </m:sSubPr>
+                                <m:e>
+                                  <m:r>
+                                    <a:rPr lang="ar-AE" sz="1600" i="1"/>
+                                    <m:t>𝑥</m:t>
+                                  </m:r>
+                                </m:e>
+                                <m:sub>
+                                  <m:r>
+                                    <a:rPr lang="ar-AE" sz="1600"/>
+                                    <m:t>1</m:t>
+                                  </m:r>
+                                </m:sub>
+                              </m:sSub>
+                              <m:sSup>
+                                <m:sSupPr>
+                                  <m:ctrlPr>
+                                    <a:rPr lang="ar-AE" sz="1600" i="1"/>
+                                  </m:ctrlPr>
+                                </m:sSupPr>
+                                <m:e>
+                                  <m:d>
+                                    <m:dPr>
+                                      <m:begChr m:val=""/>
+                                      <m:endChr m:val=""/>
+                                      <m:ctrlPr>
+                                        <a:rPr lang="ar-AE" sz="1600" i="1"/>
+                                      </m:ctrlPr>
+                                    </m:dPr>
+                                    <m:e>
+                                      <m:r>
+                                        <a:rPr lang="ar-AE" sz="1600"/>
+                                        <m:t>)</m:t>
+                                      </m:r>
+                                    </m:e>
+                                  </m:d>
+                                </m:e>
+                                <m:sup>
+                                  <m:r>
+                                    <a:rPr lang="ar-AE" sz="1600"/>
+                                    <m:t>2</m:t>
+                                  </m:r>
+                                </m:sup>
+                              </m:sSup>
+                              <m:r>
+                                <a:rPr lang="ar-AE" sz="1600"/>
+                                <m:t>+</m:t>
+                              </m:r>
+                              <m:d>
+                                <m:dPr>
+                                  <m:endChr m:val=""/>
+                                  <m:ctrlPr>
+                                    <a:rPr lang="ar-AE" sz="1600" i="1"/>
+                                  </m:ctrlPr>
+                                </m:dPr>
+                                <m:e>
+                                  <m:r>
+                                    <a:rPr lang="ar-AE" sz="1600" i="1"/>
+                                    <m:t>𝑦</m:t>
+                                  </m:r>
+                                  <m:r>
+                                    <a:rPr lang="ar-AE" sz="1600"/>
+                                    <m:t>−</m:t>
+                                  </m:r>
+                                  <m:sSub>
+                                    <m:sSubPr>
+                                      <m:ctrlPr>
+                                        <a:rPr lang="ar-AE" sz="1600" i="1"/>
+                                      </m:ctrlPr>
+                                    </m:sSubPr>
+                                    <m:e>
+                                      <m:r>
+                                        <a:rPr lang="ar-AE" sz="1600" i="1"/>
+                                        <m:t>𝑦</m:t>
+                                      </m:r>
+                                    </m:e>
+                                    <m:sub>
+                                      <m:r>
+                                        <a:rPr lang="ar-AE" sz="1600"/>
+                                        <m:t>1</m:t>
+                                      </m:r>
+                                    </m:sub>
+                                  </m:sSub>
+                                  <m:sSup>
+                                    <m:sSupPr>
+                                      <m:ctrlPr>
+                                        <a:rPr lang="ar-AE" sz="1600" i="1"/>
+                                      </m:ctrlPr>
+                                    </m:sSupPr>
+                                    <m:e>
+                                      <m:d>
+                                        <m:dPr>
+                                          <m:begChr m:val=""/>
+                                          <m:endChr m:val=""/>
+                                          <m:ctrlPr>
+                                            <a:rPr lang="ar-AE" sz="1600" i="1"/>
+                                          </m:ctrlPr>
+                                        </m:dPr>
+                                        <m:e>
+                                          <m:r>
+                                            <a:rPr lang="ar-AE" sz="1600"/>
+                                            <m:t>)</m:t>
+                                          </m:r>
+                                        </m:e>
+                                      </m:d>
+                                    </m:e>
+                                    <m:sup>
+                                      <m:r>
+                                        <a:rPr lang="ar-AE" sz="1600"/>
+                                        <m:t>2</m:t>
+                                      </m:r>
+                                    </m:sup>
+                                  </m:sSup>
+                                </m:e>
+                              </m:d>
+                            </m:e>
+                          </m:d>
+                        </m:e>
+                      </m:rad>
+                      <m:r>
+                        <a:rPr lang="ar-AE" sz="1600"/>
+                        <m:t>−</m:t>
+                      </m:r>
+                      <m:rad>
+                        <m:radPr>
+                          <m:degHide m:val="on"/>
+                          <m:ctrlPr>
+                            <a:rPr lang="ar-AE" sz="1600" i="1"/>
+                          </m:ctrlPr>
+                        </m:radPr>
+                        <m:deg/>
+                        <m:e>
+                          <m:d>
+                            <m:dPr>
+                              <m:endChr m:val=""/>
+                              <m:ctrlPr>
+                                <a:rPr lang="ar-AE" sz="1600" i="1"/>
+                              </m:ctrlPr>
+                            </m:dPr>
+                            <m:e>
+                              <m:r>
+                                <a:rPr lang="ar-AE" sz="1600" i="1"/>
+                                <m:t>𝑥</m:t>
+                              </m:r>
+                              <m:r>
+                                <a:rPr lang="ar-AE" sz="1600"/>
+                                <m:t>−</m:t>
+                              </m:r>
+                              <m:sSub>
+                                <m:sSubPr>
+                                  <m:ctrlPr>
+                                    <a:rPr lang="ar-AE" sz="1600" i="1"/>
+                                  </m:ctrlPr>
+                                </m:sSubPr>
+                                <m:e>
+                                  <m:r>
+                                    <a:rPr lang="ar-AE" sz="1600" i="1"/>
+                                    <m:t>𝑥</m:t>
+                                  </m:r>
+                                </m:e>
+                                <m:sub>
+                                  <m:r>
+                                    <a:rPr lang="ar-AE" sz="1600"/>
+                                    <m:t>3</m:t>
+                                  </m:r>
+                                </m:sub>
+                              </m:sSub>
+                              <m:sSup>
+                                <m:sSupPr>
+                                  <m:ctrlPr>
+                                    <a:rPr lang="ar-AE" sz="1600" i="1"/>
+                                  </m:ctrlPr>
+                                </m:sSupPr>
+                                <m:e>
+                                  <m:d>
+                                    <m:dPr>
+                                      <m:begChr m:val=""/>
+                                      <m:endChr m:val=""/>
+                                      <m:ctrlPr>
+                                        <a:rPr lang="ar-AE" sz="1600" i="1"/>
+                                      </m:ctrlPr>
+                                    </m:dPr>
+                                    <m:e>
+                                      <m:r>
+                                        <a:rPr lang="ar-AE" sz="1600"/>
+                                        <m:t>)</m:t>
+                                      </m:r>
+                                    </m:e>
+                                  </m:d>
+                                </m:e>
+                                <m:sup>
+                                  <m:r>
+                                    <a:rPr lang="ar-AE" sz="1600"/>
+                                    <m:t>2</m:t>
+                                  </m:r>
+                                </m:sup>
+                              </m:sSup>
+                              <m:r>
+                                <a:rPr lang="ar-AE" sz="1600"/>
+                                <m:t>+</m:t>
+                              </m:r>
+                              <m:d>
+                                <m:dPr>
+                                  <m:endChr m:val=""/>
+                                  <m:ctrlPr>
+                                    <a:rPr lang="ar-AE" sz="1600" i="1"/>
+                                  </m:ctrlPr>
+                                </m:dPr>
+                                <m:e>
+                                  <m:r>
+                                    <a:rPr lang="ar-AE" sz="1600" i="1"/>
+                                    <m:t>𝑦</m:t>
+                                  </m:r>
+                                  <m:r>
+                                    <a:rPr lang="ar-AE" sz="1600"/>
+                                    <m:t>−</m:t>
+                                  </m:r>
+                                  <m:sSub>
+                                    <m:sSubPr>
+                                      <m:ctrlPr>
+                                        <a:rPr lang="ar-AE" sz="1600" i="1"/>
+                                      </m:ctrlPr>
+                                    </m:sSubPr>
+                                    <m:e>
+                                      <m:r>
+                                        <a:rPr lang="ar-AE" sz="1600" i="1"/>
+                                        <m:t>𝑦</m:t>
+                                      </m:r>
+                                    </m:e>
+                                    <m:sub>
+                                      <m:r>
+                                        <a:rPr lang="ar-AE" sz="1600"/>
+                                        <m:t>3</m:t>
+                                      </m:r>
+                                    </m:sub>
+                                  </m:sSub>
+                                  <m:sSup>
+                                    <m:sSupPr>
+                                      <m:ctrlPr>
+                                        <a:rPr lang="ar-AE" sz="1600" i="1"/>
+                                      </m:ctrlPr>
+                                    </m:sSupPr>
+                                    <m:e>
+                                      <m:d>
+                                        <m:dPr>
+                                          <m:begChr m:val=""/>
+                                          <m:endChr m:val=""/>
+                                          <m:ctrlPr>
+                                            <a:rPr lang="ar-AE" sz="1600" i="1"/>
+                                          </m:ctrlPr>
+                                        </m:dPr>
+                                        <m:e>
+                                          <m:r>
+                                            <a:rPr lang="ar-AE" sz="1600"/>
+                                            <m:t>)</m:t>
+                                          </m:r>
+                                        </m:e>
+                                      </m:d>
+                                    </m:e>
+                                    <m:sup>
+                                      <m:r>
+                                        <a:rPr lang="ar-AE" sz="1600"/>
+                                        <m:t>2</m:t>
+                                      </m:r>
+                                    </m:sup>
+                                  </m:sSup>
+                                </m:e>
+                              </m:d>
+                            </m:e>
+                          </m:d>
+                        </m:e>
+                      </m:rad>
+                      <m:r>
+                        <a:rPr lang="ar-AE" sz="1600"/>
+                        <m:t>=</m:t>
+                      </m:r>
+                      <m:sSub>
+                        <m:sSubPr>
+                          <m:ctrlPr>
+                            <a:rPr lang="ar-AE" sz="1600" i="1"/>
+                          </m:ctrlPr>
+                        </m:sSubPr>
+                        <m:e>
+                          <m:r>
+                            <a:rPr lang="ar-AE" sz="1600" i="1"/>
+                            <m:t>𝑑</m:t>
+                          </m:r>
+                        </m:e>
+                        <m:sub>
+                          <m:r>
+                            <a:rPr lang="ar-AE" sz="1600"/>
+                            <m:t>13</m:t>
+                          </m:r>
+                        </m:sub>
+                      </m:sSub>
+                    </m:oMath>
+                  </m:oMathPara>
+                </a14:m>
+                <a:endParaRPr lang="en-IN" sz="1600" dirty="0"/>
+              </a:p>
+              <a:p>
+                <a:endParaRPr lang="en-IN" sz="1600" dirty="0"/>
+              </a:p>
+              <a:p>
+                <a:r>
+                  <a:rPr lang="en-IN" sz="1600" dirty="0"/>
+                  <a:t>Here </a:t>
+                </a:r>
+                <a:r>
+                  <a:rPr lang="en-US" i="1" dirty="0"/>
+                  <a:t>d</a:t>
+                </a:r>
+                <a:r>
+                  <a:rPr lang="en-US" dirty="0"/>
+                  <a:t>12,</a:t>
+                </a:r>
+                <a:r>
+                  <a:rPr lang="en-US" i="1" dirty="0"/>
+                  <a:t>d</a:t>
+                </a:r>
+                <a:r>
+                  <a:rPr lang="en-US" dirty="0"/>
+                  <a:t>23,</a:t>
+                </a:r>
+                <a:r>
+                  <a:rPr lang="en-US" i="1" dirty="0"/>
+                  <a:t>d</a:t>
+                </a:r>
+                <a:r>
+                  <a:rPr lang="en-US" dirty="0"/>
+                  <a:t>13 are the differences in distances from the transmitter to the respective receiver pairs.</a:t>
+                </a:r>
+                <a:endParaRPr lang="ar-AE" sz="1600" dirty="0"/>
+              </a:p>
+              <a:p>
+                <a:br>
+                  <a:rPr lang="ar-AE" dirty="0"/>
+                </a:br>
+                <a:endParaRPr lang="en-IN" dirty="0"/>
+              </a:p>
+            </p:txBody>
+          </p:sp>
+        </mc:Choice>
+        <mc:Fallback>
+          <p:sp>
+            <p:nvSpPr>
+              <p:cNvPr id="13" name="TextBox 12">
+                <a:extLst>
+                  <a:ext uri="{FF2B5EF4-FFF2-40B4-BE49-F238E27FC236}">
+                    <a16:creationId xmlns:a16="http://schemas.microsoft.com/office/drawing/2014/main" id="{35E5244B-8371-FC29-F990-DB430778CEE8}"/>
+                  </a:ext>
+                </a:extLst>
+              </p:cNvPr>
+              <p:cNvSpPr txBox="1">
+                <a:spLocks noRot="1" noChangeAspect="1" noMove="1" noResize="1" noEditPoints="1" noAdjustHandles="1" noChangeArrowheads="1" noChangeShapeType="1" noTextEdit="1"/>
+              </p:cNvSpPr>
+              <p:nvPr/>
+            </p:nvSpPr>
+            <p:spPr>
+              <a:xfrm>
+                <a:off x="5908936" y="2545271"/>
+                <a:ext cx="6165640" cy="3719288"/>
+              </a:xfrm>
+              <a:prstGeom prst="rect">
+                <a:avLst/>
+              </a:prstGeom>
+              <a:blipFill>
+                <a:blip r:embed="rId4"/>
+                <a:stretch>
+                  <a:fillRect l="-791"/>
+                </a:stretch>
+              </a:blipFill>
+            </p:spPr>
+            <p:txBody>
+              <a:bodyPr/>
+              <a:lstStyle/>
+              <a:p>
+                <a:r>
+                  <a:rPr lang="en-IN">
+                    <a:noFill/>
+                  </a:rPr>
+                  <a:t> </a:t>
+                </a:r>
+              </a:p>
+            </p:txBody>
+          </p:sp>
+        </mc:Fallback>
+      </mc:AlternateContent>
+      <mc:AlternateContent xmlns:mc="http://schemas.openxmlformats.org/markup-compatibility/2006">
+        <mc:Choice xmlns:a14="http://schemas.microsoft.com/office/drawing/2010/main" Requires="a14">
+          <p:sp>
+            <p:nvSpPr>
+              <p:cNvPr id="14" name="TextBox 13">
+                <a:extLst>
+                  <a:ext uri="{FF2B5EF4-FFF2-40B4-BE49-F238E27FC236}">
+                    <a16:creationId xmlns:a16="http://schemas.microsoft.com/office/drawing/2014/main" id="{EF13F24A-5D9D-260B-8596-5820BE1F8969}"/>
+                  </a:ext>
+                </a:extLst>
+              </p:cNvPr>
+              <p:cNvSpPr txBox="1"/>
+              <p:nvPr/>
+            </p:nvSpPr>
+            <p:spPr>
+              <a:xfrm>
+                <a:off x="5908936" y="2332456"/>
+                <a:ext cx="1848776" cy="582147"/>
+              </a:xfrm>
+              <a:prstGeom prst="rect">
+                <a:avLst/>
+              </a:prstGeom>
+              <a:noFill/>
+            </p:spPr>
+            <p:txBody>
+              <a:bodyPr wrap="none" rtlCol="0">
+                <a:spAutoFit/>
+              </a:bodyPr>
+              <a:lstStyle/>
+              <a:p>
+                <a:r>
+                  <a:rPr lang="en-IN" dirty="0"/>
+                  <a:t>Tx (</a:t>
+                </a:r>
+                <a:r>
+                  <a:rPr lang="en-IN" dirty="0" err="1"/>
+                  <a:t>x,y</a:t>
+                </a:r>
+                <a:r>
+                  <a:rPr lang="en-IN" dirty="0"/>
+                  <a:t>): </a:t>
+                </a:r>
+                <a14:m>
+                  <m:oMath xmlns:m="http://schemas.openxmlformats.org/officeDocument/2006/math">
+                    <m:d>
+                      <m:dPr>
+                        <m:ctrlPr>
+                          <a:rPr lang="en-IN" i="1">
+                            <a:latin typeface="Cambria Math" panose="02040503050406030204" pitchFamily="18" charset="0"/>
+                          </a:rPr>
+                        </m:ctrlPr>
+                      </m:dPr>
+                      <m:e>
+                        <m:f>
+                          <m:fPr>
+                            <m:ctrlPr>
+                              <a:rPr lang="en-IN" i="1">
+                                <a:latin typeface="Cambria Math" panose="02040503050406030204" pitchFamily="18" charset="0"/>
+                              </a:rPr>
+                            </m:ctrlPr>
+                          </m:fPr>
+                          <m:num>
+                            <m:r>
+                              <a:rPr lang="en-IN" i="1">
+                                <a:latin typeface="Cambria Math" panose="02040503050406030204" pitchFamily="18" charset="0"/>
+                              </a:rPr>
+                              <m:t>𝑎</m:t>
+                            </m:r>
+                          </m:num>
+                          <m:den>
+                            <m:r>
+                              <a:rPr lang="en-IN" i="1">
+                                <a:latin typeface="Cambria Math" panose="02040503050406030204" pitchFamily="18" charset="0"/>
+                              </a:rPr>
+                              <m:t>3</m:t>
+                            </m:r>
+                          </m:den>
+                        </m:f>
+                        <m:r>
+                          <a:rPr lang="en-IN" i="1">
+                            <a:latin typeface="Cambria Math" panose="02040503050406030204" pitchFamily="18" charset="0"/>
+                          </a:rPr>
+                          <m:t>,</m:t>
+                        </m:r>
+                        <m:r>
+                          <a:rPr lang="en-IN" i="1">
+                            <a:latin typeface="Cambria Math" panose="02040503050406030204" pitchFamily="18" charset="0"/>
+                          </a:rPr>
+                          <m:t>𝑎</m:t>
+                        </m:r>
+                        <m:r>
+                          <a:rPr lang="en-IN" i="1">
+                            <a:latin typeface="Cambria Math" panose="02040503050406030204" pitchFamily="18" charset="0"/>
+                          </a:rPr>
+                          <m:t>.</m:t>
+                        </m:r>
+                        <m:f>
+                          <m:fPr>
+                            <m:ctrlPr>
+                              <a:rPr lang="en-IN" i="1">
+                                <a:latin typeface="Cambria Math" panose="02040503050406030204" pitchFamily="18" charset="0"/>
+                              </a:rPr>
+                            </m:ctrlPr>
+                          </m:fPr>
+                          <m:num>
+                            <m:rad>
+                              <m:radPr>
+                                <m:degHide m:val="on"/>
+                                <m:ctrlPr>
+                                  <a:rPr lang="en-IN" i="1">
+                                    <a:latin typeface="Cambria Math" panose="02040503050406030204" pitchFamily="18" charset="0"/>
+                                  </a:rPr>
+                                </m:ctrlPr>
+                              </m:radPr>
+                              <m:deg/>
+                              <m:e>
+                                <m:r>
+                                  <a:rPr lang="en-IN" i="1">
+                                    <a:latin typeface="Cambria Math" panose="02040503050406030204" pitchFamily="18" charset="0"/>
+                                  </a:rPr>
+                                  <m:t>3</m:t>
+                                </m:r>
+                              </m:e>
+                            </m:rad>
+                          </m:num>
+                          <m:den>
+                            <m:r>
+                              <a:rPr lang="en-IN" i="1">
+                                <a:latin typeface="Cambria Math" panose="02040503050406030204" pitchFamily="18" charset="0"/>
+                              </a:rPr>
+                              <m:t>6</m:t>
+                            </m:r>
+                          </m:den>
+                        </m:f>
+                      </m:e>
+                    </m:d>
+                  </m:oMath>
+                </a14:m>
+                <a:endParaRPr lang="en-IN" dirty="0"/>
+              </a:p>
+            </p:txBody>
+          </p:sp>
+        </mc:Choice>
+        <mc:Fallback>
+          <p:sp>
+            <p:nvSpPr>
+              <p:cNvPr id="14" name="TextBox 13">
+                <a:extLst>
+                  <a:ext uri="{FF2B5EF4-FFF2-40B4-BE49-F238E27FC236}">
+                    <a16:creationId xmlns:a16="http://schemas.microsoft.com/office/drawing/2014/main" id="{EF13F24A-5D9D-260B-8596-5820BE1F8969}"/>
+                  </a:ext>
+                </a:extLst>
+              </p:cNvPr>
+              <p:cNvSpPr txBox="1">
+                <a:spLocks noRot="1" noChangeAspect="1" noMove="1" noResize="1" noEditPoints="1" noAdjustHandles="1" noChangeArrowheads="1" noChangeShapeType="1" noTextEdit="1"/>
+              </p:cNvSpPr>
+              <p:nvPr/>
+            </p:nvSpPr>
+            <p:spPr>
+              <a:xfrm>
+                <a:off x="5908936" y="2332456"/>
+                <a:ext cx="1848776" cy="582147"/>
+              </a:xfrm>
+              <a:prstGeom prst="rect">
+                <a:avLst/>
+              </a:prstGeom>
+              <a:blipFill>
+                <a:blip r:embed="rId5"/>
+                <a:stretch>
+                  <a:fillRect l="-2632"/>
+                </a:stretch>
+              </a:blipFill>
+            </p:spPr>
+            <p:txBody>
+              <a:bodyPr/>
+              <a:lstStyle/>
+              <a:p>
+                <a:r>
+                  <a:rPr lang="en-IN">
+                    <a:noFill/>
+                  </a:rPr>
+                  <a:t> </a:t>
+                </a:r>
+              </a:p>
+            </p:txBody>
+          </p:sp>
+        </mc:Fallback>
+      </mc:AlternateContent>
+    </p:spTree>
+    <p:extLst>
+      <p:ext uri="{BB962C8B-B14F-4D97-AF65-F5344CB8AC3E}">
+        <p14:creationId xmlns:p14="http://schemas.microsoft.com/office/powerpoint/2010/main" val="690549046"/>
+      </p:ext>
+    </p:extLst>
+  </p:cSld>
+  <p:clrMapOvr>
+    <a:masterClrMapping/>
+  </p:clrMapOvr>
+  <p:timing>
+    <p:tnLst>
+      <p:par>
+        <p:cTn id="1" dur="indefinite" restart="never" nodeType="tmRoot">
+          <p:childTnLst>
+            <p:seq concurrent="1" nextAc="seek">
+              <p:cTn id="2" dur="indefinite" nodeType="mainSeq">
+                <p:childTnLst>
+                  <p:par>
+                    <p:cTn id="3" fill="hold">
+                      <p:stCondLst>
+                        <p:cond delay="indefinite"/>
+                      </p:stCondLst>
+                      <p:childTnLst>
+                        <p:par>
+                          <p:cTn id="4" fill="hold">
+                            <p:stCondLst>
+                              <p:cond delay="0"/>
+                            </p:stCondLst>
+                            <p:childTnLst>
+                              <p:par>
+                                <p:cTn id="5" presetID="10" presetClass="entr" presetSubtype="0" fill="hold" grpId="0" nodeType="clickEffect">
+                                  <p:stCondLst>
+                                    <p:cond delay="0"/>
+                                  </p:stCondLst>
+                                  <p:childTnLst>
+                                    <p:set>
+                                      <p:cBhvr>
+                                        <p:cTn id="6" dur="1" fill="hold">
+                                          <p:stCondLst>
+                                            <p:cond delay="0"/>
+                                          </p:stCondLst>
+                                        </p:cTn>
+                                        <p:tgtEl>
+                                          <p:spTgt spid="4"/>
+                                        </p:tgtEl>
+                                        <p:attrNameLst>
+                                          <p:attrName>style.visibility</p:attrName>
+                                        </p:attrNameLst>
+                                      </p:cBhvr>
+                                      <p:to>
+                                        <p:strVal val="visible"/>
+                                      </p:to>
+                                    </p:set>
+                                    <p:animEffect transition="in" filter="fade">
+                                      <p:cBhvr>
+                                        <p:cTn id="7" dur="500"/>
+                                        <p:tgtEl>
+                                          <p:spTgt spid="4"/>
+                                        </p:tgtEl>
+                                      </p:cBhvr>
+                                    </p:animEffect>
+                                  </p:childTnLst>
+                                </p:cTn>
+                              </p:par>
+                            </p:childTnLst>
+                          </p:cTn>
+                        </p:par>
+                      </p:childTnLst>
+                    </p:cTn>
+                  </p:par>
+                  <p:par>
+                    <p:cTn id="8" fill="hold">
+                      <p:stCondLst>
+                        <p:cond delay="indefinite"/>
+                      </p:stCondLst>
+                      <p:childTnLst>
+                        <p:par>
+                          <p:cTn id="9" fill="hold">
+                            <p:stCondLst>
+                              <p:cond delay="0"/>
+                            </p:stCondLst>
+                            <p:childTnLst>
+                              <p:par>
+                                <p:cTn id="10" presetID="10" presetClass="entr" presetSubtype="0" fill="hold" grpId="0" nodeType="clickEffect">
+                                  <p:stCondLst>
+                                    <p:cond delay="0"/>
+                                  </p:stCondLst>
+                                  <p:childTnLst>
+                                    <p:set>
+                                      <p:cBhvr>
+                                        <p:cTn id="11" dur="1" fill="hold">
+                                          <p:stCondLst>
+                                            <p:cond delay="0"/>
+                                          </p:stCondLst>
+                                        </p:cTn>
+                                        <p:tgtEl>
+                                          <p:spTgt spid="5"/>
+                                        </p:tgtEl>
+                                        <p:attrNameLst>
+                                          <p:attrName>style.visibility</p:attrName>
+                                        </p:attrNameLst>
+                                      </p:cBhvr>
+                                      <p:to>
+                                        <p:strVal val="visible"/>
+                                      </p:to>
+                                    </p:set>
+                                    <p:animEffect transition="in" filter="fade">
+                                      <p:cBhvr>
+                                        <p:cTn id="12" dur="500"/>
+                                        <p:tgtEl>
+                                          <p:spTgt spid="5"/>
+                                        </p:tgtEl>
+                                      </p:cBhvr>
+                                    </p:animEffect>
+                                  </p:childTnLst>
+                                </p:cTn>
+                              </p:par>
+                            </p:childTnLst>
+                          </p:cTn>
+                        </p:par>
+                      </p:childTnLst>
+                    </p:cTn>
+                  </p:par>
+                  <p:par>
+                    <p:cTn id="13" fill="hold">
+                      <p:stCondLst>
+                        <p:cond delay="indefinite"/>
+                      </p:stCondLst>
+                      <p:childTnLst>
+                        <p:par>
+                          <p:cTn id="14" fill="hold">
+                            <p:stCondLst>
+                              <p:cond delay="0"/>
+                            </p:stCondLst>
+                            <p:childTnLst>
+                              <p:par>
+                                <p:cTn id="15" presetID="10" presetClass="entr" presetSubtype="0" fill="hold" grpId="0" nodeType="clickEffect">
+                                  <p:stCondLst>
+                                    <p:cond delay="0"/>
+                                  </p:stCondLst>
+                                  <p:childTnLst>
+                                    <p:set>
+                                      <p:cBhvr>
+                                        <p:cTn id="16" dur="1" fill="hold">
+                                          <p:stCondLst>
+                                            <p:cond delay="0"/>
+                                          </p:stCondLst>
+                                        </p:cTn>
+                                        <p:tgtEl>
+                                          <p:spTgt spid="2"/>
+                                        </p:tgtEl>
+                                        <p:attrNameLst>
+                                          <p:attrName>style.visibility</p:attrName>
+                                        </p:attrNameLst>
+                                      </p:cBhvr>
+                                      <p:to>
+                                        <p:strVal val="visible"/>
+                                      </p:to>
+                                    </p:set>
+                                    <p:animEffect transition="in" filter="fade">
+                                      <p:cBhvr>
+                                        <p:cTn id="17" dur="500"/>
+                                        <p:tgtEl>
+                                          <p:spTgt spid="2"/>
+                                        </p:tgtEl>
+                                      </p:cBhvr>
+                                    </p:animEffect>
+                                  </p:childTnLst>
+                                </p:cTn>
+                              </p:par>
+                              <p:par>
+                                <p:cTn id="18" presetID="10" presetClass="entr" presetSubtype="0" fill="hold" nodeType="withEffect">
+                                  <p:stCondLst>
+                                    <p:cond delay="0"/>
+                                  </p:stCondLst>
+                                  <p:childTnLst>
+                                    <p:set>
+                                      <p:cBhvr>
+                                        <p:cTn id="19" dur="1" fill="hold">
+                                          <p:stCondLst>
+                                            <p:cond delay="0"/>
+                                          </p:stCondLst>
+                                        </p:cTn>
+                                        <p:tgtEl>
+                                          <p:spTgt spid="12"/>
+                                        </p:tgtEl>
+                                        <p:attrNameLst>
+                                          <p:attrName>style.visibility</p:attrName>
+                                        </p:attrNameLst>
+                                      </p:cBhvr>
+                                      <p:to>
+                                        <p:strVal val="visible"/>
+                                      </p:to>
+                                    </p:set>
+                                    <p:animEffect transition="in" filter="fade">
+                                      <p:cBhvr>
+                                        <p:cTn id="20" dur="500"/>
+                                        <p:tgtEl>
+                                          <p:spTgt spid="12"/>
+                                        </p:tgtEl>
+                                      </p:cBhvr>
+                                    </p:animEffect>
+                                  </p:childTnLst>
+                                </p:cTn>
+                              </p:par>
+                              <p:par>
+                                <p:cTn id="21" presetID="10" presetClass="entr" presetSubtype="0" fill="hold" grpId="0" nodeType="withEffect">
+                                  <p:stCondLst>
+                                    <p:cond delay="0"/>
+                                  </p:stCondLst>
+                                  <p:childTnLst>
+                                    <p:set>
+                                      <p:cBhvr>
+                                        <p:cTn id="22" dur="1" fill="hold">
+                                          <p:stCondLst>
+                                            <p:cond delay="0"/>
+                                          </p:stCondLst>
+                                        </p:cTn>
+                                        <p:tgtEl>
+                                          <p:spTgt spid="14"/>
+                                        </p:tgtEl>
+                                        <p:attrNameLst>
+                                          <p:attrName>style.visibility</p:attrName>
+                                        </p:attrNameLst>
+                                      </p:cBhvr>
+                                      <p:to>
+                                        <p:strVal val="visible"/>
+                                      </p:to>
+                                    </p:set>
+                                    <p:animEffect transition="in" filter="fade">
+                                      <p:cBhvr>
+                                        <p:cTn id="23" dur="500"/>
+                                        <p:tgtEl>
+                                          <p:spTgt spid="14"/>
+                                        </p:tgtEl>
+                                      </p:cBhvr>
+                                    </p:animEffect>
+                                  </p:childTnLst>
+                                </p:cTn>
+                              </p:par>
+                            </p:childTnLst>
+                          </p:cTn>
+                        </p:par>
+                      </p:childTnLst>
+                    </p:cTn>
+                  </p:par>
+                  <p:par>
+                    <p:cTn id="24" fill="hold">
+                      <p:stCondLst>
+                        <p:cond delay="indefinite"/>
+                      </p:stCondLst>
+                      <p:childTnLst>
+                        <p:par>
+                          <p:cTn id="25" fill="hold">
+                            <p:stCondLst>
+                              <p:cond delay="0"/>
+                            </p:stCondLst>
+                            <p:childTnLst>
+                              <p:par>
+                                <p:cTn id="26" presetID="10" presetClass="entr" presetSubtype="0" fill="hold" grpId="0" nodeType="clickEffect">
+                                  <p:stCondLst>
+                                    <p:cond delay="0"/>
+                                  </p:stCondLst>
+                                  <p:childTnLst>
+                                    <p:set>
+                                      <p:cBhvr>
+                                        <p:cTn id="27" dur="1" fill="hold">
+                                          <p:stCondLst>
+                                            <p:cond delay="0"/>
+                                          </p:stCondLst>
+                                        </p:cTn>
+                                        <p:tgtEl>
+                                          <p:spTgt spid="13"/>
+                                        </p:tgtEl>
+                                        <p:attrNameLst>
+                                          <p:attrName>style.visibility</p:attrName>
+                                        </p:attrNameLst>
+                                      </p:cBhvr>
+                                      <p:to>
+                                        <p:strVal val="visible"/>
+                                      </p:to>
+                                    </p:set>
+                                    <p:animEffect transition="in" filter="fade">
+                                      <p:cBhvr>
+                                        <p:cTn id="28" dur="500"/>
+                                        <p:tgtEl>
+                                          <p:spTgt spid="13"/>
+                                        </p:tgtEl>
+                                      </p:cBhvr>
+                                    </p:animEffect>
+                                  </p:childTnLst>
+                                </p:cTn>
+                              </p:par>
+                            </p:childTnLst>
+                          </p:cTn>
+                        </p:par>
+                      </p:childTnLst>
+                    </p:cTn>
+                  </p:par>
+                </p:childTnLst>
+              </p:cTn>
+              <p:prevCondLst>
+                <p:cond evt="onPrev" delay="0">
+                  <p:tgtEl>
+                    <p:sldTgt/>
+                  </p:tgtEl>
+                </p:cond>
+              </p:prevCondLst>
+              <p:nextCondLst>
+                <p:cond evt="onNext" delay="0">
+                  <p:tgtEl>
+                    <p:sldTgt/>
+                  </p:tgtEl>
+                </p:cond>
+              </p:nextCondLst>
+            </p:seq>
+          </p:childTnLst>
+        </p:cTn>
+      </p:par>
+    </p:tnLst>
+    <p:bldLst>
+      <p:bldP spid="4" grpId="0"/>
+      <p:bldP spid="5" grpId="0"/>
+      <p:bldP spid="2" grpId="0"/>
+      <p:bldP spid="13" grpId="0"/>
+      <p:bldP spid="14" grpId="0"/>
+    </p:bldLst>
+  </p:timing>
+</p:sld>
+</file>
+
+<file path=ppt/slides/slide4.xml><?xml version="1.0" encoding="utf-8"?>
+<p:sld xmlns:a="http://schemas.openxmlformats.org/drawingml/2006/main" xmlns:r="http://schemas.openxmlformats.org/officeDocument/2006/relationships" xmlns:p="http://schemas.openxmlformats.org/presentationml/2006/main">
+  <p:cSld>
+    <p:spTree>
+      <p:nvGrpSpPr>
+        <p:cNvPr id="1" name=""/>
+        <p:cNvGrpSpPr/>
+        <p:nvPr/>
+      </p:nvGrpSpPr>
+      <p:grpSpPr>
+        <a:xfrm>
+          <a:off x="0" y="0"/>
+          <a:ext cx="0" cy="0"/>
+          <a:chOff x="0" y="0"/>
+          <a:chExt cx="0" cy="0"/>
+        </a:xfrm>
+      </p:grpSpPr>
+      <mc:AlternateContent xmlns:mc="http://schemas.openxmlformats.org/markup-compatibility/2006">
+        <mc:Choice xmlns:a14="http://schemas.microsoft.com/office/drawing/2010/main" Requires="a14">
+          <p:sp>
+            <p:nvSpPr>
+              <p:cNvPr id="2" name="TextBox 1">
+                <a:extLst>
+                  <a:ext uri="{FF2B5EF4-FFF2-40B4-BE49-F238E27FC236}">
+                    <a16:creationId xmlns:a16="http://schemas.microsoft.com/office/drawing/2014/main" id="{C2759A33-EE03-2254-BF3F-2EC811FCA5F2}"/>
+                  </a:ext>
+                </a:extLst>
+              </p:cNvPr>
+              <p:cNvSpPr txBox="1"/>
+              <p:nvPr/>
+            </p:nvSpPr>
+            <p:spPr>
+              <a:xfrm>
+                <a:off x="232347" y="389745"/>
+                <a:ext cx="5527924" cy="965392"/>
+              </a:xfrm>
+              <a:prstGeom prst="rect">
+                <a:avLst/>
+              </a:prstGeom>
+              <a:noFill/>
+            </p:spPr>
+            <p:txBody>
+              <a:bodyPr wrap="none" rtlCol="0">
+                <a:spAutoFit/>
+              </a:bodyPr>
+              <a:lstStyle/>
+              <a:p>
+                <a:r>
+                  <a:rPr lang="en-IN" dirty="0"/>
+                  <a:t>These Distances can be found using Receiver Information</a:t>
+                </a:r>
+              </a:p>
+              <a:p>
+                <a14:m>
+                  <m:oMathPara xmlns:m="http://schemas.openxmlformats.org/officeDocument/2006/math">
+                    <m:oMathParaPr>
+                      <m:jc m:val="centerGroup"/>
+                    </m:oMathParaPr>
+                    <m:oMath xmlns:m="http://schemas.openxmlformats.org/officeDocument/2006/math">
+                      <m:sSub>
+                        <m:sSubPr>
+                          <m:ctrlPr>
+                            <a:rPr lang="ar-AE" smtClean="0"/>
+                          </m:ctrlPr>
+                        </m:sSubPr>
+                        <m:e>
+                          <m:r>
+                            <a:rPr lang="ar-AE" i="1"/>
+                            <m:t>𝑑</m:t>
+                          </m:r>
+                        </m:e>
+                        <m:sub>
+                          <m:r>
+                            <a:rPr lang="ar-AE" i="1"/>
+                            <m:t>𝑖𝑗</m:t>
+                          </m:r>
+                        </m:sub>
+                      </m:sSub>
+                      <m:r>
+                        <a:rPr lang="ar-AE"/>
+                        <m:t>=</m:t>
+                      </m:r>
+                      <m:r>
+                        <a:rPr lang="ar-AE" i="1"/>
+                        <m:t>𝑐</m:t>
+                      </m:r>
+                      <m:r>
+                        <a:rPr lang="ar-AE"/>
+                        <m:t>×</m:t>
+                      </m:r>
+                      <m:d>
+                        <m:dPr>
+                          <m:ctrlPr>
+                            <a:rPr lang="ar-AE" i="1"/>
+                          </m:ctrlPr>
+                        </m:dPr>
+                        <m:e>
+                          <m:sSub>
+                            <m:sSubPr>
+                              <m:ctrlPr>
+                                <a:rPr lang="ar-AE" i="1"/>
+                              </m:ctrlPr>
+                            </m:sSubPr>
+                            <m:e>
+                              <m:r>
+                                <a:rPr lang="ar-AE" i="1"/>
+                                <m:t>𝑇</m:t>
+                              </m:r>
+                            </m:e>
+                            <m:sub>
+                              <m:r>
+                                <a:rPr lang="ar-AE" i="1"/>
+                                <m:t>𝑖</m:t>
+                              </m:r>
+                            </m:sub>
+                          </m:sSub>
+                          <m:r>
+                            <a:rPr lang="ar-AE"/>
+                            <m:t>−</m:t>
+                          </m:r>
+                          <m:sSub>
+                            <m:sSubPr>
+                              <m:ctrlPr>
+                                <a:rPr lang="ar-AE" i="1"/>
+                              </m:ctrlPr>
+                            </m:sSubPr>
+                            <m:e>
+                              <m:r>
+                                <a:rPr lang="ar-AE" i="1"/>
+                                <m:t>𝑇</m:t>
+                              </m:r>
+                            </m:e>
+                            <m:sub>
+                              <m:r>
+                                <a:rPr lang="ar-AE" i="1"/>
+                                <m:t>𝑗</m:t>
+                              </m:r>
+                            </m:sub>
+                          </m:sSub>
+                        </m:e>
+                      </m:d>
+                    </m:oMath>
+                  </m:oMathPara>
+                </a14:m>
+                <a:endParaRPr lang="en-IN" dirty="0"/>
+              </a:p>
+              <a:p>
+                <a:endParaRPr lang="en-IN" dirty="0"/>
+              </a:p>
+            </p:txBody>
+          </p:sp>
+        </mc:Choice>
+        <mc:Fallback>
+          <p:sp>
+            <p:nvSpPr>
+              <p:cNvPr id="2" name="TextBox 1">
+                <a:extLst>
+                  <a:ext uri="{FF2B5EF4-FFF2-40B4-BE49-F238E27FC236}">
+                    <a16:creationId xmlns:a16="http://schemas.microsoft.com/office/drawing/2014/main" id="{C2759A33-EE03-2254-BF3F-2EC811FCA5F2}"/>
+                  </a:ext>
+                </a:extLst>
+              </p:cNvPr>
+              <p:cNvSpPr txBox="1">
+                <a:spLocks noRot="1" noChangeAspect="1" noMove="1" noResize="1" noEditPoints="1" noAdjustHandles="1" noChangeArrowheads="1" noChangeShapeType="1" noTextEdit="1"/>
+              </p:cNvSpPr>
+              <p:nvPr/>
+            </p:nvSpPr>
+            <p:spPr>
+              <a:xfrm>
+                <a:off x="232347" y="389745"/>
+                <a:ext cx="5527924" cy="965392"/>
+              </a:xfrm>
+              <a:prstGeom prst="rect">
+                <a:avLst/>
+              </a:prstGeom>
+              <a:blipFill>
+                <a:blip r:embed="rId2"/>
+                <a:stretch>
+                  <a:fillRect l="-882" t="-3797" r="-331"/>
+                </a:stretch>
+              </a:blipFill>
+            </p:spPr>
+            <p:txBody>
+              <a:bodyPr/>
+              <a:lstStyle/>
+              <a:p>
+                <a:r>
+                  <a:rPr lang="en-IN">
+                    <a:noFill/>
+                  </a:rPr>
+                  <a:t> </a:t>
+                </a:r>
+              </a:p>
+            </p:txBody>
+          </p:sp>
+        </mc:Fallback>
+      </mc:AlternateContent>
+      <p:sp>
+        <p:nvSpPr>
+          <p:cNvPr id="3" name="TextBox 2">
+            <a:extLst>
+              <a:ext uri="{FF2B5EF4-FFF2-40B4-BE49-F238E27FC236}">
+                <a16:creationId xmlns:a16="http://schemas.microsoft.com/office/drawing/2014/main" id="{20762A7F-5343-058C-EEEA-611F4817A0F4}"/>
+              </a:ext>
+            </a:extLst>
+          </p:cNvPr>
+          <p:cNvSpPr txBox="1"/>
+          <p:nvPr/>
+        </p:nvSpPr>
+        <p:spPr>
+          <a:xfrm>
+            <a:off x="374754" y="1491521"/>
+            <a:ext cx="8603253" cy="646331"/>
+          </a:xfrm>
+          <a:prstGeom prst="rect">
+            <a:avLst/>
+          </a:prstGeom>
+          <a:noFill/>
+        </p:spPr>
+        <p:txBody>
+          <a:bodyPr wrap="none" rtlCol="0">
+            <a:spAutoFit/>
+          </a:bodyPr>
+          <a:lstStyle/>
+          <a:p>
+            <a:r>
+              <a:rPr lang="en-IN" dirty="0"/>
+              <a:t>In Simulation we have assumed we know the Receiver information and have calculated </a:t>
+            </a:r>
+            <a:r>
+              <a:rPr lang="en-IN" dirty="0" err="1"/>
+              <a:t>dij</a:t>
+            </a:r>
+            <a:endParaRPr lang="ar-AE" dirty="0"/>
+          </a:p>
+          <a:p>
+            <a:endParaRPr lang="en-IN" dirty="0"/>
+          </a:p>
+        </p:txBody>
+      </p:sp>
+      <p:pic>
+        <p:nvPicPr>
+          <p:cNvPr id="5" name="Picture 4" descr="A diagram of a star&#10;&#10;AI-generated content may be incorrect.">
+            <a:extLst>
+              <a:ext uri="{FF2B5EF4-FFF2-40B4-BE49-F238E27FC236}">
+                <a16:creationId xmlns:a16="http://schemas.microsoft.com/office/drawing/2014/main" id="{5F8F2400-ACCC-3AF5-CCDD-F6CCD1F0BCA4}"/>
+              </a:ext>
+            </a:extLst>
+          </p:cNvPr>
+          <p:cNvPicPr>
+            <a:picLocks noChangeAspect="1"/>
+          </p:cNvPicPr>
+          <p:nvPr/>
+        </p:nvPicPr>
+        <p:blipFill>
+          <a:blip r:embed="rId3">
+            <a:extLst>
+              <a:ext uri="{28A0092B-C50C-407E-A947-70E740481C1C}">
+                <a14:useLocalDpi xmlns:a14="http://schemas.microsoft.com/office/drawing/2010/main" val="0"/>
+              </a:ext>
+            </a:extLst>
+          </a:blip>
+          <a:srcRect l="24775" r="24569"/>
+          <a:stretch>
+            <a:fillRect/>
+          </a:stretch>
+        </p:blipFill>
+        <p:spPr>
+          <a:xfrm>
+            <a:off x="3020517" y="2009012"/>
+            <a:ext cx="4956747" cy="4705289"/>
+          </a:xfrm>
+          <a:prstGeom prst="rect">
+            <a:avLst/>
+          </a:prstGeom>
+        </p:spPr>
+      </p:pic>
+    </p:spTree>
+    <p:extLst>
+      <p:ext uri="{BB962C8B-B14F-4D97-AF65-F5344CB8AC3E}">
+        <p14:creationId xmlns:p14="http://schemas.microsoft.com/office/powerpoint/2010/main" val="3713629345"/>
+      </p:ext>
+    </p:extLst>
+  </p:cSld>
+  <p:clrMapOvr>
+    <a:masterClrMapping/>
+  </p:clrMapOvr>
+  <p:timing>
+    <p:tnLst>
+      <p:par>
+        <p:cTn id="1" dur="indefinite" restart="never" nodeType="tmRoot">
+          <p:childTnLst>
+            <p:seq concurrent="1" nextAc="seek">
+              <p:cTn id="2" dur="indefinite" nodeType="mainSeq">
+                <p:childTnLst>
+                  <p:par>
+                    <p:cTn id="3" fill="hold">
+                      <p:stCondLst>
+                        <p:cond delay="indefinite"/>
+                      </p:stCondLst>
+                      <p:childTnLst>
+                        <p:par>
+                          <p:cTn id="4" fill="hold">
+                            <p:stCondLst>
+                              <p:cond delay="0"/>
+                            </p:stCondLst>
+                            <p:childTnLst>
+                              <p:par>
+                                <p:cTn id="5" presetID="10" presetClass="entr" presetSubtype="0" fill="hold" grpId="0" nodeType="clickEffect">
+                                  <p:stCondLst>
+                                    <p:cond delay="0"/>
+                                  </p:stCondLst>
+                                  <p:childTnLst>
+                                    <p:set>
+                                      <p:cBhvr>
+                                        <p:cTn id="6" dur="1" fill="hold">
+                                          <p:stCondLst>
+                                            <p:cond delay="0"/>
+                                          </p:stCondLst>
+                                        </p:cTn>
+                                        <p:tgtEl>
+                                          <p:spTgt spid="2"/>
+                                        </p:tgtEl>
+                                        <p:attrNameLst>
+                                          <p:attrName>style.visibility</p:attrName>
+                                        </p:attrNameLst>
+                                      </p:cBhvr>
+                                      <p:to>
+                                        <p:strVal val="visible"/>
+                                      </p:to>
+                                    </p:set>
+                                    <p:animEffect transition="in" filter="fade">
+                                      <p:cBhvr>
+                                        <p:cTn id="7" dur="500"/>
+                                        <p:tgtEl>
+                                          <p:spTgt spid="2"/>
+                                        </p:tgtEl>
+                                      </p:cBhvr>
+                                    </p:animEffect>
+                                  </p:childTnLst>
+                                </p:cTn>
+                              </p:par>
+                            </p:childTnLst>
+                          </p:cTn>
+                        </p:par>
+                      </p:childTnLst>
+                    </p:cTn>
+                  </p:par>
+                </p:childTnLst>
+              </p:cTn>
+              <p:prevCondLst>
+                <p:cond evt="onPrev" delay="0">
+                  <p:tgtEl>
+                    <p:sldTgt/>
+                  </p:tgtEl>
+                </p:cond>
+              </p:prevCondLst>
+              <p:nextCondLst>
+                <p:cond evt="onNext" delay="0">
+                  <p:tgtEl>
+                    <p:sldTgt/>
+                  </p:tgtEl>
+                </p:cond>
+              </p:nextCondLst>
+            </p:seq>
+          </p:childTnLst>
+        </p:cTn>
+      </p:par>
+    </p:tnLst>
+    <p:bldLst>
+      <p:bldP spid="2" grpId="0"/>
+    </p:bldLst>
+  </p:timing>
+</p:sld>
+</file>
+
 <file path=ppt/theme/theme1.xml><?xml version="1.0" encoding="utf-8"?>
-<a:theme xmlns:a="http://schemas.openxmlformats.org/drawingml/2006/main" name="Office Theme">
+<a:theme xmlns:a="http://schemas.openxmlformats.org/drawingml/2006/main" name="Retrospect">
   <a:themeElements>
-    <a:clrScheme name="Office">
+    <a:clrScheme name="Retrospect">
       <a:dk1>
-        <a:sysClr val="windowText" lastClr="000000"/>
+        <a:srgbClr val="000000"/>
       </a:dk1>
       <a:lt1>
         <a:sysClr val="window" lastClr="FFFFFF"/>
       </a:lt1>
       <a:dk2>
-        <a:srgbClr val="0E2841"/>
+        <a:srgbClr val="637052"/>
       </a:dk2>
       <a:lt2>
-        <a:srgbClr val="E8E8E8"/>
+        <a:srgbClr val="CCDDEA"/>
       </a:lt2>
       <a:accent1>
-        <a:srgbClr val="156082"/>
+        <a:srgbClr val="E48312"/>
       </a:accent1>
       <a:accent2>
-        <a:srgbClr val="E97132"/>
+        <a:srgbClr val="BD582C"/>
       </a:accent2>
       <a:accent3>
-        <a:srgbClr val="196B24"/>
+        <a:srgbClr val="865640"/>
       </a:accent3>
       <a:accent4>
-        <a:srgbClr val="0F9ED5"/>
+        <a:srgbClr val="9B8357"/>
       </a:accent4>
       <a:accent5>
-        <a:srgbClr val="A02B93"/>
+        <a:srgbClr val="C2BC80"/>
       </a:accent5>
       <a:accent6>
-        <a:srgbClr val="4EA72E"/>
+        <a:srgbClr val="94A088"/>
       </a:accent6>
       <a:hlink>
-        <a:srgbClr val="467886"/>
+        <a:srgbClr val="2998E3"/>
       </a:hlink>
       <a:folHlink>
-        <a:srgbClr val="96607D"/>
+        <a:srgbClr val="8C8C8C"/>
       </a:folHlink>
     </a:clrScheme>
-    <a:fontScheme name="Office">
+    <a:fontScheme name="Retrospect">
       <a:majorFont>
-        <a:latin typeface="Aptos Display" panose="02110004020202020204"/>
+        <a:latin typeface="Calibri Light" panose="020F0302020204030204"/>
         <a:ea typeface=""/>
         <a:cs typeface=""/>
-        <a:font script="Jpan" typeface="游ゴシック Light"/>
+        <a:font script="Jpan" typeface="ＭＳ Ｐゴシック"/>
         <a:font script="Hang" typeface="맑은 고딕"/>
-        <a:font script="Hans" typeface="等线 Light"/>
+        <a:font script="Hans" typeface="宋体"/>
         <a:font script="Hant" typeface="新細明體"/>
         <a:font script="Arab" typeface="Times New Roman"/>
         <a:font script="Hebr" typeface="Times New Roman"/>
@@ -3547,31 +6955,14 @@
         <a:font script="Viet" typeface="Times New Roman"/>
         <a:font script="Uigh" typeface="Microsoft Uighur"/>
         <a:font script="Geor" typeface="Sylfaen"/>
-        <a:font script="Armn" typeface="Arial"/>
-        <a:font script="Bugi" typeface="Leelawadee UI"/>
-        <a:font script="Bopo" typeface="Microsoft JhengHei"/>
-        <a:font script="Java" typeface="Javanese Text"/>
-        <a:font script="Lisu" typeface="Segoe UI"/>
-        <a:font script="Mymr" typeface="Myanmar Text"/>
-        <a:font script="Nkoo" typeface="Ebrima"/>
-        <a:font script="Olck" typeface="Nirmala UI"/>
-        <a:font script="Osma" typeface="Ebrima"/>
-        <a:font script="Phag" typeface="Phagspa"/>
-        <a:font script="Syrn" typeface="Estrangelo Edessa"/>
-        <a:font script="Syrj" typeface="Estrangelo Edessa"/>
-        <a:font script="Syre" typeface="Estrangelo Edessa"/>
-        <a:font script="Sora" typeface="Nirmala UI"/>
-        <a:font script="Tale" typeface="Microsoft Tai Le"/>
-        <a:font script="Talu" typeface="Microsoft New Tai Lue"/>
-        <a:font script="Tfng" typeface="Ebrima"/>
       </a:majorFont>
       <a:minorFont>
-        <a:latin typeface="Aptos" panose="02110004020202020204"/>
+        <a:latin typeface="Calibri" panose="020F0502020204030204"/>
         <a:ea typeface=""/>
         <a:cs typeface=""/>
-        <a:font script="Jpan" typeface="游ゴシック"/>
+        <a:font script="Jpan" typeface="ＭＳ Ｐゴシック"/>
         <a:font script="Hang" typeface="맑은 고딕"/>
-        <a:font script="Hans" typeface="等线"/>
+        <a:font script="Hans" typeface="宋体"/>
         <a:font script="Hant" typeface="新細明體"/>
         <a:font script="Arab" typeface="Arial"/>
         <a:font script="Hebr" typeface="Arial"/>
@@ -3599,26 +6990,9 @@
         <a:font script="Viet" typeface="Arial"/>
         <a:font script="Uigh" typeface="Microsoft Uighur"/>
         <a:font script="Geor" typeface="Sylfaen"/>
-        <a:font script="Armn" typeface="Arial"/>
-        <a:font script="Bugi" typeface="Leelawadee UI"/>
-        <a:font script="Bopo" typeface="Microsoft JhengHei"/>
-        <a:font script="Java" typeface="Javanese Text"/>
-        <a:font script="Lisu" typeface="Segoe UI"/>
-        <a:font script="Mymr" typeface="Myanmar Text"/>
-        <a:font script="Nkoo" typeface="Ebrima"/>
-        <a:font script="Olck" typeface="Nirmala UI"/>
-        <a:font script="Osma" typeface="Ebrima"/>
-        <a:font script="Phag" typeface="Phagspa"/>
-        <a:font script="Syrn" typeface="Estrangelo Edessa"/>
-        <a:font script="Syrj" typeface="Estrangelo Edessa"/>
-        <a:font script="Syre" typeface="Estrangelo Edessa"/>
-        <a:font script="Sora" typeface="Nirmala UI"/>
-        <a:font script="Tale" typeface="Microsoft Tai Le"/>
-        <a:font script="Talu" typeface="Microsoft New Tai Lue"/>
-        <a:font script="Tfng" typeface="Ebrima"/>
       </a:minorFont>
     </a:fontScheme>
-    <a:fmtScheme name="Office">
+    <a:fmtScheme name="Retrospect">
       <a:fillStyleLst>
         <a:solidFill>
           <a:schemeClr val="phClr"/>
@@ -3627,53 +7001,61 @@
           <a:gsLst>
             <a:gs pos="0">
               <a:schemeClr val="phClr">
-                <a:lumMod val="110000"/>
-                <a:satMod val="105000"/>
-                <a:tint val="67000"/>
+                <a:tint val="65000"/>
+                <a:shade val="92000"/>
+                <a:satMod val="130000"/>
               </a:schemeClr>
             </a:gs>
-            <a:gs pos="50000">
+            <a:gs pos="45000">
               <a:schemeClr val="phClr">
-                <a:lumMod val="105000"/>
-                <a:satMod val="103000"/>
-                <a:tint val="73000"/>
+                <a:tint val="60000"/>
+                <a:shade val="99000"/>
+                <a:satMod val="120000"/>
               </a:schemeClr>
             </a:gs>
             <a:gs pos="100000">
               <a:schemeClr val="phClr">
-                <a:lumMod val="105000"/>
-                <a:satMod val="109000"/>
-                <a:tint val="81000"/>
+                <a:tint val="55000"/>
+                <a:satMod val="140000"/>
               </a:schemeClr>
             </a:gs>
           </a:gsLst>
-          <a:lin ang="5400000" scaled="0"/>
+          <a:path path="circle">
+            <a:fillToRect l="100000" t="100000" r="100000" b="100000"/>
+          </a:path>
         </a:gradFill>
         <a:gradFill rotWithShape="1">
           <a:gsLst>
             <a:gs pos="0">
               <a:schemeClr val="phClr">
-                <a:satMod val="103000"/>
-                <a:lumMod val="102000"/>
-                <a:tint val="94000"/>
+                <a:shade val="85000"/>
+                <a:satMod val="130000"/>
               </a:schemeClr>
             </a:gs>
-            <a:gs pos="50000">
+            <a:gs pos="34000">
               <a:schemeClr val="phClr">
-                <a:satMod val="110000"/>
-                <a:lumMod val="100000"/>
-                <a:shade val="100000"/>
+                <a:shade val="87000"/>
+                <a:satMod val="125000"/>
+              </a:schemeClr>
+            </a:gs>
+            <a:gs pos="70000">
+              <a:schemeClr val="phClr">
+                <a:tint val="100000"/>
+                <a:shade val="90000"/>
+                <a:satMod val="130000"/>
               </a:schemeClr>
             </a:gs>
             <a:gs pos="100000">
               <a:schemeClr val="phClr">
-                <a:lumMod val="99000"/>
-                <a:satMod val="120000"/>
-                <a:shade val="78000"/>
+                <a:tint val="100000"/>
+                <a:shade val="100000"/>
+                <a:satMod val="110000"/>
               </a:schemeClr>
             </a:gs>
           </a:gsLst>
-          <a:lin ang="5400000" scaled="0"/>
+          <a:path path="circle">
+            <a:fillToRect l="100000" t="100000" r="100000" b="100000"/>
+          </a:path>
         </a:gradFill>
       </a:fillStyleLst>
       <a:lnStyleLst>
@@ -3682,21 +7064,18 @@
             <a:schemeClr val="phClr"/>
           </a:solidFill>
           <a:prstDash val="solid"/>
-          <a:miter lim="800000"/>
         </a:ln>
-        <a:ln w="19050" cap="flat" cmpd="sng" algn="ctr">
+        <a:ln w="15875" cap="flat" cmpd="sng" algn="ctr">
           <a:solidFill>
             <a:schemeClr val="phClr"/>
           </a:solidFill>
           <a:prstDash val="solid"/>
-          <a:miter lim="800000"/>
         </a:ln>
         <a:ln w="25400" cap="flat" cmpd="sng" algn="ctr">
           <a:solidFill>
             <a:schemeClr val="phClr"/>
           </a:solidFill>
           <a:prstDash val="solid"/>
-          <a:miter lim="800000"/>
         </a:ln>
       </a:lnStyleLst>
       <a:effectStyleLst>
@@ -3704,16 +7083,33 @@
           <a:effectLst/>
         </a:effectStyle>
         <a:effectStyle>
-          <a:effectLst/>
+          <a:effectLst>
+            <a:outerShdw blurRad="38100" dist="25400" dir="2700000" algn="br" rotWithShape="0">
+              <a:srgbClr val="000000">
+                <a:alpha val="60000"/>
+              </a:srgbClr>
+            </a:outerShdw>
+          </a:effectLst>
         </a:effectStyle>
         <a:effectStyle>
           <a:effectLst>
-            <a:outerShdw blurRad="57150" dist="19050" dir="5400000" algn="ctr" rotWithShape="0">
+            <a:outerShdw blurRad="44450" dist="25400" dir="2700000" algn="br" rotWithShape="0">
               <a:srgbClr val="000000">
-                <a:alpha val="63000"/>
+                <a:alpha val="60000"/>
               </a:srgbClr>
             </a:outerShdw>
           </a:effectLst>
+          <a:scene3d>
+            <a:camera prst="orthographicFront">
+              <a:rot lat="0" lon="0" rev="0"/>
+            </a:camera>
+            <a:lightRig rig="threePt" dir="t">
+              <a:rot lat="0" lon="0" rev="19800000"/>
+            </a:lightRig>
+          </a:scene3d>
+          <a:sp3d prstMaterial="flat">
+            <a:bevelT w="25400" h="31750"/>
+          </a:sp3d>
         </a:effectStyle>
       </a:effectStyleLst>
       <a:bgFillStyleLst>
@@ -3722,65 +7118,45 @@
         </a:solidFill>
         <a:solidFill>
           <a:schemeClr val="phClr">
-            <a:tint val="95000"/>
-            <a:satMod val="170000"/>
+            <a:tint val="90000"/>
+            <a:shade val="97000"/>
+            <a:satMod val="130000"/>
           </a:schemeClr>
         </a:solidFill>
         <a:gradFill rotWithShape="1">
           <a:gsLst>
             <a:gs pos="0">
               <a:schemeClr val="phClr">
-                <a:tint val="93000"/>
-                <a:satMod val="150000"/>
-                <a:shade val="98000"/>
-                <a:lumMod val="102000"/>
+                <a:tint val="96000"/>
+                <a:shade val="99000"/>
+                <a:satMod val="140000"/>
               </a:schemeClr>
             </a:gs>
-            <a:gs pos="50000">
+            <a:gs pos="65000">
               <a:schemeClr val="phClr">
-                <a:tint val="98000"/>
+                <a:tint val="100000"/>
+                <a:shade val="80000"/>
                 <a:satMod val="130000"/>
-                <a:shade val="90000"/>
-                <a:lumMod val="103000"/>
               </a:schemeClr>
             </a:gs>
             <a:gs pos="100000">
               <a:schemeClr val="phClr">
-                <a:shade val="63000"/>
+                <a:tint val="100000"/>
+                <a:shade val="48000"/>
                 <a:satMod val="120000"/>
               </a:schemeClr>
             </a:gs>
           </a:gsLst>
-          <a:lin ang="5400000" scaled="0"/>
+          <a:lin ang="16200000" scaled="0"/>
         </a:gradFill>
       </a:bgFillStyleLst>
     </a:fmtScheme>
   </a:themeElements>
-  <a:objectDefaults>
-    <a:lnDef>
-      <a:spPr/>
-      <a:bodyPr/>
-      <a:lstStyle/>
-      <a:style>
-        <a:lnRef idx="2">
-          <a:schemeClr val="accent1"/>
-        </a:lnRef>
-        <a:fillRef idx="0">
-          <a:schemeClr val="accent1"/>
-        </a:fillRef>
-        <a:effectRef idx="1">
-          <a:schemeClr val="accent1"/>
-        </a:effectRef>
-        <a:fontRef idx="minor">
-          <a:schemeClr val="tx1"/>
-        </a:fontRef>
-      </a:style>
-    </a:lnDef>
-  </a:objectDefaults>
+  <a:objectDefaults/>
   <a:extraClrSchemeLst/>
   <a:extLst>
     <a:ext uri="{05A4C25C-085E-4340-85A3-A5531E510DB2}">
-      <thm15:themeFamily xmlns:thm15="http://schemas.microsoft.com/office/thememl/2012/main" name="Office Theme" id="{2E142A2C-CD16-42D6-873A-C26D2A0506FA}" vid="{1BDDFF52-6CD6-40A5-AB3C-68EB2F1E4D0A}"/>
+      <thm15:themeFamily xmlns:thm15="http://schemas.microsoft.com/office/thememl/2012/main" name="Retrospect" id="{5F128B03-DCCA-4EEB-AB3B-CF2899314A46}" vid="{3F1AAB62-24C6-49D2-8E01-B56FAC9A3DCD}"/>
     </a:ext>
   </a:extLst>
 </a:theme>

--- a/Localization of Transmitter using TDOA analysis.pptx
+++ b/Localization of Transmitter using TDOA analysis.pptx
@@ -2,13 +2,15 @@
 <file path=ppt/presentation.xml><?xml version="1.0" encoding="utf-8"?>
 <p:presentation xmlns:a="http://schemas.openxmlformats.org/drawingml/2006/main" xmlns:r="http://schemas.openxmlformats.org/officeDocument/2006/relationships" xmlns:p="http://schemas.openxmlformats.org/presentationml/2006/main" saveSubsetFonts="1">
   <p:sldMasterIdLst>
-    <p:sldMasterId id="2147483660" r:id="rId1"/>
+    <p:sldMasterId id="2147483707" r:id="rId1"/>
   </p:sldMasterIdLst>
   <p:sldIdLst>
     <p:sldId id="256" r:id="rId2"/>
     <p:sldId id="258" r:id="rId3"/>
     <p:sldId id="259" r:id="rId4"/>
     <p:sldId id="260" r:id="rId5"/>
+    <p:sldId id="261" r:id="rId6"/>
+    <p:sldId id="262" r:id="rId7"/>
   </p:sldIdLst>
   <p:sldSz cx="12192000" cy="6858000"/>
   <p:notesSz cx="6858000" cy="9144000"/>
@@ -444,7 +446,7 @@
     </p:spTree>
     <p:extLst>
       <p:ext uri="{BB962C8B-B14F-4D97-AF65-F5344CB8AC3E}">
-        <p14:creationId xmlns:p14="http://schemas.microsoft.com/office/powerpoint/2010/main" val="1412966603"/>
+        <p14:creationId xmlns:p14="http://schemas.microsoft.com/office/powerpoint/2010/main" val="4223702738"/>
       </p:ext>
     </p:extLst>
   </p:cSld>
@@ -614,7 +616,7 @@
     </p:spTree>
     <p:extLst>
       <p:ext uri="{BB962C8B-B14F-4D97-AF65-F5344CB8AC3E}">
-        <p14:creationId xmlns:p14="http://schemas.microsoft.com/office/powerpoint/2010/main" val="558377744"/>
+        <p14:creationId xmlns:p14="http://schemas.microsoft.com/office/powerpoint/2010/main" val="1632927545"/>
       </p:ext>
     </p:extLst>
   </p:cSld>
@@ -870,7 +872,7 @@
     </p:spTree>
     <p:extLst>
       <p:ext uri="{BB962C8B-B14F-4D97-AF65-F5344CB8AC3E}">
-        <p14:creationId xmlns:p14="http://schemas.microsoft.com/office/powerpoint/2010/main" val="2073843490"/>
+        <p14:creationId xmlns:p14="http://schemas.microsoft.com/office/powerpoint/2010/main" val="2034884491"/>
       </p:ext>
     </p:extLst>
   </p:cSld>
@@ -1044,7 +1046,7 @@
     </p:spTree>
     <p:extLst>
       <p:ext uri="{BB962C8B-B14F-4D97-AF65-F5344CB8AC3E}">
-        <p14:creationId xmlns:p14="http://schemas.microsoft.com/office/powerpoint/2010/main" val="1147570341"/>
+        <p14:creationId xmlns:p14="http://schemas.microsoft.com/office/powerpoint/2010/main" val="3269188232"/>
       </p:ext>
     </p:extLst>
   </p:cSld>
@@ -1425,7 +1427,7 @@
     </p:spTree>
     <p:extLst>
       <p:ext uri="{BB962C8B-B14F-4D97-AF65-F5344CB8AC3E}">
-        <p14:creationId xmlns:p14="http://schemas.microsoft.com/office/powerpoint/2010/main" val="237161164"/>
+        <p14:creationId xmlns:p14="http://schemas.microsoft.com/office/powerpoint/2010/main" val="2811918077"/>
       </p:ext>
     </p:extLst>
   </p:cSld>
@@ -1662,7 +1664,7 @@
     </p:spTree>
     <p:extLst>
       <p:ext uri="{BB962C8B-B14F-4D97-AF65-F5344CB8AC3E}">
-        <p14:creationId xmlns:p14="http://schemas.microsoft.com/office/powerpoint/2010/main" val="1274224300"/>
+        <p14:creationId xmlns:p14="http://schemas.microsoft.com/office/powerpoint/2010/main" val="2306724306"/>
       </p:ext>
     </p:extLst>
   </p:cSld>
@@ -2041,7 +2043,7 @@
     </p:spTree>
     <p:extLst>
       <p:ext uri="{BB962C8B-B14F-4D97-AF65-F5344CB8AC3E}">
-        <p14:creationId xmlns:p14="http://schemas.microsoft.com/office/powerpoint/2010/main" val="1390764115"/>
+        <p14:creationId xmlns:p14="http://schemas.microsoft.com/office/powerpoint/2010/main" val="2766408470"/>
       </p:ext>
     </p:extLst>
   </p:cSld>
@@ -2159,7 +2161,7 @@
     </p:spTree>
     <p:extLst>
       <p:ext uri="{BB962C8B-B14F-4D97-AF65-F5344CB8AC3E}">
-        <p14:creationId xmlns:p14="http://schemas.microsoft.com/office/powerpoint/2010/main" val="1449240861"/>
+        <p14:creationId xmlns:p14="http://schemas.microsoft.com/office/powerpoint/2010/main" val="493714289"/>
       </p:ext>
     </p:extLst>
   </p:cSld>
@@ -2352,7 +2354,7 @@
     </p:spTree>
     <p:extLst>
       <p:ext uri="{BB962C8B-B14F-4D97-AF65-F5344CB8AC3E}">
-        <p14:creationId xmlns:p14="http://schemas.microsoft.com/office/powerpoint/2010/main" val="445474661"/>
+        <p14:creationId xmlns:p14="http://schemas.microsoft.com/office/powerpoint/2010/main" val="1578730714"/>
       </p:ext>
     </p:extLst>
   </p:cSld>
@@ -2719,7 +2721,7 @@
     </p:spTree>
     <p:extLst>
       <p:ext uri="{BB962C8B-B14F-4D97-AF65-F5344CB8AC3E}">
-        <p14:creationId xmlns:p14="http://schemas.microsoft.com/office/powerpoint/2010/main" val="1447797199"/>
+        <p14:creationId xmlns:p14="http://schemas.microsoft.com/office/powerpoint/2010/main" val="2070820570"/>
       </p:ext>
     </p:extLst>
   </p:cSld>
@@ -3080,7 +3082,7 @@
     </p:spTree>
     <p:extLst>
       <p:ext uri="{BB962C8B-B14F-4D97-AF65-F5344CB8AC3E}">
-        <p14:creationId xmlns:p14="http://schemas.microsoft.com/office/powerpoint/2010/main" val="2727818405"/>
+        <p14:creationId xmlns:p14="http://schemas.microsoft.com/office/powerpoint/2010/main" val="619274027"/>
       </p:ext>
     </p:extLst>
   </p:cSld>
@@ -3451,23 +3453,23 @@
     </p:spTree>
     <p:extLst>
       <p:ext uri="{BB962C8B-B14F-4D97-AF65-F5344CB8AC3E}">
-        <p14:creationId xmlns:p14="http://schemas.microsoft.com/office/powerpoint/2010/main" val="4069190302"/>
+        <p14:creationId xmlns:p14="http://schemas.microsoft.com/office/powerpoint/2010/main" val="3337852601"/>
       </p:ext>
     </p:extLst>
   </p:cSld>
   <p:clrMap bg1="lt1" tx1="dk1" bg2="lt2" tx2="dk2" accent1="accent1" accent2="accent2" accent3="accent3" accent4="accent4" accent5="accent5" accent6="accent6" hlink="hlink" folHlink="folHlink"/>
   <p:sldLayoutIdLst>
-    <p:sldLayoutId id="2147483661" r:id="rId1"/>
-    <p:sldLayoutId id="2147483662" r:id="rId2"/>
-    <p:sldLayoutId id="2147483663" r:id="rId3"/>
-    <p:sldLayoutId id="2147483664" r:id="rId4"/>
-    <p:sldLayoutId id="2147483665" r:id="rId5"/>
-    <p:sldLayoutId id="2147483666" r:id="rId6"/>
-    <p:sldLayoutId id="2147483667" r:id="rId7"/>
-    <p:sldLayoutId id="2147483668" r:id="rId8"/>
-    <p:sldLayoutId id="2147483669" r:id="rId9"/>
-    <p:sldLayoutId id="2147483670" r:id="rId10"/>
-    <p:sldLayoutId id="2147483671" r:id="rId11"/>
+    <p:sldLayoutId id="2147483708" r:id="rId1"/>
+    <p:sldLayoutId id="2147483709" r:id="rId2"/>
+    <p:sldLayoutId id="2147483710" r:id="rId3"/>
+    <p:sldLayoutId id="2147483711" r:id="rId4"/>
+    <p:sldLayoutId id="2147483712" r:id="rId5"/>
+    <p:sldLayoutId id="2147483713" r:id="rId6"/>
+    <p:sldLayoutId id="2147483714" r:id="rId7"/>
+    <p:sldLayoutId id="2147483715" r:id="rId8"/>
+    <p:sldLayoutId id="2147483716" r:id="rId9"/>
+    <p:sldLayoutId id="2147483717" r:id="rId10"/>
+    <p:sldLayoutId id="2147483718" r:id="rId11"/>
   </p:sldLayoutIdLst>
   <p:txStyles>
     <p:titleStyle>
@@ -3872,7 +3874,7 @@
         </p:nvSpPr>
         <p:spPr>
           <a:xfrm>
-            <a:off x="1066800" y="1682825"/>
+            <a:off x="1161144" y="1647616"/>
             <a:ext cx="10058400" cy="1608346"/>
           </a:xfrm>
         </p:spPr>
@@ -3915,15 +3917,28 @@
           <a:bodyPr/>
           <a:lstStyle/>
           <a:p>
-            <a:r>
-              <a:rPr lang="en-IN" dirty="0"/>
+            <a:pPr algn="ctr"/>
+            <a:r>
+              <a:rPr lang="en-IN" dirty="0">
+                <a:solidFill>
+                  <a:schemeClr val="tx1"/>
+                </a:solidFill>
+              </a:rPr>
               <a:t>Supervisor – Prof. Seshan </a:t>
             </a:r>
             <a:r>
-              <a:rPr lang="en-IN" dirty="0" err="1"/>
+              <a:rPr lang="en-IN" dirty="0" err="1">
+                <a:solidFill>
+                  <a:schemeClr val="tx1"/>
+                </a:solidFill>
+              </a:rPr>
               <a:t>Srirangarajan</a:t>
             </a:r>
-            <a:endParaRPr lang="en-IN" dirty="0"/>
+            <a:endParaRPr lang="en-IN" dirty="0">
+              <a:solidFill>
+                <a:schemeClr val="tx1"/>
+              </a:solidFill>
+            </a:endParaRPr>
           </a:p>
         </p:txBody>
       </p:sp>
@@ -3941,8 +3956,8 @@
         </p:nvSpPr>
         <p:spPr>
           <a:xfrm>
-            <a:off x="3587959" y="4470637"/>
-            <a:ext cx="5016082" cy="923330"/>
+            <a:off x="3442817" y="4470637"/>
+            <a:ext cx="5016082" cy="646331"/>
           </a:xfrm>
           <a:prstGeom prst="rect">
             <a:avLst/>
@@ -3957,22 +3972,29 @@
           <a:p>
             <a:pPr algn="ctr"/>
             <a:r>
-              <a:rPr lang="en-IN" dirty="0"/>
+              <a:rPr lang="en-IN" dirty="0">
+                <a:solidFill>
+                  <a:schemeClr val="tx1">
+                    <a:lumMod val="50000"/>
+                    <a:lumOff val="50000"/>
+                  </a:schemeClr>
+                </a:solidFill>
+              </a:rPr>
               <a:t>By -</a:t>
             </a:r>
           </a:p>
           <a:p>
             <a:pPr algn="ctr"/>
             <a:r>
-              <a:rPr lang="en-IN" dirty="0"/>
-              <a:t>Divyansh Kumar</a:t>
-            </a:r>
-          </a:p>
-          <a:p>
-            <a:pPr algn="ctr"/>
-            <a:r>
-              <a:rPr lang="en-IN" dirty="0"/>
-              <a:t>Gopal Saha</a:t>
+              <a:rPr lang="en-IN" dirty="0">
+                <a:solidFill>
+                  <a:schemeClr val="tx1">
+                    <a:lumMod val="50000"/>
+                    <a:lumOff val="50000"/>
+                  </a:schemeClr>
+                </a:solidFill>
+              </a:rPr>
+              <a:t>Divyansh Kumar and Gopal Saha</a:t>
             </a:r>
           </a:p>
         </p:txBody>
@@ -4539,7 +4561,7 @@
         <p:spPr>
           <a:xfrm>
             <a:off x="260456" y="688497"/>
-            <a:ext cx="10830394" cy="400110"/>
+            <a:ext cx="10830394" cy="369332"/>
           </a:xfrm>
           <a:prstGeom prst="rect">
             <a:avLst/>
@@ -4553,19 +4575,19 @@
           <a:lstStyle/>
           <a:p>
             <a:r>
-              <a:rPr lang="en-IN" sz="2000" dirty="0"/>
+              <a:rPr lang="en-IN" dirty="0"/>
               <a:t>TDOA stands for </a:t>
             </a:r>
             <a:r>
-              <a:rPr lang="en-IN" sz="2000" b="1" dirty="0"/>
+              <a:rPr lang="en-IN" b="1" dirty="0"/>
               <a:t>Time difference of Arrival. </a:t>
             </a:r>
             <a:r>
-              <a:rPr lang="en-IN" sz="2000" dirty="0"/>
+              <a:rPr lang="en-IN" dirty="0"/>
               <a:t>Its one of the methods to pinpoint transmitter location</a:t>
             </a:r>
             <a:r>
-              <a:rPr lang="en-IN" sz="2000" b="1" dirty="0"/>
+              <a:rPr lang="en-IN" b="1" dirty="0"/>
               <a:t> </a:t>
             </a:r>
           </a:p>
@@ -4585,7 +4607,7 @@
         </p:nvSpPr>
         <p:spPr>
           <a:xfrm>
-            <a:off x="260456" y="1089038"/>
+            <a:off x="251085" y="1136518"/>
             <a:ext cx="10830394" cy="369332"/>
           </a:xfrm>
           <a:prstGeom prst="rect">
@@ -4634,8 +4656,8 @@
             </p:nvSpPr>
             <p:spPr>
               <a:xfrm>
-                <a:off x="260456" y="1458370"/>
-                <a:ext cx="11581774" cy="1086901"/>
+                <a:off x="260456" y="1536628"/>
+                <a:ext cx="11931544" cy="1037913"/>
               </a:xfrm>
               <a:prstGeom prst="rect">
                 <a:avLst/>
@@ -4656,22 +4678,22 @@
                   <a:rPr lang="en-IN" i="1" u="sng" dirty="0"/>
                 </a:br>
                 <a:r>
-                  <a:rPr lang="en-IN" dirty="0"/>
-                  <a:t>Lets Take 3 Receivers forming a triangle and 1 transmitter in 2D plane. Coordinates of R1,R2,R3 are (0,0) , (a,0), (</a:t>
+                  <a:rPr lang="en-IN" sz="1600" dirty="0"/>
+                  <a:t>Lets Take 3 Receivers forming a triangle and 1 transmitter in 2D plane. Coordinates of R1,R2,R3 are (0,0), (a,0), (</a:t>
                 </a:r>
                 <a14:m>
                   <m:oMath xmlns:m="http://schemas.openxmlformats.org/officeDocument/2006/math">
                     <m:f>
                       <m:fPr>
                         <m:ctrlPr>
-                          <a:rPr lang="en-IN" b="0" i="1" smtClean="0">
+                          <a:rPr lang="en-IN" sz="1600" b="0" i="1" smtClean="0">
                             <a:latin typeface="Cambria Math" panose="02040503050406030204" pitchFamily="18" charset="0"/>
                           </a:rPr>
                         </m:ctrlPr>
                       </m:fPr>
                       <m:num>
                         <m:r>
-                          <a:rPr lang="en-IN" b="0" i="1" smtClean="0">
+                          <a:rPr lang="en-IN" sz="1600" b="0" i="1" smtClean="0">
                             <a:latin typeface="Cambria Math" panose="02040503050406030204" pitchFamily="18" charset="0"/>
                           </a:rPr>
                           <m:t>𝑎</m:t>
@@ -4679,7 +4701,7 @@
                       </m:num>
                       <m:den>
                         <m:r>
-                          <a:rPr lang="en-IN" b="0" i="1" smtClean="0">
+                          <a:rPr lang="en-IN" sz="1600" b="0" i="1" smtClean="0">
                             <a:latin typeface="Cambria Math" panose="02040503050406030204" pitchFamily="18" charset="0"/>
                           </a:rPr>
                           <m:t>2</m:t>
@@ -4687,19 +4709,19 @@
                       </m:den>
                     </m:f>
                     <m:r>
-                      <a:rPr lang="en-IN" b="0" i="1" smtClean="0">
+                      <a:rPr lang="en-IN" sz="1600" b="0" i="1" smtClean="0">
                         <a:latin typeface="Cambria Math" panose="02040503050406030204" pitchFamily="18" charset="0"/>
                       </a:rPr>
                       <m:t>,</m:t>
                     </m:r>
                     <m:r>
-                      <a:rPr lang="en-IN" b="0" i="1" smtClean="0">
+                      <a:rPr lang="en-IN" sz="1600" b="0" i="1" smtClean="0">
                         <a:latin typeface="Cambria Math" panose="02040503050406030204" pitchFamily="18" charset="0"/>
                       </a:rPr>
                       <m:t>𝑎</m:t>
                     </m:r>
                     <m:r>
-                      <a:rPr lang="en-IN" b="0" i="1" smtClean="0">
+                      <a:rPr lang="en-IN" sz="1600" b="0" i="1" smtClean="0">
                         <a:latin typeface="Cambria Math" panose="02040503050406030204" pitchFamily="18" charset="0"/>
                       </a:rPr>
                       <m:t>.</m:t>
@@ -4707,7 +4729,7 @@
                     <m:f>
                       <m:fPr>
                         <m:ctrlPr>
-                          <a:rPr lang="en-IN" b="0" i="1" smtClean="0">
+                          <a:rPr lang="en-IN" sz="1600" b="0" i="1" smtClean="0">
                             <a:latin typeface="Cambria Math" panose="02040503050406030204" pitchFamily="18" charset="0"/>
                           </a:rPr>
                         </m:ctrlPr>
@@ -4717,7 +4739,7 @@
                           <m:radPr>
                             <m:degHide m:val="on"/>
                             <m:ctrlPr>
-                              <a:rPr lang="en-IN" b="0" i="1" smtClean="0">
+                              <a:rPr lang="en-IN" sz="1600" b="0" i="1" smtClean="0">
                                 <a:latin typeface="Cambria Math" panose="02040503050406030204" pitchFamily="18" charset="0"/>
                               </a:rPr>
                             </m:ctrlPr>
@@ -4725,7 +4747,7 @@
                           <m:deg/>
                           <m:e>
                             <m:r>
-                              <a:rPr lang="en-IN" b="0" i="1" smtClean="0">
+                              <a:rPr lang="en-IN" sz="1600" b="0" i="1" smtClean="0">
                                 <a:latin typeface="Cambria Math" panose="02040503050406030204" pitchFamily="18" charset="0"/>
                               </a:rPr>
                               <m:t>3</m:t>
@@ -4735,7 +4757,7 @@
                       </m:num>
                       <m:den>
                         <m:r>
-                          <a:rPr lang="en-IN" b="0" i="1" smtClean="0">
+                          <a:rPr lang="en-IN" sz="1600" b="0" i="1" smtClean="0">
                             <a:latin typeface="Cambria Math" panose="02040503050406030204" pitchFamily="18" charset="0"/>
                           </a:rPr>
                           <m:t>2</m:t>
@@ -4743,14 +4765,14 @@
                       </m:den>
                     </m:f>
                     <m:r>
-                      <a:rPr lang="en-IN" b="0" i="1" smtClean="0">
+                      <a:rPr lang="en-IN" sz="1600" b="0" i="1" smtClean="0">
                         <a:latin typeface="Cambria Math" panose="02040503050406030204" pitchFamily="18" charset="0"/>
                       </a:rPr>
                       <m:t>)</m:t>
                     </m:r>
                   </m:oMath>
                 </a14:m>
-                <a:endParaRPr lang="en-IN" dirty="0"/>
+                <a:endParaRPr lang="en-IN" sz="1600" dirty="0"/>
               </a:p>
               <a:p>
                 <a:endParaRPr lang="en-IN" dirty="0"/>
@@ -4775,8 +4797,8 @@
             </p:nvSpPr>
             <p:spPr>
               <a:xfrm>
-                <a:off x="260456" y="1458370"/>
-                <a:ext cx="11581774" cy="1086901"/>
+                <a:off x="260456" y="1536628"/>
+                <a:ext cx="11931544" cy="1037913"/>
               </a:xfrm>
               <a:prstGeom prst="rect">
                 <a:avLst/>
@@ -4784,7 +4806,7 @@
               <a:blipFill>
                 <a:blip r:embed="rId2"/>
                 <a:stretch>
-                  <a:fillRect l="-474" t="-2793"/>
+                  <a:fillRect l="-460" t="-2941"/>
                 </a:stretch>
               </a:blipFill>
             </p:spPr>
@@ -4832,7 +4854,7 @@
         </p:blipFill>
         <p:spPr>
           <a:xfrm>
-            <a:off x="701416" y="2281823"/>
+            <a:off x="530747" y="2653427"/>
             <a:ext cx="4964866" cy="4062246"/>
           </a:xfrm>
           <a:prstGeom prst="rect">
@@ -4856,7 +4878,7 @@
             </p:nvSpPr>
             <p:spPr>
               <a:xfrm>
-                <a:off x="5908936" y="2545271"/>
+                <a:off x="5765904" y="2523499"/>
                 <a:ext cx="6165640" cy="3719288"/>
               </a:xfrm>
               <a:prstGeom prst="rect">
@@ -4885,6 +4907,7 @@
                 </a:endParaRPr>
               </a:p>
               <a:p>
+                <a:pPr/>
                 <a14:m>
                   <m:oMathPara xmlns:m="http://schemas.openxmlformats.org/officeDocument/2006/math">
                     <m:oMathParaPr>
@@ -4895,7 +4918,9 @@
                         <m:radPr>
                           <m:degHide m:val="on"/>
                           <m:ctrlPr>
-                            <a:rPr lang="ar-AE" sz="1600"/>
+                            <a:rPr lang="ar-AE" sz="1600" i="1">
+                              <a:latin typeface="Cambria Math" panose="02040503050406030204" pitchFamily="18" charset="0"/>
+                            </a:rPr>
                           </m:ctrlPr>
                         </m:radPr>
                         <m:deg/>
@@ -4904,33 +4929,45 @@
                             <m:dPr>
                               <m:endChr m:val=""/>
                               <m:ctrlPr>
-                                <a:rPr lang="ar-AE" sz="1600"/>
+                                <a:rPr lang="ar-AE" sz="1600" i="1">
+                                  <a:latin typeface="Cambria Math" panose="02040503050406030204" pitchFamily="18" charset="0"/>
+                                </a:rPr>
                               </m:ctrlPr>
                             </m:dPr>
                             <m:e>
                               <m:r>
-                                <a:rPr lang="ar-AE" sz="1600" i="1"/>
+                                <a:rPr lang="ar-AE" sz="1600" i="1">
+                                  <a:latin typeface="Cambria Math" panose="02040503050406030204" pitchFamily="18" charset="0"/>
+                                </a:rPr>
                                 <m:t>𝑥</m:t>
                               </m:r>
                               <m:r>
-                                <a:rPr lang="ar-AE" sz="1600"/>
+                                <a:rPr lang="ar-AE" sz="1600">
+                                  <a:latin typeface="Cambria Math" panose="02040503050406030204" pitchFamily="18" charset="0"/>
+                                </a:rPr>
                                 <m:t>−</m:t>
                               </m:r>
                               <m:sSub>
                                 <m:sSubPr>
                                   <m:ctrlPr>
-                                    <a:rPr lang="ar-AE" sz="1600" i="1"/>
+                                    <a:rPr lang="ar-AE" sz="1600" i="1">
+                                      <a:latin typeface="Cambria Math" panose="02040503050406030204" pitchFamily="18" charset="0"/>
+                                    </a:rPr>
                                   </m:ctrlPr>
                                 </m:sSubPr>
                                 <m:e>
                                   <m:r>
-                                    <a:rPr lang="ar-AE" sz="1600" i="1"/>
+                                    <a:rPr lang="ar-AE" sz="1600" i="1">
+                                      <a:latin typeface="Cambria Math" panose="02040503050406030204" pitchFamily="18" charset="0"/>
+                                    </a:rPr>
                                     <m:t>𝑥</m:t>
                                   </m:r>
                                 </m:e>
                                 <m:sub>
                                   <m:r>
-                                    <a:rPr lang="ar-AE" sz="1600"/>
+                                    <a:rPr lang="ar-AE" sz="1600">
+                                      <a:latin typeface="Cambria Math" panose="02040503050406030204" pitchFamily="18" charset="0"/>
+                                    </a:rPr>
                                     <m:t>1</m:t>
                                   </m:r>
                                 </m:sub>
@@ -4938,7 +4975,9 @@
                               <m:sSup>
                                 <m:sSupPr>
                                   <m:ctrlPr>
-                                    <a:rPr lang="ar-AE" sz="1600" i="1"/>
+                                    <a:rPr lang="ar-AE" sz="1600" i="1">
+                                      <a:latin typeface="Cambria Math" panose="02040503050406030204" pitchFamily="18" charset="0"/>
+                                    </a:rPr>
                                   </m:ctrlPr>
                                 </m:sSupPr>
                                 <m:e>
@@ -4947,12 +4986,16 @@
                                       <m:begChr m:val=""/>
                                       <m:endChr m:val=""/>
                                       <m:ctrlPr>
-                                        <a:rPr lang="ar-AE" sz="1600" i="1"/>
+                                        <a:rPr lang="ar-AE" sz="1600" i="1">
+                                          <a:latin typeface="Cambria Math" panose="02040503050406030204" pitchFamily="18" charset="0"/>
+                                        </a:rPr>
                                       </m:ctrlPr>
                                     </m:dPr>
                                     <m:e>
                                       <m:r>
-                                        <a:rPr lang="ar-AE" sz="1600"/>
+                                        <a:rPr lang="ar-AE" sz="1600">
+                                          <a:latin typeface="Cambria Math" panose="02040503050406030204" pitchFamily="18" charset="0"/>
+                                        </a:rPr>
                                         <m:t>)</m:t>
                                       </m:r>
                                     </m:e>
@@ -4960,46 +5003,62 @@
                                 </m:e>
                                 <m:sup>
                                   <m:r>
-                                    <a:rPr lang="ar-AE" sz="1600"/>
+                                    <a:rPr lang="ar-AE" sz="1600">
+                                      <a:latin typeface="Cambria Math" panose="02040503050406030204" pitchFamily="18" charset="0"/>
+                                    </a:rPr>
                                     <m:t>2</m:t>
                                   </m:r>
                                 </m:sup>
                               </m:sSup>
                               <m:r>
-                                <a:rPr lang="ar-AE" sz="1600"/>
+                                <a:rPr lang="ar-AE" sz="1600">
+                                  <a:latin typeface="Cambria Math" panose="02040503050406030204" pitchFamily="18" charset="0"/>
+                                </a:rPr>
                                 <m:t>+</m:t>
                               </m:r>
                               <m:d>
                                 <m:dPr>
                                   <m:endChr m:val=""/>
                                   <m:ctrlPr>
-                                    <a:rPr lang="ar-AE" sz="1600" i="1"/>
+                                    <a:rPr lang="ar-AE" sz="1600" i="1">
+                                      <a:latin typeface="Cambria Math" panose="02040503050406030204" pitchFamily="18" charset="0"/>
+                                    </a:rPr>
                                   </m:ctrlPr>
                                 </m:dPr>
                                 <m:e>
                                   <m:r>
-                                    <a:rPr lang="ar-AE" sz="1600" i="1"/>
+                                    <a:rPr lang="ar-AE" sz="1600" i="1">
+                                      <a:latin typeface="Cambria Math" panose="02040503050406030204" pitchFamily="18" charset="0"/>
+                                    </a:rPr>
                                     <m:t>𝑦</m:t>
                                   </m:r>
                                   <m:r>
-                                    <a:rPr lang="ar-AE" sz="1600"/>
+                                    <a:rPr lang="ar-AE" sz="1600">
+                                      <a:latin typeface="Cambria Math" panose="02040503050406030204" pitchFamily="18" charset="0"/>
+                                    </a:rPr>
                                     <m:t>−</m:t>
                                   </m:r>
                                   <m:sSub>
                                     <m:sSubPr>
                                       <m:ctrlPr>
-                                        <a:rPr lang="ar-AE" sz="1600" i="1"/>
+                                        <a:rPr lang="ar-AE" sz="1600" i="1">
+                                          <a:latin typeface="Cambria Math" panose="02040503050406030204" pitchFamily="18" charset="0"/>
+                                        </a:rPr>
                                       </m:ctrlPr>
                                     </m:sSubPr>
                                     <m:e>
                                       <m:r>
-                                        <a:rPr lang="ar-AE" sz="1600" i="1"/>
+                                        <a:rPr lang="ar-AE" sz="1600" i="1">
+                                          <a:latin typeface="Cambria Math" panose="02040503050406030204" pitchFamily="18" charset="0"/>
+                                        </a:rPr>
                                         <m:t>𝑦</m:t>
                                       </m:r>
                                     </m:e>
                                     <m:sub>
                                       <m:r>
-                                        <a:rPr lang="ar-AE" sz="1600"/>
+                                        <a:rPr lang="ar-AE" sz="1600">
+                                          <a:latin typeface="Cambria Math" panose="02040503050406030204" pitchFamily="18" charset="0"/>
+                                        </a:rPr>
                                         <m:t>1</m:t>
                                       </m:r>
                                     </m:sub>
@@ -5007,7 +5066,9 @@
                                   <m:sSup>
                                     <m:sSupPr>
                                       <m:ctrlPr>
-                                        <a:rPr lang="ar-AE" sz="1600" i="1"/>
+                                        <a:rPr lang="ar-AE" sz="1600" i="1">
+                                          <a:latin typeface="Cambria Math" panose="02040503050406030204" pitchFamily="18" charset="0"/>
+                                        </a:rPr>
                                       </m:ctrlPr>
                                     </m:sSupPr>
                                     <m:e>
@@ -5016,12 +5077,16 @@
                                           <m:begChr m:val=""/>
                                           <m:endChr m:val=""/>
                                           <m:ctrlPr>
-                                            <a:rPr lang="ar-AE" sz="1600" i="1"/>
+                                            <a:rPr lang="ar-AE" sz="1600" i="1">
+                                              <a:latin typeface="Cambria Math" panose="02040503050406030204" pitchFamily="18" charset="0"/>
+                                            </a:rPr>
                                           </m:ctrlPr>
                                         </m:dPr>
                                         <m:e>
                                           <m:r>
-                                            <a:rPr lang="ar-AE" sz="1600"/>
+                                            <a:rPr lang="ar-AE" sz="1600">
+                                              <a:latin typeface="Cambria Math" panose="02040503050406030204" pitchFamily="18" charset="0"/>
+                                            </a:rPr>
                                             <m:t>)</m:t>
                                           </m:r>
                                         </m:e>
@@ -5029,7 +5094,9 @@
                                     </m:e>
                                     <m:sup>
                                       <m:r>
-                                        <a:rPr lang="ar-AE" sz="1600"/>
+                                        <a:rPr lang="ar-AE" sz="1600">
+                                          <a:latin typeface="Cambria Math" panose="02040503050406030204" pitchFamily="18" charset="0"/>
+                                        </a:rPr>
                                         <m:t>2</m:t>
                                       </m:r>
                                     </m:sup>
@@ -5041,14 +5108,18 @@
                         </m:e>
                       </m:rad>
                       <m:r>
-                        <a:rPr lang="ar-AE" sz="1600"/>
+                        <a:rPr lang="ar-AE" sz="1600">
+                          <a:latin typeface="Cambria Math" panose="02040503050406030204" pitchFamily="18" charset="0"/>
+                        </a:rPr>
                         <m:t>−</m:t>
                       </m:r>
                       <m:rad>
                         <m:radPr>
                           <m:degHide m:val="on"/>
                           <m:ctrlPr>
-                            <a:rPr lang="ar-AE" sz="1600" i="1"/>
+                            <a:rPr lang="ar-AE" sz="1600" i="1">
+                              <a:latin typeface="Cambria Math" panose="02040503050406030204" pitchFamily="18" charset="0"/>
+                            </a:rPr>
                           </m:ctrlPr>
                         </m:radPr>
                         <m:deg/>
@@ -5057,33 +5128,45 @@
                             <m:dPr>
                               <m:endChr m:val=""/>
                               <m:ctrlPr>
-                                <a:rPr lang="ar-AE" sz="1600" i="1"/>
+                                <a:rPr lang="ar-AE" sz="1600" i="1">
+                                  <a:latin typeface="Cambria Math" panose="02040503050406030204" pitchFamily="18" charset="0"/>
+                                </a:rPr>
                               </m:ctrlPr>
                             </m:dPr>
                             <m:e>
                               <m:r>
-                                <a:rPr lang="ar-AE" sz="1600" i="1"/>
+                                <a:rPr lang="ar-AE" sz="1600" i="1">
+                                  <a:latin typeface="Cambria Math" panose="02040503050406030204" pitchFamily="18" charset="0"/>
+                                </a:rPr>
                                 <m:t>𝑥</m:t>
                               </m:r>
                               <m:r>
-                                <a:rPr lang="ar-AE" sz="1600"/>
+                                <a:rPr lang="ar-AE" sz="1600">
+                                  <a:latin typeface="Cambria Math" panose="02040503050406030204" pitchFamily="18" charset="0"/>
+                                </a:rPr>
                                 <m:t>−</m:t>
                               </m:r>
                               <m:sSub>
                                 <m:sSubPr>
                                   <m:ctrlPr>
-                                    <a:rPr lang="ar-AE" sz="1600" i="1"/>
+                                    <a:rPr lang="ar-AE" sz="1600" i="1">
+                                      <a:latin typeface="Cambria Math" panose="02040503050406030204" pitchFamily="18" charset="0"/>
+                                    </a:rPr>
                                   </m:ctrlPr>
                                 </m:sSubPr>
                                 <m:e>
                                   <m:r>
-                                    <a:rPr lang="ar-AE" sz="1600" i="1"/>
+                                    <a:rPr lang="ar-AE" sz="1600" i="1">
+                                      <a:latin typeface="Cambria Math" panose="02040503050406030204" pitchFamily="18" charset="0"/>
+                                    </a:rPr>
                                     <m:t>𝑥</m:t>
                                   </m:r>
                                 </m:e>
                                 <m:sub>
                                   <m:r>
-                                    <a:rPr lang="ar-AE" sz="1600"/>
+                                    <a:rPr lang="ar-AE" sz="1600">
+                                      <a:latin typeface="Cambria Math" panose="02040503050406030204" pitchFamily="18" charset="0"/>
+                                    </a:rPr>
                                     <m:t>2</m:t>
                                   </m:r>
                                 </m:sub>
@@ -5091,7 +5174,9 @@
                               <m:sSup>
                                 <m:sSupPr>
                                   <m:ctrlPr>
-                                    <a:rPr lang="ar-AE" sz="1600" i="1"/>
+                                    <a:rPr lang="ar-AE" sz="1600" i="1">
+                                      <a:latin typeface="Cambria Math" panose="02040503050406030204" pitchFamily="18" charset="0"/>
+                                    </a:rPr>
                                   </m:ctrlPr>
                                 </m:sSupPr>
                                 <m:e>
@@ -5100,12 +5185,16 @@
                                       <m:begChr m:val=""/>
                                       <m:endChr m:val=""/>
                                       <m:ctrlPr>
-                                        <a:rPr lang="ar-AE" sz="1600" i="1"/>
+                                        <a:rPr lang="ar-AE" sz="1600" i="1">
+                                          <a:latin typeface="Cambria Math" panose="02040503050406030204" pitchFamily="18" charset="0"/>
+                                        </a:rPr>
                                       </m:ctrlPr>
                                     </m:dPr>
                                     <m:e>
                                       <m:r>
-                                        <a:rPr lang="ar-AE" sz="1600"/>
+                                        <a:rPr lang="ar-AE" sz="1600">
+                                          <a:latin typeface="Cambria Math" panose="02040503050406030204" pitchFamily="18" charset="0"/>
+                                        </a:rPr>
                                         <m:t>)</m:t>
                                       </m:r>
                                     </m:e>
@@ -5113,46 +5202,62 @@
                                 </m:e>
                                 <m:sup>
                                   <m:r>
-                                    <a:rPr lang="ar-AE" sz="1600"/>
+                                    <a:rPr lang="ar-AE" sz="1600">
+                                      <a:latin typeface="Cambria Math" panose="02040503050406030204" pitchFamily="18" charset="0"/>
+                                    </a:rPr>
                                     <m:t>2</m:t>
                                   </m:r>
                                 </m:sup>
                               </m:sSup>
                               <m:r>
-                                <a:rPr lang="ar-AE" sz="1600"/>
+                                <a:rPr lang="ar-AE" sz="1600">
+                                  <a:latin typeface="Cambria Math" panose="02040503050406030204" pitchFamily="18" charset="0"/>
+                                </a:rPr>
                                 <m:t>+</m:t>
                               </m:r>
                               <m:d>
                                 <m:dPr>
                                   <m:endChr m:val=""/>
                                   <m:ctrlPr>
-                                    <a:rPr lang="ar-AE" sz="1600" i="1"/>
+                                    <a:rPr lang="ar-AE" sz="1600" i="1">
+                                      <a:latin typeface="Cambria Math" panose="02040503050406030204" pitchFamily="18" charset="0"/>
+                                    </a:rPr>
                                   </m:ctrlPr>
                                 </m:dPr>
                                 <m:e>
                                   <m:r>
-                                    <a:rPr lang="ar-AE" sz="1600" i="1"/>
+                                    <a:rPr lang="ar-AE" sz="1600" i="1">
+                                      <a:latin typeface="Cambria Math" panose="02040503050406030204" pitchFamily="18" charset="0"/>
+                                    </a:rPr>
                                     <m:t>𝑦</m:t>
                                   </m:r>
                                   <m:r>
-                                    <a:rPr lang="ar-AE" sz="1600"/>
+                                    <a:rPr lang="ar-AE" sz="1600">
+                                      <a:latin typeface="Cambria Math" panose="02040503050406030204" pitchFamily="18" charset="0"/>
+                                    </a:rPr>
                                     <m:t>−</m:t>
                                   </m:r>
                                   <m:sSub>
                                     <m:sSubPr>
                                       <m:ctrlPr>
-                                        <a:rPr lang="ar-AE" sz="1600" i="1"/>
+                                        <a:rPr lang="ar-AE" sz="1600" i="1">
+                                          <a:latin typeface="Cambria Math" panose="02040503050406030204" pitchFamily="18" charset="0"/>
+                                        </a:rPr>
                                       </m:ctrlPr>
                                     </m:sSubPr>
                                     <m:e>
                                       <m:r>
-                                        <a:rPr lang="ar-AE" sz="1600" i="1"/>
+                                        <a:rPr lang="ar-AE" sz="1600" i="1">
+                                          <a:latin typeface="Cambria Math" panose="02040503050406030204" pitchFamily="18" charset="0"/>
+                                        </a:rPr>
                                         <m:t>𝑦</m:t>
                                       </m:r>
                                     </m:e>
                                     <m:sub>
                                       <m:r>
-                                        <a:rPr lang="ar-AE" sz="1600"/>
+                                        <a:rPr lang="ar-AE" sz="1600">
+                                          <a:latin typeface="Cambria Math" panose="02040503050406030204" pitchFamily="18" charset="0"/>
+                                        </a:rPr>
                                         <m:t>2</m:t>
                                       </m:r>
                                     </m:sub>
@@ -5160,7 +5265,9 @@
                                   <m:sSup>
                                     <m:sSupPr>
                                       <m:ctrlPr>
-                                        <a:rPr lang="ar-AE" sz="1600" i="1"/>
+                                        <a:rPr lang="ar-AE" sz="1600" i="1">
+                                          <a:latin typeface="Cambria Math" panose="02040503050406030204" pitchFamily="18" charset="0"/>
+                                        </a:rPr>
                                       </m:ctrlPr>
                                     </m:sSupPr>
                                     <m:e>
@@ -5169,12 +5276,16 @@
                                           <m:begChr m:val=""/>
                                           <m:endChr m:val=""/>
                                           <m:ctrlPr>
-                                            <a:rPr lang="ar-AE" sz="1600" i="1"/>
+                                            <a:rPr lang="ar-AE" sz="1600" i="1">
+                                              <a:latin typeface="Cambria Math" panose="02040503050406030204" pitchFamily="18" charset="0"/>
+                                            </a:rPr>
                                           </m:ctrlPr>
                                         </m:dPr>
                                         <m:e>
                                           <m:r>
-                                            <a:rPr lang="ar-AE" sz="1600"/>
+                                            <a:rPr lang="ar-AE" sz="1600">
+                                              <a:latin typeface="Cambria Math" panose="02040503050406030204" pitchFamily="18" charset="0"/>
+                                            </a:rPr>
                                             <m:t>)</m:t>
                                           </m:r>
                                         </m:e>
@@ -5182,7 +5293,9 @@
                                     </m:e>
                                     <m:sup>
                                       <m:r>
-                                        <a:rPr lang="ar-AE" sz="1600"/>
+                                        <a:rPr lang="ar-AE" sz="1600">
+                                          <a:latin typeface="Cambria Math" panose="02040503050406030204" pitchFamily="18" charset="0"/>
+                                        </a:rPr>
                                         <m:t>2</m:t>
                                       </m:r>
                                     </m:sup>
@@ -5194,24 +5307,32 @@
                         </m:e>
                       </m:rad>
                       <m:r>
-                        <a:rPr lang="ar-AE" sz="1600"/>
+                        <a:rPr lang="ar-AE" sz="1600">
+                          <a:latin typeface="Cambria Math" panose="02040503050406030204" pitchFamily="18" charset="0"/>
+                        </a:rPr>
                         <m:t>=</m:t>
                       </m:r>
                       <m:sSub>
                         <m:sSubPr>
                           <m:ctrlPr>
-                            <a:rPr lang="ar-AE" sz="1600" i="1"/>
+                            <a:rPr lang="ar-AE" sz="1600" i="1">
+                              <a:latin typeface="Cambria Math" panose="02040503050406030204" pitchFamily="18" charset="0"/>
+                            </a:rPr>
                           </m:ctrlPr>
                         </m:sSubPr>
                         <m:e>
                           <m:r>
-                            <a:rPr lang="ar-AE" sz="1600" i="1"/>
+                            <a:rPr lang="ar-AE" sz="1600" i="1">
+                              <a:latin typeface="Cambria Math" panose="02040503050406030204" pitchFamily="18" charset="0"/>
+                            </a:rPr>
                             <m:t>𝑑</m:t>
                           </m:r>
                         </m:e>
                         <m:sub>
                           <m:r>
-                            <a:rPr lang="ar-AE" sz="1600"/>
+                            <a:rPr lang="ar-AE" sz="1600">
+                              <a:latin typeface="Cambria Math" panose="02040503050406030204" pitchFamily="18" charset="0"/>
+                            </a:rPr>
                             <m:t>12</m:t>
                           </m:r>
                         </m:sub>
@@ -5222,6 +5343,7 @@
                 <a:endParaRPr lang="ar-AE" sz="1600" dirty="0"/>
               </a:p>
               <a:p>
+                <a:pPr/>
                 <a14:m>
                   <m:oMathPara xmlns:m="http://schemas.openxmlformats.org/officeDocument/2006/math">
                     <m:oMathParaPr>
@@ -5232,7 +5354,9 @@
                         <m:radPr>
                           <m:degHide m:val="on"/>
                           <m:ctrlPr>
-                            <a:rPr lang="ar-AE" sz="1600"/>
+                            <a:rPr lang="ar-AE" sz="1600" i="1">
+                              <a:latin typeface="Cambria Math" panose="02040503050406030204" pitchFamily="18" charset="0"/>
+                            </a:rPr>
                           </m:ctrlPr>
                         </m:radPr>
                         <m:deg/>
@@ -5241,33 +5365,45 @@
                             <m:dPr>
                               <m:endChr m:val=""/>
                               <m:ctrlPr>
-                                <a:rPr lang="ar-AE" sz="1600"/>
+                                <a:rPr lang="ar-AE" sz="1600" i="1">
+                                  <a:latin typeface="Cambria Math" panose="02040503050406030204" pitchFamily="18" charset="0"/>
+                                </a:rPr>
                               </m:ctrlPr>
                             </m:dPr>
                             <m:e>
                               <m:r>
-                                <a:rPr lang="ar-AE" sz="1600" i="1"/>
+                                <a:rPr lang="ar-AE" sz="1600" i="1">
+                                  <a:latin typeface="Cambria Math" panose="02040503050406030204" pitchFamily="18" charset="0"/>
+                                </a:rPr>
                                 <m:t>𝑥</m:t>
                               </m:r>
                               <m:r>
-                                <a:rPr lang="ar-AE" sz="1600"/>
+                                <a:rPr lang="ar-AE" sz="1600">
+                                  <a:latin typeface="Cambria Math" panose="02040503050406030204" pitchFamily="18" charset="0"/>
+                                </a:rPr>
                                 <m:t>−</m:t>
                               </m:r>
                               <m:sSub>
                                 <m:sSubPr>
                                   <m:ctrlPr>
-                                    <a:rPr lang="ar-AE" sz="1600" i="1"/>
+                                    <a:rPr lang="ar-AE" sz="1600" i="1">
+                                      <a:latin typeface="Cambria Math" panose="02040503050406030204" pitchFamily="18" charset="0"/>
+                                    </a:rPr>
                                   </m:ctrlPr>
                                 </m:sSubPr>
                                 <m:e>
                                   <m:r>
-                                    <a:rPr lang="ar-AE" sz="1600" i="1"/>
+                                    <a:rPr lang="ar-AE" sz="1600" i="1">
+                                      <a:latin typeface="Cambria Math" panose="02040503050406030204" pitchFamily="18" charset="0"/>
+                                    </a:rPr>
                                     <m:t>𝑥</m:t>
                                   </m:r>
                                 </m:e>
                                 <m:sub>
                                   <m:r>
-                                    <a:rPr lang="ar-AE" sz="1600"/>
+                                    <a:rPr lang="ar-AE" sz="1600">
+                                      <a:latin typeface="Cambria Math" panose="02040503050406030204" pitchFamily="18" charset="0"/>
+                                    </a:rPr>
                                     <m:t>2</m:t>
                                   </m:r>
                                 </m:sub>
@@ -5275,7 +5411,9 @@
                               <m:sSup>
                                 <m:sSupPr>
                                   <m:ctrlPr>
-                                    <a:rPr lang="ar-AE" sz="1600" i="1"/>
+                                    <a:rPr lang="ar-AE" sz="1600" i="1">
+                                      <a:latin typeface="Cambria Math" panose="02040503050406030204" pitchFamily="18" charset="0"/>
+                                    </a:rPr>
                                   </m:ctrlPr>
                                 </m:sSupPr>
                                 <m:e>
@@ -5284,12 +5422,16 @@
                                       <m:begChr m:val=""/>
                                       <m:endChr m:val=""/>
                                       <m:ctrlPr>
-                                        <a:rPr lang="ar-AE" sz="1600" i="1"/>
+                                        <a:rPr lang="ar-AE" sz="1600" i="1">
+                                          <a:latin typeface="Cambria Math" panose="02040503050406030204" pitchFamily="18" charset="0"/>
+                                        </a:rPr>
                                       </m:ctrlPr>
                                     </m:dPr>
                                     <m:e>
                                       <m:r>
-                                        <a:rPr lang="ar-AE" sz="1600"/>
+                                        <a:rPr lang="ar-AE" sz="1600">
+                                          <a:latin typeface="Cambria Math" panose="02040503050406030204" pitchFamily="18" charset="0"/>
+                                        </a:rPr>
                                         <m:t>)</m:t>
                                       </m:r>
                                     </m:e>
@@ -5297,46 +5439,62 @@
                                 </m:e>
                                 <m:sup>
                                   <m:r>
-                                    <a:rPr lang="ar-AE" sz="1600"/>
+                                    <a:rPr lang="ar-AE" sz="1600">
+                                      <a:latin typeface="Cambria Math" panose="02040503050406030204" pitchFamily="18" charset="0"/>
+                                    </a:rPr>
                                     <m:t>2</m:t>
                                   </m:r>
                                 </m:sup>
                               </m:sSup>
                               <m:r>
-                                <a:rPr lang="ar-AE" sz="1600"/>
+                                <a:rPr lang="ar-AE" sz="1600">
+                                  <a:latin typeface="Cambria Math" panose="02040503050406030204" pitchFamily="18" charset="0"/>
+                                </a:rPr>
                                 <m:t>+</m:t>
                               </m:r>
                               <m:d>
                                 <m:dPr>
                                   <m:endChr m:val=""/>
                                   <m:ctrlPr>
-                                    <a:rPr lang="ar-AE" sz="1600" i="1"/>
+                                    <a:rPr lang="ar-AE" sz="1600" i="1">
+                                      <a:latin typeface="Cambria Math" panose="02040503050406030204" pitchFamily="18" charset="0"/>
+                                    </a:rPr>
                                   </m:ctrlPr>
                                 </m:dPr>
                                 <m:e>
                                   <m:r>
-                                    <a:rPr lang="ar-AE" sz="1600" i="1"/>
+                                    <a:rPr lang="ar-AE" sz="1600" i="1">
+                                      <a:latin typeface="Cambria Math" panose="02040503050406030204" pitchFamily="18" charset="0"/>
+                                    </a:rPr>
                                     <m:t>𝑦</m:t>
                                   </m:r>
                                   <m:r>
-                                    <a:rPr lang="ar-AE" sz="1600"/>
+                                    <a:rPr lang="ar-AE" sz="1600">
+                                      <a:latin typeface="Cambria Math" panose="02040503050406030204" pitchFamily="18" charset="0"/>
+                                    </a:rPr>
                                     <m:t>−</m:t>
                                   </m:r>
                                   <m:sSub>
                                     <m:sSubPr>
                                       <m:ctrlPr>
-                                        <a:rPr lang="ar-AE" sz="1600" i="1"/>
+                                        <a:rPr lang="ar-AE" sz="1600" i="1">
+                                          <a:latin typeface="Cambria Math" panose="02040503050406030204" pitchFamily="18" charset="0"/>
+                                        </a:rPr>
                                       </m:ctrlPr>
                                     </m:sSubPr>
                                     <m:e>
                                       <m:r>
-                                        <a:rPr lang="ar-AE" sz="1600" i="1"/>
+                                        <a:rPr lang="ar-AE" sz="1600" i="1">
+                                          <a:latin typeface="Cambria Math" panose="02040503050406030204" pitchFamily="18" charset="0"/>
+                                        </a:rPr>
                                         <m:t>𝑦</m:t>
                                       </m:r>
                                     </m:e>
                                     <m:sub>
                                       <m:r>
-                                        <a:rPr lang="ar-AE" sz="1600"/>
+                                        <a:rPr lang="ar-AE" sz="1600">
+                                          <a:latin typeface="Cambria Math" panose="02040503050406030204" pitchFamily="18" charset="0"/>
+                                        </a:rPr>
                                         <m:t>2</m:t>
                                       </m:r>
                                     </m:sub>
@@ -5344,7 +5502,9 @@
                                   <m:sSup>
                                     <m:sSupPr>
                                       <m:ctrlPr>
-                                        <a:rPr lang="ar-AE" sz="1600" i="1"/>
+                                        <a:rPr lang="ar-AE" sz="1600" i="1">
+                                          <a:latin typeface="Cambria Math" panose="02040503050406030204" pitchFamily="18" charset="0"/>
+                                        </a:rPr>
                                       </m:ctrlPr>
                                     </m:sSupPr>
                                     <m:e>
@@ -5353,12 +5513,16 @@
                                           <m:begChr m:val=""/>
                                           <m:endChr m:val=""/>
                                           <m:ctrlPr>
-                                            <a:rPr lang="ar-AE" sz="1600" i="1"/>
+                                            <a:rPr lang="ar-AE" sz="1600" i="1">
+                                              <a:latin typeface="Cambria Math" panose="02040503050406030204" pitchFamily="18" charset="0"/>
+                                            </a:rPr>
                                           </m:ctrlPr>
                                         </m:dPr>
                                         <m:e>
                                           <m:r>
-                                            <a:rPr lang="ar-AE" sz="1600"/>
+                                            <a:rPr lang="ar-AE" sz="1600">
+                                              <a:latin typeface="Cambria Math" panose="02040503050406030204" pitchFamily="18" charset="0"/>
+                                            </a:rPr>
                                             <m:t>)</m:t>
                                           </m:r>
                                         </m:e>
@@ -5366,7 +5530,9 @@
                                     </m:e>
                                     <m:sup>
                                       <m:r>
-                                        <a:rPr lang="ar-AE" sz="1600"/>
+                                        <a:rPr lang="ar-AE" sz="1600">
+                                          <a:latin typeface="Cambria Math" panose="02040503050406030204" pitchFamily="18" charset="0"/>
+                                        </a:rPr>
                                         <m:t>2</m:t>
                                       </m:r>
                                     </m:sup>
@@ -5378,14 +5544,18 @@
                         </m:e>
                       </m:rad>
                       <m:r>
-                        <a:rPr lang="ar-AE" sz="1600"/>
+                        <a:rPr lang="ar-AE" sz="1600">
+                          <a:latin typeface="Cambria Math" panose="02040503050406030204" pitchFamily="18" charset="0"/>
+                        </a:rPr>
                         <m:t>−</m:t>
                       </m:r>
                       <m:rad>
                         <m:radPr>
                           <m:degHide m:val="on"/>
                           <m:ctrlPr>
-                            <a:rPr lang="ar-AE" sz="1600" i="1"/>
+                            <a:rPr lang="ar-AE" sz="1600" i="1">
+                              <a:latin typeface="Cambria Math" panose="02040503050406030204" pitchFamily="18" charset="0"/>
+                            </a:rPr>
                           </m:ctrlPr>
                         </m:radPr>
                         <m:deg/>
@@ -5394,33 +5564,45 @@
                             <m:dPr>
                               <m:endChr m:val=""/>
                               <m:ctrlPr>
-                                <a:rPr lang="ar-AE" sz="1600" i="1"/>
+                                <a:rPr lang="ar-AE" sz="1600" i="1">
+                                  <a:latin typeface="Cambria Math" panose="02040503050406030204" pitchFamily="18" charset="0"/>
+                                </a:rPr>
                               </m:ctrlPr>
                             </m:dPr>
                             <m:e>
                               <m:r>
-                                <a:rPr lang="ar-AE" sz="1600" i="1"/>
+                                <a:rPr lang="ar-AE" sz="1600" i="1">
+                                  <a:latin typeface="Cambria Math" panose="02040503050406030204" pitchFamily="18" charset="0"/>
+                                </a:rPr>
                                 <m:t>𝑥</m:t>
                               </m:r>
                               <m:r>
-                                <a:rPr lang="ar-AE" sz="1600"/>
+                                <a:rPr lang="ar-AE" sz="1600">
+                                  <a:latin typeface="Cambria Math" panose="02040503050406030204" pitchFamily="18" charset="0"/>
+                                </a:rPr>
                                 <m:t>−</m:t>
                               </m:r>
                               <m:sSub>
                                 <m:sSubPr>
                                   <m:ctrlPr>
-                                    <a:rPr lang="ar-AE" sz="1600" i="1"/>
+                                    <a:rPr lang="ar-AE" sz="1600" i="1">
+                                      <a:latin typeface="Cambria Math" panose="02040503050406030204" pitchFamily="18" charset="0"/>
+                                    </a:rPr>
                                   </m:ctrlPr>
                                 </m:sSubPr>
                                 <m:e>
                                   <m:r>
-                                    <a:rPr lang="ar-AE" sz="1600" i="1"/>
+                                    <a:rPr lang="ar-AE" sz="1600" i="1">
+                                      <a:latin typeface="Cambria Math" panose="02040503050406030204" pitchFamily="18" charset="0"/>
+                                    </a:rPr>
                                     <m:t>𝑥</m:t>
                                   </m:r>
                                 </m:e>
                                 <m:sub>
                                   <m:r>
-                                    <a:rPr lang="ar-AE" sz="1600"/>
+                                    <a:rPr lang="ar-AE" sz="1600">
+                                      <a:latin typeface="Cambria Math" panose="02040503050406030204" pitchFamily="18" charset="0"/>
+                                    </a:rPr>
                                     <m:t>3</m:t>
                                   </m:r>
                                 </m:sub>
@@ -5428,7 +5610,9 @@
                               <m:sSup>
                                 <m:sSupPr>
                                   <m:ctrlPr>
-                                    <a:rPr lang="ar-AE" sz="1600" i="1"/>
+                                    <a:rPr lang="ar-AE" sz="1600" i="1">
+                                      <a:latin typeface="Cambria Math" panose="02040503050406030204" pitchFamily="18" charset="0"/>
+                                    </a:rPr>
                                   </m:ctrlPr>
                                 </m:sSupPr>
                                 <m:e>
@@ -5437,12 +5621,16 @@
                                       <m:begChr m:val=""/>
                                       <m:endChr m:val=""/>
                                       <m:ctrlPr>
-                                        <a:rPr lang="ar-AE" sz="1600" i="1"/>
+                                        <a:rPr lang="ar-AE" sz="1600" i="1">
+                                          <a:latin typeface="Cambria Math" panose="02040503050406030204" pitchFamily="18" charset="0"/>
+                                        </a:rPr>
                                       </m:ctrlPr>
                                     </m:dPr>
                                     <m:e>
                                       <m:r>
-                                        <a:rPr lang="ar-AE" sz="1600"/>
+                                        <a:rPr lang="ar-AE" sz="1600">
+                                          <a:latin typeface="Cambria Math" panose="02040503050406030204" pitchFamily="18" charset="0"/>
+                                        </a:rPr>
                                         <m:t>)</m:t>
                                       </m:r>
                                     </m:e>
@@ -5450,46 +5638,62 @@
                                 </m:e>
                                 <m:sup>
                                   <m:r>
-                                    <a:rPr lang="ar-AE" sz="1600"/>
+                                    <a:rPr lang="ar-AE" sz="1600">
+                                      <a:latin typeface="Cambria Math" panose="02040503050406030204" pitchFamily="18" charset="0"/>
+                                    </a:rPr>
                                     <m:t>2</m:t>
                                   </m:r>
                                 </m:sup>
                               </m:sSup>
                               <m:r>
-                                <a:rPr lang="ar-AE" sz="1600"/>
+                                <a:rPr lang="ar-AE" sz="1600">
+                                  <a:latin typeface="Cambria Math" panose="02040503050406030204" pitchFamily="18" charset="0"/>
+                                </a:rPr>
                                 <m:t>+</m:t>
                               </m:r>
                               <m:d>
                                 <m:dPr>
                                   <m:endChr m:val=""/>
                                   <m:ctrlPr>
-                                    <a:rPr lang="ar-AE" sz="1600" i="1"/>
+                                    <a:rPr lang="ar-AE" sz="1600" i="1">
+                                      <a:latin typeface="Cambria Math" panose="02040503050406030204" pitchFamily="18" charset="0"/>
+                                    </a:rPr>
                                   </m:ctrlPr>
                                 </m:dPr>
                                 <m:e>
                                   <m:r>
-                                    <a:rPr lang="ar-AE" sz="1600" i="1"/>
+                                    <a:rPr lang="ar-AE" sz="1600" i="1">
+                                      <a:latin typeface="Cambria Math" panose="02040503050406030204" pitchFamily="18" charset="0"/>
+                                    </a:rPr>
                                     <m:t>𝑦</m:t>
                                   </m:r>
                                   <m:r>
-                                    <a:rPr lang="ar-AE" sz="1600"/>
+                                    <a:rPr lang="ar-AE" sz="1600">
+                                      <a:latin typeface="Cambria Math" panose="02040503050406030204" pitchFamily="18" charset="0"/>
+                                    </a:rPr>
                                     <m:t>−</m:t>
                                   </m:r>
                                   <m:sSub>
                                     <m:sSubPr>
                                       <m:ctrlPr>
-                                        <a:rPr lang="ar-AE" sz="1600" i="1"/>
+                                        <a:rPr lang="ar-AE" sz="1600" i="1">
+                                          <a:latin typeface="Cambria Math" panose="02040503050406030204" pitchFamily="18" charset="0"/>
+                                        </a:rPr>
                                       </m:ctrlPr>
                                     </m:sSubPr>
                                     <m:e>
                                       <m:r>
-                                        <a:rPr lang="ar-AE" sz="1600" i="1"/>
+                                        <a:rPr lang="ar-AE" sz="1600" i="1">
+                                          <a:latin typeface="Cambria Math" panose="02040503050406030204" pitchFamily="18" charset="0"/>
+                                        </a:rPr>
                                         <m:t>𝑦</m:t>
                                       </m:r>
                                     </m:e>
                                     <m:sub>
                                       <m:r>
-                                        <a:rPr lang="ar-AE" sz="1600"/>
+                                        <a:rPr lang="ar-AE" sz="1600">
+                                          <a:latin typeface="Cambria Math" panose="02040503050406030204" pitchFamily="18" charset="0"/>
+                                        </a:rPr>
                                         <m:t>3</m:t>
                                       </m:r>
                                     </m:sub>
@@ -5497,7 +5701,9 @@
                                   <m:sSup>
                                     <m:sSupPr>
                                       <m:ctrlPr>
-                                        <a:rPr lang="ar-AE" sz="1600" i="1"/>
+                                        <a:rPr lang="ar-AE" sz="1600" i="1">
+                                          <a:latin typeface="Cambria Math" panose="02040503050406030204" pitchFamily="18" charset="0"/>
+                                        </a:rPr>
                                       </m:ctrlPr>
                                     </m:sSupPr>
                                     <m:e>
@@ -5506,12 +5712,16 @@
                                           <m:begChr m:val=""/>
                                           <m:endChr m:val=""/>
                                           <m:ctrlPr>
-                                            <a:rPr lang="ar-AE" sz="1600" i="1"/>
+                                            <a:rPr lang="ar-AE" sz="1600" i="1">
+                                              <a:latin typeface="Cambria Math" panose="02040503050406030204" pitchFamily="18" charset="0"/>
+                                            </a:rPr>
                                           </m:ctrlPr>
                                         </m:dPr>
                                         <m:e>
                                           <m:r>
-                                            <a:rPr lang="ar-AE" sz="1600"/>
+                                            <a:rPr lang="ar-AE" sz="1600">
+                                              <a:latin typeface="Cambria Math" panose="02040503050406030204" pitchFamily="18" charset="0"/>
+                                            </a:rPr>
                                             <m:t>)</m:t>
                                           </m:r>
                                         </m:e>
@@ -5519,7 +5729,9 @@
                                     </m:e>
                                     <m:sup>
                                       <m:r>
-                                        <a:rPr lang="ar-AE" sz="1600"/>
+                                        <a:rPr lang="ar-AE" sz="1600">
+                                          <a:latin typeface="Cambria Math" panose="02040503050406030204" pitchFamily="18" charset="0"/>
+                                        </a:rPr>
                                         <m:t>2</m:t>
                                       </m:r>
                                     </m:sup>
@@ -5531,24 +5743,32 @@
                         </m:e>
                       </m:rad>
                       <m:r>
-                        <a:rPr lang="ar-AE" sz="1600"/>
+                        <a:rPr lang="ar-AE" sz="1600">
+                          <a:latin typeface="Cambria Math" panose="02040503050406030204" pitchFamily="18" charset="0"/>
+                        </a:rPr>
                         <m:t>=</m:t>
                       </m:r>
                       <m:sSub>
                         <m:sSubPr>
                           <m:ctrlPr>
-                            <a:rPr lang="ar-AE" sz="1600" i="1"/>
+                            <a:rPr lang="ar-AE" sz="1600" i="1">
+                              <a:latin typeface="Cambria Math" panose="02040503050406030204" pitchFamily="18" charset="0"/>
+                            </a:rPr>
                           </m:ctrlPr>
                         </m:sSubPr>
                         <m:e>
                           <m:r>
-                            <a:rPr lang="ar-AE" sz="1600" i="1"/>
+                            <a:rPr lang="ar-AE" sz="1600" i="1">
+                              <a:latin typeface="Cambria Math" panose="02040503050406030204" pitchFamily="18" charset="0"/>
+                            </a:rPr>
                             <m:t>𝑑</m:t>
                           </m:r>
                         </m:e>
                         <m:sub>
                           <m:r>
-                            <a:rPr lang="ar-AE" sz="1600"/>
+                            <a:rPr lang="ar-AE" sz="1600">
+                              <a:latin typeface="Cambria Math" panose="02040503050406030204" pitchFamily="18" charset="0"/>
+                            </a:rPr>
                             <m:t>23</m:t>
                           </m:r>
                         </m:sub>
@@ -5559,6 +5779,7 @@
                 <a:endParaRPr lang="ar-AE" sz="1600" dirty="0"/>
               </a:p>
               <a:p>
+                <a:pPr/>
                 <a14:m>
                   <m:oMathPara xmlns:m="http://schemas.openxmlformats.org/officeDocument/2006/math">
                     <m:oMathParaPr>
@@ -5569,7 +5790,9 @@
                         <m:radPr>
                           <m:degHide m:val="on"/>
                           <m:ctrlPr>
-                            <a:rPr lang="ar-AE" sz="1600"/>
+                            <a:rPr lang="ar-AE" sz="1600" i="1">
+                              <a:latin typeface="Cambria Math" panose="02040503050406030204" pitchFamily="18" charset="0"/>
+                            </a:rPr>
                           </m:ctrlPr>
                         </m:radPr>
                         <m:deg/>
@@ -5578,33 +5801,45 @@
                             <m:dPr>
                               <m:endChr m:val=""/>
                               <m:ctrlPr>
-                                <a:rPr lang="ar-AE" sz="1600"/>
+                                <a:rPr lang="ar-AE" sz="1600" i="1">
+                                  <a:latin typeface="Cambria Math" panose="02040503050406030204" pitchFamily="18" charset="0"/>
+                                </a:rPr>
                               </m:ctrlPr>
                             </m:dPr>
                             <m:e>
                               <m:r>
-                                <a:rPr lang="ar-AE" sz="1600" i="1"/>
+                                <a:rPr lang="ar-AE" sz="1600" i="1">
+                                  <a:latin typeface="Cambria Math" panose="02040503050406030204" pitchFamily="18" charset="0"/>
+                                </a:rPr>
                                 <m:t>𝑥</m:t>
                               </m:r>
                               <m:r>
-                                <a:rPr lang="ar-AE" sz="1600"/>
+                                <a:rPr lang="ar-AE" sz="1600">
+                                  <a:latin typeface="Cambria Math" panose="02040503050406030204" pitchFamily="18" charset="0"/>
+                                </a:rPr>
                                 <m:t>−</m:t>
                               </m:r>
                               <m:sSub>
                                 <m:sSubPr>
                                   <m:ctrlPr>
-                                    <a:rPr lang="ar-AE" sz="1600" i="1"/>
+                                    <a:rPr lang="ar-AE" sz="1600" i="1">
+                                      <a:latin typeface="Cambria Math" panose="02040503050406030204" pitchFamily="18" charset="0"/>
+                                    </a:rPr>
                                   </m:ctrlPr>
                                 </m:sSubPr>
                                 <m:e>
                                   <m:r>
-                                    <a:rPr lang="ar-AE" sz="1600" i="1"/>
+                                    <a:rPr lang="ar-AE" sz="1600" i="1">
+                                      <a:latin typeface="Cambria Math" panose="02040503050406030204" pitchFamily="18" charset="0"/>
+                                    </a:rPr>
                                     <m:t>𝑥</m:t>
                                   </m:r>
                                 </m:e>
                                 <m:sub>
                                   <m:r>
-                                    <a:rPr lang="ar-AE" sz="1600"/>
+                                    <a:rPr lang="ar-AE" sz="1600">
+                                      <a:latin typeface="Cambria Math" panose="02040503050406030204" pitchFamily="18" charset="0"/>
+                                    </a:rPr>
                                     <m:t>1</m:t>
                                   </m:r>
                                 </m:sub>
@@ -5612,7 +5847,9 @@
                               <m:sSup>
                                 <m:sSupPr>
                                   <m:ctrlPr>
-                                    <a:rPr lang="ar-AE" sz="1600" i="1"/>
+                                    <a:rPr lang="ar-AE" sz="1600" i="1">
+                                      <a:latin typeface="Cambria Math" panose="02040503050406030204" pitchFamily="18" charset="0"/>
+                                    </a:rPr>
                                   </m:ctrlPr>
                                 </m:sSupPr>
                                 <m:e>
@@ -5621,12 +5858,16 @@
                                       <m:begChr m:val=""/>
                                       <m:endChr m:val=""/>
                                       <m:ctrlPr>
-                                        <a:rPr lang="ar-AE" sz="1600" i="1"/>
+                                        <a:rPr lang="ar-AE" sz="1600" i="1">
+                                          <a:latin typeface="Cambria Math" panose="02040503050406030204" pitchFamily="18" charset="0"/>
+                                        </a:rPr>
                                       </m:ctrlPr>
                                     </m:dPr>
                                     <m:e>
                                       <m:r>
-                                        <a:rPr lang="ar-AE" sz="1600"/>
+                                        <a:rPr lang="ar-AE" sz="1600">
+                                          <a:latin typeface="Cambria Math" panose="02040503050406030204" pitchFamily="18" charset="0"/>
+                                        </a:rPr>
                                         <m:t>)</m:t>
                                       </m:r>
                                     </m:e>
@@ -5634,46 +5875,62 @@
                                 </m:e>
                                 <m:sup>
                                   <m:r>
-                                    <a:rPr lang="ar-AE" sz="1600"/>
+                                    <a:rPr lang="ar-AE" sz="1600">
+                                      <a:latin typeface="Cambria Math" panose="02040503050406030204" pitchFamily="18" charset="0"/>
+                                    </a:rPr>
                                     <m:t>2</m:t>
                                   </m:r>
                                 </m:sup>
                               </m:sSup>
                               <m:r>
-                                <a:rPr lang="ar-AE" sz="1600"/>
+                                <a:rPr lang="ar-AE" sz="1600">
+                                  <a:latin typeface="Cambria Math" panose="02040503050406030204" pitchFamily="18" charset="0"/>
+                                </a:rPr>
                                 <m:t>+</m:t>
                               </m:r>
                               <m:d>
                                 <m:dPr>
                                   <m:endChr m:val=""/>
                                   <m:ctrlPr>
-                                    <a:rPr lang="ar-AE" sz="1600" i="1"/>
+                                    <a:rPr lang="ar-AE" sz="1600" i="1">
+                                      <a:latin typeface="Cambria Math" panose="02040503050406030204" pitchFamily="18" charset="0"/>
+                                    </a:rPr>
                                   </m:ctrlPr>
                                 </m:dPr>
                                 <m:e>
                                   <m:r>
-                                    <a:rPr lang="ar-AE" sz="1600" i="1"/>
+                                    <a:rPr lang="ar-AE" sz="1600" i="1">
+                                      <a:latin typeface="Cambria Math" panose="02040503050406030204" pitchFamily="18" charset="0"/>
+                                    </a:rPr>
                                     <m:t>𝑦</m:t>
                                   </m:r>
                                   <m:r>
-                                    <a:rPr lang="ar-AE" sz="1600"/>
+                                    <a:rPr lang="ar-AE" sz="1600">
+                                      <a:latin typeface="Cambria Math" panose="02040503050406030204" pitchFamily="18" charset="0"/>
+                                    </a:rPr>
                                     <m:t>−</m:t>
                                   </m:r>
                                   <m:sSub>
                                     <m:sSubPr>
                                       <m:ctrlPr>
-                                        <a:rPr lang="ar-AE" sz="1600" i="1"/>
+                                        <a:rPr lang="ar-AE" sz="1600" i="1">
+                                          <a:latin typeface="Cambria Math" panose="02040503050406030204" pitchFamily="18" charset="0"/>
+                                        </a:rPr>
                                       </m:ctrlPr>
                                     </m:sSubPr>
                                     <m:e>
                                       <m:r>
-                                        <a:rPr lang="ar-AE" sz="1600" i="1"/>
+                                        <a:rPr lang="ar-AE" sz="1600" i="1">
+                                          <a:latin typeface="Cambria Math" panose="02040503050406030204" pitchFamily="18" charset="0"/>
+                                        </a:rPr>
                                         <m:t>𝑦</m:t>
                                       </m:r>
                                     </m:e>
                                     <m:sub>
                                       <m:r>
-                                        <a:rPr lang="ar-AE" sz="1600"/>
+                                        <a:rPr lang="ar-AE" sz="1600">
+                                          <a:latin typeface="Cambria Math" panose="02040503050406030204" pitchFamily="18" charset="0"/>
+                                        </a:rPr>
                                         <m:t>1</m:t>
                                       </m:r>
                                     </m:sub>
@@ -5681,7 +5938,9 @@
                                   <m:sSup>
                                     <m:sSupPr>
                                       <m:ctrlPr>
-                                        <a:rPr lang="ar-AE" sz="1600" i="1"/>
+                                        <a:rPr lang="ar-AE" sz="1600" i="1">
+                                          <a:latin typeface="Cambria Math" panose="02040503050406030204" pitchFamily="18" charset="0"/>
+                                        </a:rPr>
                                       </m:ctrlPr>
                                     </m:sSupPr>
                                     <m:e>
@@ -5690,12 +5949,16 @@
                                           <m:begChr m:val=""/>
                                           <m:endChr m:val=""/>
                                           <m:ctrlPr>
-                                            <a:rPr lang="ar-AE" sz="1600" i="1"/>
+                                            <a:rPr lang="ar-AE" sz="1600" i="1">
+                                              <a:latin typeface="Cambria Math" panose="02040503050406030204" pitchFamily="18" charset="0"/>
+                                            </a:rPr>
                                           </m:ctrlPr>
                                         </m:dPr>
                                         <m:e>
                                           <m:r>
-                                            <a:rPr lang="ar-AE" sz="1600"/>
+                                            <a:rPr lang="ar-AE" sz="1600">
+                                              <a:latin typeface="Cambria Math" panose="02040503050406030204" pitchFamily="18" charset="0"/>
+                                            </a:rPr>
                                             <m:t>)</m:t>
                                           </m:r>
                                         </m:e>
@@ -5703,7 +5966,9 @@
                                     </m:e>
                                     <m:sup>
                                       <m:r>
-                                        <a:rPr lang="ar-AE" sz="1600"/>
+                                        <a:rPr lang="ar-AE" sz="1600">
+                                          <a:latin typeface="Cambria Math" panose="02040503050406030204" pitchFamily="18" charset="0"/>
+                                        </a:rPr>
                                         <m:t>2</m:t>
                                       </m:r>
                                     </m:sup>
@@ -5715,14 +5980,18 @@
                         </m:e>
                       </m:rad>
                       <m:r>
-                        <a:rPr lang="ar-AE" sz="1600"/>
+                        <a:rPr lang="ar-AE" sz="1600">
+                          <a:latin typeface="Cambria Math" panose="02040503050406030204" pitchFamily="18" charset="0"/>
+                        </a:rPr>
                         <m:t>−</m:t>
                       </m:r>
                       <m:rad>
                         <m:radPr>
                           <m:degHide m:val="on"/>
                           <m:ctrlPr>
-                            <a:rPr lang="ar-AE" sz="1600" i="1"/>
+                            <a:rPr lang="ar-AE" sz="1600" i="1">
+                              <a:latin typeface="Cambria Math" panose="02040503050406030204" pitchFamily="18" charset="0"/>
+                            </a:rPr>
                           </m:ctrlPr>
                         </m:radPr>
                         <m:deg/>
@@ -5731,33 +6000,45 @@
                             <m:dPr>
                               <m:endChr m:val=""/>
                               <m:ctrlPr>
-                                <a:rPr lang="ar-AE" sz="1600" i="1"/>
+                                <a:rPr lang="ar-AE" sz="1600" i="1">
+                                  <a:latin typeface="Cambria Math" panose="02040503050406030204" pitchFamily="18" charset="0"/>
+                                </a:rPr>
                               </m:ctrlPr>
                             </m:dPr>
                             <m:e>
                               <m:r>
-                                <a:rPr lang="ar-AE" sz="1600" i="1"/>
+                                <a:rPr lang="ar-AE" sz="1600" i="1">
+                                  <a:latin typeface="Cambria Math" panose="02040503050406030204" pitchFamily="18" charset="0"/>
+                                </a:rPr>
                                 <m:t>𝑥</m:t>
                               </m:r>
                               <m:r>
-                                <a:rPr lang="ar-AE" sz="1600"/>
+                                <a:rPr lang="ar-AE" sz="1600">
+                                  <a:latin typeface="Cambria Math" panose="02040503050406030204" pitchFamily="18" charset="0"/>
+                                </a:rPr>
                                 <m:t>−</m:t>
                               </m:r>
                               <m:sSub>
                                 <m:sSubPr>
                                   <m:ctrlPr>
-                                    <a:rPr lang="ar-AE" sz="1600" i="1"/>
+                                    <a:rPr lang="ar-AE" sz="1600" i="1">
+                                      <a:latin typeface="Cambria Math" panose="02040503050406030204" pitchFamily="18" charset="0"/>
+                                    </a:rPr>
                                   </m:ctrlPr>
                                 </m:sSubPr>
                                 <m:e>
                                   <m:r>
-                                    <a:rPr lang="ar-AE" sz="1600" i="1"/>
+                                    <a:rPr lang="ar-AE" sz="1600" i="1">
+                                      <a:latin typeface="Cambria Math" panose="02040503050406030204" pitchFamily="18" charset="0"/>
+                                    </a:rPr>
                                     <m:t>𝑥</m:t>
                                   </m:r>
                                 </m:e>
                                 <m:sub>
                                   <m:r>
-                                    <a:rPr lang="ar-AE" sz="1600"/>
+                                    <a:rPr lang="ar-AE" sz="1600">
+                                      <a:latin typeface="Cambria Math" panose="02040503050406030204" pitchFamily="18" charset="0"/>
+                                    </a:rPr>
                                     <m:t>3</m:t>
                                   </m:r>
                                 </m:sub>
@@ -5765,7 +6046,9 @@
                               <m:sSup>
                                 <m:sSupPr>
                                   <m:ctrlPr>
-                                    <a:rPr lang="ar-AE" sz="1600" i="1"/>
+                                    <a:rPr lang="ar-AE" sz="1600" i="1">
+                                      <a:latin typeface="Cambria Math" panose="02040503050406030204" pitchFamily="18" charset="0"/>
+                                    </a:rPr>
                                   </m:ctrlPr>
                                 </m:sSupPr>
                                 <m:e>
@@ -5774,12 +6057,16 @@
                                       <m:begChr m:val=""/>
                                       <m:endChr m:val=""/>
                                       <m:ctrlPr>
-                                        <a:rPr lang="ar-AE" sz="1600" i="1"/>
+                                        <a:rPr lang="ar-AE" sz="1600" i="1">
+                                          <a:latin typeface="Cambria Math" panose="02040503050406030204" pitchFamily="18" charset="0"/>
+                                        </a:rPr>
                                       </m:ctrlPr>
                                     </m:dPr>
                                     <m:e>
                                       <m:r>
-                                        <a:rPr lang="ar-AE" sz="1600"/>
+                                        <a:rPr lang="ar-AE" sz="1600">
+                                          <a:latin typeface="Cambria Math" panose="02040503050406030204" pitchFamily="18" charset="0"/>
+                                        </a:rPr>
                                         <m:t>)</m:t>
                                       </m:r>
                                     </m:e>
@@ -5787,46 +6074,62 @@
                                 </m:e>
                                 <m:sup>
                                   <m:r>
-                                    <a:rPr lang="ar-AE" sz="1600"/>
+                                    <a:rPr lang="ar-AE" sz="1600">
+                                      <a:latin typeface="Cambria Math" panose="02040503050406030204" pitchFamily="18" charset="0"/>
+                                    </a:rPr>
                                     <m:t>2</m:t>
                                   </m:r>
                                 </m:sup>
                               </m:sSup>
                               <m:r>
-                                <a:rPr lang="ar-AE" sz="1600"/>
+                                <a:rPr lang="ar-AE" sz="1600">
+                                  <a:latin typeface="Cambria Math" panose="02040503050406030204" pitchFamily="18" charset="0"/>
+                                </a:rPr>
                                 <m:t>+</m:t>
                               </m:r>
                               <m:d>
                                 <m:dPr>
                                   <m:endChr m:val=""/>
                                   <m:ctrlPr>
-                                    <a:rPr lang="ar-AE" sz="1600" i="1"/>
+                                    <a:rPr lang="ar-AE" sz="1600" i="1">
+                                      <a:latin typeface="Cambria Math" panose="02040503050406030204" pitchFamily="18" charset="0"/>
+                                    </a:rPr>
                                   </m:ctrlPr>
                                 </m:dPr>
                                 <m:e>
                                   <m:r>
-                                    <a:rPr lang="ar-AE" sz="1600" i="1"/>
+                                    <a:rPr lang="ar-AE" sz="1600" i="1">
+                                      <a:latin typeface="Cambria Math" panose="02040503050406030204" pitchFamily="18" charset="0"/>
+                                    </a:rPr>
                                     <m:t>𝑦</m:t>
                                   </m:r>
                                   <m:r>
-                                    <a:rPr lang="ar-AE" sz="1600"/>
+                                    <a:rPr lang="ar-AE" sz="1600">
+                                      <a:latin typeface="Cambria Math" panose="02040503050406030204" pitchFamily="18" charset="0"/>
+                                    </a:rPr>
                                     <m:t>−</m:t>
                                   </m:r>
                                   <m:sSub>
                                     <m:sSubPr>
                                       <m:ctrlPr>
-                                        <a:rPr lang="ar-AE" sz="1600" i="1"/>
+                                        <a:rPr lang="ar-AE" sz="1600" i="1">
+                                          <a:latin typeface="Cambria Math" panose="02040503050406030204" pitchFamily="18" charset="0"/>
+                                        </a:rPr>
                                       </m:ctrlPr>
                                     </m:sSubPr>
                                     <m:e>
                                       <m:r>
-                                        <a:rPr lang="ar-AE" sz="1600" i="1"/>
+                                        <a:rPr lang="ar-AE" sz="1600" i="1">
+                                          <a:latin typeface="Cambria Math" panose="02040503050406030204" pitchFamily="18" charset="0"/>
+                                        </a:rPr>
                                         <m:t>𝑦</m:t>
                                       </m:r>
                                     </m:e>
                                     <m:sub>
                                       <m:r>
-                                        <a:rPr lang="ar-AE" sz="1600"/>
+                                        <a:rPr lang="ar-AE" sz="1600">
+                                          <a:latin typeface="Cambria Math" panose="02040503050406030204" pitchFamily="18" charset="0"/>
+                                        </a:rPr>
                                         <m:t>3</m:t>
                                       </m:r>
                                     </m:sub>
@@ -5834,7 +6137,9 @@
                                   <m:sSup>
                                     <m:sSupPr>
                                       <m:ctrlPr>
-                                        <a:rPr lang="ar-AE" sz="1600" i="1"/>
+                                        <a:rPr lang="ar-AE" sz="1600" i="1">
+                                          <a:latin typeface="Cambria Math" panose="02040503050406030204" pitchFamily="18" charset="0"/>
+                                        </a:rPr>
                                       </m:ctrlPr>
                                     </m:sSupPr>
                                     <m:e>
@@ -5843,12 +6148,16 @@
                                           <m:begChr m:val=""/>
                                           <m:endChr m:val=""/>
                                           <m:ctrlPr>
-                                            <a:rPr lang="ar-AE" sz="1600" i="1"/>
+                                            <a:rPr lang="ar-AE" sz="1600" i="1">
+                                              <a:latin typeface="Cambria Math" panose="02040503050406030204" pitchFamily="18" charset="0"/>
+                                            </a:rPr>
                                           </m:ctrlPr>
                                         </m:dPr>
                                         <m:e>
                                           <m:r>
-                                            <a:rPr lang="ar-AE" sz="1600"/>
+                                            <a:rPr lang="ar-AE" sz="1600">
+                                              <a:latin typeface="Cambria Math" panose="02040503050406030204" pitchFamily="18" charset="0"/>
+                                            </a:rPr>
                                             <m:t>)</m:t>
                                           </m:r>
                                         </m:e>
@@ -5856,7 +6165,9 @@
                                     </m:e>
                                     <m:sup>
                                       <m:r>
-                                        <a:rPr lang="ar-AE" sz="1600"/>
+                                        <a:rPr lang="ar-AE" sz="1600">
+                                          <a:latin typeface="Cambria Math" panose="02040503050406030204" pitchFamily="18" charset="0"/>
+                                        </a:rPr>
                                         <m:t>2</m:t>
                                       </m:r>
                                     </m:sup>
@@ -5868,24 +6179,32 @@
                         </m:e>
                       </m:rad>
                       <m:r>
-                        <a:rPr lang="ar-AE" sz="1600"/>
+                        <a:rPr lang="ar-AE" sz="1600">
+                          <a:latin typeface="Cambria Math" panose="02040503050406030204" pitchFamily="18" charset="0"/>
+                        </a:rPr>
                         <m:t>=</m:t>
                       </m:r>
                       <m:sSub>
                         <m:sSubPr>
                           <m:ctrlPr>
-                            <a:rPr lang="ar-AE" sz="1600" i="1"/>
+                            <a:rPr lang="ar-AE" sz="1600" i="1">
+                              <a:latin typeface="Cambria Math" panose="02040503050406030204" pitchFamily="18" charset="0"/>
+                            </a:rPr>
                           </m:ctrlPr>
                         </m:sSubPr>
                         <m:e>
                           <m:r>
-                            <a:rPr lang="ar-AE" sz="1600" i="1"/>
+                            <a:rPr lang="ar-AE" sz="1600" i="1">
+                              <a:latin typeface="Cambria Math" panose="02040503050406030204" pitchFamily="18" charset="0"/>
+                            </a:rPr>
                             <m:t>𝑑</m:t>
                           </m:r>
                         </m:e>
                         <m:sub>
                           <m:r>
-                            <a:rPr lang="ar-AE" sz="1600"/>
+                            <a:rPr lang="ar-AE" sz="1600">
+                              <a:latin typeface="Cambria Math" panose="02040503050406030204" pitchFamily="18" charset="0"/>
+                            </a:rPr>
                             <m:t>13</m:t>
                           </m:r>
                         </m:sub>
@@ -5955,7 +6274,7 @@
             </p:nvSpPr>
             <p:spPr>
               <a:xfrm>
-                <a:off x="5908936" y="2545271"/>
+                <a:off x="5765904" y="2523499"/>
                 <a:ext cx="6165640" cy="3719288"/>
               </a:xfrm>
               <a:prstGeom prst="rect">
@@ -5964,7 +6283,7 @@
               <a:blipFill>
                 <a:blip r:embed="rId4"/>
                 <a:stretch>
-                  <a:fillRect l="-791"/>
+                  <a:fillRect l="-890"/>
                 </a:stretch>
               </a:blipFill>
             </p:spPr>
@@ -5999,8 +6318,8 @@
             </p:nvSpPr>
             <p:spPr>
               <a:xfrm>
-                <a:off x="5908936" y="2332456"/>
-                <a:ext cx="1848776" cy="582147"/>
+                <a:off x="5765904" y="2341432"/>
+                <a:ext cx="1824859" cy="527773"/>
               </a:xfrm>
               <a:prstGeom prst="rect">
                 <a:avLst/>
@@ -6014,15 +6333,15 @@
               <a:lstStyle/>
               <a:p>
                 <a:r>
-                  <a:rPr lang="en-IN" dirty="0"/>
+                  <a:rPr lang="en-IN" sz="1600" dirty="0"/>
                   <a:t>Tx (</a:t>
                 </a:r>
                 <a:r>
-                  <a:rPr lang="en-IN" dirty="0" err="1"/>
+                  <a:rPr lang="en-IN" sz="1600" dirty="0" err="1"/>
                   <a:t>x,y</a:t>
                 </a:r>
                 <a:r>
-                  <a:rPr lang="en-IN" dirty="0"/>
+                  <a:rPr lang="en-IN" sz="1600" dirty="0"/>
                   <a:t>): </a:t>
                 </a:r>
                 <a14:m>
@@ -6030,7 +6349,7 @@
                     <m:d>
                       <m:dPr>
                         <m:ctrlPr>
-                          <a:rPr lang="en-IN" i="1">
+                          <a:rPr lang="en-IN" sz="1600" i="1">
                             <a:latin typeface="Cambria Math" panose="02040503050406030204" pitchFamily="18" charset="0"/>
                           </a:rPr>
                         </m:ctrlPr>
@@ -6039,14 +6358,14 @@
                         <m:f>
                           <m:fPr>
                             <m:ctrlPr>
-                              <a:rPr lang="en-IN" i="1">
+                              <a:rPr lang="en-IN" sz="1600" i="1">
                                 <a:latin typeface="Cambria Math" panose="02040503050406030204" pitchFamily="18" charset="0"/>
                               </a:rPr>
                             </m:ctrlPr>
                           </m:fPr>
                           <m:num>
                             <m:r>
-                              <a:rPr lang="en-IN" i="1">
+                              <a:rPr lang="en-IN" sz="1600" i="1">
                                 <a:latin typeface="Cambria Math" panose="02040503050406030204" pitchFamily="18" charset="0"/>
                               </a:rPr>
                               <m:t>𝑎</m:t>
@@ -6054,7 +6373,7 @@
                           </m:num>
                           <m:den>
                             <m:r>
-                              <a:rPr lang="en-IN" i="1">
+                              <a:rPr lang="en-IN" sz="1600" i="1">
                                 <a:latin typeface="Cambria Math" panose="02040503050406030204" pitchFamily="18" charset="0"/>
                               </a:rPr>
                               <m:t>3</m:t>
@@ -6062,19 +6381,19 @@
                           </m:den>
                         </m:f>
                         <m:r>
-                          <a:rPr lang="en-IN" i="1">
+                          <a:rPr lang="en-IN" sz="1600" i="1">
                             <a:latin typeface="Cambria Math" panose="02040503050406030204" pitchFamily="18" charset="0"/>
                           </a:rPr>
                           <m:t>,</m:t>
                         </m:r>
                         <m:r>
-                          <a:rPr lang="en-IN" i="1">
+                          <a:rPr lang="en-IN" sz="1600" i="1">
                             <a:latin typeface="Cambria Math" panose="02040503050406030204" pitchFamily="18" charset="0"/>
                           </a:rPr>
                           <m:t>𝑎</m:t>
                         </m:r>
                         <m:r>
-                          <a:rPr lang="en-IN" i="1">
+                          <a:rPr lang="en-IN" sz="1600" i="1">
                             <a:latin typeface="Cambria Math" panose="02040503050406030204" pitchFamily="18" charset="0"/>
                           </a:rPr>
                           <m:t>.</m:t>
@@ -6082,7 +6401,7 @@
                         <m:f>
                           <m:fPr>
                             <m:ctrlPr>
-                              <a:rPr lang="en-IN" i="1">
+                              <a:rPr lang="en-IN" sz="1600" i="1">
                                 <a:latin typeface="Cambria Math" panose="02040503050406030204" pitchFamily="18" charset="0"/>
                               </a:rPr>
                             </m:ctrlPr>
@@ -6092,7 +6411,7 @@
                               <m:radPr>
                                 <m:degHide m:val="on"/>
                                 <m:ctrlPr>
-                                  <a:rPr lang="en-IN" i="1">
+                                  <a:rPr lang="en-IN" sz="1600" i="1">
                                     <a:latin typeface="Cambria Math" panose="02040503050406030204" pitchFamily="18" charset="0"/>
                                   </a:rPr>
                                 </m:ctrlPr>
@@ -6100,7 +6419,7 @@
                               <m:deg/>
                               <m:e>
                                 <m:r>
-                                  <a:rPr lang="en-IN" i="1">
+                                  <a:rPr lang="en-IN" sz="1600" i="1">
                                     <a:latin typeface="Cambria Math" panose="02040503050406030204" pitchFamily="18" charset="0"/>
                                   </a:rPr>
                                   <m:t>3</m:t>
@@ -6110,7 +6429,7 @@
                           </m:num>
                           <m:den>
                             <m:r>
-                              <a:rPr lang="en-IN" i="1">
+                              <a:rPr lang="en-IN" sz="1600" i="1">
                                 <a:latin typeface="Cambria Math" panose="02040503050406030204" pitchFamily="18" charset="0"/>
                               </a:rPr>
                               <m:t>6</m:t>
@@ -6143,8 +6462,8 @@
             </p:nvSpPr>
             <p:spPr>
               <a:xfrm>
-                <a:off x="5908936" y="2332456"/>
-                <a:ext cx="1848776" cy="582147"/>
+                <a:off x="5765904" y="2341432"/>
+                <a:ext cx="1824859" cy="527773"/>
               </a:xfrm>
               <a:prstGeom prst="rect">
                 <a:avLst/>
@@ -6152,7 +6471,7 @@
               <a:blipFill>
                 <a:blip r:embed="rId5"/>
                 <a:stretch>
-                  <a:fillRect l="-2632"/>
+                  <a:fillRect l="-2007"/>
                 </a:stretch>
               </a:blipFill>
             </p:spPr>
@@ -6520,8 +6839,8 @@
           <a:chExt cx="0" cy="0"/>
         </a:xfrm>
       </p:grpSpPr>
-      <mc:AlternateContent xmlns:mc="http://schemas.openxmlformats.org/markup-compatibility/2006">
-        <mc:Choice xmlns:a14="http://schemas.microsoft.com/office/drawing/2010/main" Requires="a14">
+      <mc:AlternateContent xmlns:mc="http://schemas.openxmlformats.org/markup-compatibility/2006" xmlns:a14="http://schemas.microsoft.com/office/drawing/2010/main">
+        <mc:Choice Requires="a14">
           <p:sp>
             <p:nvSpPr>
               <p:cNvPr id="2" name="TextBox 1">
@@ -6556,6 +6875,7 @@
                 </a:r>
               </a:p>
               <a:p>
+                <a:pPr/>
                 <a14:m>
                   <m:oMathPara xmlns:m="http://schemas.openxmlformats.org/officeDocument/2006/math">
                     <m:oMathParaPr>
@@ -6565,79 +6885,107 @@
                       <m:sSub>
                         <m:sSubPr>
                           <m:ctrlPr>
-                            <a:rPr lang="ar-AE" smtClean="0"/>
+                            <a:rPr lang="ar-AE" i="1" smtClean="0">
+                              <a:latin typeface="Cambria Math" panose="02040503050406030204" pitchFamily="18" charset="0"/>
+                            </a:rPr>
                           </m:ctrlPr>
                         </m:sSubPr>
                         <m:e>
                           <m:r>
-                            <a:rPr lang="ar-AE" i="1"/>
+                            <a:rPr lang="ar-AE" i="1">
+                              <a:latin typeface="Cambria Math" panose="02040503050406030204" pitchFamily="18" charset="0"/>
+                            </a:rPr>
                             <m:t>𝑑</m:t>
                           </m:r>
                         </m:e>
                         <m:sub>
                           <m:r>
-                            <a:rPr lang="ar-AE" i="1"/>
+                            <a:rPr lang="ar-AE" i="1">
+                              <a:latin typeface="Cambria Math" panose="02040503050406030204" pitchFamily="18" charset="0"/>
+                            </a:rPr>
                             <m:t>𝑖𝑗</m:t>
                           </m:r>
                         </m:sub>
                       </m:sSub>
                       <m:r>
-                        <a:rPr lang="ar-AE"/>
+                        <a:rPr lang="ar-AE">
+                          <a:latin typeface="Cambria Math" panose="02040503050406030204" pitchFamily="18" charset="0"/>
+                        </a:rPr>
                         <m:t>=</m:t>
                       </m:r>
                       <m:r>
-                        <a:rPr lang="ar-AE" i="1"/>
+                        <a:rPr lang="ar-AE" i="1">
+                          <a:latin typeface="Cambria Math" panose="02040503050406030204" pitchFamily="18" charset="0"/>
+                        </a:rPr>
                         <m:t>𝑐</m:t>
                       </m:r>
                       <m:r>
-                        <a:rPr lang="ar-AE"/>
+                        <a:rPr lang="ar-AE">
+                          <a:latin typeface="Cambria Math" panose="02040503050406030204" pitchFamily="18" charset="0"/>
+                        </a:rPr>
                         <m:t>×</m:t>
                       </m:r>
                       <m:d>
                         <m:dPr>
                           <m:ctrlPr>
-                            <a:rPr lang="ar-AE" i="1"/>
+                            <a:rPr lang="ar-AE" i="1">
+                              <a:latin typeface="Cambria Math" panose="02040503050406030204" pitchFamily="18" charset="0"/>
+                            </a:rPr>
                           </m:ctrlPr>
                         </m:dPr>
                         <m:e>
                           <m:sSub>
                             <m:sSubPr>
                               <m:ctrlPr>
-                                <a:rPr lang="ar-AE" i="1"/>
+                                <a:rPr lang="ar-AE" i="1">
+                                  <a:latin typeface="Cambria Math" panose="02040503050406030204" pitchFamily="18" charset="0"/>
+                                </a:rPr>
                               </m:ctrlPr>
                             </m:sSubPr>
                             <m:e>
                               <m:r>
-                                <a:rPr lang="ar-AE" i="1"/>
+                                <a:rPr lang="ar-AE" i="1">
+                                  <a:latin typeface="Cambria Math" panose="02040503050406030204" pitchFamily="18" charset="0"/>
+                                </a:rPr>
                                 <m:t>𝑇</m:t>
                               </m:r>
                             </m:e>
                             <m:sub>
                               <m:r>
-                                <a:rPr lang="ar-AE" i="1"/>
+                                <a:rPr lang="ar-AE" i="1">
+                                  <a:latin typeface="Cambria Math" panose="02040503050406030204" pitchFamily="18" charset="0"/>
+                                </a:rPr>
                                 <m:t>𝑖</m:t>
                               </m:r>
                             </m:sub>
                           </m:sSub>
                           <m:r>
-                            <a:rPr lang="ar-AE"/>
+                            <a:rPr lang="ar-AE">
+                              <a:latin typeface="Cambria Math" panose="02040503050406030204" pitchFamily="18" charset="0"/>
+                            </a:rPr>
                             <m:t>−</m:t>
                           </m:r>
                           <m:sSub>
                             <m:sSubPr>
                               <m:ctrlPr>
-                                <a:rPr lang="ar-AE" i="1"/>
+                                <a:rPr lang="ar-AE" i="1">
+                                  <a:latin typeface="Cambria Math" panose="02040503050406030204" pitchFamily="18" charset="0"/>
+                                </a:rPr>
                               </m:ctrlPr>
                             </m:sSubPr>
                             <m:e>
                               <m:r>
-                                <a:rPr lang="ar-AE" i="1"/>
+                                <a:rPr lang="ar-AE" i="1">
+                                  <a:latin typeface="Cambria Math" panose="02040503050406030204" pitchFamily="18" charset="0"/>
+                                </a:rPr>
                                 <m:t>𝑇</m:t>
                               </m:r>
                             </m:e>
                             <m:sub>
                               <m:r>
-                                <a:rPr lang="ar-AE" i="1"/>
+                                <a:rPr lang="ar-AE" i="1">
+                                  <a:latin typeface="Cambria Math" panose="02040503050406030204" pitchFamily="18" charset="0"/>
+                                </a:rPr>
                                 <m:t>𝑗</m:t>
                               </m:r>
                             </m:sub>
@@ -6655,7 +7003,7 @@
             </p:txBody>
           </p:sp>
         </mc:Choice>
-        <mc:Fallback>
+        <mc:Fallback xmlns="">
           <p:sp>
             <p:nvSpPr>
               <p:cNvPr id="2" name="TextBox 1">
@@ -6772,8 +7120,180 @@
         </p:blipFill>
         <p:spPr>
           <a:xfrm>
-            <a:off x="3020517" y="2009012"/>
+            <a:off x="374754" y="1885640"/>
             <a:ext cx="4956747" cy="4705289"/>
+          </a:xfrm>
+          <a:prstGeom prst="rect">
+            <a:avLst/>
+          </a:prstGeom>
+        </p:spPr>
+      </p:pic>
+      <p:cxnSp>
+        <p:nvCxnSpPr>
+          <p:cNvPr id="11" name="Straight Arrow Connector 10">
+            <a:extLst>
+              <a:ext uri="{FF2B5EF4-FFF2-40B4-BE49-F238E27FC236}">
+                <a16:creationId xmlns:a16="http://schemas.microsoft.com/office/drawing/2014/main" id="{3CDFD669-9677-04BB-501E-5DD1192069A5}"/>
+              </a:ext>
+            </a:extLst>
+          </p:cNvPr>
+          <p:cNvCxnSpPr/>
+          <p:nvPr/>
+        </p:nvCxnSpPr>
+        <p:spPr>
+          <a:xfrm>
+            <a:off x="3744686" y="1058091"/>
+            <a:ext cx="2351314" cy="0"/>
+          </a:xfrm>
+          <a:prstGeom prst="straightConnector1">
+            <a:avLst/>
+          </a:prstGeom>
+          <a:ln>
+            <a:tailEnd type="triangle"/>
+          </a:ln>
+        </p:spPr>
+        <p:style>
+          <a:lnRef idx="3">
+            <a:schemeClr val="dk1"/>
+          </a:lnRef>
+          <a:fillRef idx="0">
+            <a:schemeClr val="dk1"/>
+          </a:fillRef>
+          <a:effectRef idx="2">
+            <a:schemeClr val="dk1"/>
+          </a:effectRef>
+          <a:fontRef idx="minor">
+            <a:schemeClr val="tx1"/>
+          </a:fontRef>
+        </p:style>
+      </p:cxnSp>
+      <p:sp>
+        <p:nvSpPr>
+          <p:cNvPr id="12" name="TextBox 11">
+            <a:extLst>
+              <a:ext uri="{FF2B5EF4-FFF2-40B4-BE49-F238E27FC236}">
+                <a16:creationId xmlns:a16="http://schemas.microsoft.com/office/drawing/2014/main" id="{83F3DE8D-3FB0-461E-EEA1-9859840D9F82}"/>
+              </a:ext>
+            </a:extLst>
+          </p:cNvPr>
+          <p:cNvSpPr txBox="1"/>
+          <p:nvPr/>
+        </p:nvSpPr>
+        <p:spPr>
+          <a:xfrm>
+            <a:off x="6156959" y="870858"/>
+            <a:ext cx="5964284" cy="523220"/>
+          </a:xfrm>
+          <a:prstGeom prst="rect">
+            <a:avLst/>
+          </a:prstGeom>
+          <a:noFill/>
+        </p:spPr>
+        <p:txBody>
+          <a:bodyPr wrap="square" rtlCol="0">
+            <a:spAutoFit/>
+          </a:bodyPr>
+          <a:lstStyle/>
+          <a:p>
+            <a:r>
+              <a:rPr lang="en-IN" sz="1400" dirty="0">
+                <a:highlight>
+                  <a:srgbClr val="FFFF00"/>
+                </a:highlight>
+              </a:rPr>
+              <a:t>Time Delay calculated via cross correlation of time signals received </a:t>
+            </a:r>
+          </a:p>
+          <a:p>
+            <a:r>
+              <a:rPr lang="en-IN" sz="1400" dirty="0">
+                <a:highlight>
+                  <a:srgbClr val="FFFF00"/>
+                </a:highlight>
+              </a:rPr>
+              <a:t>by both receivers (signal processing part!)</a:t>
+            </a:r>
+          </a:p>
+        </p:txBody>
+      </p:sp>
+      <p:sp>
+        <p:nvSpPr>
+          <p:cNvPr id="13" name="TextBox 12">
+            <a:extLst>
+              <a:ext uri="{FF2B5EF4-FFF2-40B4-BE49-F238E27FC236}">
+                <a16:creationId xmlns:a16="http://schemas.microsoft.com/office/drawing/2014/main" id="{B2D6C788-3391-2B5F-BA0F-12229F01AA2B}"/>
+              </a:ext>
+            </a:extLst>
+          </p:cNvPr>
+          <p:cNvSpPr txBox="1"/>
+          <p:nvPr/>
+        </p:nvSpPr>
+        <p:spPr>
+          <a:xfrm>
+            <a:off x="5331501" y="2089570"/>
+            <a:ext cx="5298695" cy="646331"/>
+          </a:xfrm>
+          <a:prstGeom prst="rect">
+            <a:avLst/>
+          </a:prstGeom>
+          <a:noFill/>
+        </p:spPr>
+        <p:txBody>
+          <a:bodyPr wrap="none" rtlCol="0">
+            <a:spAutoFit/>
+          </a:bodyPr>
+          <a:lstStyle/>
+          <a:p>
+            <a:r>
+              <a:rPr lang="en-IN" dirty="0"/>
+              <a:t>Accuracy Depends on how accurately we calculate </a:t>
+            </a:r>
+            <a:r>
+              <a:rPr lang="en-IN" dirty="0" err="1"/>
+              <a:t>dij</a:t>
+            </a:r>
+            <a:r>
+              <a:rPr lang="en-IN" dirty="0"/>
+              <a:t> !</a:t>
+            </a:r>
+          </a:p>
+          <a:p>
+            <a:r>
+              <a:rPr lang="en-IN" dirty="0"/>
+              <a:t>Figure Below shows 10-15% Error in calculation of </a:t>
+            </a:r>
+            <a:r>
+              <a:rPr lang="en-IN" dirty="0" err="1"/>
+              <a:t>dij</a:t>
+            </a:r>
+            <a:endParaRPr lang="en-IN" dirty="0"/>
+          </a:p>
+        </p:txBody>
+      </p:sp>
+      <p:pic>
+        <p:nvPicPr>
+          <p:cNvPr id="15" name="Picture 14">
+            <a:extLst>
+              <a:ext uri="{FF2B5EF4-FFF2-40B4-BE49-F238E27FC236}">
+                <a16:creationId xmlns:a16="http://schemas.microsoft.com/office/drawing/2014/main" id="{7EB10A62-3F2F-DC1B-3803-9EF0DDC8C866}"/>
+              </a:ext>
+            </a:extLst>
+          </p:cNvPr>
+          <p:cNvPicPr>
+            <a:picLocks noChangeAspect="1"/>
+          </p:cNvPicPr>
+          <p:nvPr/>
+        </p:nvPicPr>
+        <p:blipFill>
+          <a:blip r:embed="rId4"/>
+          <a:stretch>
+            <a:fillRect/>
+          </a:stretch>
+        </p:blipFill>
+        <p:spPr>
+          <a:xfrm>
+            <a:off x="5988821" y="2829533"/>
+            <a:ext cx="4715465" cy="4028467"/>
           </a:xfrm>
           <a:prstGeom prst="rect">
             <a:avLst/>
@@ -6784,6 +7304,824 @@
     <p:extLst>
       <p:ext uri="{BB962C8B-B14F-4D97-AF65-F5344CB8AC3E}">
         <p14:creationId xmlns:p14="http://schemas.microsoft.com/office/powerpoint/2010/main" val="3713629345"/>
+      </p:ext>
+    </p:extLst>
+  </p:cSld>
+  <p:clrMapOvr>
+    <a:masterClrMapping/>
+  </p:clrMapOvr>
+  <p:timing>
+    <p:tnLst>
+      <p:par>
+        <p:cTn id="1" dur="indefinite" restart="never" nodeType="tmRoot">
+          <p:childTnLst>
+            <p:seq concurrent="1" nextAc="seek">
+              <p:cTn id="2" dur="indefinite" nodeType="mainSeq">
+                <p:childTnLst>
+                  <p:par>
+                    <p:cTn id="3" fill="hold">
+                      <p:stCondLst>
+                        <p:cond delay="indefinite"/>
+                      </p:stCondLst>
+                      <p:childTnLst>
+                        <p:par>
+                          <p:cTn id="4" fill="hold">
+                            <p:stCondLst>
+                              <p:cond delay="0"/>
+                            </p:stCondLst>
+                            <p:childTnLst>
+                              <p:par>
+                                <p:cTn id="5" presetID="10" presetClass="entr" presetSubtype="0" fill="hold" nodeType="clickEffect">
+                                  <p:stCondLst>
+                                    <p:cond delay="0"/>
+                                  </p:stCondLst>
+                                  <p:childTnLst>
+                                    <p:set>
+                                      <p:cBhvr>
+                                        <p:cTn id="6" dur="1" fill="hold">
+                                          <p:stCondLst>
+                                            <p:cond delay="0"/>
+                                          </p:stCondLst>
+                                        </p:cTn>
+                                        <p:tgtEl>
+                                          <p:spTgt spid="11"/>
+                                        </p:tgtEl>
+                                        <p:attrNameLst>
+                                          <p:attrName>style.visibility</p:attrName>
+                                        </p:attrNameLst>
+                                      </p:cBhvr>
+                                      <p:to>
+                                        <p:strVal val="visible"/>
+                                      </p:to>
+                                    </p:set>
+                                    <p:animEffect transition="in" filter="fade">
+                                      <p:cBhvr>
+                                        <p:cTn id="7" dur="500"/>
+                                        <p:tgtEl>
+                                          <p:spTgt spid="11"/>
+                                        </p:tgtEl>
+                                      </p:cBhvr>
+                                    </p:animEffect>
+                                  </p:childTnLst>
+                                </p:cTn>
+                              </p:par>
+                              <p:par>
+                                <p:cTn id="8" presetID="10" presetClass="entr" presetSubtype="0" fill="hold" grpId="0" nodeType="withEffect">
+                                  <p:stCondLst>
+                                    <p:cond delay="0"/>
+                                  </p:stCondLst>
+                                  <p:childTnLst>
+                                    <p:set>
+                                      <p:cBhvr>
+                                        <p:cTn id="9" dur="1" fill="hold">
+                                          <p:stCondLst>
+                                            <p:cond delay="0"/>
+                                          </p:stCondLst>
+                                        </p:cTn>
+                                        <p:tgtEl>
+                                          <p:spTgt spid="12"/>
+                                        </p:tgtEl>
+                                        <p:attrNameLst>
+                                          <p:attrName>style.visibility</p:attrName>
+                                        </p:attrNameLst>
+                                      </p:cBhvr>
+                                      <p:to>
+                                        <p:strVal val="visible"/>
+                                      </p:to>
+                                    </p:set>
+                                    <p:animEffect transition="in" filter="fade">
+                                      <p:cBhvr>
+                                        <p:cTn id="10" dur="500"/>
+                                        <p:tgtEl>
+                                          <p:spTgt spid="12"/>
+                                        </p:tgtEl>
+                                      </p:cBhvr>
+                                    </p:animEffect>
+                                  </p:childTnLst>
+                                </p:cTn>
+                              </p:par>
+                            </p:childTnLst>
+                          </p:cTn>
+                        </p:par>
+                      </p:childTnLst>
+                    </p:cTn>
+                  </p:par>
+                  <p:par>
+                    <p:cTn id="11" fill="hold">
+                      <p:stCondLst>
+                        <p:cond delay="indefinite"/>
+                      </p:stCondLst>
+                      <p:childTnLst>
+                        <p:par>
+                          <p:cTn id="12" fill="hold">
+                            <p:stCondLst>
+                              <p:cond delay="0"/>
+                            </p:stCondLst>
+                            <p:childTnLst>
+                              <p:par>
+                                <p:cTn id="13" presetID="10" presetClass="entr" presetSubtype="0" fill="hold" grpId="0" nodeType="clickEffect">
+                                  <p:stCondLst>
+                                    <p:cond delay="0"/>
+                                  </p:stCondLst>
+                                  <p:childTnLst>
+                                    <p:set>
+                                      <p:cBhvr>
+                                        <p:cTn id="14" dur="1" fill="hold">
+                                          <p:stCondLst>
+                                            <p:cond delay="0"/>
+                                          </p:stCondLst>
+                                        </p:cTn>
+                                        <p:tgtEl>
+                                          <p:spTgt spid="3"/>
+                                        </p:tgtEl>
+                                        <p:attrNameLst>
+                                          <p:attrName>style.visibility</p:attrName>
+                                        </p:attrNameLst>
+                                      </p:cBhvr>
+                                      <p:to>
+                                        <p:strVal val="visible"/>
+                                      </p:to>
+                                    </p:set>
+                                    <p:animEffect transition="in" filter="fade">
+                                      <p:cBhvr>
+                                        <p:cTn id="15" dur="500"/>
+                                        <p:tgtEl>
+                                          <p:spTgt spid="3"/>
+                                        </p:tgtEl>
+                                      </p:cBhvr>
+                                    </p:animEffect>
+                                  </p:childTnLst>
+                                </p:cTn>
+                              </p:par>
+                              <p:par>
+                                <p:cTn id="16" presetID="10" presetClass="entr" presetSubtype="0" fill="hold" nodeType="withEffect">
+                                  <p:stCondLst>
+                                    <p:cond delay="0"/>
+                                  </p:stCondLst>
+                                  <p:childTnLst>
+                                    <p:set>
+                                      <p:cBhvr>
+                                        <p:cTn id="17" dur="1" fill="hold">
+                                          <p:stCondLst>
+                                            <p:cond delay="0"/>
+                                          </p:stCondLst>
+                                        </p:cTn>
+                                        <p:tgtEl>
+                                          <p:spTgt spid="5"/>
+                                        </p:tgtEl>
+                                        <p:attrNameLst>
+                                          <p:attrName>style.visibility</p:attrName>
+                                        </p:attrNameLst>
+                                      </p:cBhvr>
+                                      <p:to>
+                                        <p:strVal val="visible"/>
+                                      </p:to>
+                                    </p:set>
+                                    <p:animEffect transition="in" filter="fade">
+                                      <p:cBhvr>
+                                        <p:cTn id="18" dur="500"/>
+                                        <p:tgtEl>
+                                          <p:spTgt spid="5"/>
+                                        </p:tgtEl>
+                                      </p:cBhvr>
+                                    </p:animEffect>
+                                  </p:childTnLst>
+                                </p:cTn>
+                              </p:par>
+                            </p:childTnLst>
+                          </p:cTn>
+                        </p:par>
+                      </p:childTnLst>
+                    </p:cTn>
+                  </p:par>
+                  <p:par>
+                    <p:cTn id="19" fill="hold">
+                      <p:stCondLst>
+                        <p:cond delay="indefinite"/>
+                      </p:stCondLst>
+                      <p:childTnLst>
+                        <p:par>
+                          <p:cTn id="20" fill="hold">
+                            <p:stCondLst>
+                              <p:cond delay="0"/>
+                            </p:stCondLst>
+                            <p:childTnLst>
+                              <p:par>
+                                <p:cTn id="21" presetID="10" presetClass="entr" presetSubtype="0" fill="hold" grpId="0" nodeType="clickEffect">
+                                  <p:stCondLst>
+                                    <p:cond delay="0"/>
+                                  </p:stCondLst>
+                                  <p:childTnLst>
+                                    <p:set>
+                                      <p:cBhvr>
+                                        <p:cTn id="22" dur="1" fill="hold">
+                                          <p:stCondLst>
+                                            <p:cond delay="0"/>
+                                          </p:stCondLst>
+                                        </p:cTn>
+                                        <p:tgtEl>
+                                          <p:spTgt spid="13"/>
+                                        </p:tgtEl>
+                                        <p:attrNameLst>
+                                          <p:attrName>style.visibility</p:attrName>
+                                        </p:attrNameLst>
+                                      </p:cBhvr>
+                                      <p:to>
+                                        <p:strVal val="visible"/>
+                                      </p:to>
+                                    </p:set>
+                                    <p:animEffect transition="in" filter="fade">
+                                      <p:cBhvr>
+                                        <p:cTn id="23" dur="500"/>
+                                        <p:tgtEl>
+                                          <p:spTgt spid="13"/>
+                                        </p:tgtEl>
+                                      </p:cBhvr>
+                                    </p:animEffect>
+                                  </p:childTnLst>
+                                </p:cTn>
+                              </p:par>
+                              <p:par>
+                                <p:cTn id="24" presetID="10" presetClass="entr" presetSubtype="0" fill="hold" nodeType="withEffect">
+                                  <p:stCondLst>
+                                    <p:cond delay="0"/>
+                                  </p:stCondLst>
+                                  <p:childTnLst>
+                                    <p:set>
+                                      <p:cBhvr>
+                                        <p:cTn id="25" dur="1" fill="hold">
+                                          <p:stCondLst>
+                                            <p:cond delay="0"/>
+                                          </p:stCondLst>
+                                        </p:cTn>
+                                        <p:tgtEl>
+                                          <p:spTgt spid="15"/>
+                                        </p:tgtEl>
+                                        <p:attrNameLst>
+                                          <p:attrName>style.visibility</p:attrName>
+                                        </p:attrNameLst>
+                                      </p:cBhvr>
+                                      <p:to>
+                                        <p:strVal val="visible"/>
+                                      </p:to>
+                                    </p:set>
+                                    <p:animEffect transition="in" filter="fade">
+                                      <p:cBhvr>
+                                        <p:cTn id="26" dur="500"/>
+                                        <p:tgtEl>
+                                          <p:spTgt spid="15"/>
+                                        </p:tgtEl>
+                                      </p:cBhvr>
+                                    </p:animEffect>
+                                  </p:childTnLst>
+                                </p:cTn>
+                              </p:par>
+                            </p:childTnLst>
+                          </p:cTn>
+                        </p:par>
+                      </p:childTnLst>
+                    </p:cTn>
+                  </p:par>
+                </p:childTnLst>
+              </p:cTn>
+              <p:prevCondLst>
+                <p:cond evt="onPrev" delay="0">
+                  <p:tgtEl>
+                    <p:sldTgt/>
+                  </p:tgtEl>
+                </p:cond>
+              </p:prevCondLst>
+              <p:nextCondLst>
+                <p:cond evt="onNext" delay="0">
+                  <p:tgtEl>
+                    <p:sldTgt/>
+                  </p:tgtEl>
+                </p:cond>
+              </p:nextCondLst>
+            </p:seq>
+          </p:childTnLst>
+        </p:cTn>
+      </p:par>
+    </p:tnLst>
+    <p:bldLst>
+      <p:bldP spid="3" grpId="0"/>
+      <p:bldP spid="12" grpId="0"/>
+      <p:bldP spid="13" grpId="0"/>
+    </p:bldLst>
+  </p:timing>
+</p:sld>
+</file>
+
+<file path=ppt/slides/slide5.xml><?xml version="1.0" encoding="utf-8"?>
+<p:sld xmlns:a="http://schemas.openxmlformats.org/drawingml/2006/main" xmlns:r="http://schemas.openxmlformats.org/officeDocument/2006/relationships" xmlns:p="http://schemas.openxmlformats.org/presentationml/2006/main">
+  <p:cSld>
+    <p:spTree>
+      <p:nvGrpSpPr>
+        <p:cNvPr id="1" name=""/>
+        <p:cNvGrpSpPr/>
+        <p:nvPr/>
+      </p:nvGrpSpPr>
+      <p:grpSpPr>
+        <a:xfrm>
+          <a:off x="0" y="0"/>
+          <a:ext cx="0" cy="0"/>
+          <a:chOff x="0" y="0"/>
+          <a:chExt cx="0" cy="0"/>
+        </a:xfrm>
+      </p:grpSpPr>
+      <p:sp>
+        <p:nvSpPr>
+          <p:cNvPr id="3" name="Title 1">
+            <a:extLst>
+              <a:ext uri="{FF2B5EF4-FFF2-40B4-BE49-F238E27FC236}">
+                <a16:creationId xmlns:a16="http://schemas.microsoft.com/office/drawing/2014/main" id="{0538E887-D31E-DB45-74CF-DBCD3AB1770B}"/>
+              </a:ext>
+            </a:extLst>
+          </p:cNvPr>
+          <p:cNvSpPr txBox="1">
+            <a:spLocks/>
+          </p:cNvSpPr>
+          <p:nvPr/>
+        </p:nvSpPr>
+        <p:spPr>
+          <a:xfrm>
+            <a:off x="253199" y="396327"/>
+            <a:ext cx="6195935" cy="946280"/>
+          </a:xfrm>
+          <a:prstGeom prst="rect">
+            <a:avLst/>
+          </a:prstGeom>
+        </p:spPr>
+        <p:txBody>
+          <a:bodyPr>
+            <a:normAutofit/>
+          </a:bodyPr>
+          <a:lstStyle>
+            <a:lvl1pPr algn="l" defTabSz="914400" rtl="0" eaLnBrk="1" latinLnBrk="0" hangingPunct="1">
+              <a:lnSpc>
+                <a:spcPct val="85000"/>
+              </a:lnSpc>
+              <a:spcBef>
+                <a:spcPct val="0"/>
+              </a:spcBef>
+              <a:buNone/>
+              <a:defRPr sz="4800" kern="1200" spc="-50" baseline="0">
+                <a:solidFill>
+                  <a:schemeClr val="tx1">
+                    <a:lumMod val="75000"/>
+                    <a:lumOff val="25000"/>
+                  </a:schemeClr>
+                </a:solidFill>
+                <a:latin typeface="+mj-lt"/>
+                <a:ea typeface="+mj-ea"/>
+                <a:cs typeface="+mj-cs"/>
+              </a:defRPr>
+            </a:lvl1pPr>
+          </a:lstStyle>
+          <a:p>
+            <a:r>
+              <a:rPr lang="en-IN" sz="4000" dirty="0"/>
+              <a:t>Objectives! </a:t>
+            </a:r>
+          </a:p>
+        </p:txBody>
+      </p:sp>
+      <p:sp>
+        <p:nvSpPr>
+          <p:cNvPr id="4" name="Rectangle 3">
+            <a:extLst>
+              <a:ext uri="{FF2B5EF4-FFF2-40B4-BE49-F238E27FC236}">
+                <a16:creationId xmlns:a16="http://schemas.microsoft.com/office/drawing/2014/main" id="{F25169DF-100A-44DF-57C3-6F3E5CB5C7B7}"/>
+              </a:ext>
+            </a:extLst>
+          </p:cNvPr>
+          <p:cNvSpPr/>
+          <p:nvPr/>
+        </p:nvSpPr>
+        <p:spPr>
+          <a:xfrm>
+            <a:off x="658766" y="1407886"/>
+            <a:ext cx="2692400" cy="1320800"/>
+          </a:xfrm>
+          <a:prstGeom prst="rect">
+            <a:avLst/>
+          </a:prstGeom>
+        </p:spPr>
+        <p:style>
+          <a:lnRef idx="1">
+            <a:schemeClr val="accent1"/>
+          </a:lnRef>
+          <a:fillRef idx="2">
+            <a:schemeClr val="accent1"/>
+          </a:fillRef>
+          <a:effectRef idx="1">
+            <a:schemeClr val="accent1"/>
+          </a:effectRef>
+          <a:fontRef idx="minor">
+            <a:schemeClr val="dk1"/>
+          </a:fontRef>
+        </p:style>
+        <p:txBody>
+          <a:bodyPr rtlCol="0" anchor="ctr"/>
+          <a:lstStyle/>
+          <a:p>
+            <a:pPr algn="ctr"/>
+            <a:r>
+              <a:rPr lang="en-IN" dirty="0"/>
+              <a:t>Learn Basics of RTL-SDRs, </a:t>
+            </a:r>
+            <a:r>
+              <a:rPr lang="en-IN" dirty="0" err="1"/>
+              <a:t>Hackrf</a:t>
+            </a:r>
+            <a:r>
+              <a:rPr lang="en-IN" dirty="0"/>
+              <a:t> one, GNU Radio </a:t>
+            </a:r>
+            <a:r>
+              <a:rPr lang="en-IN" dirty="0" err="1"/>
+              <a:t>Campanion</a:t>
+            </a:r>
+            <a:endParaRPr lang="en-IN" dirty="0"/>
+          </a:p>
+        </p:txBody>
+      </p:sp>
+      <p:sp>
+        <p:nvSpPr>
+          <p:cNvPr id="5" name="Rectangle 4">
+            <a:extLst>
+              <a:ext uri="{FF2B5EF4-FFF2-40B4-BE49-F238E27FC236}">
+                <a16:creationId xmlns:a16="http://schemas.microsoft.com/office/drawing/2014/main" id="{85E379C5-E98E-76F2-14BD-53CD62C54D73}"/>
+              </a:ext>
+            </a:extLst>
+          </p:cNvPr>
+          <p:cNvSpPr/>
+          <p:nvPr/>
+        </p:nvSpPr>
+        <p:spPr>
+          <a:xfrm>
+            <a:off x="4341765" y="1407886"/>
+            <a:ext cx="2692400" cy="1320800"/>
+          </a:xfrm>
+          <a:prstGeom prst="rect">
+            <a:avLst/>
+          </a:prstGeom>
+        </p:spPr>
+        <p:style>
+          <a:lnRef idx="1">
+            <a:schemeClr val="accent1"/>
+          </a:lnRef>
+          <a:fillRef idx="2">
+            <a:schemeClr val="accent1"/>
+          </a:fillRef>
+          <a:effectRef idx="1">
+            <a:schemeClr val="accent1"/>
+          </a:effectRef>
+          <a:fontRef idx="minor">
+            <a:schemeClr val="dk1"/>
+          </a:fontRef>
+        </p:style>
+        <p:txBody>
+          <a:bodyPr rtlCol="0" anchor="ctr"/>
+          <a:lstStyle/>
+          <a:p>
+            <a:pPr algn="ctr"/>
+            <a:r>
+              <a:rPr lang="en-IN" dirty="0"/>
+              <a:t>Transmitter and Receiver Placement and circuit simulation</a:t>
+            </a:r>
+          </a:p>
+        </p:txBody>
+      </p:sp>
+      <p:sp>
+        <p:nvSpPr>
+          <p:cNvPr id="6" name="Rectangle 5">
+            <a:extLst>
+              <a:ext uri="{FF2B5EF4-FFF2-40B4-BE49-F238E27FC236}">
+                <a16:creationId xmlns:a16="http://schemas.microsoft.com/office/drawing/2014/main" id="{59E5A7B2-73DD-D150-B4F1-72DCCA480384}"/>
+              </a:ext>
+            </a:extLst>
+          </p:cNvPr>
+          <p:cNvSpPr/>
+          <p:nvPr/>
+        </p:nvSpPr>
+        <p:spPr>
+          <a:xfrm>
+            <a:off x="8024765" y="1407886"/>
+            <a:ext cx="2692400" cy="1320800"/>
+          </a:xfrm>
+          <a:prstGeom prst="rect">
+            <a:avLst/>
+          </a:prstGeom>
+        </p:spPr>
+        <p:style>
+          <a:lnRef idx="1">
+            <a:schemeClr val="accent1"/>
+          </a:lnRef>
+          <a:fillRef idx="2">
+            <a:schemeClr val="accent1"/>
+          </a:fillRef>
+          <a:effectRef idx="1">
+            <a:schemeClr val="accent1"/>
+          </a:effectRef>
+          <a:fontRef idx="minor">
+            <a:schemeClr val="dk1"/>
+          </a:fontRef>
+        </p:style>
+        <p:txBody>
+          <a:bodyPr rtlCol="0" anchor="ctr"/>
+          <a:lstStyle/>
+          <a:p>
+            <a:pPr algn="ctr"/>
+            <a:r>
+              <a:rPr lang="en-IN" dirty="0"/>
+              <a:t>Synchronization among receivers</a:t>
+            </a:r>
+          </a:p>
+        </p:txBody>
+      </p:sp>
+      <p:sp>
+        <p:nvSpPr>
+          <p:cNvPr id="7" name="Rectangle 6">
+            <a:extLst>
+              <a:ext uri="{FF2B5EF4-FFF2-40B4-BE49-F238E27FC236}">
+                <a16:creationId xmlns:a16="http://schemas.microsoft.com/office/drawing/2014/main" id="{44805BF3-6F75-A089-7C42-721C685EFBDA}"/>
+              </a:ext>
+            </a:extLst>
+          </p:cNvPr>
+          <p:cNvSpPr/>
+          <p:nvPr/>
+        </p:nvSpPr>
+        <p:spPr>
+          <a:xfrm>
+            <a:off x="6504035" y="3708401"/>
+            <a:ext cx="2692400" cy="1320800"/>
+          </a:xfrm>
+          <a:prstGeom prst="rect">
+            <a:avLst/>
+          </a:prstGeom>
+        </p:spPr>
+        <p:style>
+          <a:lnRef idx="1">
+            <a:schemeClr val="accent1"/>
+          </a:lnRef>
+          <a:fillRef idx="2">
+            <a:schemeClr val="accent1"/>
+          </a:fillRef>
+          <a:effectRef idx="1">
+            <a:schemeClr val="accent1"/>
+          </a:effectRef>
+          <a:fontRef idx="minor">
+            <a:schemeClr val="dk1"/>
+          </a:fontRef>
+        </p:style>
+        <p:txBody>
+          <a:bodyPr rtlCol="0" anchor="ctr"/>
+          <a:lstStyle/>
+          <a:p>
+            <a:pPr algn="ctr"/>
+            <a:r>
+              <a:rPr lang="en-IN" dirty="0"/>
+              <a:t>Data Handling and Cross Correlation</a:t>
+            </a:r>
+          </a:p>
+        </p:txBody>
+      </p:sp>
+      <p:sp>
+        <p:nvSpPr>
+          <p:cNvPr id="8" name="Rectangle 7">
+            <a:extLst>
+              <a:ext uri="{FF2B5EF4-FFF2-40B4-BE49-F238E27FC236}">
+                <a16:creationId xmlns:a16="http://schemas.microsoft.com/office/drawing/2014/main" id="{7DF8F190-5652-B20B-0201-DCF354386CC8}"/>
+              </a:ext>
+            </a:extLst>
+          </p:cNvPr>
+          <p:cNvSpPr/>
+          <p:nvPr/>
+        </p:nvSpPr>
+        <p:spPr>
+          <a:xfrm>
+            <a:off x="2473050" y="3708401"/>
+            <a:ext cx="2692400" cy="1320800"/>
+          </a:xfrm>
+          <a:prstGeom prst="rect">
+            <a:avLst/>
+          </a:prstGeom>
+        </p:spPr>
+        <p:style>
+          <a:lnRef idx="1">
+            <a:schemeClr val="accent1"/>
+          </a:lnRef>
+          <a:fillRef idx="2">
+            <a:schemeClr val="accent1"/>
+          </a:fillRef>
+          <a:effectRef idx="1">
+            <a:schemeClr val="accent1"/>
+          </a:effectRef>
+          <a:fontRef idx="minor">
+            <a:schemeClr val="dk1"/>
+          </a:fontRef>
+        </p:style>
+        <p:txBody>
+          <a:bodyPr rtlCol="0" anchor="ctr"/>
+          <a:lstStyle/>
+          <a:p>
+            <a:pPr algn="ctr"/>
+            <a:r>
+              <a:rPr lang="en-IN" dirty="0"/>
+              <a:t>TDOA Calculation and Position Estimation via Visualization</a:t>
+            </a:r>
+          </a:p>
+        </p:txBody>
+      </p:sp>
+      <p:sp>
+        <p:nvSpPr>
+          <p:cNvPr id="10" name="Arrow: Right 9">
+            <a:extLst>
+              <a:ext uri="{FF2B5EF4-FFF2-40B4-BE49-F238E27FC236}">
+                <a16:creationId xmlns:a16="http://schemas.microsoft.com/office/drawing/2014/main" id="{B493BD6E-6F7D-DE04-0861-947B04F80105}"/>
+              </a:ext>
+            </a:extLst>
+          </p:cNvPr>
+          <p:cNvSpPr/>
+          <p:nvPr/>
+        </p:nvSpPr>
+        <p:spPr>
+          <a:xfrm>
+            <a:off x="3351166" y="1857829"/>
+            <a:ext cx="990599" cy="312057"/>
+          </a:xfrm>
+          <a:prstGeom prst="rightArrow">
+            <a:avLst/>
+          </a:prstGeom>
+        </p:spPr>
+        <p:style>
+          <a:lnRef idx="2">
+            <a:schemeClr val="accent1">
+              <a:shade val="15000"/>
+            </a:schemeClr>
+          </a:lnRef>
+          <a:fillRef idx="1">
+            <a:schemeClr val="accent1"/>
+          </a:fillRef>
+          <a:effectRef idx="0">
+            <a:schemeClr val="accent1"/>
+          </a:effectRef>
+          <a:fontRef idx="minor">
+            <a:schemeClr val="lt1"/>
+          </a:fontRef>
+        </p:style>
+        <p:txBody>
+          <a:bodyPr rtlCol="0" anchor="ctr"/>
+          <a:lstStyle/>
+          <a:p>
+            <a:pPr algn="ctr"/>
+            <a:endParaRPr lang="en-IN"/>
+          </a:p>
+        </p:txBody>
+      </p:sp>
+      <p:sp>
+        <p:nvSpPr>
+          <p:cNvPr id="11" name="Arrow: Right 10">
+            <a:extLst>
+              <a:ext uri="{FF2B5EF4-FFF2-40B4-BE49-F238E27FC236}">
+                <a16:creationId xmlns:a16="http://schemas.microsoft.com/office/drawing/2014/main" id="{8E0185CB-E31B-EDAA-E947-737C1C1CC0D0}"/>
+              </a:ext>
+            </a:extLst>
+          </p:cNvPr>
+          <p:cNvSpPr/>
+          <p:nvPr/>
+        </p:nvSpPr>
+        <p:spPr>
+          <a:xfrm>
+            <a:off x="7034165" y="1912257"/>
+            <a:ext cx="990599" cy="312057"/>
+          </a:xfrm>
+          <a:prstGeom prst="rightArrow">
+            <a:avLst/>
+          </a:prstGeom>
+        </p:spPr>
+        <p:style>
+          <a:lnRef idx="2">
+            <a:schemeClr val="accent1">
+              <a:shade val="15000"/>
+            </a:schemeClr>
+          </a:lnRef>
+          <a:fillRef idx="1">
+            <a:schemeClr val="accent1"/>
+          </a:fillRef>
+          <a:effectRef idx="0">
+            <a:schemeClr val="accent1"/>
+          </a:effectRef>
+          <a:fontRef idx="minor">
+            <a:schemeClr val="lt1"/>
+          </a:fontRef>
+        </p:style>
+        <p:txBody>
+          <a:bodyPr rtlCol="0" anchor="ctr"/>
+          <a:lstStyle/>
+          <a:p>
+            <a:pPr algn="ctr"/>
+            <a:endParaRPr lang="en-IN"/>
+          </a:p>
+        </p:txBody>
+      </p:sp>
+      <p:sp>
+        <p:nvSpPr>
+          <p:cNvPr id="12" name="Arrow: Right 11">
+            <a:extLst>
+              <a:ext uri="{FF2B5EF4-FFF2-40B4-BE49-F238E27FC236}">
+                <a16:creationId xmlns:a16="http://schemas.microsoft.com/office/drawing/2014/main" id="{E25285CD-99E1-2293-2031-3DBF4CF2A80C}"/>
+              </a:ext>
+            </a:extLst>
+          </p:cNvPr>
+          <p:cNvSpPr/>
+          <p:nvPr/>
+        </p:nvSpPr>
+        <p:spPr>
+          <a:xfrm rot="5400000">
+            <a:off x="8197291" y="3037464"/>
+            <a:ext cx="970640" cy="371235"/>
+          </a:xfrm>
+          <a:prstGeom prst="rightArrow">
+            <a:avLst/>
+          </a:prstGeom>
+        </p:spPr>
+        <p:style>
+          <a:lnRef idx="2">
+            <a:schemeClr val="accent1">
+              <a:shade val="15000"/>
+            </a:schemeClr>
+          </a:lnRef>
+          <a:fillRef idx="1">
+            <a:schemeClr val="accent1"/>
+          </a:fillRef>
+          <a:effectRef idx="0">
+            <a:schemeClr val="accent1"/>
+          </a:effectRef>
+          <a:fontRef idx="minor">
+            <a:schemeClr val="lt1"/>
+          </a:fontRef>
+        </p:style>
+        <p:txBody>
+          <a:bodyPr rtlCol="0" anchor="ctr"/>
+          <a:lstStyle/>
+          <a:p>
+            <a:pPr algn="ctr"/>
+            <a:endParaRPr lang="en-IN"/>
+          </a:p>
+        </p:txBody>
+      </p:sp>
+      <p:sp>
+        <p:nvSpPr>
+          <p:cNvPr id="13" name="Arrow: Right 12">
+            <a:extLst>
+              <a:ext uri="{FF2B5EF4-FFF2-40B4-BE49-F238E27FC236}">
+                <a16:creationId xmlns:a16="http://schemas.microsoft.com/office/drawing/2014/main" id="{1225FA5C-60EE-9A80-1F44-23287C750F9A}"/>
+              </a:ext>
+            </a:extLst>
+          </p:cNvPr>
+          <p:cNvSpPr/>
+          <p:nvPr/>
+        </p:nvSpPr>
+        <p:spPr>
+          <a:xfrm rot="10800000">
+            <a:off x="5165450" y="4212772"/>
+            <a:ext cx="1338585" cy="371235"/>
+          </a:xfrm>
+          <a:prstGeom prst="rightArrow">
+            <a:avLst/>
+          </a:prstGeom>
+        </p:spPr>
+        <p:style>
+          <a:lnRef idx="2">
+            <a:schemeClr val="accent1">
+              <a:shade val="15000"/>
+            </a:schemeClr>
+          </a:lnRef>
+          <a:fillRef idx="1">
+            <a:schemeClr val="accent1"/>
+          </a:fillRef>
+          <a:effectRef idx="0">
+            <a:schemeClr val="accent1"/>
+          </a:effectRef>
+          <a:fontRef idx="minor">
+            <a:schemeClr val="lt1"/>
+          </a:fontRef>
+        </p:style>
+        <p:txBody>
+          <a:bodyPr rtlCol="0" anchor="ctr"/>
+          <a:lstStyle/>
+          <a:p>
+            <a:pPr algn="ctr"/>
+            <a:endParaRPr lang="en-IN"/>
+          </a:p>
+        </p:txBody>
+      </p:sp>
+    </p:spTree>
+    <p:extLst>
+      <p:ext uri="{BB962C8B-B14F-4D97-AF65-F5344CB8AC3E}">
+        <p14:creationId xmlns:p14="http://schemas.microsoft.com/office/powerpoint/2010/main" val="984036470"/>
       </p:ext>
     </p:extLst>
   </p:cSld>
@@ -6824,7 +8162,7 @@
                                           </p:stCondLst>
                                         </p:cTn>
                                         <p:tgtEl>
-                                          <p:spTgt spid="2"/>
+                                          <p:spTgt spid="10"/>
                                         </p:tgtEl>
                                         <p:attrNameLst>
                                           <p:attrName>style.visibility</p:attrName>
@@ -6838,7 +8176,306 @@
                                       <p:cBhvr>
                                         <p:cTn id="7" dur="500"/>
                                         <p:tgtEl>
-                                          <p:spTgt spid="2"/>
+                                          <p:spTgt spid="10"/>
+                                        </p:tgtEl>
+                                      </p:cBhvr>
+                                    </p:animEffect>
+                                  </p:childTnLst>
+                                </p:cTn>
+                              </p:par>
+                              <p:par>
+                                <p:cTn id="8" presetID="10" presetClass="entr" presetSubtype="0" fill="hold" grpId="0" nodeType="withEffect">
+                                  <p:stCondLst>
+                                    <p:cond delay="0"/>
+                                  </p:stCondLst>
+                                  <p:childTnLst>
+                                    <p:set>
+                                      <p:cBhvr>
+                                        <p:cTn id="9" dur="1" fill="hold">
+                                          <p:stCondLst>
+                                            <p:cond delay="0"/>
+                                          </p:stCondLst>
+                                        </p:cTn>
+                                        <p:tgtEl>
+                                          <p:spTgt spid="5"/>
+                                        </p:tgtEl>
+                                        <p:attrNameLst>
+                                          <p:attrName>style.visibility</p:attrName>
+                                        </p:attrNameLst>
+                                      </p:cBhvr>
+                                      <p:to>
+                                        <p:strVal val="visible"/>
+                                      </p:to>
+                                    </p:set>
+                                    <p:animEffect transition="in" filter="fade">
+                                      <p:cBhvr>
+                                        <p:cTn id="10" dur="500"/>
+                                        <p:tgtEl>
+                                          <p:spTgt spid="5"/>
+                                        </p:tgtEl>
+                                      </p:cBhvr>
+                                    </p:animEffect>
+                                  </p:childTnLst>
+                                </p:cTn>
+                              </p:par>
+                            </p:childTnLst>
+                          </p:cTn>
+                        </p:par>
+                      </p:childTnLst>
+                    </p:cTn>
+                  </p:par>
+                  <p:par>
+                    <p:cTn id="11" fill="hold">
+                      <p:stCondLst>
+                        <p:cond delay="indefinite"/>
+                      </p:stCondLst>
+                      <p:childTnLst>
+                        <p:par>
+                          <p:cTn id="12" fill="hold">
+                            <p:stCondLst>
+                              <p:cond delay="0"/>
+                            </p:stCondLst>
+                            <p:childTnLst>
+                              <p:par>
+                                <p:cTn id="13" presetID="10" presetClass="entr" presetSubtype="0" fill="hold" grpId="0" nodeType="clickEffect">
+                                  <p:stCondLst>
+                                    <p:cond delay="0"/>
+                                  </p:stCondLst>
+                                  <p:childTnLst>
+                                    <p:set>
+                                      <p:cBhvr>
+                                        <p:cTn id="14" dur="1" fill="hold">
+                                          <p:stCondLst>
+                                            <p:cond delay="0"/>
+                                          </p:stCondLst>
+                                        </p:cTn>
+                                        <p:tgtEl>
+                                          <p:spTgt spid="11"/>
+                                        </p:tgtEl>
+                                        <p:attrNameLst>
+                                          <p:attrName>style.visibility</p:attrName>
+                                        </p:attrNameLst>
+                                      </p:cBhvr>
+                                      <p:to>
+                                        <p:strVal val="visible"/>
+                                      </p:to>
+                                    </p:set>
+                                    <p:animEffect transition="in" filter="fade">
+                                      <p:cBhvr>
+                                        <p:cTn id="15" dur="500"/>
+                                        <p:tgtEl>
+                                          <p:spTgt spid="11"/>
+                                        </p:tgtEl>
+                                      </p:cBhvr>
+                                    </p:animEffect>
+                                  </p:childTnLst>
+                                </p:cTn>
+                              </p:par>
+                              <p:par>
+                                <p:cTn id="16" presetID="10" presetClass="entr" presetSubtype="0" fill="hold" grpId="0" nodeType="withEffect">
+                                  <p:stCondLst>
+                                    <p:cond delay="0"/>
+                                  </p:stCondLst>
+                                  <p:childTnLst>
+                                    <p:set>
+                                      <p:cBhvr>
+                                        <p:cTn id="17" dur="1" fill="hold">
+                                          <p:stCondLst>
+                                            <p:cond delay="0"/>
+                                          </p:stCondLst>
+                                        </p:cTn>
+                                        <p:tgtEl>
+                                          <p:spTgt spid="6"/>
+                                        </p:tgtEl>
+                                        <p:attrNameLst>
+                                          <p:attrName>style.visibility</p:attrName>
+                                        </p:attrNameLst>
+                                      </p:cBhvr>
+                                      <p:to>
+                                        <p:strVal val="visible"/>
+                                      </p:to>
+                                    </p:set>
+                                    <p:animEffect transition="in" filter="fade">
+                                      <p:cBhvr>
+                                        <p:cTn id="18" dur="500"/>
+                                        <p:tgtEl>
+                                          <p:spTgt spid="6"/>
+                                        </p:tgtEl>
+                                      </p:cBhvr>
+                                    </p:animEffect>
+                                  </p:childTnLst>
+                                </p:cTn>
+                              </p:par>
+                            </p:childTnLst>
+                          </p:cTn>
+                        </p:par>
+                      </p:childTnLst>
+                    </p:cTn>
+                  </p:par>
+                  <p:par>
+                    <p:cTn id="19" fill="hold">
+                      <p:stCondLst>
+                        <p:cond delay="indefinite"/>
+                      </p:stCondLst>
+                      <p:childTnLst>
+                        <p:par>
+                          <p:cTn id="20" fill="hold">
+                            <p:stCondLst>
+                              <p:cond delay="0"/>
+                            </p:stCondLst>
+                            <p:childTnLst>
+                              <p:par>
+                                <p:cTn id="21" presetID="10" presetClass="entr" presetSubtype="0" fill="hold" grpId="0" nodeType="clickEffect">
+                                  <p:stCondLst>
+                                    <p:cond delay="0"/>
+                                  </p:stCondLst>
+                                  <p:childTnLst>
+                                    <p:set>
+                                      <p:cBhvr>
+                                        <p:cTn id="22" dur="1" fill="hold">
+                                          <p:stCondLst>
+                                            <p:cond delay="0"/>
+                                          </p:stCondLst>
+                                        </p:cTn>
+                                        <p:tgtEl>
+                                          <p:spTgt spid="12"/>
+                                        </p:tgtEl>
+                                        <p:attrNameLst>
+                                          <p:attrName>style.visibility</p:attrName>
+                                        </p:attrNameLst>
+                                      </p:cBhvr>
+                                      <p:to>
+                                        <p:strVal val="visible"/>
+                                      </p:to>
+                                    </p:set>
+                                    <p:animEffect transition="in" filter="fade">
+                                      <p:cBhvr>
+                                        <p:cTn id="23" dur="500"/>
+                                        <p:tgtEl>
+                                          <p:spTgt spid="12"/>
+                                        </p:tgtEl>
+                                      </p:cBhvr>
+                                    </p:animEffect>
+                                  </p:childTnLst>
+                                </p:cTn>
+                              </p:par>
+                              <p:par>
+                                <p:cTn id="24" presetID="10" presetClass="entr" presetSubtype="0" fill="hold" grpId="0" nodeType="withEffect">
+                                  <p:stCondLst>
+                                    <p:cond delay="0"/>
+                                  </p:stCondLst>
+                                  <p:childTnLst>
+                                    <p:set>
+                                      <p:cBhvr>
+                                        <p:cTn id="25" dur="1" fill="hold">
+                                          <p:stCondLst>
+                                            <p:cond delay="0"/>
+                                          </p:stCondLst>
+                                        </p:cTn>
+                                        <p:tgtEl>
+                                          <p:spTgt spid="7"/>
+                                        </p:tgtEl>
+                                        <p:attrNameLst>
+                                          <p:attrName>style.visibility</p:attrName>
+                                        </p:attrNameLst>
+                                      </p:cBhvr>
+                                      <p:to>
+                                        <p:strVal val="visible"/>
+                                      </p:to>
+                                    </p:set>
+                                    <p:animEffect transition="in" filter="fade">
+                                      <p:cBhvr>
+                                        <p:cTn id="26" dur="500"/>
+                                        <p:tgtEl>
+                                          <p:spTgt spid="7"/>
+                                        </p:tgtEl>
+                                      </p:cBhvr>
+                                    </p:animEffect>
+                                  </p:childTnLst>
+                                </p:cTn>
+                              </p:par>
+                            </p:childTnLst>
+                          </p:cTn>
+                        </p:par>
+                      </p:childTnLst>
+                    </p:cTn>
+                  </p:par>
+                  <p:par>
+                    <p:cTn id="27" fill="hold">
+                      <p:stCondLst>
+                        <p:cond delay="indefinite"/>
+                      </p:stCondLst>
+                      <p:childTnLst>
+                        <p:par>
+                          <p:cTn id="28" fill="hold">
+                            <p:stCondLst>
+                              <p:cond delay="0"/>
+                            </p:stCondLst>
+                            <p:childTnLst>
+                              <p:par>
+                                <p:cTn id="29" presetID="10" presetClass="entr" presetSubtype="0" fill="hold" grpId="0" nodeType="clickEffect">
+                                  <p:stCondLst>
+                                    <p:cond delay="0"/>
+                                  </p:stCondLst>
+                                  <p:childTnLst>
+                                    <p:set>
+                                      <p:cBhvr>
+                                        <p:cTn id="30" dur="1" fill="hold">
+                                          <p:stCondLst>
+                                            <p:cond delay="0"/>
+                                          </p:stCondLst>
+                                        </p:cTn>
+                                        <p:tgtEl>
+                                          <p:spTgt spid="13"/>
+                                        </p:tgtEl>
+                                        <p:attrNameLst>
+                                          <p:attrName>style.visibility</p:attrName>
+                                        </p:attrNameLst>
+                                      </p:cBhvr>
+                                      <p:to>
+                                        <p:strVal val="visible"/>
+                                      </p:to>
+                                    </p:set>
+                                    <p:animEffect transition="in" filter="fade">
+                                      <p:cBhvr>
+                                        <p:cTn id="31" dur="500"/>
+                                        <p:tgtEl>
+                                          <p:spTgt spid="13"/>
+                                        </p:tgtEl>
+                                      </p:cBhvr>
+                                    </p:animEffect>
+                                  </p:childTnLst>
+                                </p:cTn>
+                              </p:par>
+                              <p:par>
+                                <p:cTn id="32" presetID="10" presetClass="entr" presetSubtype="0" fill="hold" grpId="0" nodeType="withEffect">
+                                  <p:stCondLst>
+                                    <p:cond delay="0"/>
+                                  </p:stCondLst>
+                                  <p:childTnLst>
+                                    <p:set>
+                                      <p:cBhvr>
+                                        <p:cTn id="33" dur="1" fill="hold">
+                                          <p:stCondLst>
+                                            <p:cond delay="0"/>
+                                          </p:stCondLst>
+                                        </p:cTn>
+                                        <p:tgtEl>
+                                          <p:spTgt spid="8"/>
+                                        </p:tgtEl>
+                                        <p:attrNameLst>
+                                          <p:attrName>style.visibility</p:attrName>
+                                        </p:attrNameLst>
+                                      </p:cBhvr>
+                                      <p:to>
+                                        <p:strVal val="visible"/>
+                                      </p:to>
+                                    </p:set>
+                                    <p:animEffect transition="in" filter="fade">
+                                      <p:cBhvr>
+                                        <p:cTn id="34" dur="500"/>
+                                        <p:tgtEl>
+                                          <p:spTgt spid="8"/>
                                         </p:tgtEl>
                                       </p:cBhvr>
                                     </p:animEffect>
@@ -6873,9 +8510,46 @@
       </p:par>
     </p:tnLst>
     <p:bldLst>
-      <p:bldP spid="2" grpId="0"/>
+      <p:bldP spid="5" grpId="0" animBg="1"/>
+      <p:bldP spid="6" grpId="0" animBg="1"/>
+      <p:bldP spid="7" grpId="0" animBg="1"/>
+      <p:bldP spid="8" grpId="0" animBg="1"/>
+      <p:bldP spid="10" grpId="0" animBg="1"/>
+      <p:bldP spid="11" grpId="0" animBg="1"/>
+      <p:bldP spid="12" grpId="0" animBg="1"/>
+      <p:bldP spid="13" grpId="0" animBg="1"/>
     </p:bldLst>
   </p:timing>
+</p:sld>
+</file>
+
+<file path=ppt/slides/slide6.xml><?xml version="1.0" encoding="utf-8"?>
+<p:sld xmlns:a="http://schemas.openxmlformats.org/drawingml/2006/main" xmlns:r="http://schemas.openxmlformats.org/officeDocument/2006/relationships" xmlns:p="http://schemas.openxmlformats.org/presentationml/2006/main">
+  <p:cSld>
+    <p:spTree>
+      <p:nvGrpSpPr>
+        <p:cNvPr id="1" name=""/>
+        <p:cNvGrpSpPr/>
+        <p:nvPr/>
+      </p:nvGrpSpPr>
+      <p:grpSpPr>
+        <a:xfrm>
+          <a:off x="0" y="0"/>
+          <a:ext cx="0" cy="0"/>
+          <a:chOff x="0" y="0"/>
+          <a:chExt cx="0" cy="0"/>
+        </a:xfrm>
+      </p:grpSpPr>
+    </p:spTree>
+    <p:extLst>
+      <p:ext uri="{BB962C8B-B14F-4D97-AF65-F5344CB8AC3E}">
+        <p14:creationId xmlns:p14="http://schemas.microsoft.com/office/powerpoint/2010/main" val="2310423676"/>
+      </p:ext>
+    </p:extLst>
+  </p:cSld>
+  <p:clrMapOvr>
+    <a:masterClrMapping/>
+  </p:clrMapOvr>
 </p:sld>
 </file>
 
